--- a/slides/day 3/D3C2_Transformers.pptx
+++ b/slides/day 3/D3C2_Transformers.pptx
@@ -6034,43 +6034,6 @@
                 </a:solidFill>
               </a:rPr>
               <a:t>Class 6: Transformers for weather forecasting</a:t>
-            </a:r>
-            <a:endParaRPr lang="en-US" dirty="0"/>
-          </a:p>
-        </p:txBody>
-      </p:sp>
-      <p:sp>
-        <p:nvSpPr>
-          <p:cNvPr id="4" name="Date Placeholder 3">
-            <a:extLst>
-              <a:ext uri="{FF2B5EF4-FFF2-40B4-BE49-F238E27FC236}">
-                <a16:creationId xmlns:a16="http://schemas.microsoft.com/office/drawing/2014/main" id="{2C83DDF0-7F71-C659-1382-6A998C0FCCEF}"/>
-              </a:ext>
-            </a:extLst>
-          </p:cNvPr>
-          <p:cNvSpPr>
-            <a:spLocks noGrp="1"/>
-          </p:cNvSpPr>
-          <p:nvPr>
-            <p:ph type="dt" sz="half" idx="10"/>
-          </p:nvPr>
-        </p:nvSpPr>
-        <p:spPr/>
-        <p:txBody>
-          <a:bodyPr/>
-          <a:lstStyle/>
-          <a:p>
-            <a:r>
-              <a:rPr lang="en-IE" dirty="0"/>
-              <a:t>9</a:t>
-            </a:r>
-            <a:r>
-              <a:rPr lang="en-IE" baseline="30000" dirty="0"/>
-              <a:t>th</a:t>
-            </a:r>
-            <a:r>
-              <a:rPr lang="en-IE" dirty="0"/>
-              <a:t> October 2025</a:t>
             </a:r>
             <a:endParaRPr lang="en-US" dirty="0"/>
           </a:p>

--- a/slides/day 3/D3C2_Transformers.pptx
+++ b/slides/day 3/D3C2_Transformers.pptx
@@ -5,7 +5,7 @@
     <p:sldMasterId id="2147483648" r:id="rId1"/>
   </p:sldMasterIdLst>
   <p:notesMasterIdLst>
-    <p:notesMasterId r:id="rId26"/>
+    <p:notesMasterId r:id="rId23"/>
   </p:notesMasterIdLst>
   <p:sldIdLst>
     <p:sldId id="256" r:id="rId2"/>
@@ -13,25 +13,22 @@
     <p:sldId id="289" r:id="rId4"/>
     <p:sldId id="290" r:id="rId5"/>
     <p:sldId id="291" r:id="rId6"/>
-    <p:sldId id="292" r:id="rId7"/>
-    <p:sldId id="293" r:id="rId8"/>
+    <p:sldId id="323" r:id="rId7"/>
+    <p:sldId id="292" r:id="rId8"/>
     <p:sldId id="294" r:id="rId9"/>
-    <p:sldId id="295" r:id="rId10"/>
-    <p:sldId id="296" r:id="rId11"/>
-    <p:sldId id="297" r:id="rId12"/>
-    <p:sldId id="298" r:id="rId13"/>
-    <p:sldId id="299" r:id="rId14"/>
-    <p:sldId id="300" r:id="rId15"/>
-    <p:sldId id="301" r:id="rId16"/>
-    <p:sldId id="302" r:id="rId17"/>
-    <p:sldId id="273" r:id="rId18"/>
-    <p:sldId id="276" r:id="rId19"/>
-    <p:sldId id="303" r:id="rId20"/>
-    <p:sldId id="304" r:id="rId21"/>
-    <p:sldId id="305" r:id="rId22"/>
-    <p:sldId id="285" r:id="rId23"/>
-    <p:sldId id="321" r:id="rId24"/>
-    <p:sldId id="322" r:id="rId25"/>
+    <p:sldId id="296" r:id="rId10"/>
+    <p:sldId id="298" r:id="rId11"/>
+    <p:sldId id="300" r:id="rId12"/>
+    <p:sldId id="301" r:id="rId13"/>
+    <p:sldId id="324" r:id="rId14"/>
+    <p:sldId id="276" r:id="rId15"/>
+    <p:sldId id="303" r:id="rId16"/>
+    <p:sldId id="304" r:id="rId17"/>
+    <p:sldId id="305" r:id="rId18"/>
+    <p:sldId id="325" r:id="rId19"/>
+    <p:sldId id="285" r:id="rId20"/>
+    <p:sldId id="321" r:id="rId21"/>
+    <p:sldId id="322" r:id="rId22"/>
   </p:sldIdLst>
   <p:sldSz cx="12192000" cy="6858000"/>
   <p:notesSz cx="6858000" cy="9144000"/>
@@ -152,424 +149,6 @@
     </mc:Fallback>
   </mc:AlternateContent>
   <c:chart>
-    <c:title>
-      <c:tx>
-        <c:rich>
-          <a:bodyPr/>
-          <a:lstStyle/>
-          <a:p>
-            <a:pPr>
-              <a:defRPr sz="1800" b="0" i="0" u="none" strike="noStrike">
-                <a:solidFill>
-                  <a:srgbClr val="000000"/>
-                </a:solidFill>
-                <a:latin typeface="Arial"/>
-              </a:defRPr>
-            </a:pPr>
-            <a:r>
-              <a:rPr lang="en-IE" sz="1800" b="0" i="0" u="none" strike="noStrike">
-                <a:solidFill>
-                  <a:srgbClr val="000000"/>
-                </a:solidFill>
-                <a:latin typeface="Arial"/>
-              </a:rPr>
-              <a:t>Complexity Comparison</a:t>
-            </a:r>
-          </a:p>
-        </c:rich>
-      </c:tx>
-      <c:overlay val="0"/>
-    </c:title>
-    <c:autoTitleDeleted val="0"/>
-    <c:plotArea>
-      <c:layout/>
-      <c:lineChart>
-        <c:grouping val="standard"/>
-        <c:varyColors val="0"/>
-        <c:ser>
-          <c:idx val="0"/>
-          <c:order val="0"/>
-          <c:tx>
-            <c:strRef>
-              <c:f>Sheet1!$B$1</c:f>
-              <c:strCache>
-                <c:ptCount val="1"/>
-                <c:pt idx="0">
-                  <c:v>RNN/LSTM (O(n))</c:v>
-                </c:pt>
-              </c:strCache>
-            </c:strRef>
-          </c:tx>
-          <c:spPr>
-            <a:ln w="25400" cap="flat">
-              <a:solidFill>
-                <a:srgbClr val="7FA2D0"/>
-              </a:solidFill>
-              <a:prstDash val="solid"/>
-              <a:round/>
-            </a:ln>
-            <a:effectLst/>
-          </c:spPr>
-          <c:marker>
-            <c:symbol val="circle"/>
-            <c:size val="6"/>
-            <c:spPr>
-              <a:solidFill>
-                <a:srgbClr val="7FA2D0"/>
-              </a:solidFill>
-              <a:ln w="9525" cap="flat">
-                <a:solidFill>
-                  <a:srgbClr val="7FA2D0"/>
-                </a:solidFill>
-                <a:prstDash val="solid"/>
-                <a:round/>
-              </a:ln>
-              <a:effectLst/>
-            </c:spPr>
-          </c:marker>
-          <c:cat>
-            <c:strRef>
-              <c:f>Sheet1!$A$2:$A$5</c:f>
-              <c:strCache>
-                <c:ptCount val="4"/>
-                <c:pt idx="0">
-                  <c:v>10</c:v>
-                </c:pt>
-                <c:pt idx="1">
-                  <c:v>20</c:v>
-                </c:pt>
-                <c:pt idx="2">
-                  <c:v>30</c:v>
-                </c:pt>
-                <c:pt idx="3">
-                  <c:v>40</c:v>
-                </c:pt>
-              </c:strCache>
-            </c:strRef>
-          </c:cat>
-          <c:val>
-            <c:numRef>
-              <c:f>Sheet1!$B$2:$B$5</c:f>
-              <c:numCache>
-                <c:formatCode>General</c:formatCode>
-                <c:ptCount val="4"/>
-                <c:pt idx="0">
-                  <c:v>10</c:v>
-                </c:pt>
-                <c:pt idx="1">
-                  <c:v>20</c:v>
-                </c:pt>
-                <c:pt idx="2">
-                  <c:v>30</c:v>
-                </c:pt>
-                <c:pt idx="3">
-                  <c:v>40</c:v>
-                </c:pt>
-              </c:numCache>
-            </c:numRef>
-          </c:val>
-          <c:smooth val="0"/>
-          <c:extLst>
-            <c:ext xmlns:c16="http://schemas.microsoft.com/office/drawing/2014/chart" uri="{C3380CC4-5D6E-409C-BE32-E72D297353CC}">
-              <c16:uniqueId val="{00000000-348F-FE43-BDBD-3361C4786622}"/>
-            </c:ext>
-          </c:extLst>
-        </c:ser>
-        <c:ser>
-          <c:idx val="1"/>
-          <c:order val="1"/>
-          <c:tx>
-            <c:strRef>
-              <c:f>Sheet1!$C$1</c:f>
-              <c:strCache>
-                <c:ptCount val="1"/>
-                <c:pt idx="0">
-                  <c:v>Transformer (O(n²))</c:v>
-                </c:pt>
-              </c:strCache>
-            </c:strRef>
-          </c:tx>
-          <c:spPr>
-            <a:ln w="25400" cap="flat">
-              <a:solidFill>
-                <a:srgbClr val="F7B26A"/>
-              </a:solidFill>
-              <a:prstDash val="solid"/>
-              <a:round/>
-            </a:ln>
-            <a:effectLst/>
-          </c:spPr>
-          <c:marker>
-            <c:symbol val="circle"/>
-            <c:size val="6"/>
-            <c:spPr>
-              <a:solidFill>
-                <a:srgbClr val="F7B26A"/>
-              </a:solidFill>
-              <a:ln w="9525" cap="flat">
-                <a:solidFill>
-                  <a:srgbClr val="F7B26A"/>
-                </a:solidFill>
-                <a:prstDash val="solid"/>
-                <a:round/>
-              </a:ln>
-              <a:effectLst/>
-            </c:spPr>
-          </c:marker>
-          <c:cat>
-            <c:strRef>
-              <c:f>Sheet1!$A$2:$A$5</c:f>
-              <c:strCache>
-                <c:ptCount val="4"/>
-                <c:pt idx="0">
-                  <c:v>10</c:v>
-                </c:pt>
-                <c:pt idx="1">
-                  <c:v>20</c:v>
-                </c:pt>
-                <c:pt idx="2">
-                  <c:v>30</c:v>
-                </c:pt>
-                <c:pt idx="3">
-                  <c:v>40</c:v>
-                </c:pt>
-              </c:strCache>
-            </c:strRef>
-          </c:cat>
-          <c:val>
-            <c:numRef>
-              <c:f>Sheet1!$C$2:$C$5</c:f>
-              <c:numCache>
-                <c:formatCode>General</c:formatCode>
-                <c:ptCount val="4"/>
-                <c:pt idx="0">
-                  <c:v>100</c:v>
-                </c:pt>
-                <c:pt idx="1">
-                  <c:v>400</c:v>
-                </c:pt>
-                <c:pt idx="2">
-                  <c:v>900</c:v>
-                </c:pt>
-                <c:pt idx="3">
-                  <c:v>1600</c:v>
-                </c:pt>
-              </c:numCache>
-            </c:numRef>
-          </c:val>
-          <c:smooth val="0"/>
-          <c:extLst>
-            <c:ext xmlns:c16="http://schemas.microsoft.com/office/drawing/2014/chart" uri="{C3380CC4-5D6E-409C-BE32-E72D297353CC}">
-              <c16:uniqueId val="{00000001-348F-FE43-BDBD-3361C4786622}"/>
-            </c:ext>
-          </c:extLst>
-        </c:ser>
-        <c:dLbls>
-          <c:showLegendKey val="0"/>
-          <c:showVal val="0"/>
-          <c:showCatName val="0"/>
-          <c:showSerName val="0"/>
-          <c:showPercent val="0"/>
-          <c:showBubbleSize val="0"/>
-        </c:dLbls>
-        <c:marker val="1"/>
-        <c:smooth val="0"/>
-        <c:axId val="2094734554"/>
-        <c:axId val="2094734552"/>
-      </c:lineChart>
-      <c:catAx>
-        <c:axId val="2094734554"/>
-        <c:scaling>
-          <c:orientation val="minMax"/>
-        </c:scaling>
-        <c:delete val="0"/>
-        <c:axPos val="b"/>
-        <c:title>
-          <c:tx>
-            <c:rich>
-              <a:bodyPr/>
-              <a:lstStyle/>
-              <a:p>
-                <a:pPr>
-                  <a:defRPr b="0" i="0" u="none" strike="noStrike">
-                    <a:solidFill>
-                      <a:srgbClr val="000000"/>
-                    </a:solidFill>
-                    <a:latin typeface="Arial"/>
-                  </a:defRPr>
-                </a:pPr>
-                <a:r>
-                  <a:rPr lang="en-IE" b="0" i="0" u="none" strike="noStrike">
-                    <a:solidFill>
-                      <a:srgbClr val="000000"/>
-                    </a:solidFill>
-                    <a:latin typeface="Arial"/>
-                  </a:rPr>
-                  <a:t>Sequence length (n)</a:t>
-                </a:r>
-              </a:p>
-            </c:rich>
-          </c:tx>
-          <c:overlay val="0"/>
-        </c:title>
-        <c:numFmt formatCode="General" sourceLinked="1"/>
-        <c:majorTickMark val="out"/>
-        <c:minorTickMark val="none"/>
-        <c:tickLblPos val="low"/>
-        <c:spPr>
-          <a:ln w="12700" cap="flat">
-            <a:solidFill>
-              <a:srgbClr val="030A18"/>
-            </a:solidFill>
-            <a:prstDash val="solid"/>
-            <a:round/>
-          </a:ln>
-        </c:spPr>
-        <c:txPr>
-          <a:bodyPr/>
-          <a:lstStyle/>
-          <a:p>
-            <a:pPr>
-              <a:defRPr sz="800" b="0" i="0" u="none" strike="noStrike">
-                <a:solidFill>
-                  <a:srgbClr val="030A18"/>
-                </a:solidFill>
-                <a:latin typeface="Arial"/>
-              </a:defRPr>
-            </a:pPr>
-            <a:endParaRPr lang="en-US"/>
-          </a:p>
-        </c:txPr>
-        <c:crossAx val="2094734552"/>
-        <c:crosses val="autoZero"/>
-        <c:auto val="1"/>
-        <c:lblAlgn val="ctr"/>
-        <c:lblOffset val="100"/>
-        <c:noMultiLvlLbl val="1"/>
-      </c:catAx>
-      <c:valAx>
-        <c:axId val="2094734552"/>
-        <c:scaling>
-          <c:orientation val="minMax"/>
-        </c:scaling>
-        <c:delete val="0"/>
-        <c:axPos val="l"/>
-        <c:majorGridlines>
-          <c:spPr>
-            <a:ln w="12700" cap="flat">
-              <a:solidFill>
-                <a:srgbClr val="888888"/>
-              </a:solidFill>
-              <a:prstDash val="solid"/>
-              <a:round/>
-            </a:ln>
-          </c:spPr>
-        </c:majorGridlines>
-        <c:title>
-          <c:tx>
-            <c:rich>
-              <a:bodyPr/>
-              <a:lstStyle/>
-              <a:p>
-                <a:pPr>
-                  <a:defRPr b="0" i="0" u="none" strike="noStrike">
-                    <a:solidFill>
-                      <a:srgbClr val="000000"/>
-                    </a:solidFill>
-                    <a:latin typeface="Arial"/>
-                  </a:defRPr>
-                </a:pPr>
-                <a:r>
-                  <a:rPr lang="en-IE" b="0" i="0" u="none" strike="noStrike">
-                    <a:solidFill>
-                      <a:srgbClr val="000000"/>
-                    </a:solidFill>
-                    <a:latin typeface="Arial"/>
-                  </a:rPr>
-                  <a:t>Operations (arb. units)</a:t>
-                </a:r>
-              </a:p>
-            </c:rich>
-          </c:tx>
-          <c:overlay val="0"/>
-        </c:title>
-        <c:numFmt formatCode="General" sourceLinked="0"/>
-        <c:majorTickMark val="out"/>
-        <c:minorTickMark val="none"/>
-        <c:tickLblPos val="nextTo"/>
-        <c:spPr>
-          <a:ln w="12700" cap="flat">
-            <a:solidFill>
-              <a:srgbClr val="030A18"/>
-            </a:solidFill>
-            <a:prstDash val="solid"/>
-            <a:round/>
-          </a:ln>
-        </c:spPr>
-        <c:txPr>
-          <a:bodyPr/>
-          <a:lstStyle/>
-          <a:p>
-            <a:pPr>
-              <a:defRPr sz="800" b="0" i="0" u="none" strike="noStrike">
-                <a:solidFill>
-                  <a:srgbClr val="030A18"/>
-                </a:solidFill>
-                <a:latin typeface="Arial"/>
-              </a:defRPr>
-            </a:pPr>
-            <a:endParaRPr lang="en-US"/>
-          </a:p>
-        </c:txPr>
-        <c:crossAx val="2094734554"/>
-        <c:crosses val="autoZero"/>
-        <c:crossBetween val="between"/>
-      </c:valAx>
-      <c:spPr>
-        <a:noFill/>
-        <a:ln>
-          <a:noFill/>
-        </a:ln>
-        <a:effectLst/>
-      </c:spPr>
-    </c:plotArea>
-    <c:legend>
-      <c:legendPos val="b"/>
-      <c:overlay val="0"/>
-    </c:legend>
-    <c:plotVisOnly val="1"/>
-    <c:dispBlanksAs val="span"/>
-    <c:showDLblsOverMax val="1"/>
-  </c:chart>
-  <c:spPr>
-    <a:solidFill>
-      <a:schemeClr val="bg1"/>
-    </a:solidFill>
-    <a:ln>
-      <a:noFill/>
-    </a:ln>
-    <a:effectLst/>
-  </c:spPr>
-  <c:externalData r:id="rId1">
-    <c:autoUpdate val="0"/>
-  </c:externalData>
-</c:chartSpace>
-</file>
-
-<file path=ppt/charts/chart2.xml><?xml version="1.0" encoding="utf-8"?>
-<c:chartSpace xmlns:c="http://schemas.openxmlformats.org/drawingml/2006/chart" xmlns:a="http://schemas.openxmlformats.org/drawingml/2006/main" xmlns:r="http://schemas.openxmlformats.org/officeDocument/2006/relationships" xmlns:c16r2="http://schemas.microsoft.com/office/drawing/2015/06/chart">
-  <c:date1904 val="0"/>
-  <c:lang val="en-GB"/>
-  <c:roundedCorners val="1"/>
-  <mc:AlternateContent xmlns:mc="http://schemas.openxmlformats.org/markup-compatibility/2006">
-    <mc:Choice xmlns:c14="http://schemas.microsoft.com/office/drawing/2007/8/2/chart" Requires="c14">
-      <c14:style val="102"/>
-    </mc:Choice>
-    <mc:Fallback>
-      <c:style val="2"/>
-    </mc:Fallback>
-  </mc:AlternateContent>
-  <c:chart>
     <c:autoTitleDeleted val="1"/>
     <c:plotArea>
       <c:layout/>
@@ -1265,1041 +844,7 @@
 </c:chartSpace>
 </file>
 
-<file path=ppt/charts/chart3.xml><?xml version="1.0" encoding="utf-8"?>
-<c:chartSpace xmlns:c="http://schemas.openxmlformats.org/drawingml/2006/chart" xmlns:a="http://schemas.openxmlformats.org/drawingml/2006/main" xmlns:r="http://schemas.openxmlformats.org/officeDocument/2006/relationships" xmlns:c16r2="http://schemas.microsoft.com/office/drawing/2015/06/chart">
-  <c:date1904 val="0"/>
-  <c:lang val="en-GB"/>
-  <c:roundedCorners val="1"/>
-  <c:style val="2"/>
-  <c:chart>
-    <c:autoTitleDeleted val="1"/>
-    <c:plotArea>
-      <c:layout/>
-      <c:lineChart>
-        <c:grouping val="standard"/>
-        <c:varyColors val="0"/>
-        <c:ser>
-          <c:idx val="0"/>
-          <c:order val="0"/>
-          <c:tx>
-            <c:strRef>
-              <c:f>Sheet1!$B$1</c:f>
-              <c:strCache>
-                <c:ptCount val="1"/>
-                <c:pt idx="0">
-                  <c:v>Actual Temp</c:v>
-                </c:pt>
-              </c:strCache>
-            </c:strRef>
-          </c:tx>
-          <c:spPr>
-            <a:ln w="25400" cap="flat">
-              <a:solidFill>
-                <a:srgbClr val="7FA2D0"/>
-              </a:solidFill>
-              <a:prstDash val="solid"/>
-              <a:round/>
-            </a:ln>
-            <a:effectLst/>
-          </c:spPr>
-          <c:marker>
-            <c:symbol val="circle"/>
-            <c:size val="6"/>
-            <c:spPr>
-              <a:solidFill>
-                <a:srgbClr val="7FA2D0"/>
-              </a:solidFill>
-              <a:ln w="9525" cap="flat">
-                <a:solidFill>
-                  <a:srgbClr val="7FA2D0"/>
-                </a:solidFill>
-                <a:prstDash val="solid"/>
-                <a:round/>
-              </a:ln>
-              <a:effectLst/>
-            </c:spPr>
-          </c:marker>
-          <c:cat>
-            <c:strRef>
-              <c:f>Sheet1!$A$2:$A$21</c:f>
-              <c:strCache>
-                <c:ptCount val="20"/>
-                <c:pt idx="0">
-                  <c:v>D1</c:v>
-                </c:pt>
-                <c:pt idx="1">
-                  <c:v>D2</c:v>
-                </c:pt>
-                <c:pt idx="2">
-                  <c:v>D3</c:v>
-                </c:pt>
-                <c:pt idx="3">
-                  <c:v>D4</c:v>
-                </c:pt>
-                <c:pt idx="4">
-                  <c:v>D5</c:v>
-                </c:pt>
-                <c:pt idx="5">
-                  <c:v>D6</c:v>
-                </c:pt>
-                <c:pt idx="6">
-                  <c:v>D7</c:v>
-                </c:pt>
-                <c:pt idx="7">
-                  <c:v>D8</c:v>
-                </c:pt>
-                <c:pt idx="8">
-                  <c:v>D9</c:v>
-                </c:pt>
-                <c:pt idx="9">
-                  <c:v>D10</c:v>
-                </c:pt>
-                <c:pt idx="10">
-                  <c:v>D11</c:v>
-                </c:pt>
-                <c:pt idx="11">
-                  <c:v>D12</c:v>
-                </c:pt>
-                <c:pt idx="12">
-                  <c:v>D13</c:v>
-                </c:pt>
-                <c:pt idx="13">
-                  <c:v>D14</c:v>
-                </c:pt>
-                <c:pt idx="14">
-                  <c:v>D15</c:v>
-                </c:pt>
-                <c:pt idx="15">
-                  <c:v>D16</c:v>
-                </c:pt>
-                <c:pt idx="16">
-                  <c:v>D17</c:v>
-                </c:pt>
-                <c:pt idx="17">
-                  <c:v>D18</c:v>
-                </c:pt>
-                <c:pt idx="18">
-                  <c:v>D19</c:v>
-                </c:pt>
-                <c:pt idx="19">
-                  <c:v>D20</c:v>
-                </c:pt>
-              </c:strCache>
-            </c:strRef>
-          </c:cat>
-          <c:val>
-            <c:numRef>
-              <c:f>Sheet1!$B$2:$B$21</c:f>
-              <c:numCache>
-                <c:formatCode>General</c:formatCode>
-                <c:ptCount val="20"/>
-                <c:pt idx="0">
-                  <c:v>20.88</c:v>
-                </c:pt>
-                <c:pt idx="1">
-                  <c:v>20.46</c:v>
-                </c:pt>
-                <c:pt idx="2">
-                  <c:v>21.02</c:v>
-                </c:pt>
-                <c:pt idx="3">
-                  <c:v>21.91</c:v>
-                </c:pt>
-                <c:pt idx="4">
-                  <c:v>21.99</c:v>
-                </c:pt>
-                <c:pt idx="5">
-                  <c:v>20.83</c:v>
-                </c:pt>
-                <c:pt idx="6">
-                  <c:v>22.05</c:v>
-                </c:pt>
-                <c:pt idx="7">
-                  <c:v>21.77</c:v>
-                </c:pt>
-                <c:pt idx="8">
-                  <c:v>22.05</c:v>
-                </c:pt>
-                <c:pt idx="9">
-                  <c:v>22.57</c:v>
-                </c:pt>
-                <c:pt idx="10">
-                  <c:v>22.7</c:v>
-                </c:pt>
-                <c:pt idx="11">
-                  <c:v>23.62</c:v>
-                </c:pt>
-                <c:pt idx="12">
-                  <c:v>23.54</c:v>
-                </c:pt>
-                <c:pt idx="13">
-                  <c:v>23.48</c:v>
-                </c:pt>
-                <c:pt idx="14">
-                  <c:v>23.91</c:v>
-                </c:pt>
-                <c:pt idx="15">
-                  <c:v>24.11</c:v>
-                </c:pt>
-                <c:pt idx="16">
-                  <c:v>24.96</c:v>
-                </c:pt>
-                <c:pt idx="17">
-                  <c:v>24.37</c:v>
-                </c:pt>
-                <c:pt idx="18">
-                  <c:v>24.89</c:v>
-                </c:pt>
-                <c:pt idx="19">
-                  <c:v>24.57</c:v>
-                </c:pt>
-              </c:numCache>
-            </c:numRef>
-          </c:val>
-          <c:smooth val="0"/>
-          <c:extLst>
-            <c:ext xmlns:c16="http://schemas.microsoft.com/office/drawing/2014/chart" uri="{C3380CC4-5D6E-409C-BE32-E72D297353CC}">
-              <c16:uniqueId val="{00000000-C774-8B48-9F0C-2EEB8F93AE5B}"/>
-            </c:ext>
-          </c:extLst>
-        </c:ser>
-        <c:ser>
-          <c:idx val="1"/>
-          <c:order val="1"/>
-          <c:tx>
-            <c:strRef>
-              <c:f>Sheet1!$C$1</c:f>
-              <c:strCache>
-                <c:ptCount val="1"/>
-                <c:pt idx="0">
-                  <c:v>Predicted Temp</c:v>
-                </c:pt>
-              </c:strCache>
-            </c:strRef>
-          </c:tx>
-          <c:spPr>
-            <a:ln w="25400" cap="flat">
-              <a:solidFill>
-                <a:srgbClr val="F7B26A"/>
-              </a:solidFill>
-              <a:prstDash val="solid"/>
-              <a:round/>
-            </a:ln>
-            <a:effectLst/>
-          </c:spPr>
-          <c:marker>
-            <c:symbol val="circle"/>
-            <c:size val="6"/>
-            <c:spPr>
-              <a:solidFill>
-                <a:srgbClr val="F7B26A"/>
-              </a:solidFill>
-              <a:ln w="9525" cap="flat">
-                <a:solidFill>
-                  <a:srgbClr val="F7B26A"/>
-                </a:solidFill>
-                <a:prstDash val="solid"/>
-                <a:round/>
-              </a:ln>
-              <a:effectLst/>
-            </c:spPr>
-          </c:marker>
-          <c:cat>
-            <c:strRef>
-              <c:f>Sheet1!$A$2:$A$21</c:f>
-              <c:strCache>
-                <c:ptCount val="20"/>
-                <c:pt idx="0">
-                  <c:v>D1</c:v>
-                </c:pt>
-                <c:pt idx="1">
-                  <c:v>D2</c:v>
-                </c:pt>
-                <c:pt idx="2">
-                  <c:v>D3</c:v>
-                </c:pt>
-                <c:pt idx="3">
-                  <c:v>D4</c:v>
-                </c:pt>
-                <c:pt idx="4">
-                  <c:v>D5</c:v>
-                </c:pt>
-                <c:pt idx="5">
-                  <c:v>D6</c:v>
-                </c:pt>
-                <c:pt idx="6">
-                  <c:v>D7</c:v>
-                </c:pt>
-                <c:pt idx="7">
-                  <c:v>D8</c:v>
-                </c:pt>
-                <c:pt idx="8">
-                  <c:v>D9</c:v>
-                </c:pt>
-                <c:pt idx="9">
-                  <c:v>D10</c:v>
-                </c:pt>
-                <c:pt idx="10">
-                  <c:v>D11</c:v>
-                </c:pt>
-                <c:pt idx="11">
-                  <c:v>D12</c:v>
-                </c:pt>
-                <c:pt idx="12">
-                  <c:v>D13</c:v>
-                </c:pt>
-                <c:pt idx="13">
-                  <c:v>D14</c:v>
-                </c:pt>
-                <c:pt idx="14">
-                  <c:v>D15</c:v>
-                </c:pt>
-                <c:pt idx="15">
-                  <c:v>D16</c:v>
-                </c:pt>
-                <c:pt idx="16">
-                  <c:v>D17</c:v>
-                </c:pt>
-                <c:pt idx="17">
-                  <c:v>D18</c:v>
-                </c:pt>
-                <c:pt idx="18">
-                  <c:v>D19</c:v>
-                </c:pt>
-                <c:pt idx="19">
-                  <c:v>D20</c:v>
-                </c:pt>
-              </c:strCache>
-            </c:strRef>
-          </c:cat>
-          <c:val>
-            <c:numRef>
-              <c:f>Sheet1!$C$2:$C$21</c:f>
-              <c:numCache>
-                <c:formatCode>General</c:formatCode>
-                <c:ptCount val="20"/>
-                <c:pt idx="0">
-                  <c:v>20.21</c:v>
-                </c:pt>
-                <c:pt idx="1">
-                  <c:v>20.100000000000001</c:v>
-                </c:pt>
-                <c:pt idx="2">
-                  <c:v>20.2</c:v>
-                </c:pt>
-                <c:pt idx="3">
-                  <c:v>20.18</c:v>
-                </c:pt>
-                <c:pt idx="4">
-                  <c:v>22.16</c:v>
-                </c:pt>
-                <c:pt idx="5">
-                  <c:v>20.43</c:v>
-                </c:pt>
-                <c:pt idx="6">
-                  <c:v>20.420000000000002</c:v>
-                </c:pt>
-                <c:pt idx="7">
-                  <c:v>22.23</c:v>
-                </c:pt>
-                <c:pt idx="8">
-                  <c:v>21.15</c:v>
-                </c:pt>
-                <c:pt idx="9">
-                  <c:v>22.63</c:v>
-                </c:pt>
-                <c:pt idx="10">
-                  <c:v>23.43</c:v>
-                </c:pt>
-                <c:pt idx="11">
-                  <c:v>23.75</c:v>
-                </c:pt>
-                <c:pt idx="12">
-                  <c:v>24.68</c:v>
-                </c:pt>
-                <c:pt idx="13">
-                  <c:v>22.25</c:v>
-                </c:pt>
-                <c:pt idx="14">
-                  <c:v>24.31</c:v>
-                </c:pt>
-                <c:pt idx="15">
-                  <c:v>23.43</c:v>
-                </c:pt>
-                <c:pt idx="16">
-                  <c:v>24.09</c:v>
-                </c:pt>
-                <c:pt idx="17">
-                  <c:v>23.79</c:v>
-                </c:pt>
-                <c:pt idx="18">
-                  <c:v>24.58</c:v>
-                </c:pt>
-                <c:pt idx="19">
-                  <c:v>24.63</c:v>
-                </c:pt>
-              </c:numCache>
-            </c:numRef>
-          </c:val>
-          <c:smooth val="0"/>
-          <c:extLst>
-            <c:ext xmlns:c16="http://schemas.microsoft.com/office/drawing/2014/chart" uri="{C3380CC4-5D6E-409C-BE32-E72D297353CC}">
-              <c16:uniqueId val="{00000001-C774-8B48-9F0C-2EEB8F93AE5B}"/>
-            </c:ext>
-          </c:extLst>
-        </c:ser>
-        <c:dLbls>
-          <c:showLegendKey val="0"/>
-          <c:showVal val="0"/>
-          <c:showCatName val="0"/>
-          <c:showSerName val="0"/>
-          <c:showPercent val="0"/>
-          <c:showBubbleSize val="0"/>
-        </c:dLbls>
-        <c:marker val="1"/>
-        <c:smooth val="0"/>
-        <c:axId val="2094734554"/>
-        <c:axId val="2094734552"/>
-      </c:lineChart>
-      <c:catAx>
-        <c:axId val="2094734554"/>
-        <c:scaling>
-          <c:orientation val="minMax"/>
-        </c:scaling>
-        <c:delete val="0"/>
-        <c:axPos val="b"/>
-        <c:numFmt formatCode="General" sourceLinked="1"/>
-        <c:majorTickMark val="out"/>
-        <c:minorTickMark val="none"/>
-        <c:tickLblPos val="low"/>
-        <c:spPr>
-          <a:ln w="12700" cap="flat">
-            <a:solidFill>
-              <a:srgbClr val="030A18"/>
-            </a:solidFill>
-            <a:prstDash val="solid"/>
-            <a:round/>
-          </a:ln>
-        </c:spPr>
-        <c:txPr>
-          <a:bodyPr/>
-          <a:lstStyle/>
-          <a:p>
-            <a:pPr>
-              <a:defRPr sz="800" b="0" i="0" u="none" strike="noStrike">
-                <a:solidFill>
-                  <a:srgbClr val="030A18"/>
-                </a:solidFill>
-                <a:latin typeface="Arial"/>
-              </a:defRPr>
-            </a:pPr>
-            <a:endParaRPr lang="en-US"/>
-          </a:p>
-        </c:txPr>
-        <c:crossAx val="2094734552"/>
-        <c:crosses val="autoZero"/>
-        <c:auto val="1"/>
-        <c:lblAlgn val="ctr"/>
-        <c:lblOffset val="100"/>
-        <c:noMultiLvlLbl val="1"/>
-      </c:catAx>
-      <c:valAx>
-        <c:axId val="2094734552"/>
-        <c:scaling>
-          <c:orientation val="minMax"/>
-        </c:scaling>
-        <c:delete val="0"/>
-        <c:axPos val="l"/>
-        <c:majorGridlines>
-          <c:spPr>
-            <a:ln w="12700" cap="flat">
-              <a:solidFill>
-                <a:srgbClr val="888888"/>
-              </a:solidFill>
-              <a:prstDash val="solid"/>
-              <a:round/>
-            </a:ln>
-          </c:spPr>
-        </c:majorGridlines>
-        <c:numFmt formatCode="General" sourceLinked="0"/>
-        <c:majorTickMark val="out"/>
-        <c:minorTickMark val="none"/>
-        <c:tickLblPos val="nextTo"/>
-        <c:spPr>
-          <a:ln w="12700" cap="flat">
-            <a:solidFill>
-              <a:srgbClr val="030A18"/>
-            </a:solidFill>
-            <a:prstDash val="solid"/>
-            <a:round/>
-          </a:ln>
-        </c:spPr>
-        <c:txPr>
-          <a:bodyPr/>
-          <a:lstStyle/>
-          <a:p>
-            <a:pPr>
-              <a:defRPr sz="800" b="0" i="0" u="none" strike="noStrike">
-                <a:solidFill>
-                  <a:srgbClr val="030A18"/>
-                </a:solidFill>
-                <a:latin typeface="Arial"/>
-              </a:defRPr>
-            </a:pPr>
-            <a:endParaRPr lang="en-US"/>
-          </a:p>
-        </c:txPr>
-        <c:crossAx val="2094734554"/>
-        <c:crosses val="autoZero"/>
-        <c:crossBetween val="between"/>
-      </c:valAx>
-      <c:spPr>
-        <a:noFill/>
-        <a:ln>
-          <a:noFill/>
-        </a:ln>
-        <a:effectLst/>
-      </c:spPr>
-    </c:plotArea>
-    <c:legend>
-      <c:legendPos val="b"/>
-      <c:overlay val="0"/>
-    </c:legend>
-    <c:plotVisOnly val="1"/>
-    <c:dispBlanksAs val="span"/>
-    <c:showDLblsOverMax val="1"/>
-  </c:chart>
-  <c:spPr>
-    <a:noFill/>
-    <a:ln>
-      <a:noFill/>
-    </a:ln>
-    <a:effectLst/>
-  </c:spPr>
-  <c:externalData r:id="rId1">
-    <c:autoUpdate val="0"/>
-  </c:externalData>
-</c:chartSpace>
-</file>
-
-<file path=ppt/charts/chart4.xml><?xml version="1.0" encoding="utf-8"?>
-<c:chartSpace xmlns:c="http://schemas.openxmlformats.org/drawingml/2006/chart" xmlns:a="http://schemas.openxmlformats.org/drawingml/2006/main" xmlns:r="http://schemas.openxmlformats.org/officeDocument/2006/relationships" xmlns:c16r2="http://schemas.microsoft.com/office/drawing/2015/06/chart">
-  <c:date1904 val="0"/>
-  <c:lang val="en-GB"/>
-  <c:roundedCorners val="1"/>
-  <c:style val="2"/>
-  <c:chart>
-    <c:autoTitleDeleted val="1"/>
-    <c:plotArea>
-      <c:layout/>
-      <c:lineChart>
-        <c:grouping val="standard"/>
-        <c:varyColors val="0"/>
-        <c:ser>
-          <c:idx val="0"/>
-          <c:order val="0"/>
-          <c:tx>
-            <c:strRef>
-              <c:f>Sheet1!$B$1</c:f>
-              <c:strCache>
-                <c:ptCount val="1"/>
-                <c:pt idx="0">
-                  <c:v>Actual Rain</c:v>
-                </c:pt>
-              </c:strCache>
-            </c:strRef>
-          </c:tx>
-          <c:spPr>
-            <a:ln w="25400" cap="flat">
-              <a:solidFill>
-                <a:srgbClr val="6AB47B"/>
-              </a:solidFill>
-              <a:prstDash val="solid"/>
-              <a:round/>
-            </a:ln>
-            <a:effectLst/>
-          </c:spPr>
-          <c:marker>
-            <c:symbol val="circle"/>
-            <c:size val="6"/>
-            <c:spPr>
-              <a:solidFill>
-                <a:srgbClr val="6AB47B"/>
-              </a:solidFill>
-              <a:ln w="9525" cap="flat">
-                <a:solidFill>
-                  <a:srgbClr val="6AB47B"/>
-                </a:solidFill>
-                <a:prstDash val="solid"/>
-                <a:round/>
-              </a:ln>
-              <a:effectLst/>
-            </c:spPr>
-          </c:marker>
-          <c:cat>
-            <c:strRef>
-              <c:f>Sheet1!$A$2:$A$21</c:f>
-              <c:strCache>
-                <c:ptCount val="20"/>
-                <c:pt idx="0">
-                  <c:v>D1</c:v>
-                </c:pt>
-                <c:pt idx="1">
-                  <c:v>D2</c:v>
-                </c:pt>
-                <c:pt idx="2">
-                  <c:v>D3</c:v>
-                </c:pt>
-                <c:pt idx="3">
-                  <c:v>D4</c:v>
-                </c:pt>
-                <c:pt idx="4">
-                  <c:v>D5</c:v>
-                </c:pt>
-                <c:pt idx="5">
-                  <c:v>D6</c:v>
-                </c:pt>
-                <c:pt idx="6">
-                  <c:v>D7</c:v>
-                </c:pt>
-                <c:pt idx="7">
-                  <c:v>D8</c:v>
-                </c:pt>
-                <c:pt idx="8">
-                  <c:v>D9</c:v>
-                </c:pt>
-                <c:pt idx="9">
-                  <c:v>D10</c:v>
-                </c:pt>
-                <c:pt idx="10">
-                  <c:v>D11</c:v>
-                </c:pt>
-                <c:pt idx="11">
-                  <c:v>D12</c:v>
-                </c:pt>
-                <c:pt idx="12">
-                  <c:v>D13</c:v>
-                </c:pt>
-                <c:pt idx="13">
-                  <c:v>D14</c:v>
-                </c:pt>
-                <c:pt idx="14">
-                  <c:v>D15</c:v>
-                </c:pt>
-                <c:pt idx="15">
-                  <c:v>D16</c:v>
-                </c:pt>
-                <c:pt idx="16">
-                  <c:v>D17</c:v>
-                </c:pt>
-                <c:pt idx="17">
-                  <c:v>D18</c:v>
-                </c:pt>
-                <c:pt idx="18">
-                  <c:v>D19</c:v>
-                </c:pt>
-                <c:pt idx="19">
-                  <c:v>D20</c:v>
-                </c:pt>
-              </c:strCache>
-            </c:strRef>
-          </c:cat>
-          <c:val>
-            <c:numRef>
-              <c:f>Sheet1!$B$2:$B$21</c:f>
-              <c:numCache>
-                <c:formatCode>General</c:formatCode>
-                <c:ptCount val="20"/>
-                <c:pt idx="0">
-                  <c:v>4.2300000000000004</c:v>
-                </c:pt>
-                <c:pt idx="1">
-                  <c:v>5.67</c:v>
-                </c:pt>
-                <c:pt idx="2">
-                  <c:v>6.1</c:v>
-                </c:pt>
-                <c:pt idx="3">
-                  <c:v>5.77</c:v>
-                </c:pt>
-                <c:pt idx="4">
-                  <c:v>6.6</c:v>
-                </c:pt>
-                <c:pt idx="5">
-                  <c:v>5.18</c:v>
-                </c:pt>
-                <c:pt idx="6">
-                  <c:v>5.18</c:v>
-                </c:pt>
-                <c:pt idx="7">
-                  <c:v>4.62</c:v>
-                </c:pt>
-                <c:pt idx="8">
-                  <c:v>4.72</c:v>
-                </c:pt>
-                <c:pt idx="9">
-                  <c:v>4.47</c:v>
-                </c:pt>
-                <c:pt idx="10">
-                  <c:v>4.08</c:v>
-                </c:pt>
-                <c:pt idx="11">
-                  <c:v>4.38</c:v>
-                </c:pt>
-                <c:pt idx="12">
-                  <c:v>4.41</c:v>
-                </c:pt>
-                <c:pt idx="13">
-                  <c:v>4.57</c:v>
-                </c:pt>
-                <c:pt idx="14">
-                  <c:v>5.51</c:v>
-                </c:pt>
-                <c:pt idx="15">
-                  <c:v>5.96</c:v>
-                </c:pt>
-                <c:pt idx="16">
-                  <c:v>6.37</c:v>
-                </c:pt>
-                <c:pt idx="17">
-                  <c:v>6.2</c:v>
-                </c:pt>
-                <c:pt idx="18">
-                  <c:v>5.36</c:v>
-                </c:pt>
-                <c:pt idx="19">
-                  <c:v>4.91</c:v>
-                </c:pt>
-              </c:numCache>
-            </c:numRef>
-          </c:val>
-          <c:smooth val="0"/>
-          <c:extLst>
-            <c:ext xmlns:c16="http://schemas.microsoft.com/office/drawing/2014/chart" uri="{C3380CC4-5D6E-409C-BE32-E72D297353CC}">
-              <c16:uniqueId val="{00000000-64B0-6846-96F7-9D2D66CEF45C}"/>
-            </c:ext>
-          </c:extLst>
-        </c:ser>
-        <c:ser>
-          <c:idx val="1"/>
-          <c:order val="1"/>
-          <c:tx>
-            <c:strRef>
-              <c:f>Sheet1!$C$1</c:f>
-              <c:strCache>
-                <c:ptCount val="1"/>
-                <c:pt idx="0">
-                  <c:v>Predicted Rain</c:v>
-                </c:pt>
-              </c:strCache>
-            </c:strRef>
-          </c:tx>
-          <c:spPr>
-            <a:ln w="25400" cap="flat">
-              <a:solidFill>
-                <a:srgbClr val="D97A9E"/>
-              </a:solidFill>
-              <a:prstDash val="solid"/>
-              <a:round/>
-            </a:ln>
-            <a:effectLst/>
-          </c:spPr>
-          <c:marker>
-            <c:symbol val="circle"/>
-            <c:size val="6"/>
-            <c:spPr>
-              <a:solidFill>
-                <a:srgbClr val="D97A9E"/>
-              </a:solidFill>
-              <a:ln w="9525" cap="flat">
-                <a:solidFill>
-                  <a:srgbClr val="D97A9E"/>
-                </a:solidFill>
-                <a:prstDash val="solid"/>
-                <a:round/>
-              </a:ln>
-              <a:effectLst/>
-            </c:spPr>
-          </c:marker>
-          <c:cat>
-            <c:strRef>
-              <c:f>Sheet1!$A$2:$A$21</c:f>
-              <c:strCache>
-                <c:ptCount val="20"/>
-                <c:pt idx="0">
-                  <c:v>D1</c:v>
-                </c:pt>
-                <c:pt idx="1">
-                  <c:v>D2</c:v>
-                </c:pt>
-                <c:pt idx="2">
-                  <c:v>D3</c:v>
-                </c:pt>
-                <c:pt idx="3">
-                  <c:v>D4</c:v>
-                </c:pt>
-                <c:pt idx="4">
-                  <c:v>D5</c:v>
-                </c:pt>
-                <c:pt idx="5">
-                  <c:v>D6</c:v>
-                </c:pt>
-                <c:pt idx="6">
-                  <c:v>D7</c:v>
-                </c:pt>
-                <c:pt idx="7">
-                  <c:v>D8</c:v>
-                </c:pt>
-                <c:pt idx="8">
-                  <c:v>D9</c:v>
-                </c:pt>
-                <c:pt idx="9">
-                  <c:v>D10</c:v>
-                </c:pt>
-                <c:pt idx="10">
-                  <c:v>D11</c:v>
-                </c:pt>
-                <c:pt idx="11">
-                  <c:v>D12</c:v>
-                </c:pt>
-                <c:pt idx="12">
-                  <c:v>D13</c:v>
-                </c:pt>
-                <c:pt idx="13">
-                  <c:v>D14</c:v>
-                </c:pt>
-                <c:pt idx="14">
-                  <c:v>D15</c:v>
-                </c:pt>
-                <c:pt idx="15">
-                  <c:v>D16</c:v>
-                </c:pt>
-                <c:pt idx="16">
-                  <c:v>D17</c:v>
-                </c:pt>
-                <c:pt idx="17">
-                  <c:v>D18</c:v>
-                </c:pt>
-                <c:pt idx="18">
-                  <c:v>D19</c:v>
-                </c:pt>
-                <c:pt idx="19">
-                  <c:v>D20</c:v>
-                </c:pt>
-              </c:strCache>
-            </c:strRef>
-          </c:cat>
-          <c:val>
-            <c:numRef>
-              <c:f>Sheet1!$C$2:$C$21</c:f>
-              <c:numCache>
-                <c:formatCode>General</c:formatCode>
-                <c:ptCount val="20"/>
-                <c:pt idx="0">
-                  <c:v>3.65</c:v>
-                </c:pt>
-                <c:pt idx="1">
-                  <c:v>6.12</c:v>
-                </c:pt>
-                <c:pt idx="2">
-                  <c:v>6.33</c:v>
-                </c:pt>
-                <c:pt idx="3">
-                  <c:v>5.01</c:v>
-                </c:pt>
-                <c:pt idx="4">
-                  <c:v>7.34</c:v>
-                </c:pt>
-                <c:pt idx="5">
-                  <c:v>6.13</c:v>
-                </c:pt>
-                <c:pt idx="6">
-                  <c:v>5.77</c:v>
-                </c:pt>
-                <c:pt idx="7">
-                  <c:v>4.53</c:v>
-                </c:pt>
-                <c:pt idx="8">
-                  <c:v>4.1900000000000004</c:v>
-                </c:pt>
-                <c:pt idx="9">
-                  <c:v>5</c:v>
-                </c:pt>
-                <c:pt idx="10">
-                  <c:v>3.88</c:v>
-                </c:pt>
-                <c:pt idx="11">
-                  <c:v>4.99</c:v>
-                </c:pt>
-                <c:pt idx="12">
-                  <c:v>4.51</c:v>
-                </c:pt>
-                <c:pt idx="13">
-                  <c:v>5.0599999999999996</c:v>
-                </c:pt>
-                <c:pt idx="14">
-                  <c:v>5.69</c:v>
-                </c:pt>
-                <c:pt idx="15">
-                  <c:v>6.32</c:v>
-                </c:pt>
-                <c:pt idx="16">
-                  <c:v>6.37</c:v>
-                </c:pt>
-                <c:pt idx="17">
-                  <c:v>7.09</c:v>
-                </c:pt>
-                <c:pt idx="18">
-                  <c:v>5.42</c:v>
-                </c:pt>
-                <c:pt idx="19">
-                  <c:v>5.1100000000000003</c:v>
-                </c:pt>
-              </c:numCache>
-            </c:numRef>
-          </c:val>
-          <c:smooth val="0"/>
-          <c:extLst>
-            <c:ext xmlns:c16="http://schemas.microsoft.com/office/drawing/2014/chart" uri="{C3380CC4-5D6E-409C-BE32-E72D297353CC}">
-              <c16:uniqueId val="{00000001-64B0-6846-96F7-9D2D66CEF45C}"/>
-            </c:ext>
-          </c:extLst>
-        </c:ser>
-        <c:dLbls>
-          <c:showLegendKey val="0"/>
-          <c:showVal val="0"/>
-          <c:showCatName val="0"/>
-          <c:showSerName val="0"/>
-          <c:showPercent val="0"/>
-          <c:showBubbleSize val="0"/>
-        </c:dLbls>
-        <c:marker val="1"/>
-        <c:smooth val="0"/>
-        <c:axId val="2094734554"/>
-        <c:axId val="2094734552"/>
-      </c:lineChart>
-      <c:catAx>
-        <c:axId val="2094734554"/>
-        <c:scaling>
-          <c:orientation val="minMax"/>
-        </c:scaling>
-        <c:delete val="0"/>
-        <c:axPos val="b"/>
-        <c:numFmt formatCode="General" sourceLinked="1"/>
-        <c:majorTickMark val="out"/>
-        <c:minorTickMark val="none"/>
-        <c:tickLblPos val="low"/>
-        <c:spPr>
-          <a:ln w="12700" cap="flat">
-            <a:solidFill>
-              <a:srgbClr val="030A18"/>
-            </a:solidFill>
-            <a:prstDash val="solid"/>
-            <a:round/>
-          </a:ln>
-        </c:spPr>
-        <c:txPr>
-          <a:bodyPr/>
-          <a:lstStyle/>
-          <a:p>
-            <a:pPr>
-              <a:defRPr sz="800" b="0" i="0" u="none" strike="noStrike">
-                <a:solidFill>
-                  <a:srgbClr val="030A18"/>
-                </a:solidFill>
-                <a:latin typeface="Arial"/>
-              </a:defRPr>
-            </a:pPr>
-            <a:endParaRPr lang="en-US"/>
-          </a:p>
-        </c:txPr>
-        <c:crossAx val="2094734552"/>
-        <c:crosses val="autoZero"/>
-        <c:auto val="1"/>
-        <c:lblAlgn val="ctr"/>
-        <c:lblOffset val="100"/>
-        <c:noMultiLvlLbl val="1"/>
-      </c:catAx>
-      <c:valAx>
-        <c:axId val="2094734552"/>
-        <c:scaling>
-          <c:orientation val="minMax"/>
-        </c:scaling>
-        <c:delete val="0"/>
-        <c:axPos val="l"/>
-        <c:majorGridlines>
-          <c:spPr>
-            <a:ln w="12700" cap="flat">
-              <a:solidFill>
-                <a:srgbClr val="888888"/>
-              </a:solidFill>
-              <a:prstDash val="solid"/>
-              <a:round/>
-            </a:ln>
-          </c:spPr>
-        </c:majorGridlines>
-        <c:numFmt formatCode="General" sourceLinked="0"/>
-        <c:majorTickMark val="out"/>
-        <c:minorTickMark val="none"/>
-        <c:tickLblPos val="nextTo"/>
-        <c:spPr>
-          <a:ln w="12700" cap="flat">
-            <a:solidFill>
-              <a:srgbClr val="030A18"/>
-            </a:solidFill>
-            <a:prstDash val="solid"/>
-            <a:round/>
-          </a:ln>
-        </c:spPr>
-        <c:txPr>
-          <a:bodyPr/>
-          <a:lstStyle/>
-          <a:p>
-            <a:pPr>
-              <a:defRPr sz="800" b="0" i="0" u="none" strike="noStrike">
-                <a:solidFill>
-                  <a:srgbClr val="030A18"/>
-                </a:solidFill>
-                <a:latin typeface="Arial"/>
-              </a:defRPr>
-            </a:pPr>
-            <a:endParaRPr lang="en-US"/>
-          </a:p>
-        </c:txPr>
-        <c:crossAx val="2094734554"/>
-        <c:crosses val="autoZero"/>
-        <c:crossBetween val="between"/>
-      </c:valAx>
-      <c:spPr>
-        <a:noFill/>
-        <a:ln>
-          <a:noFill/>
-        </a:ln>
-        <a:effectLst/>
-      </c:spPr>
-    </c:plotArea>
-    <c:legend>
-      <c:legendPos val="b"/>
-      <c:overlay val="0"/>
-    </c:legend>
-    <c:plotVisOnly val="1"/>
-    <c:dispBlanksAs val="span"/>
-    <c:showDLblsOverMax val="1"/>
-  </c:chart>
-  <c:spPr>
-    <a:noFill/>
-    <a:ln>
-      <a:noFill/>
-    </a:ln>
-    <a:effectLst/>
-  </c:spPr>
-  <c:externalData r:id="rId1">
-    <c:autoUpdate val="0"/>
-  </c:externalData>
-</c:chartSpace>
-</file>
-
-<file path=ppt/charts/chart5.xml><?xml version="1.0" encoding="utf-8"?>
+<file path=ppt/charts/chart2.xml><?xml version="1.0" encoding="utf-8"?>
 <c:chartSpace xmlns:c="http://schemas.openxmlformats.org/drawingml/2006/chart" xmlns:a="http://schemas.openxmlformats.org/drawingml/2006/main" xmlns:r="http://schemas.openxmlformats.org/officeDocument/2006/relationships" xmlns:c16r2="http://schemas.microsoft.com/office/drawing/2015/06/chart">
   <c:date1904 val="0"/>
   <c:lang val="en-GB"/>
@@ -2650,7 +1195,7 @@
           <a:p>
             <a:fld id="{FF5685EE-3D40-0A4E-BB88-46887330FC0A}" type="datetimeFigureOut">
               <a:rPr lang="en-US" smtClean="0"/>
-              <a:t>9/29/25</a:t>
+              <a:t>10/3/25</a:t>
             </a:fld>
             <a:endParaRPr lang="en-US"/>
           </a:p>
@@ -2946,13 +1491,6 @@
           </p:nvPr>
         </p:nvSpPr>
         <p:spPr/>
-        <p:txBody>
-          <a:bodyPr/>
-          <a:lstStyle/>
-          <a:p>
-            <a:endParaRPr/>
-          </a:p>
-        </p:txBody>
       </p:sp>
       <p:sp>
         <p:nvSpPr>
@@ -2980,7 +1518,7 @@
             <a:spLocks noGrp="1"/>
           </p:cNvSpPr>
           <p:nvPr>
-            <p:ph type="sldNum" sz="quarter" idx="10"/>
+            <p:ph type="sldNum" sz="quarter" idx="5"/>
           </p:nvPr>
         </p:nvSpPr>
         <p:spPr/>
@@ -2988,9 +1526,9 @@
           <a:bodyPr/>
           <a:lstStyle/>
           <a:p>
-            <a:fld id="{F7021451-1387-4CA6-816F-3879F97B5CBC}" type="slidenum">
-              <a:rPr lang="en-US"/>
-              <a:t>17</a:t>
+            <a:fld id="{30752F2A-FA59-1746-ABA5-28C394E5ED08}" type="slidenum">
+              <a:rPr lang="en-US" smtClean="0"/>
+              <a:t>7</a:t>
             </a:fld>
             <a:endParaRPr lang="en-US"/>
           </a:p>
@@ -2999,7 +1537,7 @@
     </p:spTree>
     <p:extLst>
       <p:ext uri="{BB962C8B-B14F-4D97-AF65-F5344CB8AC3E}">
-        <p14:creationId xmlns:p14="http://schemas.microsoft.com/office/powerpoint/2010/main" val="1024086991"/>
+        <p14:creationId xmlns:p14="http://schemas.microsoft.com/office/powerpoint/2010/main" val="87269396"/>
       </p:ext>
     </p:extLst>
   </p:cSld>
@@ -3081,7 +1619,7 @@
           <a:p>
             <a:fld id="{F7021451-1387-4CA6-816F-3879F97B5CBC}" type="slidenum">
               <a:rPr lang="en-US"/>
-              <a:t>18</a:t>
+              <a:t>14</a:t>
             </a:fld>
             <a:endParaRPr lang="en-US"/>
           </a:p>
@@ -3217,7 +1755,7 @@
             <a:fld id="{16F2FB5F-D553-C945-B874-A642CC0C851F}" type="datetime3">
               <a:rPr lang="en-IE" smtClean="0"/>
               <a:pPr/>
-              <a:t>29 September 2025</a:t>
+              <a:t>3 October 2025</a:t>
             </a:fld>
             <a:endParaRPr lang="en-US" dirty="0"/>
           </a:p>
@@ -4110,7 +2648,7 @@
             <a:fld id="{16F2FB5F-D553-C945-B874-A642CC0C851F}" type="datetime3">
               <a:rPr lang="en-IE" smtClean="0"/>
               <a:pPr/>
-              <a:t>29 September 2025</a:t>
+              <a:t>3 October 2025</a:t>
             </a:fld>
             <a:endParaRPr lang="en-US" dirty="0"/>
           </a:p>
@@ -4388,7 +2926,7 @@
             <a:fld id="{16F2FB5F-D553-C945-B874-A642CC0C851F}" type="datetime3">
               <a:rPr lang="en-IE" smtClean="0"/>
               <a:pPr/>
-              <a:t>29 September 2025</a:t>
+              <a:t>3 October 2025</a:t>
             </a:fld>
             <a:endParaRPr lang="en-US" dirty="0"/>
           </a:p>
@@ -6074,340 +4612,6 @@
           <p:cNvPr id="2" name="Title 1">
             <a:extLst>
               <a:ext uri="{FF2B5EF4-FFF2-40B4-BE49-F238E27FC236}">
-                <a16:creationId xmlns:a16="http://schemas.microsoft.com/office/drawing/2014/main" id="{4645E103-B361-D200-E8BC-40EB2CF989DD}"/>
-              </a:ext>
-            </a:extLst>
-          </p:cNvPr>
-          <p:cNvSpPr>
-            <a:spLocks noGrp="1"/>
-          </p:cNvSpPr>
-          <p:nvPr>
-            <p:ph type="title"/>
-          </p:nvPr>
-        </p:nvSpPr>
-        <p:spPr/>
-        <p:txBody>
-          <a:bodyPr/>
-          <a:lstStyle/>
-          <a:p>
-            <a:r>
-              <a:rPr lang="en-US" dirty="0"/>
-              <a:t>Transformer encoder</a:t>
-            </a:r>
-          </a:p>
-        </p:txBody>
-      </p:sp>
-      <p:sp>
-        <p:nvSpPr>
-          <p:cNvPr id="3" name="Content Placeholder 2">
-            <a:extLst>
-              <a:ext uri="{FF2B5EF4-FFF2-40B4-BE49-F238E27FC236}">
-                <a16:creationId xmlns:a16="http://schemas.microsoft.com/office/drawing/2014/main" id="{56F74B6F-91B8-A162-0F83-C72595E55533}"/>
-              </a:ext>
-            </a:extLst>
-          </p:cNvPr>
-          <p:cNvSpPr>
-            <a:spLocks noGrp="1"/>
-          </p:cNvSpPr>
-          <p:nvPr>
-            <p:ph idx="1"/>
-          </p:nvPr>
-        </p:nvSpPr>
-        <p:spPr/>
-        <p:txBody>
-          <a:bodyPr/>
-          <a:lstStyle/>
-          <a:p>
-            <a:r>
-              <a:rPr lang="en-US" dirty="0"/>
-              <a:t>Stack N identical layers; each layer contains multi‑head attention, layer </a:t>
-            </a:r>
-            <a:r>
-              <a:rPr lang="en-US" dirty="0" err="1"/>
-              <a:t>normalisation</a:t>
-            </a:r>
-            <a:r>
-              <a:rPr lang="en-US" dirty="0"/>
-              <a:t>, a feedforward network and another </a:t>
-            </a:r>
-            <a:r>
-              <a:rPr lang="en-US" dirty="0" err="1"/>
-              <a:t>normalisation</a:t>
-            </a:r>
-            <a:r>
-              <a:rPr lang="en-US" dirty="0"/>
-              <a:t> step.</a:t>
-            </a:r>
-          </a:p>
-          <a:p>
-            <a:r>
-              <a:rPr lang="en-US" dirty="0"/>
-              <a:t>Fully parallel – sequence length defines complexity O(n²).</a:t>
-            </a:r>
-          </a:p>
-        </p:txBody>
-      </p:sp>
-    </p:spTree>
-    <p:extLst>
-      <p:ext uri="{BB962C8B-B14F-4D97-AF65-F5344CB8AC3E}">
-        <p14:creationId xmlns:p14="http://schemas.microsoft.com/office/powerpoint/2010/main" val="2395455846"/>
-      </p:ext>
-    </p:extLst>
-  </p:cSld>
-  <p:clrMapOvr>
-    <a:masterClrMapping/>
-  </p:clrMapOvr>
-</p:sld>
-</file>
-
-<file path=ppt/slides/slide11.xml><?xml version="1.0" encoding="utf-8"?>
-<p:sld xmlns:a="http://schemas.openxmlformats.org/drawingml/2006/main" xmlns:r="http://schemas.openxmlformats.org/officeDocument/2006/relationships" xmlns:p="http://schemas.openxmlformats.org/presentationml/2006/main">
-  <p:cSld>
-    <p:spTree>
-      <p:nvGrpSpPr>
-        <p:cNvPr id="1" name=""/>
-        <p:cNvGrpSpPr/>
-        <p:nvPr/>
-      </p:nvGrpSpPr>
-      <p:grpSpPr>
-        <a:xfrm>
-          <a:off x="0" y="0"/>
-          <a:ext cx="0" cy="0"/>
-          <a:chOff x="0" y="0"/>
-          <a:chExt cx="0" cy="0"/>
-        </a:xfrm>
-      </p:grpSpPr>
-      <p:sp>
-        <p:nvSpPr>
-          <p:cNvPr id="2" name="Title 1">
-            <a:extLst>
-              <a:ext uri="{FF2B5EF4-FFF2-40B4-BE49-F238E27FC236}">
-                <a16:creationId xmlns:a16="http://schemas.microsoft.com/office/drawing/2014/main" id="{C0C8C0BB-92A5-79EB-22B2-283842A8A1B2}"/>
-              </a:ext>
-            </a:extLst>
-          </p:cNvPr>
-          <p:cNvSpPr>
-            <a:spLocks noGrp="1"/>
-          </p:cNvSpPr>
-          <p:nvPr>
-            <p:ph type="title"/>
-          </p:nvPr>
-        </p:nvSpPr>
-        <p:spPr/>
-        <p:txBody>
-          <a:bodyPr/>
-          <a:lstStyle/>
-          <a:p>
-            <a:r>
-              <a:rPr lang="en-US" dirty="0"/>
-              <a:t>Self-attention complexity</a:t>
-            </a:r>
-          </a:p>
-        </p:txBody>
-      </p:sp>
-      <mc:AlternateContent xmlns:mc="http://schemas.openxmlformats.org/markup-compatibility/2006" xmlns:a14="http://schemas.microsoft.com/office/drawing/2010/main">
-        <mc:Choice Requires="a14">
-          <p:sp>
-            <p:nvSpPr>
-              <p:cNvPr id="3" name="Content Placeholder 2">
-                <a:extLst>
-                  <a:ext uri="{FF2B5EF4-FFF2-40B4-BE49-F238E27FC236}">
-                    <a16:creationId xmlns:a16="http://schemas.microsoft.com/office/drawing/2014/main" id="{C3C2DF3A-BAFB-28B6-E2C5-026279A44B9D}"/>
-                  </a:ext>
-                </a:extLst>
-              </p:cNvPr>
-              <p:cNvSpPr>
-                <a:spLocks noGrp="1"/>
-              </p:cNvSpPr>
-              <p:nvPr>
-                <p:ph idx="1"/>
-              </p:nvPr>
-            </p:nvSpPr>
-            <p:spPr>
-              <a:xfrm>
-                <a:off x="838200" y="1825625"/>
-                <a:ext cx="6211529" cy="4149290"/>
-              </a:xfrm>
-            </p:spPr>
-            <p:txBody>
-              <a:bodyPr>
-                <a:normAutofit lnSpcReduction="10000"/>
-              </a:bodyPr>
-              <a:lstStyle/>
-              <a:p>
-                <a:r>
-                  <a:rPr lang="en-US" dirty="0"/>
-                  <a:t>Self‑attention operates on the entire sequence simultaneously.</a:t>
-                </a:r>
-              </a:p>
-              <a:p>
-                <a:r>
-                  <a:rPr lang="en-US" dirty="0"/>
-                  <a:t>Computational complexity scales quadratically with sequence length (</a:t>
-                </a:r>
-                <a14:m>
-                  <m:oMath xmlns:m="http://schemas.openxmlformats.org/officeDocument/2006/math">
-                    <m:r>
-                      <a:rPr lang="en-US" i="1" dirty="0" smtClean="0">
-                        <a:latin typeface="Cambria Math" panose="02040503050406030204" pitchFamily="18" charset="0"/>
-                      </a:rPr>
-                      <m:t>𝑂</m:t>
-                    </m:r>
-                    <m:r>
-                      <a:rPr lang="en-US" i="1" dirty="0" smtClean="0">
-                        <a:latin typeface="Cambria Math" panose="02040503050406030204" pitchFamily="18" charset="0"/>
-                      </a:rPr>
-                      <m:t>(</m:t>
-                    </m:r>
-                    <m:r>
-                      <a:rPr lang="en-US" i="1" dirty="0" smtClean="0">
-                        <a:latin typeface="Cambria Math" panose="02040503050406030204" pitchFamily="18" charset="0"/>
-                      </a:rPr>
-                      <m:t>𝑛</m:t>
-                    </m:r>
-                    <m:r>
-                      <a:rPr lang="en-US" i="1" dirty="0" smtClean="0">
-                        <a:latin typeface="Cambria Math" panose="02040503050406030204" pitchFamily="18" charset="0"/>
-                      </a:rPr>
-                      <m:t>²)</m:t>
-                    </m:r>
-                  </m:oMath>
-                </a14:m>
-                <a:r>
-                  <a:rPr lang="en-US" dirty="0"/>
-                  <a:t>).</a:t>
-                </a:r>
-              </a:p>
-              <a:p>
-                <a:r>
-                  <a:rPr lang="en-US" dirty="0"/>
-                  <a:t>Enables constant depth and allows significantly more </a:t>
-                </a:r>
-                <a:r>
-                  <a:rPr lang="en-US" dirty="0" err="1"/>
-                  <a:t>parallelisation</a:t>
-                </a:r>
-                <a:r>
-                  <a:rPr lang="en-US" dirty="0"/>
-                  <a:t> than RNNs.</a:t>
-                </a:r>
-              </a:p>
-              <a:p>
-                <a:r>
-                  <a:rPr lang="en-US" dirty="0"/>
-                  <a:t>Positional encoding preserves order without sequential recurrence.</a:t>
-                </a:r>
-              </a:p>
-            </p:txBody>
-          </p:sp>
-        </mc:Choice>
-        <mc:Fallback xmlns="">
-          <p:sp>
-            <p:nvSpPr>
-              <p:cNvPr id="3" name="Content Placeholder 2">
-                <a:extLst>
-                  <a:ext uri="{FF2B5EF4-FFF2-40B4-BE49-F238E27FC236}">
-                    <a16:creationId xmlns:a16="http://schemas.microsoft.com/office/drawing/2014/main" id="{C3C2DF3A-BAFB-28B6-E2C5-026279A44B9D}"/>
-                  </a:ext>
-                </a:extLst>
-              </p:cNvPr>
-              <p:cNvSpPr>
-                <a:spLocks noGrp="1" noRot="1" noChangeAspect="1" noMove="1" noResize="1" noEditPoints="1" noAdjustHandles="1" noChangeArrowheads="1" noChangeShapeType="1" noTextEdit="1"/>
-              </p:cNvSpPr>
-              <p:nvPr>
-                <p:ph idx="1"/>
-              </p:nvPr>
-            </p:nvSpPr>
-            <p:spPr>
-              <a:xfrm>
-                <a:off x="838200" y="1825625"/>
-                <a:ext cx="6211529" cy="4149290"/>
-              </a:xfrm>
-              <a:blipFill>
-                <a:blip r:embed="rId2"/>
-                <a:stretch>
-                  <a:fillRect l="-1840" t="-3354"/>
-                </a:stretch>
-              </a:blipFill>
-            </p:spPr>
-            <p:txBody>
-              <a:bodyPr/>
-              <a:lstStyle/>
-              <a:p>
-                <a:r>
-                  <a:rPr lang="en-US">
-                    <a:noFill/>
-                  </a:rPr>
-                  <a:t> </a:t>
-                </a:r>
-              </a:p>
-            </p:txBody>
-          </p:sp>
-        </mc:Fallback>
-      </mc:AlternateContent>
-      <p:graphicFrame>
-        <p:nvGraphicFramePr>
-          <p:cNvPr id="4" name="Chart 0">
-            <a:extLst>
-              <a:ext uri="{FF2B5EF4-FFF2-40B4-BE49-F238E27FC236}">
-                <a16:creationId xmlns:a16="http://schemas.microsoft.com/office/drawing/2014/main" id="{8AA58794-6707-33AE-6BB8-20F630A25190}"/>
-              </a:ext>
-            </a:extLst>
-          </p:cNvPr>
-          <p:cNvGraphicFramePr/>
-          <p:nvPr>
-            <p:extLst>
-              <p:ext uri="{D42A27DB-BD31-4B8C-83A1-F6EECF244321}">
-                <p14:modId xmlns:p14="http://schemas.microsoft.com/office/powerpoint/2010/main" val="3940992742"/>
-              </p:ext>
-            </p:extLst>
-          </p:nvPr>
-        </p:nvGraphicFramePr>
-        <p:xfrm>
-          <a:off x="7086600" y="2080014"/>
-          <a:ext cx="4267200" cy="3048000"/>
-        </p:xfrm>
-        <a:graphic>
-          <a:graphicData uri="http://schemas.openxmlformats.org/drawingml/2006/chart">
-            <c:chart xmlns:c="http://schemas.openxmlformats.org/drawingml/2006/chart" xmlns:r="http://schemas.openxmlformats.org/officeDocument/2006/relationships" r:id="rId3"/>
-          </a:graphicData>
-        </a:graphic>
-      </p:graphicFrame>
-    </p:spTree>
-    <p:extLst>
-      <p:ext uri="{BB962C8B-B14F-4D97-AF65-F5344CB8AC3E}">
-        <p14:creationId xmlns:p14="http://schemas.microsoft.com/office/powerpoint/2010/main" val="3335216859"/>
-      </p:ext>
-    </p:extLst>
-  </p:cSld>
-  <p:clrMapOvr>
-    <a:masterClrMapping/>
-  </p:clrMapOvr>
-</p:sld>
-</file>
-
-<file path=ppt/slides/slide12.xml><?xml version="1.0" encoding="utf-8"?>
-<p:sld xmlns:a="http://schemas.openxmlformats.org/drawingml/2006/main" xmlns:r="http://schemas.openxmlformats.org/officeDocument/2006/relationships" xmlns:p="http://schemas.openxmlformats.org/presentationml/2006/main">
-  <p:cSld>
-    <p:spTree>
-      <p:nvGrpSpPr>
-        <p:cNvPr id="1" name=""/>
-        <p:cNvGrpSpPr/>
-        <p:nvPr/>
-      </p:nvGrpSpPr>
-      <p:grpSpPr>
-        <a:xfrm>
-          <a:off x="0" y="0"/>
-          <a:ext cx="0" cy="0"/>
-          <a:chOff x="0" y="0"/>
-          <a:chExt cx="0" cy="0"/>
-        </a:xfrm>
-      </p:grpSpPr>
-      <p:sp>
-        <p:nvSpPr>
-          <p:cNvPr id="2" name="Title 1">
-            <a:extLst>
-              <a:ext uri="{FF2B5EF4-FFF2-40B4-BE49-F238E27FC236}">
                 <a16:creationId xmlns:a16="http://schemas.microsoft.com/office/drawing/2014/main" id="{4E64BA72-6A23-5A6C-5273-23B5DA94B0E7}"/>
               </a:ext>
             </a:extLst>
@@ -6473,14 +4677,19 @@
           <a:p>
             <a:r>
               <a:rPr lang="en-US" dirty="0"/>
-              <a:t>We will use a synthetic dataset containing 20 days of measurements.</a:t>
-            </a:r>
-          </a:p>
-          <a:p>
-            <a:endParaRPr lang="en-US" dirty="0"/>
-          </a:p>
-          <a:p>
-            <a:endParaRPr lang="en-US" dirty="0"/>
+              <a:t>We can use our data sets in the </a:t>
+            </a:r>
+            <a:r>
+              <a:rPr lang="en-US" dirty="0">
+                <a:latin typeface="Courier New" panose="02070309020205020404" pitchFamily="49" charset="0"/>
+                <a:cs typeface="Courier New" panose="02070309020205020404" pitchFamily="49" charset="0"/>
+              </a:rPr>
+              <a:t>data </a:t>
+            </a:r>
+            <a:r>
+              <a:rPr lang="en-US" dirty="0"/>
+              <a:t>folder</a:t>
+            </a:r>
           </a:p>
         </p:txBody>
       </p:sp>
@@ -6519,1688 +4728,7 @@
 </p:sld>
 </file>
 
-<file path=ppt/slides/slide13.xml><?xml version="1.0" encoding="utf-8"?>
-<p:sld xmlns:a="http://schemas.openxmlformats.org/drawingml/2006/main" xmlns:r="http://schemas.openxmlformats.org/officeDocument/2006/relationships" xmlns:p="http://schemas.openxmlformats.org/presentationml/2006/main">
-  <p:cSld>
-    <p:spTree>
-      <p:nvGrpSpPr>
-        <p:cNvPr id="1" name=""/>
-        <p:cNvGrpSpPr/>
-        <p:nvPr/>
-      </p:nvGrpSpPr>
-      <p:grpSpPr>
-        <a:xfrm>
-          <a:off x="0" y="0"/>
-          <a:ext cx="0" cy="0"/>
-          <a:chOff x="0" y="0"/>
-          <a:chExt cx="0" cy="0"/>
-        </a:xfrm>
-      </p:grpSpPr>
-      <p:sp>
-        <p:nvSpPr>
-          <p:cNvPr id="2" name="Title 1">
-            <a:extLst>
-              <a:ext uri="{FF2B5EF4-FFF2-40B4-BE49-F238E27FC236}">
-                <a16:creationId xmlns:a16="http://schemas.microsoft.com/office/drawing/2014/main" id="{B68AEE06-E7BA-2076-4FF1-06A06AA825A5}"/>
-              </a:ext>
-            </a:extLst>
-          </p:cNvPr>
-          <p:cNvSpPr>
-            <a:spLocks noGrp="1"/>
-          </p:cNvSpPr>
-          <p:nvPr>
-            <p:ph type="title"/>
-          </p:nvPr>
-        </p:nvSpPr>
-        <p:spPr/>
-        <p:txBody>
-          <a:bodyPr/>
-          <a:lstStyle/>
-          <a:p>
-            <a:r>
-              <a:rPr lang="en-US" dirty="0"/>
-              <a:t>Data set (fake)</a:t>
-            </a:r>
-          </a:p>
-        </p:txBody>
-      </p:sp>
-      <p:sp>
-        <p:nvSpPr>
-          <p:cNvPr id="3" name="Content Placeholder 2">
-            <a:extLst>
-              <a:ext uri="{FF2B5EF4-FFF2-40B4-BE49-F238E27FC236}">
-                <a16:creationId xmlns:a16="http://schemas.microsoft.com/office/drawing/2014/main" id="{532A1424-CE50-0FBD-2D7B-180AA763D93F}"/>
-              </a:ext>
-            </a:extLst>
-          </p:cNvPr>
-          <p:cNvSpPr>
-            <a:spLocks noGrp="1"/>
-          </p:cNvSpPr>
-          <p:nvPr>
-            <p:ph idx="1"/>
-          </p:nvPr>
-        </p:nvSpPr>
-        <p:spPr>
-          <a:xfrm>
-            <a:off x="838200" y="1825625"/>
-            <a:ext cx="4286865" cy="4149290"/>
-          </a:xfrm>
-        </p:spPr>
-        <p:txBody>
-          <a:bodyPr>
-            <a:normAutofit lnSpcReduction="10000"/>
-          </a:bodyPr>
-          <a:lstStyle/>
-          <a:p>
-            <a:r>
-              <a:rPr lang="en-US" dirty="0"/>
-              <a:t>We </a:t>
-            </a:r>
-            <a:r>
-              <a:rPr lang="en-US" dirty="0" err="1"/>
-              <a:t>normalise</a:t>
-            </a:r>
-            <a:r>
-              <a:rPr lang="en-US" dirty="0"/>
-              <a:t> each feature to zero mean and unit variance before training.</a:t>
-            </a:r>
-          </a:p>
-          <a:p>
-            <a:r>
-              <a:rPr lang="en-US" dirty="0"/>
-              <a:t>Sliding windows of fixed length (e.g., 4 days) are extracted to form sequences.</a:t>
-            </a:r>
-          </a:p>
-          <a:p>
-            <a:r>
-              <a:rPr lang="en-US" dirty="0"/>
-              <a:t>Each sequence is mapped to the values of the next day.</a:t>
-            </a:r>
-          </a:p>
-        </p:txBody>
-      </p:sp>
-      <p:graphicFrame>
-        <p:nvGraphicFramePr>
-          <p:cNvPr id="4" name="Table 0">
-            <a:extLst>
-              <a:ext uri="{FF2B5EF4-FFF2-40B4-BE49-F238E27FC236}">
-                <a16:creationId xmlns:a16="http://schemas.microsoft.com/office/drawing/2014/main" id="{B34CBCC7-7BA3-A59B-E12E-EB71CB698065}"/>
-              </a:ext>
-            </a:extLst>
-          </p:cNvPr>
-          <p:cNvGraphicFramePr>
-            <a:graphicFrameLocks noGrp="1"/>
-          </p:cNvGraphicFramePr>
-          <p:nvPr>
-            <p:extLst>
-              <p:ext uri="{D42A27DB-BD31-4B8C-83A1-F6EECF244321}">
-                <p14:modId xmlns:p14="http://schemas.microsoft.com/office/powerpoint/2010/main" val="1946679525"/>
-              </p:ext>
-            </p:extLst>
-          </p:nvPr>
-        </p:nvGraphicFramePr>
-        <p:xfrm>
-          <a:off x="5277464" y="2319922"/>
-          <a:ext cx="6705600" cy="1950720"/>
-        </p:xfrm>
-        <a:graphic>
-          <a:graphicData uri="http://schemas.openxmlformats.org/drawingml/2006/table">
-            <a:tbl>
-              <a:tblPr/>
-              <a:tblGrid>
-                <a:gridCol w="1676400">
-                  <a:extLst>
-                    <a:ext uri="{9D8B030D-6E8A-4147-A177-3AD203B41FA5}">
-                      <a16:colId xmlns:a16="http://schemas.microsoft.com/office/drawing/2014/main" val="20000"/>
-                    </a:ext>
-                  </a:extLst>
-                </a:gridCol>
-                <a:gridCol w="1676400">
-                  <a:extLst>
-                    <a:ext uri="{9D8B030D-6E8A-4147-A177-3AD203B41FA5}">
-                      <a16:colId xmlns:a16="http://schemas.microsoft.com/office/drawing/2014/main" val="20001"/>
-                    </a:ext>
-                  </a:extLst>
-                </a:gridCol>
-                <a:gridCol w="1676400">
-                  <a:extLst>
-                    <a:ext uri="{9D8B030D-6E8A-4147-A177-3AD203B41FA5}">
-                      <a16:colId xmlns:a16="http://schemas.microsoft.com/office/drawing/2014/main" val="20002"/>
-                    </a:ext>
-                  </a:extLst>
-                </a:gridCol>
-                <a:gridCol w="1676400">
-                  <a:extLst>
-                    <a:ext uri="{9D8B030D-6E8A-4147-A177-3AD203B41FA5}">
-                      <a16:colId xmlns:a16="http://schemas.microsoft.com/office/drawing/2014/main" val="20003"/>
-                    </a:ext>
-                  </a:extLst>
-                </a:gridCol>
-              </a:tblGrid>
-              <a:tr h="325120">
-                <a:tc>
-                  <a:txBody>
-                    <a:bodyPr/>
-                    <a:lstStyle/>
-                    <a:p>
-                      <a:pPr marL="0" indent="0">
-                        <a:buNone/>
-                      </a:pPr>
-                      <a:r>
-                        <a:rPr lang="en-US" sz="1100" b="1" dirty="0">
-                          <a:solidFill>
-                            <a:srgbClr val="030A18"/>
-                          </a:solidFill>
-                        </a:rPr>
-                        <a:t>Day</a:t>
-                      </a:r>
-                      <a:endParaRPr lang="en-US" sz="1100" dirty="0"/>
-                    </a:p>
-                  </a:txBody>
-                  <a:tcPr marL="121920" marR="121920" marT="60960" marB="60960" anchor="ctr">
-                    <a:lnL w="3810" cap="flat" cmpd="sng" algn="ctr">
-                      <a:solidFill>
-                        <a:srgbClr val="DDDDDD"/>
-                      </a:solidFill>
-                      <a:prstDash val="solid"/>
-                      <a:round/>
-                      <a:headEnd type="none" w="med" len="med"/>
-                      <a:tailEnd type="none" w="med" len="med"/>
-                    </a:lnL>
-                    <a:lnR w="3810" cap="flat" cmpd="sng" algn="ctr">
-                      <a:solidFill>
-                        <a:srgbClr val="DDDDDD"/>
-                      </a:solidFill>
-                      <a:prstDash val="solid"/>
-                      <a:round/>
-                      <a:headEnd type="none" w="med" len="med"/>
-                      <a:tailEnd type="none" w="med" len="med"/>
-                    </a:lnR>
-                    <a:lnT w="3810" cap="flat" cmpd="sng" algn="ctr">
-                      <a:solidFill>
-                        <a:srgbClr val="DDDDDD"/>
-                      </a:solidFill>
-                      <a:prstDash val="solid"/>
-                      <a:round/>
-                      <a:headEnd type="none" w="med" len="med"/>
-                      <a:tailEnd type="none" w="med" len="med"/>
-                    </a:lnT>
-                    <a:lnB w="3810" cap="flat" cmpd="sng" algn="ctr">
-                      <a:solidFill>
-                        <a:srgbClr val="DDDDDD"/>
-                      </a:solidFill>
-                      <a:prstDash val="solid"/>
-                      <a:round/>
-                      <a:headEnd type="none" w="med" len="med"/>
-                      <a:tailEnd type="none" w="med" len="med"/>
-                    </a:lnB>
-                    <a:solidFill>
-                      <a:srgbClr val="F5F5F5"/>
-                    </a:solidFill>
-                  </a:tcPr>
-                </a:tc>
-                <a:tc>
-                  <a:txBody>
-                    <a:bodyPr/>
-                    <a:lstStyle/>
-                    <a:p>
-                      <a:pPr marL="0" indent="0">
-                        <a:buNone/>
-                      </a:pPr>
-                      <a:r>
-                        <a:rPr lang="en-US" sz="1100" b="1" dirty="0">
-                          <a:solidFill>
-                            <a:srgbClr val="030A18"/>
-                          </a:solidFill>
-                        </a:rPr>
-                        <a:t>Temp (°C)</a:t>
-                      </a:r>
-                      <a:endParaRPr lang="en-US" sz="1100" dirty="0"/>
-                    </a:p>
-                  </a:txBody>
-                  <a:tcPr marL="121920" marR="121920" marT="60960" marB="60960" anchor="ctr">
-                    <a:lnL w="3810" cap="flat" cmpd="sng" algn="ctr">
-                      <a:solidFill>
-                        <a:srgbClr val="DDDDDD"/>
-                      </a:solidFill>
-                      <a:prstDash val="solid"/>
-                      <a:round/>
-                      <a:headEnd type="none" w="med" len="med"/>
-                      <a:tailEnd type="none" w="med" len="med"/>
-                    </a:lnL>
-                    <a:lnR w="3810" cap="flat" cmpd="sng" algn="ctr">
-                      <a:solidFill>
-                        <a:srgbClr val="DDDDDD"/>
-                      </a:solidFill>
-                      <a:prstDash val="solid"/>
-                      <a:round/>
-                      <a:headEnd type="none" w="med" len="med"/>
-                      <a:tailEnd type="none" w="med" len="med"/>
-                    </a:lnR>
-                    <a:lnT w="3810" cap="flat" cmpd="sng" algn="ctr">
-                      <a:solidFill>
-                        <a:srgbClr val="DDDDDD"/>
-                      </a:solidFill>
-                      <a:prstDash val="solid"/>
-                      <a:round/>
-                      <a:headEnd type="none" w="med" len="med"/>
-                      <a:tailEnd type="none" w="med" len="med"/>
-                    </a:lnT>
-                    <a:lnB w="3810" cap="flat" cmpd="sng" algn="ctr">
-                      <a:solidFill>
-                        <a:srgbClr val="DDDDDD"/>
-                      </a:solidFill>
-                      <a:prstDash val="solid"/>
-                      <a:round/>
-                      <a:headEnd type="none" w="med" len="med"/>
-                      <a:tailEnd type="none" w="med" len="med"/>
-                    </a:lnB>
-                    <a:solidFill>
-                      <a:srgbClr val="F5F5F5"/>
-                    </a:solidFill>
-                  </a:tcPr>
-                </a:tc>
-                <a:tc>
-                  <a:txBody>
-                    <a:bodyPr/>
-                    <a:lstStyle/>
-                    <a:p>
-                      <a:pPr marL="0" indent="0">
-                        <a:buNone/>
-                      </a:pPr>
-                      <a:r>
-                        <a:rPr lang="en-US" sz="1100" b="1" dirty="0">
-                          <a:solidFill>
-                            <a:srgbClr val="030A18"/>
-                          </a:solidFill>
-                        </a:rPr>
-                        <a:t>Rain (mm)</a:t>
-                      </a:r>
-                      <a:endParaRPr lang="en-US" sz="1100" dirty="0"/>
-                    </a:p>
-                  </a:txBody>
-                  <a:tcPr marL="121920" marR="121920" marT="60960" marB="60960" anchor="ctr">
-                    <a:lnL w="3810" cap="flat" cmpd="sng" algn="ctr">
-                      <a:solidFill>
-                        <a:srgbClr val="DDDDDD"/>
-                      </a:solidFill>
-                      <a:prstDash val="solid"/>
-                      <a:round/>
-                      <a:headEnd type="none" w="med" len="med"/>
-                      <a:tailEnd type="none" w="med" len="med"/>
-                    </a:lnL>
-                    <a:lnR w="3810" cap="flat" cmpd="sng" algn="ctr">
-                      <a:solidFill>
-                        <a:srgbClr val="DDDDDD"/>
-                      </a:solidFill>
-                      <a:prstDash val="solid"/>
-                      <a:round/>
-                      <a:headEnd type="none" w="med" len="med"/>
-                      <a:tailEnd type="none" w="med" len="med"/>
-                    </a:lnR>
-                    <a:lnT w="3810" cap="flat" cmpd="sng" algn="ctr">
-                      <a:solidFill>
-                        <a:srgbClr val="DDDDDD"/>
-                      </a:solidFill>
-                      <a:prstDash val="solid"/>
-                      <a:round/>
-                      <a:headEnd type="none" w="med" len="med"/>
-                      <a:tailEnd type="none" w="med" len="med"/>
-                    </a:lnT>
-                    <a:lnB w="3810" cap="flat" cmpd="sng" algn="ctr">
-                      <a:solidFill>
-                        <a:srgbClr val="DDDDDD"/>
-                      </a:solidFill>
-                      <a:prstDash val="solid"/>
-                      <a:round/>
-                      <a:headEnd type="none" w="med" len="med"/>
-                      <a:tailEnd type="none" w="med" len="med"/>
-                    </a:lnB>
-                    <a:solidFill>
-                      <a:srgbClr val="F5F5F5"/>
-                    </a:solidFill>
-                  </a:tcPr>
-                </a:tc>
-                <a:tc>
-                  <a:txBody>
-                    <a:bodyPr/>
-                    <a:lstStyle/>
-                    <a:p>
-                      <a:pPr marL="0" indent="0">
-                        <a:buNone/>
-                      </a:pPr>
-                      <a:r>
-                        <a:rPr lang="en-US" sz="1100" b="1" dirty="0">
-                          <a:solidFill>
-                            <a:srgbClr val="030A18"/>
-                          </a:solidFill>
-                        </a:rPr>
-                        <a:t>Humidity (%)</a:t>
-                      </a:r>
-                      <a:endParaRPr lang="en-US" sz="1100" dirty="0"/>
-                    </a:p>
-                  </a:txBody>
-                  <a:tcPr marL="121920" marR="121920" marT="60960" marB="60960" anchor="ctr">
-                    <a:lnL w="3810" cap="flat" cmpd="sng" algn="ctr">
-                      <a:solidFill>
-                        <a:srgbClr val="DDDDDD"/>
-                      </a:solidFill>
-                      <a:prstDash val="solid"/>
-                      <a:round/>
-                      <a:headEnd type="none" w="med" len="med"/>
-                      <a:tailEnd type="none" w="med" len="med"/>
-                    </a:lnL>
-                    <a:lnR w="3810" cap="flat" cmpd="sng" algn="ctr">
-                      <a:solidFill>
-                        <a:srgbClr val="DDDDDD"/>
-                      </a:solidFill>
-                      <a:prstDash val="solid"/>
-                      <a:round/>
-                      <a:headEnd type="none" w="med" len="med"/>
-                      <a:tailEnd type="none" w="med" len="med"/>
-                    </a:lnR>
-                    <a:lnT w="3810" cap="flat" cmpd="sng" algn="ctr">
-                      <a:solidFill>
-                        <a:srgbClr val="DDDDDD"/>
-                      </a:solidFill>
-                      <a:prstDash val="solid"/>
-                      <a:round/>
-                      <a:headEnd type="none" w="med" len="med"/>
-                      <a:tailEnd type="none" w="med" len="med"/>
-                    </a:lnT>
-                    <a:lnB w="3810" cap="flat" cmpd="sng" algn="ctr">
-                      <a:solidFill>
-                        <a:srgbClr val="DDDDDD"/>
-                      </a:solidFill>
-                      <a:prstDash val="solid"/>
-                      <a:round/>
-                      <a:headEnd type="none" w="med" len="med"/>
-                      <a:tailEnd type="none" w="med" len="med"/>
-                    </a:lnB>
-                    <a:solidFill>
-                      <a:srgbClr val="F5F5F5"/>
-                    </a:solidFill>
-                  </a:tcPr>
-                </a:tc>
-                <a:extLst>
-                  <a:ext uri="{0D108BD9-81ED-4DB2-BD59-A6C34878D82A}">
-                    <a16:rowId xmlns:a16="http://schemas.microsoft.com/office/drawing/2014/main" val="10000"/>
-                  </a:ext>
-                </a:extLst>
-              </a:tr>
-              <a:tr h="325120">
-                <a:tc>
-                  <a:txBody>
-                    <a:bodyPr/>
-                    <a:lstStyle/>
-                    <a:p>
-                      <a:pPr marL="0" indent="0">
-                        <a:buNone/>
-                      </a:pPr>
-                      <a:r>
-                        <a:rPr lang="en-US" sz="1100" dirty="0">
-                          <a:solidFill>
-                            <a:srgbClr val="030A18"/>
-                          </a:solidFill>
-                        </a:rPr>
-                        <a:t>D1</a:t>
-                      </a:r>
-                      <a:endParaRPr lang="en-US" sz="1100" dirty="0"/>
-                    </a:p>
-                  </a:txBody>
-                  <a:tcPr marL="121920" marR="121920" marT="60960" marB="60960" anchor="ctr">
-                    <a:lnL w="3810" cap="flat" cmpd="sng" algn="ctr">
-                      <a:solidFill>
-                        <a:srgbClr val="DDDDDD"/>
-                      </a:solidFill>
-                      <a:prstDash val="solid"/>
-                      <a:round/>
-                      <a:headEnd type="none" w="med" len="med"/>
-                      <a:tailEnd type="none" w="med" len="med"/>
-                    </a:lnL>
-                    <a:lnR w="3810" cap="flat" cmpd="sng" algn="ctr">
-                      <a:solidFill>
-                        <a:srgbClr val="DDDDDD"/>
-                      </a:solidFill>
-                      <a:prstDash val="solid"/>
-                      <a:round/>
-                      <a:headEnd type="none" w="med" len="med"/>
-                      <a:tailEnd type="none" w="med" len="med"/>
-                    </a:lnR>
-                    <a:lnT w="3810" cap="flat" cmpd="sng" algn="ctr">
-                      <a:solidFill>
-                        <a:srgbClr val="DDDDDD"/>
-                      </a:solidFill>
-                      <a:prstDash val="solid"/>
-                      <a:round/>
-                      <a:headEnd type="none" w="med" len="med"/>
-                      <a:tailEnd type="none" w="med" len="med"/>
-                    </a:lnT>
-                    <a:lnB w="3810" cap="flat" cmpd="sng" algn="ctr">
-                      <a:solidFill>
-                        <a:srgbClr val="DDDDDD"/>
-                      </a:solidFill>
-                      <a:prstDash val="solid"/>
-                      <a:round/>
-                      <a:headEnd type="none" w="med" len="med"/>
-                      <a:tailEnd type="none" w="med" len="med"/>
-                    </a:lnB>
-                    <a:solidFill>
-                      <a:srgbClr val="FFFFFF"/>
-                    </a:solidFill>
-                  </a:tcPr>
-                </a:tc>
-                <a:tc>
-                  <a:txBody>
-                    <a:bodyPr/>
-                    <a:lstStyle/>
-                    <a:p>
-                      <a:pPr marL="0" indent="0">
-                        <a:buNone/>
-                      </a:pPr>
-                      <a:r>
-                        <a:rPr lang="en-US" sz="1100" dirty="0">
-                          <a:solidFill>
-                            <a:srgbClr val="030A18"/>
-                          </a:solidFill>
-                        </a:rPr>
-                        <a:t>20.9</a:t>
-                      </a:r>
-                      <a:endParaRPr lang="en-US" sz="1100" dirty="0"/>
-                    </a:p>
-                  </a:txBody>
-                  <a:tcPr marL="121920" marR="121920" marT="60960" marB="60960" anchor="ctr">
-                    <a:lnL w="3810" cap="flat" cmpd="sng" algn="ctr">
-                      <a:solidFill>
-                        <a:srgbClr val="DDDDDD"/>
-                      </a:solidFill>
-                      <a:prstDash val="solid"/>
-                      <a:round/>
-                      <a:headEnd type="none" w="med" len="med"/>
-                      <a:tailEnd type="none" w="med" len="med"/>
-                    </a:lnL>
-                    <a:lnR w="3810" cap="flat" cmpd="sng" algn="ctr">
-                      <a:solidFill>
-                        <a:srgbClr val="DDDDDD"/>
-                      </a:solidFill>
-                      <a:prstDash val="solid"/>
-                      <a:round/>
-                      <a:headEnd type="none" w="med" len="med"/>
-                      <a:tailEnd type="none" w="med" len="med"/>
-                    </a:lnR>
-                    <a:lnT w="3810" cap="flat" cmpd="sng" algn="ctr">
-                      <a:solidFill>
-                        <a:srgbClr val="DDDDDD"/>
-                      </a:solidFill>
-                      <a:prstDash val="solid"/>
-                      <a:round/>
-                      <a:headEnd type="none" w="med" len="med"/>
-                      <a:tailEnd type="none" w="med" len="med"/>
-                    </a:lnT>
-                    <a:lnB w="3810" cap="flat" cmpd="sng" algn="ctr">
-                      <a:solidFill>
-                        <a:srgbClr val="DDDDDD"/>
-                      </a:solidFill>
-                      <a:prstDash val="solid"/>
-                      <a:round/>
-                      <a:headEnd type="none" w="med" len="med"/>
-                      <a:tailEnd type="none" w="med" len="med"/>
-                    </a:lnB>
-                    <a:solidFill>
-                      <a:srgbClr val="FFFFFF"/>
-                    </a:solidFill>
-                  </a:tcPr>
-                </a:tc>
-                <a:tc>
-                  <a:txBody>
-                    <a:bodyPr/>
-                    <a:lstStyle/>
-                    <a:p>
-                      <a:pPr marL="0" indent="0">
-                        <a:buNone/>
-                      </a:pPr>
-                      <a:r>
-                        <a:rPr lang="en-US" sz="1100" dirty="0">
-                          <a:solidFill>
-                            <a:srgbClr val="030A18"/>
-                          </a:solidFill>
-                        </a:rPr>
-                        <a:t>4.23</a:t>
-                      </a:r>
-                      <a:endParaRPr lang="en-US" sz="1100" dirty="0"/>
-                    </a:p>
-                  </a:txBody>
-                  <a:tcPr marL="121920" marR="121920" marT="60960" marB="60960" anchor="ctr">
-                    <a:lnL w="3810" cap="flat" cmpd="sng" algn="ctr">
-                      <a:solidFill>
-                        <a:srgbClr val="DDDDDD"/>
-                      </a:solidFill>
-                      <a:prstDash val="solid"/>
-                      <a:round/>
-                      <a:headEnd type="none" w="med" len="med"/>
-                      <a:tailEnd type="none" w="med" len="med"/>
-                    </a:lnL>
-                    <a:lnR w="3810" cap="flat" cmpd="sng" algn="ctr">
-                      <a:solidFill>
-                        <a:srgbClr val="DDDDDD"/>
-                      </a:solidFill>
-                      <a:prstDash val="solid"/>
-                      <a:round/>
-                      <a:headEnd type="none" w="med" len="med"/>
-                      <a:tailEnd type="none" w="med" len="med"/>
-                    </a:lnR>
-                    <a:lnT w="3810" cap="flat" cmpd="sng" algn="ctr">
-                      <a:solidFill>
-                        <a:srgbClr val="DDDDDD"/>
-                      </a:solidFill>
-                      <a:prstDash val="solid"/>
-                      <a:round/>
-                      <a:headEnd type="none" w="med" len="med"/>
-                      <a:tailEnd type="none" w="med" len="med"/>
-                    </a:lnT>
-                    <a:lnB w="3810" cap="flat" cmpd="sng" algn="ctr">
-                      <a:solidFill>
-                        <a:srgbClr val="DDDDDD"/>
-                      </a:solidFill>
-                      <a:prstDash val="solid"/>
-                      <a:round/>
-                      <a:headEnd type="none" w="med" len="med"/>
-                      <a:tailEnd type="none" w="med" len="med"/>
-                    </a:lnB>
-                    <a:solidFill>
-                      <a:srgbClr val="FFFFFF"/>
-                    </a:solidFill>
-                  </a:tcPr>
-                </a:tc>
-                <a:tc>
-                  <a:txBody>
-                    <a:bodyPr/>
-                    <a:lstStyle/>
-                    <a:p>
-                      <a:pPr marL="0" indent="0">
-                        <a:buNone/>
-                      </a:pPr>
-                      <a:r>
-                        <a:rPr lang="en-US" sz="1100" dirty="0">
-                          <a:solidFill>
-                            <a:srgbClr val="030A18"/>
-                          </a:solidFill>
-                        </a:rPr>
-                        <a:t>69.48</a:t>
-                      </a:r>
-                      <a:endParaRPr lang="en-US" sz="1100" dirty="0"/>
-                    </a:p>
-                  </a:txBody>
-                  <a:tcPr marL="121920" marR="121920" marT="60960" marB="60960" anchor="ctr">
-                    <a:lnL w="3810" cap="flat" cmpd="sng" algn="ctr">
-                      <a:solidFill>
-                        <a:srgbClr val="DDDDDD"/>
-                      </a:solidFill>
-                      <a:prstDash val="solid"/>
-                      <a:round/>
-                      <a:headEnd type="none" w="med" len="med"/>
-                      <a:tailEnd type="none" w="med" len="med"/>
-                    </a:lnL>
-                    <a:lnR w="3810" cap="flat" cmpd="sng" algn="ctr">
-                      <a:solidFill>
-                        <a:srgbClr val="DDDDDD"/>
-                      </a:solidFill>
-                      <a:prstDash val="solid"/>
-                      <a:round/>
-                      <a:headEnd type="none" w="med" len="med"/>
-                      <a:tailEnd type="none" w="med" len="med"/>
-                    </a:lnR>
-                    <a:lnT w="3810" cap="flat" cmpd="sng" algn="ctr">
-                      <a:solidFill>
-                        <a:srgbClr val="DDDDDD"/>
-                      </a:solidFill>
-                      <a:prstDash val="solid"/>
-                      <a:round/>
-                      <a:headEnd type="none" w="med" len="med"/>
-                      <a:tailEnd type="none" w="med" len="med"/>
-                    </a:lnT>
-                    <a:lnB w="3810" cap="flat" cmpd="sng" algn="ctr">
-                      <a:solidFill>
-                        <a:srgbClr val="DDDDDD"/>
-                      </a:solidFill>
-                      <a:prstDash val="solid"/>
-                      <a:round/>
-                      <a:headEnd type="none" w="med" len="med"/>
-                      <a:tailEnd type="none" w="med" len="med"/>
-                    </a:lnB>
-                    <a:solidFill>
-                      <a:srgbClr val="FFFFFF"/>
-                    </a:solidFill>
-                  </a:tcPr>
-                </a:tc>
-                <a:extLst>
-                  <a:ext uri="{0D108BD9-81ED-4DB2-BD59-A6C34878D82A}">
-                    <a16:rowId xmlns:a16="http://schemas.microsoft.com/office/drawing/2014/main" val="10001"/>
-                  </a:ext>
-                </a:extLst>
-              </a:tr>
-              <a:tr h="325120">
-                <a:tc>
-                  <a:txBody>
-                    <a:bodyPr/>
-                    <a:lstStyle/>
-                    <a:p>
-                      <a:pPr marL="0" indent="0">
-                        <a:buNone/>
-                      </a:pPr>
-                      <a:r>
-                        <a:rPr lang="en-US" sz="1100" dirty="0">
-                          <a:solidFill>
-                            <a:srgbClr val="030A18"/>
-                          </a:solidFill>
-                        </a:rPr>
-                        <a:t>D2</a:t>
-                      </a:r>
-                      <a:endParaRPr lang="en-US" sz="1100" dirty="0"/>
-                    </a:p>
-                  </a:txBody>
-                  <a:tcPr marL="121920" marR="121920" marT="60960" marB="60960" anchor="ctr">
-                    <a:lnL w="3810" cap="flat" cmpd="sng" algn="ctr">
-                      <a:solidFill>
-                        <a:srgbClr val="DDDDDD"/>
-                      </a:solidFill>
-                      <a:prstDash val="solid"/>
-                      <a:round/>
-                      <a:headEnd type="none" w="med" len="med"/>
-                      <a:tailEnd type="none" w="med" len="med"/>
-                    </a:lnL>
-                    <a:lnR w="3810" cap="flat" cmpd="sng" algn="ctr">
-                      <a:solidFill>
-                        <a:srgbClr val="DDDDDD"/>
-                      </a:solidFill>
-                      <a:prstDash val="solid"/>
-                      <a:round/>
-                      <a:headEnd type="none" w="med" len="med"/>
-                      <a:tailEnd type="none" w="med" len="med"/>
-                    </a:lnR>
-                    <a:lnT w="3810" cap="flat" cmpd="sng" algn="ctr">
-                      <a:solidFill>
-                        <a:srgbClr val="DDDDDD"/>
-                      </a:solidFill>
-                      <a:prstDash val="solid"/>
-                      <a:round/>
-                      <a:headEnd type="none" w="med" len="med"/>
-                      <a:tailEnd type="none" w="med" len="med"/>
-                    </a:lnT>
-                    <a:lnB w="3810" cap="flat" cmpd="sng" algn="ctr">
-                      <a:solidFill>
-                        <a:srgbClr val="DDDDDD"/>
-                      </a:solidFill>
-                      <a:prstDash val="solid"/>
-                      <a:round/>
-                      <a:headEnd type="none" w="med" len="med"/>
-                      <a:tailEnd type="none" w="med" len="med"/>
-                    </a:lnB>
-                    <a:solidFill>
-                      <a:srgbClr val="F7F9FC"/>
-                    </a:solidFill>
-                  </a:tcPr>
-                </a:tc>
-                <a:tc>
-                  <a:txBody>
-                    <a:bodyPr/>
-                    <a:lstStyle/>
-                    <a:p>
-                      <a:pPr marL="0" indent="0">
-                        <a:buNone/>
-                      </a:pPr>
-                      <a:r>
-                        <a:rPr lang="en-US" sz="1100" dirty="0">
-                          <a:solidFill>
-                            <a:srgbClr val="030A18"/>
-                          </a:solidFill>
-                        </a:rPr>
-                        <a:t>20.5</a:t>
-                      </a:r>
-                      <a:endParaRPr lang="en-US" sz="1100" dirty="0"/>
-                    </a:p>
-                  </a:txBody>
-                  <a:tcPr marL="121920" marR="121920" marT="60960" marB="60960" anchor="ctr">
-                    <a:lnL w="3810" cap="flat" cmpd="sng" algn="ctr">
-                      <a:solidFill>
-                        <a:srgbClr val="DDDDDD"/>
-                      </a:solidFill>
-                      <a:prstDash val="solid"/>
-                      <a:round/>
-                      <a:headEnd type="none" w="med" len="med"/>
-                      <a:tailEnd type="none" w="med" len="med"/>
-                    </a:lnL>
-                    <a:lnR w="3810" cap="flat" cmpd="sng" algn="ctr">
-                      <a:solidFill>
-                        <a:srgbClr val="DDDDDD"/>
-                      </a:solidFill>
-                      <a:prstDash val="solid"/>
-                      <a:round/>
-                      <a:headEnd type="none" w="med" len="med"/>
-                      <a:tailEnd type="none" w="med" len="med"/>
-                    </a:lnR>
-                    <a:lnT w="3810" cap="flat" cmpd="sng" algn="ctr">
-                      <a:solidFill>
-                        <a:srgbClr val="DDDDDD"/>
-                      </a:solidFill>
-                      <a:prstDash val="solid"/>
-                      <a:round/>
-                      <a:headEnd type="none" w="med" len="med"/>
-                      <a:tailEnd type="none" w="med" len="med"/>
-                    </a:lnT>
-                    <a:lnB w="3810" cap="flat" cmpd="sng" algn="ctr">
-                      <a:solidFill>
-                        <a:srgbClr val="DDDDDD"/>
-                      </a:solidFill>
-                      <a:prstDash val="solid"/>
-                      <a:round/>
-                      <a:headEnd type="none" w="med" len="med"/>
-                      <a:tailEnd type="none" w="med" len="med"/>
-                    </a:lnB>
-                    <a:solidFill>
-                      <a:srgbClr val="F7F9FC"/>
-                    </a:solidFill>
-                  </a:tcPr>
-                </a:tc>
-                <a:tc>
-                  <a:txBody>
-                    <a:bodyPr/>
-                    <a:lstStyle/>
-                    <a:p>
-                      <a:pPr marL="0" indent="0">
-                        <a:buNone/>
-                      </a:pPr>
-                      <a:r>
-                        <a:rPr lang="en-US" sz="1100" dirty="0">
-                          <a:solidFill>
-                            <a:srgbClr val="030A18"/>
-                          </a:solidFill>
-                        </a:rPr>
-                        <a:t>5.67</a:t>
-                      </a:r>
-                      <a:endParaRPr lang="en-US" sz="1100" dirty="0"/>
-                    </a:p>
-                  </a:txBody>
-                  <a:tcPr marL="121920" marR="121920" marT="60960" marB="60960" anchor="ctr">
-                    <a:lnL w="3810" cap="flat" cmpd="sng" algn="ctr">
-                      <a:solidFill>
-                        <a:srgbClr val="DDDDDD"/>
-                      </a:solidFill>
-                      <a:prstDash val="solid"/>
-                      <a:round/>
-                      <a:headEnd type="none" w="med" len="med"/>
-                      <a:tailEnd type="none" w="med" len="med"/>
-                    </a:lnL>
-                    <a:lnR w="3810" cap="flat" cmpd="sng" algn="ctr">
-                      <a:solidFill>
-                        <a:srgbClr val="DDDDDD"/>
-                      </a:solidFill>
-                      <a:prstDash val="solid"/>
-                      <a:round/>
-                      <a:headEnd type="none" w="med" len="med"/>
-                      <a:tailEnd type="none" w="med" len="med"/>
-                    </a:lnR>
-                    <a:lnT w="3810" cap="flat" cmpd="sng" algn="ctr">
-                      <a:solidFill>
-                        <a:srgbClr val="DDDDDD"/>
-                      </a:solidFill>
-                      <a:prstDash val="solid"/>
-                      <a:round/>
-                      <a:headEnd type="none" w="med" len="med"/>
-                      <a:tailEnd type="none" w="med" len="med"/>
-                    </a:lnT>
-                    <a:lnB w="3810" cap="flat" cmpd="sng" algn="ctr">
-                      <a:solidFill>
-                        <a:srgbClr val="DDDDDD"/>
-                      </a:solidFill>
-                      <a:prstDash val="solid"/>
-                      <a:round/>
-                      <a:headEnd type="none" w="med" len="med"/>
-                      <a:tailEnd type="none" w="med" len="med"/>
-                    </a:lnB>
-                    <a:solidFill>
-                      <a:srgbClr val="F7F9FC"/>
-                    </a:solidFill>
-                  </a:tcPr>
-                </a:tc>
-                <a:tc>
-                  <a:txBody>
-                    <a:bodyPr/>
-                    <a:lstStyle/>
-                    <a:p>
-                      <a:pPr marL="0" indent="0">
-                        <a:buNone/>
-                      </a:pPr>
-                      <a:r>
-                        <a:rPr lang="en-US" sz="1100" dirty="0">
-                          <a:solidFill>
-                            <a:srgbClr val="030A18"/>
-                          </a:solidFill>
-                        </a:rPr>
-                        <a:t>68.75</a:t>
-                      </a:r>
-                      <a:endParaRPr lang="en-US" sz="1100" dirty="0"/>
-                    </a:p>
-                  </a:txBody>
-                  <a:tcPr marL="121920" marR="121920" marT="60960" marB="60960" anchor="ctr">
-                    <a:lnL w="3810" cap="flat" cmpd="sng" algn="ctr">
-                      <a:solidFill>
-                        <a:srgbClr val="DDDDDD"/>
-                      </a:solidFill>
-                      <a:prstDash val="solid"/>
-                      <a:round/>
-                      <a:headEnd type="none" w="med" len="med"/>
-                      <a:tailEnd type="none" w="med" len="med"/>
-                    </a:lnL>
-                    <a:lnR w="3810" cap="flat" cmpd="sng" algn="ctr">
-                      <a:solidFill>
-                        <a:srgbClr val="DDDDDD"/>
-                      </a:solidFill>
-                      <a:prstDash val="solid"/>
-                      <a:round/>
-                      <a:headEnd type="none" w="med" len="med"/>
-                      <a:tailEnd type="none" w="med" len="med"/>
-                    </a:lnR>
-                    <a:lnT w="3810" cap="flat" cmpd="sng" algn="ctr">
-                      <a:solidFill>
-                        <a:srgbClr val="DDDDDD"/>
-                      </a:solidFill>
-                      <a:prstDash val="solid"/>
-                      <a:round/>
-                      <a:headEnd type="none" w="med" len="med"/>
-                      <a:tailEnd type="none" w="med" len="med"/>
-                    </a:lnT>
-                    <a:lnB w="3810" cap="flat" cmpd="sng" algn="ctr">
-                      <a:solidFill>
-                        <a:srgbClr val="DDDDDD"/>
-                      </a:solidFill>
-                      <a:prstDash val="solid"/>
-                      <a:round/>
-                      <a:headEnd type="none" w="med" len="med"/>
-                      <a:tailEnd type="none" w="med" len="med"/>
-                    </a:lnB>
-                    <a:solidFill>
-                      <a:srgbClr val="F7F9FC"/>
-                    </a:solidFill>
-                  </a:tcPr>
-                </a:tc>
-                <a:extLst>
-                  <a:ext uri="{0D108BD9-81ED-4DB2-BD59-A6C34878D82A}">
-                    <a16:rowId xmlns:a16="http://schemas.microsoft.com/office/drawing/2014/main" val="10002"/>
-                  </a:ext>
-                </a:extLst>
-              </a:tr>
-              <a:tr h="325120">
-                <a:tc>
-                  <a:txBody>
-                    <a:bodyPr/>
-                    <a:lstStyle/>
-                    <a:p>
-                      <a:pPr marL="0" indent="0">
-                        <a:buNone/>
-                      </a:pPr>
-                      <a:r>
-                        <a:rPr lang="en-US" sz="1100" dirty="0">
-                          <a:solidFill>
-                            <a:srgbClr val="030A18"/>
-                          </a:solidFill>
-                        </a:rPr>
-                        <a:t>D3</a:t>
-                      </a:r>
-                      <a:endParaRPr lang="en-US" sz="1100" dirty="0"/>
-                    </a:p>
-                  </a:txBody>
-                  <a:tcPr marL="121920" marR="121920" marT="60960" marB="60960" anchor="ctr">
-                    <a:lnL w="3810" cap="flat" cmpd="sng" algn="ctr">
-                      <a:solidFill>
-                        <a:srgbClr val="DDDDDD"/>
-                      </a:solidFill>
-                      <a:prstDash val="solid"/>
-                      <a:round/>
-                      <a:headEnd type="none" w="med" len="med"/>
-                      <a:tailEnd type="none" w="med" len="med"/>
-                    </a:lnL>
-                    <a:lnR w="3810" cap="flat" cmpd="sng" algn="ctr">
-                      <a:solidFill>
-                        <a:srgbClr val="DDDDDD"/>
-                      </a:solidFill>
-                      <a:prstDash val="solid"/>
-                      <a:round/>
-                      <a:headEnd type="none" w="med" len="med"/>
-                      <a:tailEnd type="none" w="med" len="med"/>
-                    </a:lnR>
-                    <a:lnT w="3810" cap="flat" cmpd="sng" algn="ctr">
-                      <a:solidFill>
-                        <a:srgbClr val="DDDDDD"/>
-                      </a:solidFill>
-                      <a:prstDash val="solid"/>
-                      <a:round/>
-                      <a:headEnd type="none" w="med" len="med"/>
-                      <a:tailEnd type="none" w="med" len="med"/>
-                    </a:lnT>
-                    <a:lnB w="3810" cap="flat" cmpd="sng" algn="ctr">
-                      <a:solidFill>
-                        <a:srgbClr val="DDDDDD"/>
-                      </a:solidFill>
-                      <a:prstDash val="solid"/>
-                      <a:round/>
-                      <a:headEnd type="none" w="med" len="med"/>
-                      <a:tailEnd type="none" w="med" len="med"/>
-                    </a:lnB>
-                    <a:solidFill>
-                      <a:srgbClr val="FFFFFF"/>
-                    </a:solidFill>
-                  </a:tcPr>
-                </a:tc>
-                <a:tc>
-                  <a:txBody>
-                    <a:bodyPr/>
-                    <a:lstStyle/>
-                    <a:p>
-                      <a:pPr marL="0" indent="0">
-                        <a:buNone/>
-                      </a:pPr>
-                      <a:r>
-                        <a:rPr lang="en-US" sz="1100" dirty="0">
-                          <a:solidFill>
-                            <a:srgbClr val="030A18"/>
-                          </a:solidFill>
-                        </a:rPr>
-                        <a:t>21.0</a:t>
-                      </a:r>
-                      <a:endParaRPr lang="en-US" sz="1100" dirty="0"/>
-                    </a:p>
-                  </a:txBody>
-                  <a:tcPr marL="121920" marR="121920" marT="60960" marB="60960" anchor="ctr">
-                    <a:lnL w="3810" cap="flat" cmpd="sng" algn="ctr">
-                      <a:solidFill>
-                        <a:srgbClr val="DDDDDD"/>
-                      </a:solidFill>
-                      <a:prstDash val="solid"/>
-                      <a:round/>
-                      <a:headEnd type="none" w="med" len="med"/>
-                      <a:tailEnd type="none" w="med" len="med"/>
-                    </a:lnL>
-                    <a:lnR w="3810" cap="flat" cmpd="sng" algn="ctr">
-                      <a:solidFill>
-                        <a:srgbClr val="DDDDDD"/>
-                      </a:solidFill>
-                      <a:prstDash val="solid"/>
-                      <a:round/>
-                      <a:headEnd type="none" w="med" len="med"/>
-                      <a:tailEnd type="none" w="med" len="med"/>
-                    </a:lnR>
-                    <a:lnT w="3810" cap="flat" cmpd="sng" algn="ctr">
-                      <a:solidFill>
-                        <a:srgbClr val="DDDDDD"/>
-                      </a:solidFill>
-                      <a:prstDash val="solid"/>
-                      <a:round/>
-                      <a:headEnd type="none" w="med" len="med"/>
-                      <a:tailEnd type="none" w="med" len="med"/>
-                    </a:lnT>
-                    <a:lnB w="3810" cap="flat" cmpd="sng" algn="ctr">
-                      <a:solidFill>
-                        <a:srgbClr val="DDDDDD"/>
-                      </a:solidFill>
-                      <a:prstDash val="solid"/>
-                      <a:round/>
-                      <a:headEnd type="none" w="med" len="med"/>
-                      <a:tailEnd type="none" w="med" len="med"/>
-                    </a:lnB>
-                    <a:solidFill>
-                      <a:srgbClr val="FFFFFF"/>
-                    </a:solidFill>
-                  </a:tcPr>
-                </a:tc>
-                <a:tc>
-                  <a:txBody>
-                    <a:bodyPr/>
-                    <a:lstStyle/>
-                    <a:p>
-                      <a:pPr marL="0" indent="0">
-                        <a:buNone/>
-                      </a:pPr>
-                      <a:r>
-                        <a:rPr lang="en-US" sz="1100" dirty="0">
-                          <a:solidFill>
-                            <a:srgbClr val="030A18"/>
-                          </a:solidFill>
-                        </a:rPr>
-                        <a:t>6.10</a:t>
-                      </a:r>
-                      <a:endParaRPr lang="en-US" sz="1100" dirty="0"/>
-                    </a:p>
-                  </a:txBody>
-                  <a:tcPr marL="121920" marR="121920" marT="60960" marB="60960" anchor="ctr">
-                    <a:lnL w="3810" cap="flat" cmpd="sng" algn="ctr">
-                      <a:solidFill>
-                        <a:srgbClr val="DDDDDD"/>
-                      </a:solidFill>
-                      <a:prstDash val="solid"/>
-                      <a:round/>
-                      <a:headEnd type="none" w="med" len="med"/>
-                      <a:tailEnd type="none" w="med" len="med"/>
-                    </a:lnL>
-                    <a:lnR w="3810" cap="flat" cmpd="sng" algn="ctr">
-                      <a:solidFill>
-                        <a:srgbClr val="DDDDDD"/>
-                      </a:solidFill>
-                      <a:prstDash val="solid"/>
-                      <a:round/>
-                      <a:headEnd type="none" w="med" len="med"/>
-                      <a:tailEnd type="none" w="med" len="med"/>
-                    </a:lnR>
-                    <a:lnT w="3810" cap="flat" cmpd="sng" algn="ctr">
-                      <a:solidFill>
-                        <a:srgbClr val="DDDDDD"/>
-                      </a:solidFill>
-                      <a:prstDash val="solid"/>
-                      <a:round/>
-                      <a:headEnd type="none" w="med" len="med"/>
-                      <a:tailEnd type="none" w="med" len="med"/>
-                    </a:lnT>
-                    <a:lnB w="3810" cap="flat" cmpd="sng" algn="ctr">
-                      <a:solidFill>
-                        <a:srgbClr val="DDDDDD"/>
-                      </a:solidFill>
-                      <a:prstDash val="solid"/>
-                      <a:round/>
-                      <a:headEnd type="none" w="med" len="med"/>
-                      <a:tailEnd type="none" w="med" len="med"/>
-                    </a:lnB>
-                    <a:solidFill>
-                      <a:srgbClr val="FFFFFF"/>
-                    </a:solidFill>
-                  </a:tcPr>
-                </a:tc>
-                <a:tc>
-                  <a:txBody>
-                    <a:bodyPr/>
-                    <a:lstStyle/>
-                    <a:p>
-                      <a:pPr marL="0" indent="0">
-                        <a:buNone/>
-                      </a:pPr>
-                      <a:r>
-                        <a:rPr lang="en-US" sz="1100" dirty="0">
-                          <a:solidFill>
-                            <a:srgbClr val="030A18"/>
-                          </a:solidFill>
-                        </a:rPr>
-                        <a:t>67.04</a:t>
-                      </a:r>
-                      <a:endParaRPr lang="en-US" sz="1100" dirty="0"/>
-                    </a:p>
-                  </a:txBody>
-                  <a:tcPr marL="121920" marR="121920" marT="60960" marB="60960" anchor="ctr">
-                    <a:lnL w="3810" cap="flat" cmpd="sng" algn="ctr">
-                      <a:solidFill>
-                        <a:srgbClr val="DDDDDD"/>
-                      </a:solidFill>
-                      <a:prstDash val="solid"/>
-                      <a:round/>
-                      <a:headEnd type="none" w="med" len="med"/>
-                      <a:tailEnd type="none" w="med" len="med"/>
-                    </a:lnL>
-                    <a:lnR w="3810" cap="flat" cmpd="sng" algn="ctr">
-                      <a:solidFill>
-                        <a:srgbClr val="DDDDDD"/>
-                      </a:solidFill>
-                      <a:prstDash val="solid"/>
-                      <a:round/>
-                      <a:headEnd type="none" w="med" len="med"/>
-                      <a:tailEnd type="none" w="med" len="med"/>
-                    </a:lnR>
-                    <a:lnT w="3810" cap="flat" cmpd="sng" algn="ctr">
-                      <a:solidFill>
-                        <a:srgbClr val="DDDDDD"/>
-                      </a:solidFill>
-                      <a:prstDash val="solid"/>
-                      <a:round/>
-                      <a:headEnd type="none" w="med" len="med"/>
-                      <a:tailEnd type="none" w="med" len="med"/>
-                    </a:lnT>
-                    <a:lnB w="3810" cap="flat" cmpd="sng" algn="ctr">
-                      <a:solidFill>
-                        <a:srgbClr val="DDDDDD"/>
-                      </a:solidFill>
-                      <a:prstDash val="solid"/>
-                      <a:round/>
-                      <a:headEnd type="none" w="med" len="med"/>
-                      <a:tailEnd type="none" w="med" len="med"/>
-                    </a:lnB>
-                    <a:solidFill>
-                      <a:srgbClr val="FFFFFF"/>
-                    </a:solidFill>
-                  </a:tcPr>
-                </a:tc>
-                <a:extLst>
-                  <a:ext uri="{0D108BD9-81ED-4DB2-BD59-A6C34878D82A}">
-                    <a16:rowId xmlns:a16="http://schemas.microsoft.com/office/drawing/2014/main" val="10003"/>
-                  </a:ext>
-                </a:extLst>
-              </a:tr>
-              <a:tr h="325120">
-                <a:tc>
-                  <a:txBody>
-                    <a:bodyPr/>
-                    <a:lstStyle/>
-                    <a:p>
-                      <a:pPr marL="0" indent="0">
-                        <a:buNone/>
-                      </a:pPr>
-                      <a:r>
-                        <a:rPr lang="en-US" sz="1100" dirty="0">
-                          <a:solidFill>
-                            <a:srgbClr val="030A18"/>
-                          </a:solidFill>
-                        </a:rPr>
-                        <a:t>D4</a:t>
-                      </a:r>
-                      <a:endParaRPr lang="en-US" sz="1100" dirty="0"/>
-                    </a:p>
-                  </a:txBody>
-                  <a:tcPr marL="121920" marR="121920" marT="60960" marB="60960" anchor="ctr">
-                    <a:lnL w="3810" cap="flat" cmpd="sng" algn="ctr">
-                      <a:solidFill>
-                        <a:srgbClr val="DDDDDD"/>
-                      </a:solidFill>
-                      <a:prstDash val="solid"/>
-                      <a:round/>
-                      <a:headEnd type="none" w="med" len="med"/>
-                      <a:tailEnd type="none" w="med" len="med"/>
-                    </a:lnL>
-                    <a:lnR w="3810" cap="flat" cmpd="sng" algn="ctr">
-                      <a:solidFill>
-                        <a:srgbClr val="DDDDDD"/>
-                      </a:solidFill>
-                      <a:prstDash val="solid"/>
-                      <a:round/>
-                      <a:headEnd type="none" w="med" len="med"/>
-                      <a:tailEnd type="none" w="med" len="med"/>
-                    </a:lnR>
-                    <a:lnT w="3810" cap="flat" cmpd="sng" algn="ctr">
-                      <a:solidFill>
-                        <a:srgbClr val="DDDDDD"/>
-                      </a:solidFill>
-                      <a:prstDash val="solid"/>
-                      <a:round/>
-                      <a:headEnd type="none" w="med" len="med"/>
-                      <a:tailEnd type="none" w="med" len="med"/>
-                    </a:lnT>
-                    <a:lnB w="3810" cap="flat" cmpd="sng" algn="ctr">
-                      <a:solidFill>
-                        <a:srgbClr val="DDDDDD"/>
-                      </a:solidFill>
-                      <a:prstDash val="solid"/>
-                      <a:round/>
-                      <a:headEnd type="none" w="med" len="med"/>
-                      <a:tailEnd type="none" w="med" len="med"/>
-                    </a:lnB>
-                    <a:solidFill>
-                      <a:srgbClr val="F7F9FC"/>
-                    </a:solidFill>
-                  </a:tcPr>
-                </a:tc>
-                <a:tc>
-                  <a:txBody>
-                    <a:bodyPr/>
-                    <a:lstStyle/>
-                    <a:p>
-                      <a:pPr marL="0" indent="0">
-                        <a:buNone/>
-                      </a:pPr>
-                      <a:r>
-                        <a:rPr lang="en-US" sz="1100" dirty="0">
-                          <a:solidFill>
-                            <a:srgbClr val="030A18"/>
-                          </a:solidFill>
-                        </a:rPr>
-                        <a:t>21.9</a:t>
-                      </a:r>
-                      <a:endParaRPr lang="en-US" sz="1100" dirty="0"/>
-                    </a:p>
-                  </a:txBody>
-                  <a:tcPr marL="121920" marR="121920" marT="60960" marB="60960" anchor="ctr">
-                    <a:lnL w="3810" cap="flat" cmpd="sng" algn="ctr">
-                      <a:solidFill>
-                        <a:srgbClr val="DDDDDD"/>
-                      </a:solidFill>
-                      <a:prstDash val="solid"/>
-                      <a:round/>
-                      <a:headEnd type="none" w="med" len="med"/>
-                      <a:tailEnd type="none" w="med" len="med"/>
-                    </a:lnL>
-                    <a:lnR w="3810" cap="flat" cmpd="sng" algn="ctr">
-                      <a:solidFill>
-                        <a:srgbClr val="DDDDDD"/>
-                      </a:solidFill>
-                      <a:prstDash val="solid"/>
-                      <a:round/>
-                      <a:headEnd type="none" w="med" len="med"/>
-                      <a:tailEnd type="none" w="med" len="med"/>
-                    </a:lnR>
-                    <a:lnT w="3810" cap="flat" cmpd="sng" algn="ctr">
-                      <a:solidFill>
-                        <a:srgbClr val="DDDDDD"/>
-                      </a:solidFill>
-                      <a:prstDash val="solid"/>
-                      <a:round/>
-                      <a:headEnd type="none" w="med" len="med"/>
-                      <a:tailEnd type="none" w="med" len="med"/>
-                    </a:lnT>
-                    <a:lnB w="3810" cap="flat" cmpd="sng" algn="ctr">
-                      <a:solidFill>
-                        <a:srgbClr val="DDDDDD"/>
-                      </a:solidFill>
-                      <a:prstDash val="solid"/>
-                      <a:round/>
-                      <a:headEnd type="none" w="med" len="med"/>
-                      <a:tailEnd type="none" w="med" len="med"/>
-                    </a:lnB>
-                    <a:solidFill>
-                      <a:srgbClr val="F7F9FC"/>
-                    </a:solidFill>
-                  </a:tcPr>
-                </a:tc>
-                <a:tc>
-                  <a:txBody>
-                    <a:bodyPr/>
-                    <a:lstStyle/>
-                    <a:p>
-                      <a:pPr marL="0" indent="0">
-                        <a:buNone/>
-                      </a:pPr>
-                      <a:r>
-                        <a:rPr lang="en-US" sz="1100" dirty="0">
-                          <a:solidFill>
-                            <a:srgbClr val="030A18"/>
-                          </a:solidFill>
-                        </a:rPr>
-                        <a:t>5.77</a:t>
-                      </a:r>
-                      <a:endParaRPr lang="en-US" sz="1100" dirty="0"/>
-                    </a:p>
-                  </a:txBody>
-                  <a:tcPr marL="121920" marR="121920" marT="60960" marB="60960" anchor="ctr">
-                    <a:lnL w="3810" cap="flat" cmpd="sng" algn="ctr">
-                      <a:solidFill>
-                        <a:srgbClr val="DDDDDD"/>
-                      </a:solidFill>
-                      <a:prstDash val="solid"/>
-                      <a:round/>
-                      <a:headEnd type="none" w="med" len="med"/>
-                      <a:tailEnd type="none" w="med" len="med"/>
-                    </a:lnL>
-                    <a:lnR w="3810" cap="flat" cmpd="sng" algn="ctr">
-                      <a:solidFill>
-                        <a:srgbClr val="DDDDDD"/>
-                      </a:solidFill>
-                      <a:prstDash val="solid"/>
-                      <a:round/>
-                      <a:headEnd type="none" w="med" len="med"/>
-                      <a:tailEnd type="none" w="med" len="med"/>
-                    </a:lnR>
-                    <a:lnT w="3810" cap="flat" cmpd="sng" algn="ctr">
-                      <a:solidFill>
-                        <a:srgbClr val="DDDDDD"/>
-                      </a:solidFill>
-                      <a:prstDash val="solid"/>
-                      <a:round/>
-                      <a:headEnd type="none" w="med" len="med"/>
-                      <a:tailEnd type="none" w="med" len="med"/>
-                    </a:lnT>
-                    <a:lnB w="3810" cap="flat" cmpd="sng" algn="ctr">
-                      <a:solidFill>
-                        <a:srgbClr val="DDDDDD"/>
-                      </a:solidFill>
-                      <a:prstDash val="solid"/>
-                      <a:round/>
-                      <a:headEnd type="none" w="med" len="med"/>
-                      <a:tailEnd type="none" w="med" len="med"/>
-                    </a:lnB>
-                    <a:solidFill>
-                      <a:srgbClr val="F7F9FC"/>
-                    </a:solidFill>
-                  </a:tcPr>
-                </a:tc>
-                <a:tc>
-                  <a:txBody>
-                    <a:bodyPr/>
-                    <a:lstStyle/>
-                    <a:p>
-                      <a:pPr marL="0" indent="0">
-                        <a:buNone/>
-                      </a:pPr>
-                      <a:r>
-                        <a:rPr lang="en-US" sz="1100" dirty="0">
-                          <a:solidFill>
-                            <a:srgbClr val="030A18"/>
-                          </a:solidFill>
-                        </a:rPr>
-                        <a:t>66.44</a:t>
-                      </a:r>
-                      <a:endParaRPr lang="en-US" sz="1100" dirty="0"/>
-                    </a:p>
-                  </a:txBody>
-                  <a:tcPr marL="121920" marR="121920" marT="60960" marB="60960" anchor="ctr">
-                    <a:lnL w="3810" cap="flat" cmpd="sng" algn="ctr">
-                      <a:solidFill>
-                        <a:srgbClr val="DDDDDD"/>
-                      </a:solidFill>
-                      <a:prstDash val="solid"/>
-                      <a:round/>
-                      <a:headEnd type="none" w="med" len="med"/>
-                      <a:tailEnd type="none" w="med" len="med"/>
-                    </a:lnL>
-                    <a:lnR w="3810" cap="flat" cmpd="sng" algn="ctr">
-                      <a:solidFill>
-                        <a:srgbClr val="DDDDDD"/>
-                      </a:solidFill>
-                      <a:prstDash val="solid"/>
-                      <a:round/>
-                      <a:headEnd type="none" w="med" len="med"/>
-                      <a:tailEnd type="none" w="med" len="med"/>
-                    </a:lnR>
-                    <a:lnT w="3810" cap="flat" cmpd="sng" algn="ctr">
-                      <a:solidFill>
-                        <a:srgbClr val="DDDDDD"/>
-                      </a:solidFill>
-                      <a:prstDash val="solid"/>
-                      <a:round/>
-                      <a:headEnd type="none" w="med" len="med"/>
-                      <a:tailEnd type="none" w="med" len="med"/>
-                    </a:lnT>
-                    <a:lnB w="3810" cap="flat" cmpd="sng" algn="ctr">
-                      <a:solidFill>
-                        <a:srgbClr val="DDDDDD"/>
-                      </a:solidFill>
-                      <a:prstDash val="solid"/>
-                      <a:round/>
-                      <a:headEnd type="none" w="med" len="med"/>
-                      <a:tailEnd type="none" w="med" len="med"/>
-                    </a:lnB>
-                    <a:solidFill>
-                      <a:srgbClr val="F7F9FC"/>
-                    </a:solidFill>
-                  </a:tcPr>
-                </a:tc>
-                <a:extLst>
-                  <a:ext uri="{0D108BD9-81ED-4DB2-BD59-A6C34878D82A}">
-                    <a16:rowId xmlns:a16="http://schemas.microsoft.com/office/drawing/2014/main" val="10004"/>
-                  </a:ext>
-                </a:extLst>
-              </a:tr>
-              <a:tr h="325120">
-                <a:tc>
-                  <a:txBody>
-                    <a:bodyPr/>
-                    <a:lstStyle/>
-                    <a:p>
-                      <a:pPr marL="0" indent="0">
-                        <a:buNone/>
-                      </a:pPr>
-                      <a:r>
-                        <a:rPr lang="en-US" sz="1100" dirty="0">
-                          <a:solidFill>
-                            <a:srgbClr val="030A18"/>
-                          </a:solidFill>
-                        </a:rPr>
-                        <a:t>D5</a:t>
-                      </a:r>
-                      <a:endParaRPr lang="en-US" sz="1100" dirty="0"/>
-                    </a:p>
-                  </a:txBody>
-                  <a:tcPr marL="121920" marR="121920" marT="60960" marB="60960" anchor="ctr">
-                    <a:lnL w="3810" cap="flat" cmpd="sng" algn="ctr">
-                      <a:solidFill>
-                        <a:srgbClr val="DDDDDD"/>
-                      </a:solidFill>
-                      <a:prstDash val="solid"/>
-                      <a:round/>
-                      <a:headEnd type="none" w="med" len="med"/>
-                      <a:tailEnd type="none" w="med" len="med"/>
-                    </a:lnL>
-                    <a:lnR w="3810" cap="flat" cmpd="sng" algn="ctr">
-                      <a:solidFill>
-                        <a:srgbClr val="DDDDDD"/>
-                      </a:solidFill>
-                      <a:prstDash val="solid"/>
-                      <a:round/>
-                      <a:headEnd type="none" w="med" len="med"/>
-                      <a:tailEnd type="none" w="med" len="med"/>
-                    </a:lnR>
-                    <a:lnT w="3810" cap="flat" cmpd="sng" algn="ctr">
-                      <a:solidFill>
-                        <a:srgbClr val="DDDDDD"/>
-                      </a:solidFill>
-                      <a:prstDash val="solid"/>
-                      <a:round/>
-                      <a:headEnd type="none" w="med" len="med"/>
-                      <a:tailEnd type="none" w="med" len="med"/>
-                    </a:lnT>
-                    <a:lnB w="3810" cap="flat" cmpd="sng" algn="ctr">
-                      <a:solidFill>
-                        <a:srgbClr val="DDDDDD"/>
-                      </a:solidFill>
-                      <a:prstDash val="solid"/>
-                      <a:round/>
-                      <a:headEnd type="none" w="med" len="med"/>
-                      <a:tailEnd type="none" w="med" len="med"/>
-                    </a:lnB>
-                    <a:solidFill>
-                      <a:srgbClr val="FFFFFF"/>
-                    </a:solidFill>
-                  </a:tcPr>
-                </a:tc>
-                <a:tc>
-                  <a:txBody>
-                    <a:bodyPr/>
-                    <a:lstStyle/>
-                    <a:p>
-                      <a:pPr marL="0" indent="0">
-                        <a:buNone/>
-                      </a:pPr>
-                      <a:r>
-                        <a:rPr lang="en-US" sz="1100" dirty="0">
-                          <a:solidFill>
-                            <a:srgbClr val="030A18"/>
-                          </a:solidFill>
-                        </a:rPr>
-                        <a:t>22.0</a:t>
-                      </a:r>
-                      <a:endParaRPr lang="en-US" sz="1100" dirty="0"/>
-                    </a:p>
-                  </a:txBody>
-                  <a:tcPr marL="121920" marR="121920" marT="60960" marB="60960" anchor="ctr">
-                    <a:lnL w="3810" cap="flat" cmpd="sng" algn="ctr">
-                      <a:solidFill>
-                        <a:srgbClr val="DDDDDD"/>
-                      </a:solidFill>
-                      <a:prstDash val="solid"/>
-                      <a:round/>
-                      <a:headEnd type="none" w="med" len="med"/>
-                      <a:tailEnd type="none" w="med" len="med"/>
-                    </a:lnL>
-                    <a:lnR w="3810" cap="flat" cmpd="sng" algn="ctr">
-                      <a:solidFill>
-                        <a:srgbClr val="DDDDDD"/>
-                      </a:solidFill>
-                      <a:prstDash val="solid"/>
-                      <a:round/>
-                      <a:headEnd type="none" w="med" len="med"/>
-                      <a:tailEnd type="none" w="med" len="med"/>
-                    </a:lnR>
-                    <a:lnT w="3810" cap="flat" cmpd="sng" algn="ctr">
-                      <a:solidFill>
-                        <a:srgbClr val="DDDDDD"/>
-                      </a:solidFill>
-                      <a:prstDash val="solid"/>
-                      <a:round/>
-                      <a:headEnd type="none" w="med" len="med"/>
-                      <a:tailEnd type="none" w="med" len="med"/>
-                    </a:lnT>
-                    <a:lnB w="3810" cap="flat" cmpd="sng" algn="ctr">
-                      <a:solidFill>
-                        <a:srgbClr val="DDDDDD"/>
-                      </a:solidFill>
-                      <a:prstDash val="solid"/>
-                      <a:round/>
-                      <a:headEnd type="none" w="med" len="med"/>
-                      <a:tailEnd type="none" w="med" len="med"/>
-                    </a:lnB>
-                    <a:solidFill>
-                      <a:srgbClr val="FFFFFF"/>
-                    </a:solidFill>
-                  </a:tcPr>
-                </a:tc>
-                <a:tc>
-                  <a:txBody>
-                    <a:bodyPr/>
-                    <a:lstStyle/>
-                    <a:p>
-                      <a:pPr marL="0" indent="0">
-                        <a:buNone/>
-                      </a:pPr>
-                      <a:r>
-                        <a:rPr lang="en-US" sz="1100" dirty="0">
-                          <a:solidFill>
-                            <a:srgbClr val="030A18"/>
-                          </a:solidFill>
-                        </a:rPr>
-                        <a:t>6.60</a:t>
-                      </a:r>
-                      <a:endParaRPr lang="en-US" sz="1100" dirty="0"/>
-                    </a:p>
-                  </a:txBody>
-                  <a:tcPr marL="121920" marR="121920" marT="60960" marB="60960" anchor="ctr">
-                    <a:lnL w="3810" cap="flat" cmpd="sng" algn="ctr">
-                      <a:solidFill>
-                        <a:srgbClr val="DDDDDD"/>
-                      </a:solidFill>
-                      <a:prstDash val="solid"/>
-                      <a:round/>
-                      <a:headEnd type="none" w="med" len="med"/>
-                      <a:tailEnd type="none" w="med" len="med"/>
-                    </a:lnL>
-                    <a:lnR w="3810" cap="flat" cmpd="sng" algn="ctr">
-                      <a:solidFill>
-                        <a:srgbClr val="DDDDDD"/>
-                      </a:solidFill>
-                      <a:prstDash val="solid"/>
-                      <a:round/>
-                      <a:headEnd type="none" w="med" len="med"/>
-                      <a:tailEnd type="none" w="med" len="med"/>
-                    </a:lnR>
-                    <a:lnT w="3810" cap="flat" cmpd="sng" algn="ctr">
-                      <a:solidFill>
-                        <a:srgbClr val="DDDDDD"/>
-                      </a:solidFill>
-                      <a:prstDash val="solid"/>
-                      <a:round/>
-                      <a:headEnd type="none" w="med" len="med"/>
-                      <a:tailEnd type="none" w="med" len="med"/>
-                    </a:lnT>
-                    <a:lnB w="3810" cap="flat" cmpd="sng" algn="ctr">
-                      <a:solidFill>
-                        <a:srgbClr val="DDDDDD"/>
-                      </a:solidFill>
-                      <a:prstDash val="solid"/>
-                      <a:round/>
-                      <a:headEnd type="none" w="med" len="med"/>
-                      <a:tailEnd type="none" w="med" len="med"/>
-                    </a:lnB>
-                    <a:solidFill>
-                      <a:srgbClr val="FFFFFF"/>
-                    </a:solidFill>
-                  </a:tcPr>
-                </a:tc>
-                <a:tc>
-                  <a:txBody>
-                    <a:bodyPr/>
-                    <a:lstStyle/>
-                    <a:p>
-                      <a:pPr marL="0" indent="0">
-                        <a:buNone/>
-                      </a:pPr>
-                      <a:r>
-                        <a:rPr lang="en-US" sz="1100" dirty="0">
-                          <a:solidFill>
-                            <a:srgbClr val="030A18"/>
-                          </a:solidFill>
-                        </a:rPr>
-                        <a:t>62.20</a:t>
-                      </a:r>
-                      <a:endParaRPr lang="en-US" sz="1100" dirty="0"/>
-                    </a:p>
-                  </a:txBody>
-                  <a:tcPr marL="121920" marR="121920" marT="60960" marB="60960" anchor="ctr">
-                    <a:lnL w="3810" cap="flat" cmpd="sng" algn="ctr">
-                      <a:solidFill>
-                        <a:srgbClr val="DDDDDD"/>
-                      </a:solidFill>
-                      <a:prstDash val="solid"/>
-                      <a:round/>
-                      <a:headEnd type="none" w="med" len="med"/>
-                      <a:tailEnd type="none" w="med" len="med"/>
-                    </a:lnL>
-                    <a:lnR w="3810" cap="flat" cmpd="sng" algn="ctr">
-                      <a:solidFill>
-                        <a:srgbClr val="DDDDDD"/>
-                      </a:solidFill>
-                      <a:prstDash val="solid"/>
-                      <a:round/>
-                      <a:headEnd type="none" w="med" len="med"/>
-                      <a:tailEnd type="none" w="med" len="med"/>
-                    </a:lnR>
-                    <a:lnT w="3810" cap="flat" cmpd="sng" algn="ctr">
-                      <a:solidFill>
-                        <a:srgbClr val="DDDDDD"/>
-                      </a:solidFill>
-                      <a:prstDash val="solid"/>
-                      <a:round/>
-                      <a:headEnd type="none" w="med" len="med"/>
-                      <a:tailEnd type="none" w="med" len="med"/>
-                    </a:lnT>
-                    <a:lnB w="3810" cap="flat" cmpd="sng" algn="ctr">
-                      <a:solidFill>
-                        <a:srgbClr val="DDDDDD"/>
-                      </a:solidFill>
-                      <a:prstDash val="solid"/>
-                      <a:round/>
-                      <a:headEnd type="none" w="med" len="med"/>
-                      <a:tailEnd type="none" w="med" len="med"/>
-                    </a:lnB>
-                    <a:solidFill>
-                      <a:srgbClr val="FFFFFF"/>
-                    </a:solidFill>
-                  </a:tcPr>
-                </a:tc>
-                <a:extLst>
-                  <a:ext uri="{0D108BD9-81ED-4DB2-BD59-A6C34878D82A}">
-                    <a16:rowId xmlns:a16="http://schemas.microsoft.com/office/drawing/2014/main" val="10005"/>
-                  </a:ext>
-                </a:extLst>
-              </a:tr>
-            </a:tbl>
-          </a:graphicData>
-        </a:graphic>
-      </p:graphicFrame>
-    </p:spTree>
-    <p:extLst>
-      <p:ext uri="{BB962C8B-B14F-4D97-AF65-F5344CB8AC3E}">
-        <p14:creationId xmlns:p14="http://schemas.microsoft.com/office/powerpoint/2010/main" val="1472001182"/>
-      </p:ext>
-    </p:extLst>
-  </p:cSld>
-  <p:clrMapOvr>
-    <a:masterClrMapping/>
-  </p:clrMapOvr>
-</p:sld>
-</file>
-
-<file path=ppt/slides/slide14.xml><?xml version="1.0" encoding="utf-8"?>
+<file path=ppt/slides/slide11.xml><?xml version="1.0" encoding="utf-8"?>
 <p:sld xmlns:a="http://schemas.openxmlformats.org/drawingml/2006/main" xmlns:r="http://schemas.openxmlformats.org/officeDocument/2006/relationships" xmlns:p="http://schemas.openxmlformats.org/presentationml/2006/main">
   <p:cSld>
     <p:spTree>
@@ -8268,18 +4796,54 @@
           </a:xfrm>
         </p:spPr>
         <p:txBody>
-          <a:bodyPr/>
+          <a:bodyPr>
+            <a:normAutofit lnSpcReduction="10000"/>
+          </a:bodyPr>
           <a:lstStyle/>
           <a:p>
             <a:r>
               <a:rPr lang="en-US" dirty="0"/>
-              <a:t>Given window length L, we create sequences x[t–L+1…t] as inputs and x[t+1] as target.</a:t>
+              <a:t>Given window length L, we create sequences </a:t>
+            </a:r>
+            <a:r>
+              <a:rPr lang="en-US" dirty="0">
+                <a:latin typeface="Courier New" panose="02070309020205020404" pitchFamily="49" charset="0"/>
+                <a:cs typeface="Courier New" panose="02070309020205020404" pitchFamily="49" charset="0"/>
+              </a:rPr>
+              <a:t>x[t–L+1…t]</a:t>
+            </a:r>
+            <a:r>
+              <a:rPr lang="en-US" dirty="0"/>
+              <a:t> as inputs and </a:t>
+            </a:r>
+            <a:r>
+              <a:rPr lang="en-US" dirty="0">
+                <a:latin typeface="Courier New" panose="02070309020205020404" pitchFamily="49" charset="0"/>
+                <a:cs typeface="Courier New" panose="02070309020205020404" pitchFamily="49" charset="0"/>
+              </a:rPr>
+              <a:t>x[t+1]</a:t>
+            </a:r>
+            <a:r>
+              <a:rPr lang="en-US" dirty="0"/>
+              <a:t> as target.</a:t>
+            </a:r>
+          </a:p>
+          <a:p>
+            <a:r>
+              <a:rPr lang="en-US" dirty="0"/>
+              <a:t>Could change the targets to more detailed or longer forecasts </a:t>
             </a:r>
           </a:p>
           <a:p>
             <a:r>
               <a:rPr lang="en-US" dirty="0"/>
               <a:t>Transformer processes the entire window simultaneously.</a:t>
+            </a:r>
+          </a:p>
+          <a:p>
+            <a:r>
+              <a:rPr lang="en-US" dirty="0"/>
+              <a:t>Think back to the steps we have just followed.</a:t>
             </a:r>
           </a:p>
           <a:p>
@@ -8438,7 +5002,7 @@
                   <a:srgbClr val="030A18"/>
                 </a:solidFill>
               </a:rPr>
-              <a:t>D1</a:t>
+              <a:t>1</a:t>
             </a:r>
             <a:endParaRPr lang="en-US" sz="1067" dirty="0"/>
           </a:p>
@@ -8592,7 +5156,7 @@
                   <a:srgbClr val="030A18"/>
                 </a:solidFill>
               </a:rPr>
-              <a:t>D2</a:t>
+              <a:t>2</a:t>
             </a:r>
             <a:endParaRPr lang="en-US" sz="1067" dirty="0"/>
           </a:p>
@@ -8746,7 +5310,7 @@
                   <a:srgbClr val="030A18"/>
                 </a:solidFill>
               </a:rPr>
-              <a:t>D3</a:t>
+              <a:t>3</a:t>
             </a:r>
             <a:endParaRPr lang="en-US" sz="1067" dirty="0"/>
           </a:p>
@@ -8900,7 +5464,7 @@
                   <a:srgbClr val="030A18"/>
                 </a:solidFill>
               </a:rPr>
-              <a:t>D4</a:t>
+              <a:t>4</a:t>
             </a:r>
             <a:endParaRPr lang="en-US" sz="1067" dirty="0"/>
           </a:p>
@@ -9073,7 +5637,7 @@
 </p:sld>
 </file>
 
-<file path=ppt/slides/slide15.xml><?xml version="1.0" encoding="utf-8"?>
+<file path=ppt/slides/slide12.xml><?xml version="1.0" encoding="utf-8"?>
 <p:sld xmlns:a="http://schemas.openxmlformats.org/drawingml/2006/main" xmlns:r="http://schemas.openxmlformats.org/officeDocument/2006/relationships" xmlns:p="http://schemas.openxmlformats.org/presentationml/2006/main">
   <p:cSld>
     <p:spTree>
@@ -9163,6 +5727,12 @@
               <a:t>.</a:t>
             </a:r>
           </a:p>
+          <a:p>
+            <a:r>
+              <a:rPr lang="en-US" dirty="0"/>
+              <a:t>(No biases here).</a:t>
+            </a:r>
+          </a:p>
         </p:txBody>
       </p:sp>
       <p:sp>
@@ -9579,7 +6149,7 @@
 </p:sld>
 </file>
 
-<file path=ppt/slides/slide16.xml><?xml version="1.0" encoding="utf-8"?>
+<file path=ppt/slides/slide13.xml><?xml version="1.0" encoding="utf-8"?>
 <p:sld xmlns:a="http://schemas.openxmlformats.org/drawingml/2006/main" xmlns:r="http://schemas.openxmlformats.org/officeDocument/2006/relationships" xmlns:p="http://schemas.openxmlformats.org/presentationml/2006/main">
   <p:cSld>
     <p:spTree>
@@ -9601,7 +6171,7 @@
           <p:cNvPr id="2" name="Title 1">
             <a:extLst>
               <a:ext uri="{FF2B5EF4-FFF2-40B4-BE49-F238E27FC236}">
-                <a16:creationId xmlns:a16="http://schemas.microsoft.com/office/drawing/2014/main" id="{487E9F14-A405-0E20-90CA-62C2A5593D99}"/>
+                <a16:creationId xmlns:a16="http://schemas.microsoft.com/office/drawing/2014/main" id="{5577CF19-5585-B6F8-8B50-E2346D4002A4}"/>
               </a:ext>
             </a:extLst>
           </p:cNvPr>
@@ -9623,7 +6193,7 @@
             </a:r>
             <a:r>
               <a:rPr lang="en-US" dirty="0" err="1"/>
-              <a:t>Pytorch</a:t>
+              <a:t>PyTorch</a:t>
             </a:r>
             <a:endParaRPr lang="en-US" dirty="0"/>
           </a:p>
@@ -9634,136 +6204,7 @@
           <p:cNvPr id="3" name="Content Placeholder 2">
             <a:extLst>
               <a:ext uri="{FF2B5EF4-FFF2-40B4-BE49-F238E27FC236}">
-                <a16:creationId xmlns:a16="http://schemas.microsoft.com/office/drawing/2014/main" id="{50DE9D7B-BFBE-6BD4-8692-E951885A089A}"/>
-              </a:ext>
-            </a:extLst>
-          </p:cNvPr>
-          <p:cNvSpPr>
-            <a:spLocks noGrp="1"/>
-          </p:cNvSpPr>
-          <p:nvPr>
-            <p:ph idx="1"/>
-          </p:nvPr>
-        </p:nvSpPr>
-        <p:spPr/>
-        <p:txBody>
-          <a:bodyPr/>
-          <a:lstStyle/>
-          <a:p>
-            <a:endParaRPr lang="en-US"/>
-          </a:p>
-        </p:txBody>
-      </p:sp>
-    </p:spTree>
-    <p:extLst>
-      <p:ext uri="{BB962C8B-B14F-4D97-AF65-F5344CB8AC3E}">
-        <p14:creationId xmlns:p14="http://schemas.microsoft.com/office/powerpoint/2010/main" val="3567590472"/>
-      </p:ext>
-    </p:extLst>
-  </p:cSld>
-  <p:clrMapOvr>
-    <a:masterClrMapping/>
-  </p:clrMapOvr>
-</p:sld>
-</file>
-
-<file path=ppt/slides/slide17.xml><?xml version="1.0" encoding="utf-8"?>
-<p:sld xmlns:a="http://schemas.openxmlformats.org/drawingml/2006/main" xmlns:r="http://schemas.openxmlformats.org/officeDocument/2006/relationships" xmlns:p="http://schemas.openxmlformats.org/presentationml/2006/main">
-  <p:cSld>
-    <p:spTree>
-      <p:nvGrpSpPr>
-        <p:cNvPr id="1" name=""/>
-        <p:cNvGrpSpPr/>
-        <p:nvPr/>
-      </p:nvGrpSpPr>
-      <p:grpSpPr>
-        <a:xfrm>
-          <a:off x="0" y="0"/>
-          <a:ext cx="0" cy="0"/>
-          <a:chOff x="0" y="0"/>
-          <a:chExt cx="0" cy="0"/>
-        </a:xfrm>
-      </p:grpSpPr>
-      <p:graphicFrame>
-        <p:nvGraphicFramePr>
-          <p:cNvPr id="3" name="Chart 0"/>
-          <p:cNvGraphicFramePr/>
-          <p:nvPr>
-            <p:extLst>
-              <p:ext uri="{D42A27DB-BD31-4B8C-83A1-F6EECF244321}">
-                <p14:modId xmlns:p14="http://schemas.microsoft.com/office/powerpoint/2010/main" val="3694778766"/>
-              </p:ext>
-            </p:extLst>
-          </p:nvPr>
-        </p:nvGraphicFramePr>
-        <p:xfrm>
-          <a:off x="181897" y="1560382"/>
-          <a:ext cx="5852160" cy="2926080"/>
-        </p:xfrm>
-        <a:graphic>
-          <a:graphicData uri="http://schemas.openxmlformats.org/drawingml/2006/chart">
-            <c:chart xmlns:c="http://schemas.openxmlformats.org/drawingml/2006/chart" xmlns:r="http://schemas.openxmlformats.org/officeDocument/2006/relationships" r:id="rId3"/>
-          </a:graphicData>
-        </a:graphic>
-      </p:graphicFrame>
-      <p:graphicFrame>
-        <p:nvGraphicFramePr>
-          <p:cNvPr id="4" name="Chart 1"/>
-          <p:cNvGraphicFramePr/>
-          <p:nvPr>
-            <p:extLst>
-              <p:ext uri="{D42A27DB-BD31-4B8C-83A1-F6EECF244321}">
-                <p14:modId xmlns:p14="http://schemas.microsoft.com/office/powerpoint/2010/main" val="2688529279"/>
-              </p:ext>
-            </p:extLst>
-          </p:nvPr>
-        </p:nvGraphicFramePr>
-        <p:xfrm>
-          <a:off x="6277897" y="1560382"/>
-          <a:ext cx="5852160" cy="2926080"/>
-        </p:xfrm>
-        <a:graphic>
-          <a:graphicData uri="http://schemas.openxmlformats.org/drawingml/2006/chart">
-            <c:chart xmlns:c="http://schemas.openxmlformats.org/drawingml/2006/chart" xmlns:r="http://schemas.openxmlformats.org/officeDocument/2006/relationships" r:id="rId4"/>
-          </a:graphicData>
-        </a:graphic>
-      </p:graphicFrame>
-      <p:sp>
-        <p:nvSpPr>
-          <p:cNvPr id="6" name="Title 5">
-            <a:extLst>
-              <a:ext uri="{FF2B5EF4-FFF2-40B4-BE49-F238E27FC236}">
-                <a16:creationId xmlns:a16="http://schemas.microsoft.com/office/drawing/2014/main" id="{48E1888E-F184-726D-7375-6BF5E9CAAC01}"/>
-              </a:ext>
-            </a:extLst>
-          </p:cNvPr>
-          <p:cNvSpPr>
-            <a:spLocks noGrp="1"/>
-          </p:cNvSpPr>
-          <p:nvPr>
-            <p:ph type="title"/>
-          </p:nvPr>
-        </p:nvSpPr>
-        <p:spPr/>
-        <p:txBody>
-          <a:bodyPr>
-            <a:normAutofit/>
-          </a:bodyPr>
-          <a:lstStyle/>
-          <a:p>
-            <a:r>
-              <a:rPr lang="en-US" dirty="0"/>
-              <a:t>Manual Model Predictions</a:t>
-            </a:r>
-          </a:p>
-        </p:txBody>
-      </p:sp>
-      <p:sp>
-        <p:nvSpPr>
-          <p:cNvPr id="7" name="Content Placeholder 6">
-            <a:extLst>
-              <a:ext uri="{FF2B5EF4-FFF2-40B4-BE49-F238E27FC236}">
-                <a16:creationId xmlns:a16="http://schemas.microsoft.com/office/drawing/2014/main" id="{BCE2FF39-AFC7-C44D-71CE-BDEC02C7F2F6}"/>
+                <a16:creationId xmlns:a16="http://schemas.microsoft.com/office/drawing/2014/main" id="{2B7D8FCD-C0DB-5DC6-6D6F-2A814A75075D}"/>
               </a:ext>
             </a:extLst>
           </p:cNvPr>
@@ -9776,30 +6217,668 @@
         </p:nvSpPr>
         <p:spPr>
           <a:xfrm>
-            <a:off x="838200" y="4866968"/>
-            <a:ext cx="8348602" cy="1476655"/>
+            <a:off x="838200" y="1825625"/>
+            <a:ext cx="10304206" cy="4149290"/>
           </a:xfrm>
         </p:spPr>
         <p:txBody>
           <a:bodyPr>
-            <a:normAutofit lnSpcReduction="10000"/>
+            <a:normAutofit/>
           </a:bodyPr>
           <a:lstStyle/>
           <a:p>
-            <a:r>
-              <a:rPr lang="en-US" sz="2400" dirty="0"/>
-              <a:t>Manual model predictions approximate trends but may be imprecise.</a:t>
-            </a:r>
-          </a:p>
-          <a:p>
-            <a:r>
-              <a:rPr lang="en-US" sz="2400" dirty="0"/>
-              <a:t>Using attention alone does not guarantee learning complex patterns.</a:t>
-            </a:r>
+            <a:pPr marL="0" indent="0">
+              <a:buNone/>
+            </a:pPr>
+            <a:r>
+              <a:rPr lang="en-US" sz="1200" dirty="0">
+                <a:latin typeface="Courier New" panose="02070309020205020404" pitchFamily="49" charset="0"/>
+                <a:cs typeface="Courier New" panose="02070309020205020404" pitchFamily="49" charset="0"/>
+              </a:rPr>
+              <a:t>class </a:t>
+            </a:r>
+            <a:r>
+              <a:rPr lang="en-US" sz="1200" dirty="0" err="1">
+                <a:latin typeface="Courier New" panose="02070309020205020404" pitchFamily="49" charset="0"/>
+                <a:cs typeface="Courier New" panose="02070309020205020404" pitchFamily="49" charset="0"/>
+              </a:rPr>
+              <a:t>TinyTransformer</a:t>
+            </a:r>
+            <a:r>
+              <a:rPr lang="en-US" sz="1200" dirty="0">
+                <a:latin typeface="Courier New" panose="02070309020205020404" pitchFamily="49" charset="0"/>
+                <a:cs typeface="Courier New" panose="02070309020205020404" pitchFamily="49" charset="0"/>
+              </a:rPr>
+              <a:t>(</a:t>
+            </a:r>
+            <a:r>
+              <a:rPr lang="en-US" sz="1200" dirty="0" err="1">
+                <a:latin typeface="Courier New" panose="02070309020205020404" pitchFamily="49" charset="0"/>
+                <a:cs typeface="Courier New" panose="02070309020205020404" pitchFamily="49" charset="0"/>
+              </a:rPr>
+              <a:t>nn.Module</a:t>
+            </a:r>
+            <a:r>
+              <a:rPr lang="en-US" sz="1200" dirty="0">
+                <a:latin typeface="Courier New" panose="02070309020205020404" pitchFamily="49" charset="0"/>
+                <a:cs typeface="Courier New" panose="02070309020205020404" pitchFamily="49" charset="0"/>
+              </a:rPr>
+              <a:t>):</a:t>
+            </a:r>
+          </a:p>
+          <a:p>
+            <a:pPr marL="0" indent="0">
+              <a:buNone/>
+            </a:pPr>
+            <a:r>
+              <a:rPr lang="en-US" sz="1200" dirty="0">
+                <a:latin typeface="Courier New" panose="02070309020205020404" pitchFamily="49" charset="0"/>
+                <a:cs typeface="Courier New" panose="02070309020205020404" pitchFamily="49" charset="0"/>
+              </a:rPr>
+              <a:t>    def __</a:t>
+            </a:r>
+            <a:r>
+              <a:rPr lang="en-US" sz="1200" dirty="0" err="1">
+                <a:latin typeface="Courier New" panose="02070309020205020404" pitchFamily="49" charset="0"/>
+                <a:cs typeface="Courier New" panose="02070309020205020404" pitchFamily="49" charset="0"/>
+              </a:rPr>
+              <a:t>init</a:t>
+            </a:r>
+            <a:r>
+              <a:rPr lang="en-US" sz="1200" dirty="0">
+                <a:latin typeface="Courier New" panose="02070309020205020404" pitchFamily="49" charset="0"/>
+                <a:cs typeface="Courier New" panose="02070309020205020404" pitchFamily="49" charset="0"/>
+              </a:rPr>
+              <a:t>__(self, d=16, F=1, </a:t>
+            </a:r>
+            <a:r>
+              <a:rPr lang="en-US" sz="1200" dirty="0" err="1">
+                <a:latin typeface="Courier New" panose="02070309020205020404" pitchFamily="49" charset="0"/>
+                <a:cs typeface="Courier New" panose="02070309020205020404" pitchFamily="49" charset="0"/>
+              </a:rPr>
+              <a:t>nhead</a:t>
+            </a:r>
+            <a:r>
+              <a:rPr lang="en-US" sz="1200" dirty="0">
+                <a:latin typeface="Courier New" panose="02070309020205020404" pitchFamily="49" charset="0"/>
+                <a:cs typeface="Courier New" panose="02070309020205020404" pitchFamily="49" charset="0"/>
+              </a:rPr>
+              <a:t>=4, </a:t>
+            </a:r>
+            <a:r>
+              <a:rPr lang="en-US" sz="1200" dirty="0" err="1">
+                <a:latin typeface="Courier New" panose="02070309020205020404" pitchFamily="49" charset="0"/>
+                <a:cs typeface="Courier New" panose="02070309020205020404" pitchFamily="49" charset="0"/>
+              </a:rPr>
+              <a:t>nlayers</a:t>
+            </a:r>
+            <a:r>
+              <a:rPr lang="en-US" sz="1200" dirty="0">
+                <a:latin typeface="Courier New" panose="02070309020205020404" pitchFamily="49" charset="0"/>
+                <a:cs typeface="Courier New" panose="02070309020205020404" pitchFamily="49" charset="0"/>
+              </a:rPr>
+              <a:t>=2, H=1, </a:t>
+            </a:r>
+            <a:r>
+              <a:rPr lang="en-US" sz="1200" dirty="0" err="1">
+                <a:latin typeface="Courier New" panose="02070309020205020404" pitchFamily="49" charset="0"/>
+                <a:cs typeface="Courier New" panose="02070309020205020404" pitchFamily="49" charset="0"/>
+              </a:rPr>
+              <a:t>max_len</a:t>
+            </a:r>
+            <a:r>
+              <a:rPr lang="en-US" sz="1200" dirty="0">
+                <a:latin typeface="Courier New" panose="02070309020205020404" pitchFamily="49" charset="0"/>
+                <a:cs typeface="Courier New" panose="02070309020205020404" pitchFamily="49" charset="0"/>
+              </a:rPr>
+              <a:t>=512):</a:t>
+            </a:r>
+          </a:p>
+          <a:p>
+            <a:pPr marL="0" indent="0">
+              <a:buNone/>
+            </a:pPr>
+            <a:r>
+              <a:rPr lang="en-US" sz="1200" dirty="0">
+                <a:latin typeface="Courier New" panose="02070309020205020404" pitchFamily="49" charset="0"/>
+                <a:cs typeface="Courier New" panose="02070309020205020404" pitchFamily="49" charset="0"/>
+              </a:rPr>
+              <a:t>        super().__</a:t>
+            </a:r>
+            <a:r>
+              <a:rPr lang="en-US" sz="1200" dirty="0" err="1">
+                <a:latin typeface="Courier New" panose="02070309020205020404" pitchFamily="49" charset="0"/>
+                <a:cs typeface="Courier New" panose="02070309020205020404" pitchFamily="49" charset="0"/>
+              </a:rPr>
+              <a:t>init</a:t>
+            </a:r>
+            <a:r>
+              <a:rPr lang="en-US" sz="1200" dirty="0">
+                <a:latin typeface="Courier New" panose="02070309020205020404" pitchFamily="49" charset="0"/>
+                <a:cs typeface="Courier New" panose="02070309020205020404" pitchFamily="49" charset="0"/>
+              </a:rPr>
+              <a:t>__(); </a:t>
+            </a:r>
+            <a:r>
+              <a:rPr lang="en-US" sz="1200" dirty="0" err="1">
+                <a:latin typeface="Courier New" panose="02070309020205020404" pitchFamily="49" charset="0"/>
+                <a:cs typeface="Courier New" panose="02070309020205020404" pitchFamily="49" charset="0"/>
+              </a:rPr>
+              <a:t>self.inp</a:t>
+            </a:r>
+            <a:r>
+              <a:rPr lang="en-US" sz="1200" dirty="0">
+                <a:latin typeface="Courier New" panose="02070309020205020404" pitchFamily="49" charset="0"/>
+                <a:cs typeface="Courier New" panose="02070309020205020404" pitchFamily="49" charset="0"/>
+              </a:rPr>
+              <a:t> = </a:t>
+            </a:r>
+            <a:r>
+              <a:rPr lang="en-US" sz="1200" dirty="0" err="1">
+                <a:latin typeface="Courier New" panose="02070309020205020404" pitchFamily="49" charset="0"/>
+                <a:cs typeface="Courier New" panose="02070309020205020404" pitchFamily="49" charset="0"/>
+              </a:rPr>
+              <a:t>nn.Linear</a:t>
+            </a:r>
+            <a:r>
+              <a:rPr lang="en-US" sz="1200" dirty="0">
+                <a:latin typeface="Courier New" panose="02070309020205020404" pitchFamily="49" charset="0"/>
+                <a:cs typeface="Courier New" panose="02070309020205020404" pitchFamily="49" charset="0"/>
+              </a:rPr>
+              <a:t>(</a:t>
+            </a:r>
+            <a:r>
+              <a:rPr lang="en-US" sz="1200" dirty="0" err="1">
+                <a:latin typeface="Courier New" panose="02070309020205020404" pitchFamily="49" charset="0"/>
+                <a:cs typeface="Courier New" panose="02070309020205020404" pitchFamily="49" charset="0"/>
+              </a:rPr>
+              <a:t>F,d</a:t>
+            </a:r>
+            <a:r>
+              <a:rPr lang="en-US" sz="1200" dirty="0">
+                <a:latin typeface="Courier New" panose="02070309020205020404" pitchFamily="49" charset="0"/>
+                <a:cs typeface="Courier New" panose="02070309020205020404" pitchFamily="49" charset="0"/>
+              </a:rPr>
+              <a:t>); </a:t>
+            </a:r>
+            <a:r>
+              <a:rPr lang="en-US" sz="1200" dirty="0" err="1">
+                <a:latin typeface="Courier New" panose="02070309020205020404" pitchFamily="49" charset="0"/>
+                <a:cs typeface="Courier New" panose="02070309020205020404" pitchFamily="49" charset="0"/>
+              </a:rPr>
+              <a:t>self.pos</a:t>
+            </a:r>
+            <a:r>
+              <a:rPr lang="en-US" sz="1200" dirty="0">
+                <a:latin typeface="Courier New" panose="02070309020205020404" pitchFamily="49" charset="0"/>
+                <a:cs typeface="Courier New" panose="02070309020205020404" pitchFamily="49" charset="0"/>
+              </a:rPr>
+              <a:t> = </a:t>
+            </a:r>
+            <a:r>
+              <a:rPr lang="en-US" sz="1200" dirty="0" err="1">
+                <a:latin typeface="Courier New" panose="02070309020205020404" pitchFamily="49" charset="0"/>
+                <a:cs typeface="Courier New" panose="02070309020205020404" pitchFamily="49" charset="0"/>
+              </a:rPr>
+              <a:t>nn.Embedding</a:t>
+            </a:r>
+            <a:r>
+              <a:rPr lang="en-US" sz="1200" dirty="0">
+                <a:latin typeface="Courier New" panose="02070309020205020404" pitchFamily="49" charset="0"/>
+                <a:cs typeface="Courier New" panose="02070309020205020404" pitchFamily="49" charset="0"/>
+              </a:rPr>
+              <a:t>(</a:t>
+            </a:r>
+            <a:r>
+              <a:rPr lang="en-US" sz="1200" dirty="0" err="1">
+                <a:latin typeface="Courier New" panose="02070309020205020404" pitchFamily="49" charset="0"/>
+                <a:cs typeface="Courier New" panose="02070309020205020404" pitchFamily="49" charset="0"/>
+              </a:rPr>
+              <a:t>max_len,d</a:t>
+            </a:r>
+            <a:r>
+              <a:rPr lang="en-US" sz="1200" dirty="0">
+                <a:latin typeface="Courier New" panose="02070309020205020404" pitchFamily="49" charset="0"/>
+                <a:cs typeface="Courier New" panose="02070309020205020404" pitchFamily="49" charset="0"/>
+              </a:rPr>
+              <a:t>)</a:t>
+            </a:r>
+          </a:p>
+          <a:p>
+            <a:pPr marL="0" indent="0">
+              <a:buNone/>
+            </a:pPr>
+            <a:r>
+              <a:rPr lang="en-US" sz="1200" dirty="0">
+                <a:latin typeface="Courier New" panose="02070309020205020404" pitchFamily="49" charset="0"/>
+                <a:cs typeface="Courier New" panose="02070309020205020404" pitchFamily="49" charset="0"/>
+              </a:rPr>
+              <a:t>        layer = </a:t>
+            </a:r>
+            <a:r>
+              <a:rPr lang="en-US" sz="1200" dirty="0" err="1">
+                <a:latin typeface="Courier New" panose="02070309020205020404" pitchFamily="49" charset="0"/>
+                <a:cs typeface="Courier New" panose="02070309020205020404" pitchFamily="49" charset="0"/>
+              </a:rPr>
+              <a:t>nn.TransformerEncoderLayer</a:t>
+            </a:r>
+            <a:r>
+              <a:rPr lang="en-US" sz="1200" dirty="0">
+                <a:latin typeface="Courier New" panose="02070309020205020404" pitchFamily="49" charset="0"/>
+                <a:cs typeface="Courier New" panose="02070309020205020404" pitchFamily="49" charset="0"/>
+              </a:rPr>
+              <a:t>(</a:t>
+            </a:r>
+            <a:r>
+              <a:rPr lang="en-US" sz="1200" dirty="0" err="1">
+                <a:latin typeface="Courier New" panose="02070309020205020404" pitchFamily="49" charset="0"/>
+                <a:cs typeface="Courier New" panose="02070309020205020404" pitchFamily="49" charset="0"/>
+              </a:rPr>
+              <a:t>d_model</a:t>
+            </a:r>
+            <a:r>
+              <a:rPr lang="en-US" sz="1200" dirty="0">
+                <a:latin typeface="Courier New" panose="02070309020205020404" pitchFamily="49" charset="0"/>
+                <a:cs typeface="Courier New" panose="02070309020205020404" pitchFamily="49" charset="0"/>
+              </a:rPr>
+              <a:t>=d, </a:t>
+            </a:r>
+            <a:r>
+              <a:rPr lang="en-US" sz="1200" dirty="0" err="1">
+                <a:latin typeface="Courier New" panose="02070309020205020404" pitchFamily="49" charset="0"/>
+                <a:cs typeface="Courier New" panose="02070309020205020404" pitchFamily="49" charset="0"/>
+              </a:rPr>
+              <a:t>nhead</a:t>
+            </a:r>
+            <a:r>
+              <a:rPr lang="en-US" sz="1200" dirty="0">
+                <a:latin typeface="Courier New" panose="02070309020205020404" pitchFamily="49" charset="0"/>
+                <a:cs typeface="Courier New" panose="02070309020205020404" pitchFamily="49" charset="0"/>
+              </a:rPr>
+              <a:t>=</a:t>
+            </a:r>
+            <a:r>
+              <a:rPr lang="en-US" sz="1200" dirty="0" err="1">
+                <a:latin typeface="Courier New" panose="02070309020205020404" pitchFamily="49" charset="0"/>
+                <a:cs typeface="Courier New" panose="02070309020205020404" pitchFamily="49" charset="0"/>
+              </a:rPr>
+              <a:t>nhead</a:t>
+            </a:r>
+            <a:r>
+              <a:rPr lang="en-US" sz="1200" dirty="0">
+                <a:latin typeface="Courier New" panose="02070309020205020404" pitchFamily="49" charset="0"/>
+                <a:cs typeface="Courier New" panose="02070309020205020404" pitchFamily="49" charset="0"/>
+              </a:rPr>
+              <a:t>, </a:t>
+            </a:r>
+            <a:r>
+              <a:rPr lang="en-US" sz="1200" dirty="0" err="1">
+                <a:latin typeface="Courier New" panose="02070309020205020404" pitchFamily="49" charset="0"/>
+                <a:cs typeface="Courier New" panose="02070309020205020404" pitchFamily="49" charset="0"/>
+              </a:rPr>
+              <a:t>batch_first</a:t>
+            </a:r>
+            <a:r>
+              <a:rPr lang="en-US" sz="1200" dirty="0">
+                <a:latin typeface="Courier New" panose="02070309020205020404" pitchFamily="49" charset="0"/>
+                <a:cs typeface="Courier New" panose="02070309020205020404" pitchFamily="49" charset="0"/>
+              </a:rPr>
+              <a:t>=False)</a:t>
+            </a:r>
+          </a:p>
+          <a:p>
+            <a:pPr marL="0" indent="0">
+              <a:buNone/>
+            </a:pPr>
+            <a:r>
+              <a:rPr lang="en-US" sz="1200" dirty="0">
+                <a:latin typeface="Courier New" panose="02070309020205020404" pitchFamily="49" charset="0"/>
+                <a:cs typeface="Courier New" panose="02070309020205020404" pitchFamily="49" charset="0"/>
+              </a:rPr>
+              <a:t>        </a:t>
+            </a:r>
+            <a:r>
+              <a:rPr lang="en-US" sz="1200" dirty="0" err="1">
+                <a:latin typeface="Courier New" panose="02070309020205020404" pitchFamily="49" charset="0"/>
+                <a:cs typeface="Courier New" panose="02070309020205020404" pitchFamily="49" charset="0"/>
+              </a:rPr>
+              <a:t>self.enc</a:t>
+            </a:r>
+            <a:r>
+              <a:rPr lang="en-US" sz="1200" dirty="0">
+                <a:latin typeface="Courier New" panose="02070309020205020404" pitchFamily="49" charset="0"/>
+                <a:cs typeface="Courier New" panose="02070309020205020404" pitchFamily="49" charset="0"/>
+              </a:rPr>
+              <a:t> = </a:t>
+            </a:r>
+            <a:r>
+              <a:rPr lang="en-US" sz="1200" dirty="0" err="1">
+                <a:latin typeface="Courier New" panose="02070309020205020404" pitchFamily="49" charset="0"/>
+                <a:cs typeface="Courier New" panose="02070309020205020404" pitchFamily="49" charset="0"/>
+              </a:rPr>
+              <a:t>nn.TransformerEncoder</a:t>
+            </a:r>
+            <a:r>
+              <a:rPr lang="en-US" sz="1200" dirty="0">
+                <a:latin typeface="Courier New" panose="02070309020205020404" pitchFamily="49" charset="0"/>
+                <a:cs typeface="Courier New" panose="02070309020205020404" pitchFamily="49" charset="0"/>
+              </a:rPr>
+              <a:t>(layer, </a:t>
+            </a:r>
+            <a:r>
+              <a:rPr lang="en-US" sz="1200" dirty="0" err="1">
+                <a:latin typeface="Courier New" panose="02070309020205020404" pitchFamily="49" charset="0"/>
+                <a:cs typeface="Courier New" panose="02070309020205020404" pitchFamily="49" charset="0"/>
+              </a:rPr>
+              <a:t>nlayers</a:t>
+            </a:r>
+            <a:r>
+              <a:rPr lang="en-US" sz="1200" dirty="0">
+                <a:latin typeface="Courier New" panose="02070309020205020404" pitchFamily="49" charset="0"/>
+                <a:cs typeface="Courier New" panose="02070309020205020404" pitchFamily="49" charset="0"/>
+              </a:rPr>
+              <a:t>); </a:t>
+            </a:r>
+            <a:r>
+              <a:rPr lang="en-US" sz="1200" dirty="0" err="1">
+                <a:latin typeface="Courier New" panose="02070309020205020404" pitchFamily="49" charset="0"/>
+                <a:cs typeface="Courier New" panose="02070309020205020404" pitchFamily="49" charset="0"/>
+              </a:rPr>
+              <a:t>self.head</a:t>
+            </a:r>
+            <a:r>
+              <a:rPr lang="en-US" sz="1200" dirty="0">
+                <a:latin typeface="Courier New" panose="02070309020205020404" pitchFamily="49" charset="0"/>
+                <a:cs typeface="Courier New" panose="02070309020205020404" pitchFamily="49" charset="0"/>
+              </a:rPr>
+              <a:t> = </a:t>
+            </a:r>
+            <a:r>
+              <a:rPr lang="en-US" sz="1200" dirty="0" err="1">
+                <a:latin typeface="Courier New" panose="02070309020205020404" pitchFamily="49" charset="0"/>
+                <a:cs typeface="Courier New" panose="02070309020205020404" pitchFamily="49" charset="0"/>
+              </a:rPr>
+              <a:t>nn.Linear</a:t>
+            </a:r>
+            <a:r>
+              <a:rPr lang="en-US" sz="1200" dirty="0">
+                <a:latin typeface="Courier New" panose="02070309020205020404" pitchFamily="49" charset="0"/>
+                <a:cs typeface="Courier New" panose="02070309020205020404" pitchFamily="49" charset="0"/>
+              </a:rPr>
+              <a:t>(</a:t>
+            </a:r>
+            <a:r>
+              <a:rPr lang="en-US" sz="1200" dirty="0" err="1">
+                <a:latin typeface="Courier New" panose="02070309020205020404" pitchFamily="49" charset="0"/>
+                <a:cs typeface="Courier New" panose="02070309020205020404" pitchFamily="49" charset="0"/>
+              </a:rPr>
+              <a:t>d,H</a:t>
+            </a:r>
+            <a:r>
+              <a:rPr lang="en-US" sz="1200" dirty="0">
+                <a:latin typeface="Courier New" panose="02070309020205020404" pitchFamily="49" charset="0"/>
+                <a:cs typeface="Courier New" panose="02070309020205020404" pitchFamily="49" charset="0"/>
+              </a:rPr>
+              <a:t>)</a:t>
+            </a:r>
+          </a:p>
+          <a:p>
+            <a:pPr marL="0" indent="0">
+              <a:buNone/>
+            </a:pPr>
+            <a:r>
+              <a:rPr lang="en-US" sz="1200" dirty="0">
+                <a:latin typeface="Courier New" panose="02070309020205020404" pitchFamily="49" charset="0"/>
+                <a:cs typeface="Courier New" panose="02070309020205020404" pitchFamily="49" charset="0"/>
+              </a:rPr>
+              <a:t>    def forward(self, x):                      # x: [T,B,F]</a:t>
+            </a:r>
+          </a:p>
+          <a:p>
+            <a:pPr marL="0" indent="0">
+              <a:buNone/>
+            </a:pPr>
+            <a:r>
+              <a:rPr lang="en-US" sz="1200" dirty="0">
+                <a:latin typeface="Courier New" panose="02070309020205020404" pitchFamily="49" charset="0"/>
+                <a:cs typeface="Courier New" panose="02070309020205020404" pitchFamily="49" charset="0"/>
+              </a:rPr>
+              <a:t>        T = </a:t>
+            </a:r>
+            <a:r>
+              <a:rPr lang="en-US" sz="1200" dirty="0" err="1">
+                <a:latin typeface="Courier New" panose="02070309020205020404" pitchFamily="49" charset="0"/>
+                <a:cs typeface="Courier New" panose="02070309020205020404" pitchFamily="49" charset="0"/>
+              </a:rPr>
+              <a:t>x.size</a:t>
+            </a:r>
+            <a:r>
+              <a:rPr lang="en-US" sz="1200" dirty="0">
+                <a:latin typeface="Courier New" panose="02070309020205020404" pitchFamily="49" charset="0"/>
+                <a:cs typeface="Courier New" panose="02070309020205020404" pitchFamily="49" charset="0"/>
+              </a:rPr>
+              <a:t>(0); z = </a:t>
+            </a:r>
+            <a:r>
+              <a:rPr lang="en-US" sz="1200" dirty="0" err="1">
+                <a:latin typeface="Courier New" panose="02070309020205020404" pitchFamily="49" charset="0"/>
+                <a:cs typeface="Courier New" panose="02070309020205020404" pitchFamily="49" charset="0"/>
+              </a:rPr>
+              <a:t>self.inp</a:t>
+            </a:r>
+            <a:r>
+              <a:rPr lang="en-US" sz="1200" dirty="0">
+                <a:latin typeface="Courier New" panose="02070309020205020404" pitchFamily="49" charset="0"/>
+                <a:cs typeface="Courier New" panose="02070309020205020404" pitchFamily="49" charset="0"/>
+              </a:rPr>
+              <a:t>(x) + </a:t>
+            </a:r>
+            <a:r>
+              <a:rPr lang="en-US" sz="1200" dirty="0" err="1">
+                <a:latin typeface="Courier New" panose="02070309020205020404" pitchFamily="49" charset="0"/>
+                <a:cs typeface="Courier New" panose="02070309020205020404" pitchFamily="49" charset="0"/>
+              </a:rPr>
+              <a:t>self.pos</a:t>
+            </a:r>
+            <a:r>
+              <a:rPr lang="en-US" sz="1200" dirty="0">
+                <a:latin typeface="Courier New" panose="02070309020205020404" pitchFamily="49" charset="0"/>
+                <a:cs typeface="Courier New" panose="02070309020205020404" pitchFamily="49" charset="0"/>
+              </a:rPr>
+              <a:t>(</a:t>
+            </a:r>
+            <a:r>
+              <a:rPr lang="en-US" sz="1200" dirty="0" err="1">
+                <a:latin typeface="Courier New" panose="02070309020205020404" pitchFamily="49" charset="0"/>
+                <a:cs typeface="Courier New" panose="02070309020205020404" pitchFamily="49" charset="0"/>
+              </a:rPr>
+              <a:t>torch.arange</a:t>
+            </a:r>
+            <a:r>
+              <a:rPr lang="en-US" sz="1200" dirty="0">
+                <a:latin typeface="Courier New" panose="02070309020205020404" pitchFamily="49" charset="0"/>
+                <a:cs typeface="Courier New" panose="02070309020205020404" pitchFamily="49" charset="0"/>
+              </a:rPr>
+              <a:t>(T, device=</a:t>
+            </a:r>
+            <a:r>
+              <a:rPr lang="en-US" sz="1200" dirty="0" err="1">
+                <a:latin typeface="Courier New" panose="02070309020205020404" pitchFamily="49" charset="0"/>
+                <a:cs typeface="Courier New" panose="02070309020205020404" pitchFamily="49" charset="0"/>
+              </a:rPr>
+              <a:t>x.device</a:t>
+            </a:r>
+            <a:r>
+              <a:rPr lang="en-US" sz="1200" dirty="0">
+                <a:latin typeface="Courier New" panose="02070309020205020404" pitchFamily="49" charset="0"/>
+                <a:cs typeface="Courier New" panose="02070309020205020404" pitchFamily="49" charset="0"/>
+              </a:rPr>
+              <a:t>))[:,None,:]</a:t>
+            </a:r>
+          </a:p>
+          <a:p>
+            <a:pPr marL="0" indent="0">
+              <a:buNone/>
+            </a:pPr>
+            <a:r>
+              <a:rPr lang="en-US" sz="1200" dirty="0">
+                <a:latin typeface="Courier New" panose="02070309020205020404" pitchFamily="49" charset="0"/>
+                <a:cs typeface="Courier New" panose="02070309020205020404" pitchFamily="49" charset="0"/>
+              </a:rPr>
+              <a:t>        h = </a:t>
+            </a:r>
+            <a:r>
+              <a:rPr lang="en-US" sz="1200" dirty="0" err="1">
+                <a:latin typeface="Courier New" panose="02070309020205020404" pitchFamily="49" charset="0"/>
+                <a:cs typeface="Courier New" panose="02070309020205020404" pitchFamily="49" charset="0"/>
+              </a:rPr>
+              <a:t>self.enc</a:t>
+            </a:r>
+            <a:r>
+              <a:rPr lang="en-US" sz="1200" dirty="0">
+                <a:latin typeface="Courier New" panose="02070309020205020404" pitchFamily="49" charset="0"/>
+                <a:cs typeface="Courier New" panose="02070309020205020404" pitchFamily="49" charset="0"/>
+              </a:rPr>
+              <a:t>(z)                        # [</a:t>
+            </a:r>
+            <a:r>
+              <a:rPr lang="en-US" sz="1200" dirty="0" err="1">
+                <a:latin typeface="Courier New" panose="02070309020205020404" pitchFamily="49" charset="0"/>
+                <a:cs typeface="Courier New" panose="02070309020205020404" pitchFamily="49" charset="0"/>
+              </a:rPr>
+              <a:t>T,B,d</a:t>
+            </a:r>
+            <a:r>
+              <a:rPr lang="en-US" sz="1200" dirty="0">
+                <a:latin typeface="Courier New" panose="02070309020205020404" pitchFamily="49" charset="0"/>
+                <a:cs typeface="Courier New" panose="02070309020205020404" pitchFamily="49" charset="0"/>
+              </a:rPr>
+              <a:t>]</a:t>
+            </a:r>
+          </a:p>
+          <a:p>
+            <a:pPr marL="0" indent="0">
+              <a:buNone/>
+            </a:pPr>
+            <a:r>
+              <a:rPr lang="en-US" sz="1200" dirty="0">
+                <a:latin typeface="Courier New" panose="02070309020205020404" pitchFamily="49" charset="0"/>
+                <a:cs typeface="Courier New" panose="02070309020205020404" pitchFamily="49" charset="0"/>
+              </a:rPr>
+              <a:t>        return </a:t>
+            </a:r>
+            <a:r>
+              <a:rPr lang="en-US" sz="1200" dirty="0" err="1">
+                <a:latin typeface="Courier New" panose="02070309020205020404" pitchFamily="49" charset="0"/>
+                <a:cs typeface="Courier New" panose="02070309020205020404" pitchFamily="49" charset="0"/>
+              </a:rPr>
+              <a:t>self.head</a:t>
+            </a:r>
+            <a:r>
+              <a:rPr lang="en-US" sz="1200" dirty="0">
+                <a:latin typeface="Courier New" panose="02070309020205020404" pitchFamily="49" charset="0"/>
+                <a:cs typeface="Courier New" panose="02070309020205020404" pitchFamily="49" charset="0"/>
+              </a:rPr>
+              <a:t>(h[-1])                # last step → [B,H] prediction</a:t>
+            </a:r>
+          </a:p>
+          <a:p>
+            <a:pPr marL="0" indent="0">
+              <a:buNone/>
+            </a:pPr>
+            <a:endParaRPr lang="en-US" sz="1200" dirty="0">
+              <a:latin typeface="Courier New" panose="02070309020205020404" pitchFamily="49" charset="0"/>
+              <a:cs typeface="Courier New" panose="02070309020205020404" pitchFamily="49" charset="0"/>
+            </a:endParaRPr>
+          </a:p>
+          <a:p>
+            <a:pPr marL="0" indent="0">
+              <a:buNone/>
+            </a:pPr>
+            <a:r>
+              <a:rPr lang="en-US" sz="1200" dirty="0">
+                <a:latin typeface="Courier New" panose="02070309020205020404" pitchFamily="49" charset="0"/>
+                <a:cs typeface="Courier New" panose="02070309020205020404" pitchFamily="49" charset="0"/>
+              </a:rPr>
+              <a:t># Run (assumes you have x):</a:t>
+            </a:r>
+          </a:p>
+          <a:p>
+            <a:pPr marL="0" indent="0">
+              <a:buNone/>
+            </a:pPr>
+            <a:r>
+              <a:rPr lang="en-US" sz="1200" dirty="0">
+                <a:latin typeface="Courier New" panose="02070309020205020404" pitchFamily="49" charset="0"/>
+                <a:cs typeface="Courier New" panose="02070309020205020404" pitchFamily="49" charset="0"/>
+              </a:rPr>
+              <a:t>model = </a:t>
+            </a:r>
+            <a:r>
+              <a:rPr lang="en-US" sz="1200" dirty="0" err="1">
+                <a:latin typeface="Courier New" panose="02070309020205020404" pitchFamily="49" charset="0"/>
+                <a:cs typeface="Courier New" panose="02070309020205020404" pitchFamily="49" charset="0"/>
+              </a:rPr>
+              <a:t>TinyTransformer</a:t>
+            </a:r>
+            <a:r>
+              <a:rPr lang="en-US" sz="1200" dirty="0">
+                <a:latin typeface="Courier New" panose="02070309020205020404" pitchFamily="49" charset="0"/>
+                <a:cs typeface="Courier New" panose="02070309020205020404" pitchFamily="49" charset="0"/>
+              </a:rPr>
+              <a:t>(d=16, F=1, H=1)       # 1 feature → 1-step forecast</a:t>
+            </a:r>
+          </a:p>
+          <a:p>
+            <a:pPr marL="0" indent="0">
+              <a:buNone/>
+            </a:pPr>
+            <a:r>
+              <a:rPr lang="en-US" sz="1200" dirty="0" err="1">
+                <a:latin typeface="Courier New" panose="02070309020205020404" pitchFamily="49" charset="0"/>
+                <a:cs typeface="Courier New" panose="02070309020205020404" pitchFamily="49" charset="0"/>
+              </a:rPr>
+              <a:t>y_hat</a:t>
+            </a:r>
+            <a:r>
+              <a:rPr lang="en-US" sz="1200" dirty="0">
+                <a:latin typeface="Courier New" panose="02070309020205020404" pitchFamily="49" charset="0"/>
+                <a:cs typeface="Courier New" panose="02070309020205020404" pitchFamily="49" charset="0"/>
+              </a:rPr>
+              <a:t> = model(x)                               # x: [T,B,1],  </a:t>
+            </a:r>
+            <a:r>
+              <a:rPr lang="en-US" sz="1200" dirty="0" err="1">
+                <a:latin typeface="Courier New" panose="02070309020205020404" pitchFamily="49" charset="0"/>
+                <a:cs typeface="Courier New" panose="02070309020205020404" pitchFamily="49" charset="0"/>
+              </a:rPr>
+              <a:t>y_hat</a:t>
+            </a:r>
+            <a:r>
+              <a:rPr lang="en-US" sz="1200" dirty="0">
+                <a:latin typeface="Courier New" panose="02070309020205020404" pitchFamily="49" charset="0"/>
+                <a:cs typeface="Courier New" panose="02070309020205020404" pitchFamily="49" charset="0"/>
+              </a:rPr>
+              <a:t>: [B,1]</a:t>
+            </a:r>
+          </a:p>
+          <a:p>
+            <a:pPr marL="0" indent="0">
+              <a:buNone/>
+            </a:pPr>
+            <a:endParaRPr lang="en-US" sz="1200" dirty="0">
+              <a:latin typeface="Courier New" panose="02070309020205020404" pitchFamily="49" charset="0"/>
+              <a:cs typeface="Courier New" panose="02070309020205020404" pitchFamily="49" charset="0"/>
+            </a:endParaRPr>
           </a:p>
         </p:txBody>
       </p:sp>
     </p:spTree>
+    <p:extLst>
+      <p:ext uri="{BB962C8B-B14F-4D97-AF65-F5344CB8AC3E}">
+        <p14:creationId xmlns:p14="http://schemas.microsoft.com/office/powerpoint/2010/main" val="2376580118"/>
+      </p:ext>
+    </p:extLst>
   </p:cSld>
   <p:clrMapOvr>
     <a:masterClrMapping/>
@@ -9807,7 +6886,7 @@
 </p:sld>
 </file>
 
-<file path=ppt/slides/slide18.xml><?xml version="1.0" encoding="utf-8"?>
+<file path=ppt/slides/slide14.xml><?xml version="1.0" encoding="utf-8"?>
 <p:sld xmlns:a="http://schemas.openxmlformats.org/drawingml/2006/main" xmlns:r="http://schemas.openxmlformats.org/officeDocument/2006/relationships" xmlns:p="http://schemas.openxmlformats.org/presentationml/2006/main">
   <p:cSld>
     <p:spTree>
@@ -9900,7 +6979,7 @@
         <p:spPr/>
         <p:txBody>
           <a:bodyPr>
-            <a:normAutofit fontScale="90000"/>
+            <a:normAutofit/>
           </a:bodyPr>
           <a:lstStyle/>
           <a:p>
@@ -9908,13 +6987,6 @@
               <a:rPr lang="en-US" dirty="0"/>
               <a:t>Hyperparameters</a:t>
             </a:r>
-            <a:br>
-              <a:rPr lang="en-US" dirty="0"/>
-            </a:br>
-            <a:br>
-              <a:rPr lang="en-US" dirty="0"/>
-            </a:br>
-            <a:endParaRPr lang="en-US" dirty="0"/>
           </a:p>
         </p:txBody>
       </p:sp>
@@ -9942,13 +7014,16 @@
         </p:spPr>
         <p:txBody>
           <a:bodyPr>
-            <a:normAutofit fontScale="92500" lnSpcReduction="20000"/>
+            <a:normAutofit fontScale="85000" lnSpcReduction="20000"/>
           </a:bodyPr>
           <a:lstStyle/>
           <a:p>
             <a:r>
-              <a:rPr lang="en-US" dirty="0" err="1"/>
-              <a:t>d_model</a:t>
+              <a:rPr lang="en-US" dirty="0">
+                <a:latin typeface="Courier New" panose="02070309020205020404" pitchFamily="49" charset="0"/>
+                <a:cs typeface="Courier New" panose="02070309020205020404" pitchFamily="49" charset="0"/>
+              </a:rPr>
+              <a:t>d</a:t>
             </a:r>
             <a:r>
               <a:rPr lang="en-US" dirty="0"/>
@@ -9957,8 +7032,24 @@
           </a:p>
           <a:p>
             <a:r>
-              <a:rPr lang="en-US" dirty="0" err="1"/>
-              <a:t>num_heads</a:t>
+              <a:rPr lang="en-US" dirty="0">
+                <a:latin typeface="Courier New" panose="02070309020205020404" pitchFamily="49" charset="0"/>
+                <a:cs typeface="Courier New" panose="02070309020205020404" pitchFamily="49" charset="0"/>
+              </a:rPr>
+              <a:t>F</a:t>
+            </a:r>
+            <a:r>
+              <a:rPr lang="en-US" dirty="0"/>
+              <a:t>: number of features.</a:t>
+            </a:r>
+          </a:p>
+          <a:p>
+            <a:r>
+              <a:rPr lang="en-US" dirty="0" err="1">
+                <a:latin typeface="Courier New" panose="02070309020205020404" pitchFamily="49" charset="0"/>
+                <a:cs typeface="Courier New" panose="02070309020205020404" pitchFamily="49" charset="0"/>
+              </a:rPr>
+              <a:t>nheads</a:t>
             </a:r>
             <a:r>
               <a:rPr lang="en-US" dirty="0"/>
@@ -9967,8 +7058,11 @@
           </a:p>
           <a:p>
             <a:r>
-              <a:rPr lang="en-US" dirty="0" err="1"/>
-              <a:t>num_layers</a:t>
+              <a:rPr lang="en-US" dirty="0" err="1">
+                <a:latin typeface="Courier New" panose="02070309020205020404" pitchFamily="49" charset="0"/>
+                <a:cs typeface="Courier New" panose="02070309020205020404" pitchFamily="49" charset="0"/>
+              </a:rPr>
+              <a:t>nlayers</a:t>
             </a:r>
             <a:r>
               <a:rPr lang="en-US" dirty="0"/>
@@ -9977,27 +7071,40 @@
           </a:p>
           <a:p>
             <a:r>
+              <a:rPr lang="en-US" dirty="0">
+                <a:latin typeface="Courier New" panose="02070309020205020404" pitchFamily="49" charset="0"/>
+                <a:cs typeface="Courier New" panose="02070309020205020404" pitchFamily="49" charset="0"/>
+              </a:rPr>
+              <a:t>H</a:t>
+            </a:r>
+            <a:r>
+              <a:rPr lang="en-US" dirty="0"/>
+              <a:t>: number of outputs variables (i.e. number of steps ahead).</a:t>
+            </a:r>
+          </a:p>
+          <a:p>
+            <a:r>
+              <a:rPr lang="en-US" dirty="0" err="1">
+                <a:latin typeface="Courier New" panose="02070309020205020404" pitchFamily="49" charset="0"/>
+                <a:cs typeface="Courier New" panose="02070309020205020404" pitchFamily="49" charset="0"/>
+              </a:rPr>
+              <a:t>max_len</a:t>
+            </a:r>
+            <a:r>
+              <a:rPr lang="en-US" dirty="0"/>
+              <a:t>: Longest length of sequence</a:t>
+            </a:r>
+          </a:p>
+          <a:p>
+            <a:r>
+              <a:rPr lang="en-US" dirty="0"/>
+              <a:t>Could include other layers: mitigate problems by using e.g. dropout, layer norm, </a:t>
+            </a:r>
+            <a:r>
               <a:rPr lang="en-US" dirty="0" err="1"/>
-              <a:t>ff_dim</a:t>
-            </a:r>
-            <a:r>
-              <a:rPr lang="en-US" dirty="0"/>
-              <a:t>: hidden dimension of feedforward layers – typically 2–4× </a:t>
-            </a:r>
-            <a:r>
-              <a:rPr lang="en-US" dirty="0" err="1"/>
-              <a:t>d_model</a:t>
-            </a:r>
-            <a:r>
-              <a:rPr lang="en-US" dirty="0"/>
-              <a:t>.</a:t>
-            </a:r>
-          </a:p>
-          <a:p>
-            <a:r>
-              <a:rPr lang="en-US" dirty="0"/>
-              <a:t>Dropout rate: mitigate overfitting by randomly dropping activations.</a:t>
-            </a:r>
+              <a:t>etc</a:t>
+            </a:r>
+            <a:endParaRPr lang="en-US" dirty="0"/>
           </a:p>
         </p:txBody>
       </p:sp>
@@ -10009,7 +7116,7 @@
 </p:sld>
 </file>
 
-<file path=ppt/slides/slide19.xml><?xml version="1.0" encoding="utf-8"?>
+<file path=ppt/slides/slide15.xml><?xml version="1.0" encoding="utf-8"?>
 <p:sld xmlns:a="http://schemas.openxmlformats.org/drawingml/2006/main" xmlns:r="http://schemas.openxmlformats.org/officeDocument/2006/relationships" xmlns:p="http://schemas.openxmlformats.org/presentationml/2006/main">
   <p:cSld>
     <p:spTree>
@@ -11295,6 +8402,602 @@
 </p:sld>
 </file>
 
+<file path=ppt/slides/slide16.xml><?xml version="1.0" encoding="utf-8"?>
+<p:sld xmlns:a="http://schemas.openxmlformats.org/drawingml/2006/main" xmlns:r="http://schemas.openxmlformats.org/officeDocument/2006/relationships" xmlns:p="http://schemas.openxmlformats.org/presentationml/2006/main">
+  <p:cSld>
+    <p:spTree>
+      <p:nvGrpSpPr>
+        <p:cNvPr id="1" name=""/>
+        <p:cNvGrpSpPr/>
+        <p:nvPr/>
+      </p:nvGrpSpPr>
+      <p:grpSpPr>
+        <a:xfrm>
+          <a:off x="0" y="0"/>
+          <a:ext cx="0" cy="0"/>
+          <a:chOff x="0" y="0"/>
+          <a:chExt cx="0" cy="0"/>
+        </a:xfrm>
+      </p:grpSpPr>
+      <p:sp>
+        <p:nvSpPr>
+          <p:cNvPr id="2" name="Title 1">
+            <a:extLst>
+              <a:ext uri="{FF2B5EF4-FFF2-40B4-BE49-F238E27FC236}">
+                <a16:creationId xmlns:a16="http://schemas.microsoft.com/office/drawing/2014/main" id="{7430C11C-1AF0-5222-43C3-8B227297B6E3}"/>
+              </a:ext>
+            </a:extLst>
+          </p:cNvPr>
+          <p:cNvSpPr>
+            <a:spLocks noGrp="1"/>
+          </p:cNvSpPr>
+          <p:nvPr>
+            <p:ph type="title"/>
+          </p:nvPr>
+        </p:nvSpPr>
+        <p:spPr/>
+        <p:txBody>
+          <a:bodyPr/>
+          <a:lstStyle/>
+          <a:p>
+            <a:r>
+              <a:rPr lang="en-US" dirty="0"/>
+              <a:t>Other variants</a:t>
+            </a:r>
+          </a:p>
+        </p:txBody>
+      </p:sp>
+      <p:sp>
+        <p:nvSpPr>
+          <p:cNvPr id="3" name="Content Placeholder 2">
+            <a:extLst>
+              <a:ext uri="{FF2B5EF4-FFF2-40B4-BE49-F238E27FC236}">
+                <a16:creationId xmlns:a16="http://schemas.microsoft.com/office/drawing/2014/main" id="{8E86EC3B-829A-552E-7B12-68B68FBD3EEA}"/>
+              </a:ext>
+            </a:extLst>
+          </p:cNvPr>
+          <p:cNvSpPr>
+            <a:spLocks noGrp="1"/>
+          </p:cNvSpPr>
+          <p:nvPr>
+            <p:ph idx="1"/>
+          </p:nvPr>
+        </p:nvSpPr>
+        <p:spPr/>
+        <p:txBody>
+          <a:bodyPr>
+            <a:normAutofit/>
+          </a:bodyPr>
+          <a:lstStyle/>
+          <a:p>
+            <a:r>
+              <a:rPr lang="en-US" dirty="0"/>
+              <a:t>Informers &amp; </a:t>
+            </a:r>
+            <a:r>
+              <a:rPr lang="en-US" dirty="0" err="1"/>
+              <a:t>Longformers</a:t>
+            </a:r>
+            <a:r>
+              <a:rPr lang="en-US" dirty="0"/>
+              <a:t>: design sparse attention patterns to handle long sequences efficiently.</a:t>
+            </a:r>
+          </a:p>
+          <a:p>
+            <a:r>
+              <a:rPr lang="en-US" dirty="0"/>
+              <a:t>Reformer &amp; </a:t>
+            </a:r>
+            <a:r>
+              <a:rPr lang="en-US" dirty="0" err="1"/>
+              <a:t>Linformer</a:t>
+            </a:r>
+            <a:r>
+              <a:rPr lang="en-US" dirty="0"/>
+              <a:t>: reduce memory with low‑rank projections.</a:t>
+            </a:r>
+          </a:p>
+          <a:p>
+            <a:r>
+              <a:rPr lang="en-US" dirty="0"/>
+              <a:t>BERT, GPT: pre‑trained language models; can be adapted to forecasting via fine‑tuning.</a:t>
+            </a:r>
+          </a:p>
+          <a:p>
+            <a:r>
+              <a:rPr lang="en-US" dirty="0"/>
+              <a:t>Time Series Transformers: embed temporal features and </a:t>
+            </a:r>
+            <a:r>
+              <a:rPr lang="en-US" dirty="0" err="1"/>
+              <a:t>seasonalities</a:t>
+            </a:r>
+            <a:r>
+              <a:rPr lang="en-US" dirty="0"/>
+              <a:t>.</a:t>
+            </a:r>
+          </a:p>
+        </p:txBody>
+      </p:sp>
+    </p:spTree>
+    <p:extLst>
+      <p:ext uri="{BB962C8B-B14F-4D97-AF65-F5344CB8AC3E}">
+        <p14:creationId xmlns:p14="http://schemas.microsoft.com/office/powerpoint/2010/main" val="935452869"/>
+      </p:ext>
+    </p:extLst>
+  </p:cSld>
+  <p:clrMapOvr>
+    <a:masterClrMapping/>
+  </p:clrMapOvr>
+</p:sld>
+</file>
+
+<file path=ppt/slides/slide17.xml><?xml version="1.0" encoding="utf-8"?>
+<p:sld xmlns:a="http://schemas.openxmlformats.org/drawingml/2006/main" xmlns:r="http://schemas.openxmlformats.org/officeDocument/2006/relationships" xmlns:p="http://schemas.openxmlformats.org/presentationml/2006/main">
+  <p:cSld>
+    <p:spTree>
+      <p:nvGrpSpPr>
+        <p:cNvPr id="1" name=""/>
+        <p:cNvGrpSpPr/>
+        <p:nvPr/>
+      </p:nvGrpSpPr>
+      <p:grpSpPr>
+        <a:xfrm>
+          <a:off x="0" y="0"/>
+          <a:ext cx="0" cy="0"/>
+          <a:chOff x="0" y="0"/>
+          <a:chExt cx="0" cy="0"/>
+        </a:xfrm>
+      </p:grpSpPr>
+      <p:sp>
+        <p:nvSpPr>
+          <p:cNvPr id="2" name="Title 1">
+            <a:extLst>
+              <a:ext uri="{FF2B5EF4-FFF2-40B4-BE49-F238E27FC236}">
+                <a16:creationId xmlns:a16="http://schemas.microsoft.com/office/drawing/2014/main" id="{107A89C1-DA5E-6D55-921F-68BF0188944A}"/>
+              </a:ext>
+            </a:extLst>
+          </p:cNvPr>
+          <p:cNvSpPr>
+            <a:spLocks noGrp="1"/>
+          </p:cNvSpPr>
+          <p:nvPr>
+            <p:ph type="title"/>
+          </p:nvPr>
+        </p:nvSpPr>
+        <p:spPr/>
+        <p:txBody>
+          <a:bodyPr/>
+          <a:lstStyle/>
+          <a:p>
+            <a:r>
+              <a:rPr lang="en-US" dirty="0"/>
+              <a:t>Practical tips</a:t>
+            </a:r>
+          </a:p>
+        </p:txBody>
+      </p:sp>
+      <mc:AlternateContent xmlns:mc="http://schemas.openxmlformats.org/markup-compatibility/2006" xmlns:a14="http://schemas.microsoft.com/office/drawing/2010/main">
+        <mc:Choice Requires="a14">
+          <p:sp>
+            <p:nvSpPr>
+              <p:cNvPr id="3" name="Content Placeholder 2">
+                <a:extLst>
+                  <a:ext uri="{FF2B5EF4-FFF2-40B4-BE49-F238E27FC236}">
+                    <a16:creationId xmlns:a16="http://schemas.microsoft.com/office/drawing/2014/main" id="{CE2192B4-BAE7-086F-AF1C-CA60D60D307F}"/>
+                  </a:ext>
+                </a:extLst>
+              </p:cNvPr>
+              <p:cNvSpPr>
+                <a:spLocks noGrp="1"/>
+              </p:cNvSpPr>
+              <p:nvPr>
+                <p:ph idx="1"/>
+              </p:nvPr>
+            </p:nvSpPr>
+            <p:spPr/>
+            <p:txBody>
+              <a:bodyPr>
+                <a:normAutofit fontScale="92500" lnSpcReduction="10000"/>
+              </a:bodyPr>
+              <a:lstStyle/>
+              <a:p>
+                <a:r>
+                  <a:rPr lang="en-US" dirty="0" err="1"/>
+                  <a:t>Normalise</a:t>
+                </a:r>
+                <a:r>
+                  <a:rPr lang="en-US" dirty="0"/>
+                  <a:t> inputs and consider detrending/seasonal decomposition.</a:t>
+                </a:r>
+              </a:p>
+              <a:p>
+                <a:r>
+                  <a:rPr lang="en-US" dirty="0"/>
+                  <a:t>Choose a window size that captures sufficient context without too much overhead.</a:t>
+                </a:r>
+              </a:p>
+              <a:p>
+                <a:r>
+                  <a:rPr lang="en-US" dirty="0"/>
+                  <a:t>Experiment with number of heads and </a:t>
+                </a:r>
+                <a:r>
+                  <a:rPr lang="en-US" dirty="0" err="1"/>
+                  <a:t>d_model</a:t>
+                </a:r>
+                <a:r>
+                  <a:rPr lang="en-US" dirty="0"/>
+                  <a:t>; small values may suffice for time series.</a:t>
+                </a:r>
+              </a:p>
+              <a:p>
+                <a:r>
+                  <a:rPr lang="en-US" dirty="0"/>
+                  <a:t>Monitor validation loss and apply early stopping or learning‑rate schedules.</a:t>
+                </a:r>
+              </a:p>
+              <a:p>
+                <a:r>
+                  <a:rPr lang="en-US" dirty="0"/>
+                  <a:t>Use GPU acceleration for larger models; memory consumption grows with </a:t>
+                </a:r>
+                <a14:m>
+                  <m:oMath xmlns:m="http://schemas.openxmlformats.org/officeDocument/2006/math">
+                    <m:r>
+                      <a:rPr lang="en-US" i="1" dirty="0" smtClean="0">
+                        <a:latin typeface="Cambria Math" panose="02040503050406030204" pitchFamily="18" charset="0"/>
+                      </a:rPr>
+                      <m:t>𝑛</m:t>
+                    </m:r>
+                    <m:r>
+                      <a:rPr lang="en-US" i="1" dirty="0" smtClean="0">
+                        <a:latin typeface="Cambria Math" panose="02040503050406030204" pitchFamily="18" charset="0"/>
+                      </a:rPr>
+                      <m:t>²</m:t>
+                    </m:r>
+                  </m:oMath>
+                </a14:m>
+                <a:r>
+                  <a:rPr lang="en-US" dirty="0"/>
+                  <a:t>.</a:t>
+                </a:r>
+              </a:p>
+            </p:txBody>
+          </p:sp>
+        </mc:Choice>
+        <mc:Fallback xmlns="">
+          <p:sp>
+            <p:nvSpPr>
+              <p:cNvPr id="3" name="Content Placeholder 2">
+                <a:extLst>
+                  <a:ext uri="{FF2B5EF4-FFF2-40B4-BE49-F238E27FC236}">
+                    <a16:creationId xmlns:a16="http://schemas.microsoft.com/office/drawing/2014/main" id="{CE2192B4-BAE7-086F-AF1C-CA60D60D307F}"/>
+                  </a:ext>
+                </a:extLst>
+              </p:cNvPr>
+              <p:cNvSpPr>
+                <a:spLocks noGrp="1" noRot="1" noChangeAspect="1" noMove="1" noResize="1" noEditPoints="1" noAdjustHandles="1" noChangeArrowheads="1" noChangeShapeType="1" noTextEdit="1"/>
+              </p:cNvSpPr>
+              <p:nvPr>
+                <p:ph idx="1"/>
+              </p:nvPr>
+            </p:nvSpPr>
+            <p:spPr>
+              <a:blipFill>
+                <a:blip r:embed="rId2"/>
+                <a:stretch>
+                  <a:fillRect l="-1216" t="-2744"/>
+                </a:stretch>
+              </a:blipFill>
+            </p:spPr>
+            <p:txBody>
+              <a:bodyPr/>
+              <a:lstStyle/>
+              <a:p>
+                <a:r>
+                  <a:rPr lang="en-US">
+                    <a:noFill/>
+                  </a:rPr>
+                  <a:t> </a:t>
+                </a:r>
+              </a:p>
+            </p:txBody>
+          </p:sp>
+        </mc:Fallback>
+      </mc:AlternateContent>
+    </p:spTree>
+    <p:extLst>
+      <p:ext uri="{BB962C8B-B14F-4D97-AF65-F5344CB8AC3E}">
+        <p14:creationId xmlns:p14="http://schemas.microsoft.com/office/powerpoint/2010/main" val="1417039880"/>
+      </p:ext>
+    </p:extLst>
+  </p:cSld>
+  <p:clrMapOvr>
+    <a:masterClrMapping/>
+  </p:clrMapOvr>
+</p:sld>
+</file>
+
+<file path=ppt/slides/slide18.xml><?xml version="1.0" encoding="utf-8"?>
+<p:sld xmlns:a="http://schemas.openxmlformats.org/drawingml/2006/main" xmlns:r="http://schemas.openxmlformats.org/officeDocument/2006/relationships" xmlns:p="http://schemas.openxmlformats.org/presentationml/2006/main">
+  <p:cSld>
+    <p:spTree>
+      <p:nvGrpSpPr>
+        <p:cNvPr id="1" name=""/>
+        <p:cNvGrpSpPr/>
+        <p:nvPr/>
+      </p:nvGrpSpPr>
+      <p:grpSpPr>
+        <a:xfrm>
+          <a:off x="0" y="0"/>
+          <a:ext cx="0" cy="0"/>
+          <a:chOff x="0" y="0"/>
+          <a:chExt cx="0" cy="0"/>
+        </a:xfrm>
+      </p:grpSpPr>
+      <p:sp>
+        <p:nvSpPr>
+          <p:cNvPr id="2" name="Title 1">
+            <a:extLst>
+              <a:ext uri="{FF2B5EF4-FFF2-40B4-BE49-F238E27FC236}">
+                <a16:creationId xmlns:a16="http://schemas.microsoft.com/office/drawing/2014/main" id="{B5399CAB-C059-A355-C946-789034171161}"/>
+              </a:ext>
+            </a:extLst>
+          </p:cNvPr>
+          <p:cNvSpPr>
+            <a:spLocks noGrp="1"/>
+          </p:cNvSpPr>
+          <p:nvPr>
+            <p:ph type="title"/>
+          </p:nvPr>
+        </p:nvSpPr>
+        <p:spPr/>
+        <p:txBody>
+          <a:bodyPr/>
+          <a:lstStyle/>
+          <a:p>
+            <a:r>
+              <a:rPr lang="en-US" dirty="0"/>
+              <a:t>Link with AIFS</a:t>
+            </a:r>
+          </a:p>
+        </p:txBody>
+      </p:sp>
+      <p:sp>
+        <p:nvSpPr>
+          <p:cNvPr id="3" name="Content Placeholder 2">
+            <a:extLst>
+              <a:ext uri="{FF2B5EF4-FFF2-40B4-BE49-F238E27FC236}">
+                <a16:creationId xmlns:a16="http://schemas.microsoft.com/office/drawing/2014/main" id="{7AE92B9F-687F-9243-3AFC-A4AD6840D2EB}"/>
+              </a:ext>
+            </a:extLst>
+          </p:cNvPr>
+          <p:cNvSpPr>
+            <a:spLocks noGrp="1"/>
+          </p:cNvSpPr>
+          <p:nvPr>
+            <p:ph idx="1"/>
+          </p:nvPr>
+        </p:nvSpPr>
+        <p:spPr>
+          <a:xfrm>
+            <a:off x="838200" y="1825625"/>
+            <a:ext cx="4161020" cy="4149290"/>
+          </a:xfrm>
+        </p:spPr>
+        <p:txBody>
+          <a:bodyPr>
+            <a:normAutofit lnSpcReduction="10000"/>
+          </a:bodyPr>
+          <a:lstStyle/>
+          <a:p>
+            <a:r>
+              <a:rPr lang="en-US" dirty="0"/>
+              <a:t>Apart from the graph structure (next class) this is exactly the background in ECMWF’s AIFS forecasting system</a:t>
+            </a:r>
+          </a:p>
+          <a:p>
+            <a:r>
+              <a:rPr lang="en-US" dirty="0"/>
+              <a:t>They predict multiple variables 6 hours ahead</a:t>
+            </a:r>
+          </a:p>
+          <a:p>
+            <a:r>
+              <a:rPr lang="en-US" dirty="0"/>
+              <a:t>Takes a week to run with 64 A100 GPUs (we only have 100)</a:t>
+            </a:r>
+          </a:p>
+        </p:txBody>
+      </p:sp>
+      <p:pic>
+        <p:nvPicPr>
+          <p:cNvPr id="4" name="Picture 3">
+            <a:extLst>
+              <a:ext uri="{FF2B5EF4-FFF2-40B4-BE49-F238E27FC236}">
+                <a16:creationId xmlns:a16="http://schemas.microsoft.com/office/drawing/2014/main" id="{0722553E-3E4C-09FE-CB8B-113FDBAA7117}"/>
+              </a:ext>
+            </a:extLst>
+          </p:cNvPr>
+          <p:cNvPicPr>
+            <a:picLocks noChangeAspect="1"/>
+          </p:cNvPicPr>
+          <p:nvPr/>
+        </p:nvPicPr>
+        <p:blipFill>
+          <a:blip r:embed="rId2"/>
+          <a:stretch>
+            <a:fillRect/>
+          </a:stretch>
+        </p:blipFill>
+        <p:spPr>
+          <a:xfrm>
+            <a:off x="5651274" y="1527097"/>
+            <a:ext cx="6054795" cy="3923726"/>
+          </a:xfrm>
+          <a:prstGeom prst="rect">
+            <a:avLst/>
+          </a:prstGeom>
+        </p:spPr>
+      </p:pic>
+    </p:spTree>
+    <p:extLst>
+      <p:ext uri="{BB962C8B-B14F-4D97-AF65-F5344CB8AC3E}">
+        <p14:creationId xmlns:p14="http://schemas.microsoft.com/office/powerpoint/2010/main" val="2916108506"/>
+      </p:ext>
+    </p:extLst>
+  </p:cSld>
+  <p:clrMapOvr>
+    <a:masterClrMapping/>
+  </p:clrMapOvr>
+</p:sld>
+</file>
+
+<file path=ppt/slides/slide19.xml><?xml version="1.0" encoding="utf-8"?>
+<p:sld xmlns:a="http://schemas.openxmlformats.org/drawingml/2006/main" xmlns:r="http://schemas.openxmlformats.org/officeDocument/2006/relationships" xmlns:p="http://schemas.openxmlformats.org/presentationml/2006/main">
+  <p:cSld>
+    <p:spTree>
+      <p:nvGrpSpPr>
+        <p:cNvPr id="1" name=""/>
+        <p:cNvGrpSpPr/>
+        <p:nvPr/>
+      </p:nvGrpSpPr>
+      <p:grpSpPr>
+        <a:xfrm>
+          <a:off x="0" y="0"/>
+          <a:ext cx="0" cy="0"/>
+          <a:chOff x="0" y="0"/>
+          <a:chExt cx="0" cy="0"/>
+        </a:xfrm>
+      </p:grpSpPr>
+      <p:sp>
+        <p:nvSpPr>
+          <p:cNvPr id="2" name="Title 1">
+            <a:extLst>
+              <a:ext uri="{FF2B5EF4-FFF2-40B4-BE49-F238E27FC236}">
+                <a16:creationId xmlns:a16="http://schemas.microsoft.com/office/drawing/2014/main" id="{5052E3C7-E02A-F443-93FF-99B0D12844EC}"/>
+              </a:ext>
+            </a:extLst>
+          </p:cNvPr>
+          <p:cNvSpPr>
+            <a:spLocks noGrp="1"/>
+          </p:cNvSpPr>
+          <p:nvPr>
+            <p:ph type="title"/>
+          </p:nvPr>
+        </p:nvSpPr>
+        <p:spPr/>
+        <p:txBody>
+          <a:bodyPr/>
+          <a:lstStyle/>
+          <a:p>
+            <a:r>
+              <a:rPr lang="en-US" dirty="0"/>
+              <a:t>Summary</a:t>
+            </a:r>
+          </a:p>
+        </p:txBody>
+      </p:sp>
+      <p:sp>
+        <p:nvSpPr>
+          <p:cNvPr id="3" name="Content Placeholder 2">
+            <a:extLst>
+              <a:ext uri="{FF2B5EF4-FFF2-40B4-BE49-F238E27FC236}">
+                <a16:creationId xmlns:a16="http://schemas.microsoft.com/office/drawing/2014/main" id="{92B1495C-38DD-F9F0-478E-D16C6E4C61EA}"/>
+              </a:ext>
+            </a:extLst>
+          </p:cNvPr>
+          <p:cNvSpPr>
+            <a:spLocks noGrp="1"/>
+          </p:cNvSpPr>
+          <p:nvPr>
+            <p:ph idx="1"/>
+          </p:nvPr>
+        </p:nvSpPr>
+        <p:spPr/>
+        <p:txBody>
+          <a:bodyPr>
+            <a:normAutofit fontScale="92500" lnSpcReduction="20000"/>
+          </a:bodyPr>
+          <a:lstStyle/>
+          <a:p>
+            <a:pPr marL="457200" indent="-457200">
+              <a:buFont typeface="Arial" panose="020B0604020202020204" pitchFamily="34" charset="0"/>
+              <a:buChar char="•"/>
+            </a:pPr>
+            <a:r>
+              <a:rPr lang="en-US" dirty="0"/>
+              <a:t>Transformers replace recurrence with attention, enabling </a:t>
+            </a:r>
+            <a:r>
+              <a:rPr lang="en-US" dirty="0" err="1"/>
+              <a:t>parallelisation</a:t>
+            </a:r>
+            <a:r>
+              <a:rPr lang="en-US" dirty="0"/>
+              <a:t> and capturing long‑range dependencies.</a:t>
+            </a:r>
+          </a:p>
+          <a:p>
+            <a:pPr marL="457200" indent="-457200">
+              <a:buFont typeface="Arial" panose="020B0604020202020204" pitchFamily="34" charset="0"/>
+              <a:buChar char="•"/>
+            </a:pPr>
+            <a:r>
+              <a:rPr lang="en-US" dirty="0"/>
+              <a:t>Scaled dot‑product and multi‑head attention are core building blocks.</a:t>
+            </a:r>
+          </a:p>
+          <a:p>
+            <a:pPr marL="457200" indent="-457200">
+              <a:buFont typeface="Arial" panose="020B0604020202020204" pitchFamily="34" charset="0"/>
+              <a:buChar char="•"/>
+            </a:pPr>
+            <a:r>
+              <a:rPr lang="en-US" dirty="0"/>
+              <a:t>Positional encoding injects order information into the model.</a:t>
+            </a:r>
+          </a:p>
+          <a:p>
+            <a:pPr marL="457200" indent="-457200">
+              <a:buFont typeface="Arial" panose="020B0604020202020204" pitchFamily="34" charset="0"/>
+              <a:buChar char="•"/>
+            </a:pPr>
+            <a:r>
+              <a:rPr lang="en-US" dirty="0"/>
+              <a:t>On weather forecasting, transformers handle multivariate sequences effectively when sequence length is moderate.</a:t>
+            </a:r>
+          </a:p>
+          <a:p>
+            <a:pPr marL="457200" indent="-457200">
+              <a:buFont typeface="Arial" panose="020B0604020202020204" pitchFamily="34" charset="0"/>
+              <a:buChar char="•"/>
+            </a:pPr>
+            <a:r>
+              <a:rPr lang="en-US" dirty="0" err="1"/>
+              <a:t>PyTorch</a:t>
+            </a:r>
+            <a:r>
+              <a:rPr lang="en-US" dirty="0"/>
+              <a:t> makes fitting these kinds of models relatively easy.</a:t>
+            </a:r>
+          </a:p>
+        </p:txBody>
+      </p:sp>
+    </p:spTree>
+    <p:extLst>
+      <p:ext uri="{BB962C8B-B14F-4D97-AF65-F5344CB8AC3E}">
+        <p14:creationId xmlns:p14="http://schemas.microsoft.com/office/powerpoint/2010/main" val="2902375257"/>
+      </p:ext>
+    </p:extLst>
+  </p:cSld>
+  <p:clrMapOvr>
+    <a:masterClrMapping/>
+  </p:clrMapOvr>
+</p:sld>
+</file>
+
 <file path=ppt/slides/slide2.xml><?xml version="1.0" encoding="utf-8"?>
 <p:sld xmlns:a="http://schemas.openxmlformats.org/drawingml/2006/main" xmlns:r="http://schemas.openxmlformats.org/officeDocument/2006/relationships" xmlns:p="http://schemas.openxmlformats.org/presentationml/2006/main">
   <p:cSld>
@@ -11453,408 +9156,6 @@
           <p:cNvPr id="2" name="Title 1">
             <a:extLst>
               <a:ext uri="{FF2B5EF4-FFF2-40B4-BE49-F238E27FC236}">
-                <a16:creationId xmlns:a16="http://schemas.microsoft.com/office/drawing/2014/main" id="{7430C11C-1AF0-5222-43C3-8B227297B6E3}"/>
-              </a:ext>
-            </a:extLst>
-          </p:cNvPr>
-          <p:cNvSpPr>
-            <a:spLocks noGrp="1"/>
-          </p:cNvSpPr>
-          <p:nvPr>
-            <p:ph type="title"/>
-          </p:nvPr>
-        </p:nvSpPr>
-        <p:spPr/>
-        <p:txBody>
-          <a:bodyPr/>
-          <a:lstStyle/>
-          <a:p>
-            <a:r>
-              <a:rPr lang="en-US" dirty="0"/>
-              <a:t>Other variants</a:t>
-            </a:r>
-          </a:p>
-        </p:txBody>
-      </p:sp>
-      <p:sp>
-        <p:nvSpPr>
-          <p:cNvPr id="3" name="Content Placeholder 2">
-            <a:extLst>
-              <a:ext uri="{FF2B5EF4-FFF2-40B4-BE49-F238E27FC236}">
-                <a16:creationId xmlns:a16="http://schemas.microsoft.com/office/drawing/2014/main" id="{8E86EC3B-829A-552E-7B12-68B68FBD3EEA}"/>
-              </a:ext>
-            </a:extLst>
-          </p:cNvPr>
-          <p:cNvSpPr>
-            <a:spLocks noGrp="1"/>
-          </p:cNvSpPr>
-          <p:nvPr>
-            <p:ph idx="1"/>
-          </p:nvPr>
-        </p:nvSpPr>
-        <p:spPr/>
-        <p:txBody>
-          <a:bodyPr>
-            <a:normAutofit/>
-          </a:bodyPr>
-          <a:lstStyle/>
-          <a:p>
-            <a:r>
-              <a:rPr lang="en-US" dirty="0"/>
-              <a:t>Informers &amp; </a:t>
-            </a:r>
-            <a:r>
-              <a:rPr lang="en-US" dirty="0" err="1"/>
-              <a:t>Longformers</a:t>
-            </a:r>
-            <a:r>
-              <a:rPr lang="en-US" dirty="0"/>
-              <a:t>: design sparse attention patterns to handle long sequences efficiently.</a:t>
-            </a:r>
-          </a:p>
-          <a:p>
-            <a:r>
-              <a:rPr lang="en-US" dirty="0"/>
-              <a:t>Reformer &amp; </a:t>
-            </a:r>
-            <a:r>
-              <a:rPr lang="en-US" dirty="0" err="1"/>
-              <a:t>Linformer</a:t>
-            </a:r>
-            <a:r>
-              <a:rPr lang="en-US" dirty="0"/>
-              <a:t>: reduce memory with low‑rank projections.</a:t>
-            </a:r>
-          </a:p>
-          <a:p>
-            <a:r>
-              <a:rPr lang="en-US" dirty="0"/>
-              <a:t>BERT, GPT: pre‑trained language models; can be adapted to forecasting via fine‑tuning.</a:t>
-            </a:r>
-          </a:p>
-          <a:p>
-            <a:r>
-              <a:rPr lang="en-US" dirty="0"/>
-              <a:t>Time Series Transformers: embed temporal features and </a:t>
-            </a:r>
-            <a:r>
-              <a:rPr lang="en-US" dirty="0" err="1"/>
-              <a:t>seasonalities</a:t>
-            </a:r>
-            <a:r>
-              <a:rPr lang="en-US" dirty="0"/>
-              <a:t>.</a:t>
-            </a:r>
-          </a:p>
-        </p:txBody>
-      </p:sp>
-    </p:spTree>
-    <p:extLst>
-      <p:ext uri="{BB962C8B-B14F-4D97-AF65-F5344CB8AC3E}">
-        <p14:creationId xmlns:p14="http://schemas.microsoft.com/office/powerpoint/2010/main" val="935452869"/>
-      </p:ext>
-    </p:extLst>
-  </p:cSld>
-  <p:clrMapOvr>
-    <a:masterClrMapping/>
-  </p:clrMapOvr>
-</p:sld>
-</file>
-
-<file path=ppt/slides/slide21.xml><?xml version="1.0" encoding="utf-8"?>
-<p:sld xmlns:a="http://schemas.openxmlformats.org/drawingml/2006/main" xmlns:r="http://schemas.openxmlformats.org/officeDocument/2006/relationships" xmlns:p="http://schemas.openxmlformats.org/presentationml/2006/main">
-  <p:cSld>
-    <p:spTree>
-      <p:nvGrpSpPr>
-        <p:cNvPr id="1" name=""/>
-        <p:cNvGrpSpPr/>
-        <p:nvPr/>
-      </p:nvGrpSpPr>
-      <p:grpSpPr>
-        <a:xfrm>
-          <a:off x="0" y="0"/>
-          <a:ext cx="0" cy="0"/>
-          <a:chOff x="0" y="0"/>
-          <a:chExt cx="0" cy="0"/>
-        </a:xfrm>
-      </p:grpSpPr>
-      <p:sp>
-        <p:nvSpPr>
-          <p:cNvPr id="2" name="Title 1">
-            <a:extLst>
-              <a:ext uri="{FF2B5EF4-FFF2-40B4-BE49-F238E27FC236}">
-                <a16:creationId xmlns:a16="http://schemas.microsoft.com/office/drawing/2014/main" id="{107A89C1-DA5E-6D55-921F-68BF0188944A}"/>
-              </a:ext>
-            </a:extLst>
-          </p:cNvPr>
-          <p:cNvSpPr>
-            <a:spLocks noGrp="1"/>
-          </p:cNvSpPr>
-          <p:nvPr>
-            <p:ph type="title"/>
-          </p:nvPr>
-        </p:nvSpPr>
-        <p:spPr/>
-        <p:txBody>
-          <a:bodyPr/>
-          <a:lstStyle/>
-          <a:p>
-            <a:r>
-              <a:rPr lang="en-US" dirty="0"/>
-              <a:t>Practical tips</a:t>
-            </a:r>
-          </a:p>
-        </p:txBody>
-      </p:sp>
-      <p:sp>
-        <p:nvSpPr>
-          <p:cNvPr id="3" name="Content Placeholder 2">
-            <a:extLst>
-              <a:ext uri="{FF2B5EF4-FFF2-40B4-BE49-F238E27FC236}">
-                <a16:creationId xmlns:a16="http://schemas.microsoft.com/office/drawing/2014/main" id="{CE2192B4-BAE7-086F-AF1C-CA60D60D307F}"/>
-              </a:ext>
-            </a:extLst>
-          </p:cNvPr>
-          <p:cNvSpPr>
-            <a:spLocks noGrp="1"/>
-          </p:cNvSpPr>
-          <p:nvPr>
-            <p:ph idx="1"/>
-          </p:nvPr>
-        </p:nvSpPr>
-        <p:spPr/>
-        <p:txBody>
-          <a:bodyPr>
-            <a:normAutofit fontScale="92500" lnSpcReduction="10000"/>
-          </a:bodyPr>
-          <a:lstStyle/>
-          <a:p>
-            <a:r>
-              <a:rPr lang="en-US" dirty="0" err="1"/>
-              <a:t>Normalise</a:t>
-            </a:r>
-            <a:r>
-              <a:rPr lang="en-US" dirty="0"/>
-              <a:t> inputs and consider detrending/seasonal decomposition.</a:t>
-            </a:r>
-          </a:p>
-          <a:p>
-            <a:r>
-              <a:rPr lang="en-US" dirty="0"/>
-              <a:t>Choose a window size that captures sufficient context without too much overhead.</a:t>
-            </a:r>
-          </a:p>
-          <a:p>
-            <a:r>
-              <a:rPr lang="en-US" dirty="0"/>
-              <a:t>Experiment with number of heads and </a:t>
-            </a:r>
-            <a:r>
-              <a:rPr lang="en-US" dirty="0" err="1"/>
-              <a:t>d_model</a:t>
-            </a:r>
-            <a:r>
-              <a:rPr lang="en-US" dirty="0"/>
-              <a:t>; small values may suffice for time series.</a:t>
-            </a:r>
-          </a:p>
-          <a:p>
-            <a:r>
-              <a:rPr lang="en-US" dirty="0"/>
-              <a:t>Monitor validation loss and apply early stopping or learning‑rate schedules.</a:t>
-            </a:r>
-          </a:p>
-          <a:p>
-            <a:r>
-              <a:rPr lang="en-US" dirty="0"/>
-              <a:t>Use GPU acceleration for larger models; memory consumption grows with n².</a:t>
-            </a:r>
-          </a:p>
-        </p:txBody>
-      </p:sp>
-    </p:spTree>
-    <p:extLst>
-      <p:ext uri="{BB962C8B-B14F-4D97-AF65-F5344CB8AC3E}">
-        <p14:creationId xmlns:p14="http://schemas.microsoft.com/office/powerpoint/2010/main" val="1417039880"/>
-      </p:ext>
-    </p:extLst>
-  </p:cSld>
-  <p:clrMapOvr>
-    <a:masterClrMapping/>
-  </p:clrMapOvr>
-</p:sld>
-</file>
-
-<file path=ppt/slides/slide22.xml><?xml version="1.0" encoding="utf-8"?>
-<p:sld xmlns:a="http://schemas.openxmlformats.org/drawingml/2006/main" xmlns:r="http://schemas.openxmlformats.org/officeDocument/2006/relationships" xmlns:p="http://schemas.openxmlformats.org/presentationml/2006/main">
-  <p:cSld>
-    <p:spTree>
-      <p:nvGrpSpPr>
-        <p:cNvPr id="1" name=""/>
-        <p:cNvGrpSpPr/>
-        <p:nvPr/>
-      </p:nvGrpSpPr>
-      <p:grpSpPr>
-        <a:xfrm>
-          <a:off x="0" y="0"/>
-          <a:ext cx="0" cy="0"/>
-          <a:chOff x="0" y="0"/>
-          <a:chExt cx="0" cy="0"/>
-        </a:xfrm>
-      </p:grpSpPr>
-      <p:sp>
-        <p:nvSpPr>
-          <p:cNvPr id="2" name="Title 1">
-            <a:extLst>
-              <a:ext uri="{FF2B5EF4-FFF2-40B4-BE49-F238E27FC236}">
-                <a16:creationId xmlns:a16="http://schemas.microsoft.com/office/drawing/2014/main" id="{5052E3C7-E02A-F443-93FF-99B0D12844EC}"/>
-              </a:ext>
-            </a:extLst>
-          </p:cNvPr>
-          <p:cNvSpPr>
-            <a:spLocks noGrp="1"/>
-          </p:cNvSpPr>
-          <p:nvPr>
-            <p:ph type="title"/>
-          </p:nvPr>
-        </p:nvSpPr>
-        <p:spPr/>
-        <p:txBody>
-          <a:bodyPr/>
-          <a:lstStyle/>
-          <a:p>
-            <a:r>
-              <a:rPr lang="en-US" dirty="0"/>
-              <a:t>Summary</a:t>
-            </a:r>
-          </a:p>
-        </p:txBody>
-      </p:sp>
-      <p:sp>
-        <p:nvSpPr>
-          <p:cNvPr id="3" name="Content Placeholder 2">
-            <a:extLst>
-              <a:ext uri="{FF2B5EF4-FFF2-40B4-BE49-F238E27FC236}">
-                <a16:creationId xmlns:a16="http://schemas.microsoft.com/office/drawing/2014/main" id="{92B1495C-38DD-F9F0-478E-D16C6E4C61EA}"/>
-              </a:ext>
-            </a:extLst>
-          </p:cNvPr>
-          <p:cNvSpPr>
-            <a:spLocks noGrp="1"/>
-          </p:cNvSpPr>
-          <p:nvPr>
-            <p:ph idx="1"/>
-          </p:nvPr>
-        </p:nvSpPr>
-        <p:spPr/>
-        <p:txBody>
-          <a:bodyPr>
-            <a:normAutofit fontScale="92500" lnSpcReduction="20000"/>
-          </a:bodyPr>
-          <a:lstStyle/>
-          <a:p>
-            <a:pPr marL="457200" indent="-457200">
-              <a:buFont typeface="Arial" panose="020B0604020202020204" pitchFamily="34" charset="0"/>
-              <a:buChar char="•"/>
-            </a:pPr>
-            <a:r>
-              <a:rPr lang="en-US" dirty="0"/>
-              <a:t>Transformers replace recurrence with attention, enabling </a:t>
-            </a:r>
-            <a:r>
-              <a:rPr lang="en-US" dirty="0" err="1"/>
-              <a:t>parallelisation</a:t>
-            </a:r>
-            <a:r>
-              <a:rPr lang="en-US" dirty="0"/>
-              <a:t> and capturing long‑range dependencies.</a:t>
-            </a:r>
-          </a:p>
-          <a:p>
-            <a:pPr marL="457200" indent="-457200">
-              <a:buFont typeface="Arial" panose="020B0604020202020204" pitchFamily="34" charset="0"/>
-              <a:buChar char="•"/>
-            </a:pPr>
-            <a:r>
-              <a:rPr lang="en-US" dirty="0"/>
-              <a:t>Scaled dot‑product and multi‑head attention are core building blocks.</a:t>
-            </a:r>
-          </a:p>
-          <a:p>
-            <a:pPr marL="457200" indent="-457200">
-              <a:buFont typeface="Arial" panose="020B0604020202020204" pitchFamily="34" charset="0"/>
-              <a:buChar char="•"/>
-            </a:pPr>
-            <a:r>
-              <a:rPr lang="en-US" dirty="0"/>
-              <a:t>Positional encoding injects order information into the model.</a:t>
-            </a:r>
-          </a:p>
-          <a:p>
-            <a:pPr marL="457200" indent="-457200">
-              <a:buFont typeface="Arial" panose="020B0604020202020204" pitchFamily="34" charset="0"/>
-              <a:buChar char="•"/>
-            </a:pPr>
-            <a:r>
-              <a:rPr lang="en-US" dirty="0"/>
-              <a:t>On weather forecasting, transformers handle multivariate sequences effectively when sequence length is moderate.</a:t>
-            </a:r>
-          </a:p>
-          <a:p>
-            <a:pPr marL="457200" indent="-457200">
-              <a:buFont typeface="Arial" panose="020B0604020202020204" pitchFamily="34" charset="0"/>
-              <a:buChar char="•"/>
-            </a:pPr>
-            <a:r>
-              <a:rPr lang="en-US" dirty="0"/>
-              <a:t>Frameworks like </a:t>
-            </a:r>
-            <a:r>
-              <a:rPr lang="en-US" dirty="0" err="1"/>
-              <a:t>Keras</a:t>
-            </a:r>
-            <a:r>
-              <a:rPr lang="en-US" dirty="0"/>
-              <a:t> simplify model construction and training.</a:t>
-            </a:r>
-          </a:p>
-        </p:txBody>
-      </p:sp>
-    </p:spTree>
-    <p:extLst>
-      <p:ext uri="{BB962C8B-B14F-4D97-AF65-F5344CB8AC3E}">
-        <p14:creationId xmlns:p14="http://schemas.microsoft.com/office/powerpoint/2010/main" val="2902375257"/>
-      </p:ext>
-    </p:extLst>
-  </p:cSld>
-  <p:clrMapOvr>
-    <a:masterClrMapping/>
-  </p:clrMapOvr>
-</p:sld>
-</file>
-
-<file path=ppt/slides/slide23.xml><?xml version="1.0" encoding="utf-8"?>
-<p:sld xmlns:a="http://schemas.openxmlformats.org/drawingml/2006/main" xmlns:r="http://schemas.openxmlformats.org/officeDocument/2006/relationships" xmlns:p="http://schemas.openxmlformats.org/presentationml/2006/main">
-  <p:cSld>
-    <p:spTree>
-      <p:nvGrpSpPr>
-        <p:cNvPr id="1" name=""/>
-        <p:cNvGrpSpPr/>
-        <p:nvPr/>
-      </p:nvGrpSpPr>
-      <p:grpSpPr>
-        <a:xfrm>
-          <a:off x="0" y="0"/>
-          <a:ext cx="0" cy="0"/>
-          <a:chOff x="0" y="0"/>
-          <a:chExt cx="0" cy="0"/>
-        </a:xfrm>
-      </p:grpSpPr>
-      <p:sp>
-        <p:nvSpPr>
-          <p:cNvPr id="2" name="Title 1">
-            <a:extLst>
-              <a:ext uri="{FF2B5EF4-FFF2-40B4-BE49-F238E27FC236}">
                 <a16:creationId xmlns:a16="http://schemas.microsoft.com/office/drawing/2014/main" id="{5272E10E-525F-42F7-F943-C6C1FF1B7CC1}"/>
               </a:ext>
             </a:extLst>
@@ -11926,7 +9227,7 @@
 </p:sld>
 </file>
 
-<file path=ppt/slides/slide24.xml><?xml version="1.0" encoding="utf-8"?>
+<file path=ppt/slides/slide21.xml><?xml version="1.0" encoding="utf-8"?>
 <p:sld xmlns:a="http://schemas.openxmlformats.org/drawingml/2006/main" xmlns:r="http://schemas.openxmlformats.org/officeDocument/2006/relationships" xmlns:p="http://schemas.openxmlformats.org/presentationml/2006/main">
   <p:cSld>
     <p:spTree>
@@ -12001,7 +9302,7 @@
         </p:spPr>
         <p:txBody>
           <a:bodyPr>
-            <a:normAutofit/>
+            <a:normAutofit lnSpcReduction="10000"/>
           </a:bodyPr>
           <a:lstStyle/>
           <a:p>
@@ -12011,13 +9312,19 @@
             </a:pPr>
             <a:r>
               <a:rPr lang="en-US" dirty="0"/>
-              <a:t>(Download the ERA5 1 degree data set from XXX)</a:t>
-            </a:r>
-            <a:endParaRPr lang="en-US" dirty="0">
-              <a:solidFill>
-                <a:srgbClr val="00959F"/>
-              </a:solidFill>
-            </a:endParaRPr>
+              <a:t>Use some of the data sets in the </a:t>
+            </a:r>
+            <a:r>
+              <a:rPr lang="en-US" dirty="0">
+                <a:latin typeface="Courier New" panose="02070309020205020404" pitchFamily="49" charset="0"/>
+                <a:cs typeface="Courier New" panose="02070309020205020404" pitchFamily="49" charset="0"/>
+              </a:rPr>
+              <a:t>data</a:t>
+            </a:r>
+            <a:r>
+              <a:rPr lang="en-US" dirty="0"/>
+              <a:t> directory (or download your own)</a:t>
+            </a:r>
           </a:p>
           <a:p>
             <a:pPr marL="514350" indent="-514350">
@@ -12026,7 +9333,15 @@
             </a:pPr>
             <a:r>
               <a:rPr lang="en-US" dirty="0"/>
-              <a:t>Get an LLM to help you write a transformer model to predict multiple variables *at a single site*</a:t>
+              <a:t>Get an LLM to help you write </a:t>
+            </a:r>
+            <a:r>
+              <a:rPr lang="en-US" dirty="0" err="1"/>
+              <a:t>PyTorch</a:t>
+            </a:r>
+            <a:r>
+              <a:rPr lang="en-US" dirty="0"/>
+              <a:t> code for a transformer model which predicts multiple variables *at a single site*</a:t>
             </a:r>
           </a:p>
           <a:p>
@@ -13050,31 +10365,61 @@
         <p:spPr/>
         <p:txBody>
           <a:bodyPr>
-            <a:normAutofit/>
+            <a:normAutofit fontScale="92500" lnSpcReduction="10000"/>
           </a:bodyPr>
           <a:lstStyle/>
           <a:p>
             <a:r>
               <a:rPr lang="en-US" dirty="0"/>
-              <a:t>Each input position projects to a query (Q), key (K) and value (V).</a:t>
+              <a:t>We have a bunch of neural networks, created via queries (Q), keys (K) and values (V).</a:t>
             </a:r>
           </a:p>
           <a:p>
             <a:r>
               <a:rPr lang="en-US" dirty="0"/>
-              <a:t>Attention weights are computed by matching queries with keys.</a:t>
-            </a:r>
-          </a:p>
-          <a:p>
+              <a:t>We use these to </a:t>
+            </a:r>
+            <a:r>
+              <a:rPr lang="en-US" b="1" dirty="0"/>
+              <a:t>embed</a:t>
+            </a:r>
             <a:r>
               <a:rPr lang="en-US" dirty="0"/>
-              <a:t>The output for each position is a weighted sum of the values.</a:t>
+              <a:t> the original input values of our sequence into a latent space which captures the meaning and relationships between the values.</a:t>
             </a:r>
           </a:p>
           <a:p>
             <a:r>
               <a:rPr lang="en-US" dirty="0"/>
-              <a:t>Self‑attention allows a position to attend to all other positions in the same sequence.</a:t>
+              <a:t>From them we create </a:t>
+            </a:r>
+            <a:r>
+              <a:rPr lang="en-US" b="1" dirty="0"/>
+              <a:t>attention weights </a:t>
+            </a:r>
+            <a:r>
+              <a:rPr lang="en-US" dirty="0"/>
+              <a:t>that tell us how much influence the input sequence has on itself.</a:t>
+            </a:r>
+          </a:p>
+          <a:p>
+            <a:r>
+              <a:rPr lang="en-US" dirty="0"/>
+              <a:t>We can do this also for the output sequence, and for the link between the inputs and the output sequence. </a:t>
+            </a:r>
+          </a:p>
+          <a:p>
+            <a:r>
+              <a:rPr lang="en-US" dirty="0"/>
+              <a:t>We use </a:t>
+            </a:r>
+            <a:r>
+              <a:rPr lang="en-US" b="1" dirty="0"/>
+              <a:t>positional encoding </a:t>
+            </a:r>
+            <a:r>
+              <a:rPr lang="en-US" dirty="0"/>
+              <a:t>to make sure the order of the sequence matters</a:t>
             </a:r>
           </a:p>
         </p:txBody>
@@ -13137,8 +10482,8 @@
           </a:p>
         </p:txBody>
       </p:sp>
-      <mc:AlternateContent xmlns:mc="http://schemas.openxmlformats.org/markup-compatibility/2006" xmlns:a14="http://schemas.microsoft.com/office/drawing/2010/main">
-        <mc:Choice Requires="a14">
+      <mc:AlternateContent xmlns:mc="http://schemas.openxmlformats.org/markup-compatibility/2006">
+        <mc:Choice xmlns:a14="http://schemas.microsoft.com/office/drawing/2010/main" Requires="a14">
           <p:sp>
             <p:nvSpPr>
               <p:cNvPr id="3" name="Content Placeholder 2">
@@ -13272,12 +10617,6 @@
                             </a:rPr>
                             <m:t>𝑑</m:t>
                           </m:r>
-                          <m:r>
-                            <a:rPr lang="en-US" i="1" dirty="0">
-                              <a:latin typeface="Cambria Math" panose="02040503050406030204" pitchFamily="18" charset="0"/>
-                            </a:rPr>
-                            <m:t>ₖ</m:t>
-                          </m:r>
                         </m:e>
                       </m:rad>
                       <m:r>
@@ -13295,7 +10634,7 @@
                     </m:oMath>
                   </m:oMathPara>
                 </a14:m>
-                <a:endParaRPr/>
+                <a:endParaRPr dirty="0"/>
               </a:p>
               <a:p>
                 <a:endParaRPr lang="en-US" dirty="0"/>
@@ -13309,7 +10648,34 @@
               <a:p>
                 <a:r>
                   <a:rPr lang="en-US" dirty="0"/>
-                  <a:t>Divide by the square root of the key dimension (√dₖ) to </a:t>
+                  <a:t>Divide by the square root of the latent dimension (</a:t>
+                </a:r>
+                <a14:m>
+                  <m:oMath xmlns:m="http://schemas.openxmlformats.org/officeDocument/2006/math">
+                    <m:rad>
+                      <m:radPr>
+                        <m:degHide m:val="on"/>
+                        <m:ctrlPr>
+                          <a:rPr lang="en-US" i="1" dirty="0">
+                            <a:latin typeface="Cambria Math" panose="02040503050406030204" pitchFamily="18" charset="0"/>
+                          </a:rPr>
+                        </m:ctrlPr>
+                      </m:radPr>
+                      <m:deg/>
+                      <m:e>
+                        <m:r>
+                          <a:rPr lang="en-US" i="1" dirty="0">
+                            <a:latin typeface="Cambria Math" panose="02040503050406030204" pitchFamily="18" charset="0"/>
+                          </a:rPr>
+                          <m:t>𝑑</m:t>
+                        </m:r>
+                      </m:e>
+                    </m:rad>
+                  </m:oMath>
+                </a14:m>
+                <a:r>
+                  <a:rPr lang="en-US" dirty="0"/>
+                  <a:t>) to </a:t>
                 </a:r>
                 <a:r>
                   <a:rPr lang="en-US" dirty="0" err="1"/>
@@ -13343,7 +10709,7 @@
             </p:txBody>
           </p:sp>
         </mc:Choice>
-        <mc:Fallback xmlns="">
+        <mc:Fallback>
           <p:sp>
             <p:nvSpPr>
               <p:cNvPr id="3" name="Content Placeholder 2">
@@ -13364,7 +10730,7 @@
               <a:blipFill>
                 <a:blip r:embed="rId2"/>
                 <a:stretch>
-                  <a:fillRect l="-1368" t="-610" r="-1976"/>
+                  <a:fillRect l="-1368" r="-1368"/>
                 </a:stretch>
               </a:blipFill>
             </p:spPr>
@@ -13418,7 +10784,7 @@
           <p:cNvPr id="2" name="Title 1">
             <a:extLst>
               <a:ext uri="{FF2B5EF4-FFF2-40B4-BE49-F238E27FC236}">
-                <a16:creationId xmlns:a16="http://schemas.microsoft.com/office/drawing/2014/main" id="{C4D3F3A6-C3A5-2D14-DD3E-C79FBECE360E}"/>
+                <a16:creationId xmlns:a16="http://schemas.microsoft.com/office/drawing/2014/main" id="{42CC2328-D2E5-A4A9-1782-DF2C8891D57D}"/>
               </a:ext>
             </a:extLst>
           </p:cNvPr>
@@ -13436,864 +10802,229 @@
           <a:p>
             <a:r>
               <a:rPr lang="en-US" dirty="0"/>
-              <a:t>Numerical example</a:t>
+              <a:t>Steps</a:t>
             </a:r>
           </a:p>
         </p:txBody>
       </p:sp>
-      <p:sp>
-        <p:nvSpPr>
-          <p:cNvPr id="3" name="Content Placeholder 2">
-            <a:extLst>
-              <a:ext uri="{FF2B5EF4-FFF2-40B4-BE49-F238E27FC236}">
-                <a16:creationId xmlns:a16="http://schemas.microsoft.com/office/drawing/2014/main" id="{A2AE49EC-9704-7641-0E1A-EE58D182A9B3}"/>
-              </a:ext>
-            </a:extLst>
-          </p:cNvPr>
-          <p:cNvSpPr>
-            <a:spLocks noGrp="1"/>
-          </p:cNvSpPr>
-          <p:nvPr>
-            <p:ph idx="1"/>
-          </p:nvPr>
-        </p:nvSpPr>
-        <p:spPr/>
-        <p:txBody>
-          <a:bodyPr/>
-          <a:lstStyle/>
-          <a:p>
-            <a:r>
-              <a:rPr lang="en-US" dirty="0"/>
-              <a:t>We select two tokens with simple 2‑D vectors.</a:t>
-            </a:r>
-          </a:p>
-          <a:p>
-            <a:r>
-              <a:rPr lang="en-US" dirty="0"/>
-              <a:t>Token 1 mostly attends to key 1, token 2 mostly attends to key 2.</a:t>
-            </a:r>
-          </a:p>
-        </p:txBody>
-      </p:sp>
-      <p:graphicFrame>
-        <p:nvGraphicFramePr>
-          <p:cNvPr id="4" name="Table 0">
-            <a:extLst>
-              <a:ext uri="{FF2B5EF4-FFF2-40B4-BE49-F238E27FC236}">
-                <a16:creationId xmlns:a16="http://schemas.microsoft.com/office/drawing/2014/main" id="{0C5F146F-7F2C-2EB3-13A5-6FF3878B589C}"/>
-              </a:ext>
-            </a:extLst>
-          </p:cNvPr>
-          <p:cNvGraphicFramePr>
-            <a:graphicFrameLocks noGrp="1"/>
-          </p:cNvGraphicFramePr>
-          <p:nvPr>
-            <p:extLst>
-              <p:ext uri="{D42A27DB-BD31-4B8C-83A1-F6EECF244321}">
-                <p14:modId xmlns:p14="http://schemas.microsoft.com/office/powerpoint/2010/main" val="4174093643"/>
-              </p:ext>
-            </p:extLst>
-          </p:nvPr>
-        </p:nvGraphicFramePr>
-        <p:xfrm>
-          <a:off x="1767348" y="3529289"/>
-          <a:ext cx="6705600" cy="1828800"/>
-        </p:xfrm>
-        <a:graphic>
-          <a:graphicData uri="http://schemas.openxmlformats.org/drawingml/2006/table">
-            <a:tbl>
-              <a:tblPr/>
-              <a:tblGrid>
-                <a:gridCol w="1676400">
-                  <a:extLst>
-                    <a:ext uri="{9D8B030D-6E8A-4147-A177-3AD203B41FA5}">
-                      <a16:colId xmlns:a16="http://schemas.microsoft.com/office/drawing/2014/main" val="20000"/>
-                    </a:ext>
-                  </a:extLst>
-                </a:gridCol>
-                <a:gridCol w="1676400">
-                  <a:extLst>
-                    <a:ext uri="{9D8B030D-6E8A-4147-A177-3AD203B41FA5}">
-                      <a16:colId xmlns:a16="http://schemas.microsoft.com/office/drawing/2014/main" val="20001"/>
-                    </a:ext>
-                  </a:extLst>
-                </a:gridCol>
-                <a:gridCol w="1676400">
-                  <a:extLst>
-                    <a:ext uri="{9D8B030D-6E8A-4147-A177-3AD203B41FA5}">
-                      <a16:colId xmlns:a16="http://schemas.microsoft.com/office/drawing/2014/main" val="20002"/>
-                    </a:ext>
-                  </a:extLst>
-                </a:gridCol>
-                <a:gridCol w="1676400">
-                  <a:extLst>
-                    <a:ext uri="{9D8B030D-6E8A-4147-A177-3AD203B41FA5}">
-                      <a16:colId xmlns:a16="http://schemas.microsoft.com/office/drawing/2014/main" val="20003"/>
-                    </a:ext>
-                  </a:extLst>
-                </a:gridCol>
-              </a:tblGrid>
-              <a:tr h="609600">
-                <a:tc>
-                  <a:txBody>
-                    <a:bodyPr/>
-                    <a:lstStyle/>
-                    <a:p>
-                      <a:pPr marL="0" indent="0">
-                        <a:buNone/>
-                      </a:pPr>
-                      <a:r>
-                        <a:rPr lang="en-US" sz="1100" b="1" dirty="0">
-                          <a:solidFill>
-                            <a:srgbClr val="030A18"/>
-                          </a:solidFill>
-                        </a:rPr>
-                        <a:t>Token</a:t>
-                      </a:r>
-                      <a:endParaRPr lang="en-US" sz="1100" dirty="0"/>
-                    </a:p>
-                  </a:txBody>
-                  <a:tcPr marL="121920" marR="121920" marT="60960" marB="60960" anchor="ctr">
-                    <a:lnL w="3810" cap="flat" cmpd="sng" algn="ctr">
-                      <a:solidFill>
-                        <a:srgbClr val="DDDDDD"/>
-                      </a:solidFill>
-                      <a:prstDash val="solid"/>
-                      <a:round/>
-                      <a:headEnd type="none" w="med" len="med"/>
-                      <a:tailEnd type="none" w="med" len="med"/>
-                    </a:lnL>
-                    <a:lnR w="3810" cap="flat" cmpd="sng" algn="ctr">
-                      <a:solidFill>
-                        <a:srgbClr val="DDDDDD"/>
-                      </a:solidFill>
-                      <a:prstDash val="solid"/>
-                      <a:round/>
-                      <a:headEnd type="none" w="med" len="med"/>
-                      <a:tailEnd type="none" w="med" len="med"/>
-                    </a:lnR>
-                    <a:lnT w="3810" cap="flat" cmpd="sng" algn="ctr">
-                      <a:solidFill>
-                        <a:srgbClr val="DDDDDD"/>
-                      </a:solidFill>
-                      <a:prstDash val="solid"/>
-                      <a:round/>
-                      <a:headEnd type="none" w="med" len="med"/>
-                      <a:tailEnd type="none" w="med" len="med"/>
-                    </a:lnT>
-                    <a:lnB w="3810" cap="flat" cmpd="sng" algn="ctr">
-                      <a:solidFill>
-                        <a:srgbClr val="DDDDDD"/>
-                      </a:solidFill>
-                      <a:prstDash val="solid"/>
-                      <a:round/>
-                      <a:headEnd type="none" w="med" len="med"/>
-                      <a:tailEnd type="none" w="med" len="med"/>
-                    </a:lnB>
-                    <a:solidFill>
-                      <a:srgbClr val="F5F5F5"/>
-                    </a:solidFill>
-                  </a:tcPr>
-                </a:tc>
-                <a:tc>
-                  <a:txBody>
-                    <a:bodyPr/>
-                    <a:lstStyle/>
-                    <a:p>
-                      <a:pPr marL="0" indent="0">
-                        <a:buNone/>
-                      </a:pPr>
-                      <a:r>
-                        <a:rPr lang="en-US" sz="1100" b="1" dirty="0">
-                          <a:solidFill>
-                            <a:srgbClr val="030A18"/>
-                          </a:solidFill>
-                        </a:rPr>
-                        <a:t>Query (Q)</a:t>
-                      </a:r>
-                      <a:endParaRPr lang="en-US" sz="1100" dirty="0"/>
-                    </a:p>
-                  </a:txBody>
-                  <a:tcPr marL="121920" marR="121920" marT="60960" marB="60960" anchor="ctr">
-                    <a:lnL w="3810" cap="flat" cmpd="sng" algn="ctr">
-                      <a:solidFill>
-                        <a:srgbClr val="DDDDDD"/>
-                      </a:solidFill>
-                      <a:prstDash val="solid"/>
-                      <a:round/>
-                      <a:headEnd type="none" w="med" len="med"/>
-                      <a:tailEnd type="none" w="med" len="med"/>
-                    </a:lnL>
-                    <a:lnR w="3810" cap="flat" cmpd="sng" algn="ctr">
-                      <a:solidFill>
-                        <a:srgbClr val="DDDDDD"/>
-                      </a:solidFill>
-                      <a:prstDash val="solid"/>
-                      <a:round/>
-                      <a:headEnd type="none" w="med" len="med"/>
-                      <a:tailEnd type="none" w="med" len="med"/>
-                    </a:lnR>
-                    <a:lnT w="3810" cap="flat" cmpd="sng" algn="ctr">
-                      <a:solidFill>
-                        <a:srgbClr val="DDDDDD"/>
-                      </a:solidFill>
-                      <a:prstDash val="solid"/>
-                      <a:round/>
-                      <a:headEnd type="none" w="med" len="med"/>
-                      <a:tailEnd type="none" w="med" len="med"/>
-                    </a:lnT>
-                    <a:lnB w="3810" cap="flat" cmpd="sng" algn="ctr">
-                      <a:solidFill>
-                        <a:srgbClr val="DDDDDD"/>
-                      </a:solidFill>
-                      <a:prstDash val="solid"/>
-                      <a:round/>
-                      <a:headEnd type="none" w="med" len="med"/>
-                      <a:tailEnd type="none" w="med" len="med"/>
-                    </a:lnB>
-                    <a:solidFill>
-                      <a:srgbClr val="F5F5F5"/>
-                    </a:solidFill>
-                  </a:tcPr>
-                </a:tc>
-                <a:tc>
-                  <a:txBody>
-                    <a:bodyPr/>
-                    <a:lstStyle/>
-                    <a:p>
-                      <a:pPr marL="0" indent="0">
-                        <a:buNone/>
-                      </a:pPr>
-                      <a:r>
-                        <a:rPr lang="en-US" sz="1100" b="1" dirty="0">
-                          <a:solidFill>
-                            <a:srgbClr val="030A18"/>
-                          </a:solidFill>
-                        </a:rPr>
-                        <a:t>Key (K)</a:t>
-                      </a:r>
-                      <a:endParaRPr lang="en-US" sz="1100" dirty="0"/>
-                    </a:p>
-                  </a:txBody>
-                  <a:tcPr marL="121920" marR="121920" marT="60960" marB="60960" anchor="ctr">
-                    <a:lnL w="3810" cap="flat" cmpd="sng" algn="ctr">
-                      <a:solidFill>
-                        <a:srgbClr val="DDDDDD"/>
-                      </a:solidFill>
-                      <a:prstDash val="solid"/>
-                      <a:round/>
-                      <a:headEnd type="none" w="med" len="med"/>
-                      <a:tailEnd type="none" w="med" len="med"/>
-                    </a:lnL>
-                    <a:lnR w="3810" cap="flat" cmpd="sng" algn="ctr">
-                      <a:solidFill>
-                        <a:srgbClr val="DDDDDD"/>
-                      </a:solidFill>
-                      <a:prstDash val="solid"/>
-                      <a:round/>
-                      <a:headEnd type="none" w="med" len="med"/>
-                      <a:tailEnd type="none" w="med" len="med"/>
-                    </a:lnR>
-                    <a:lnT w="3810" cap="flat" cmpd="sng" algn="ctr">
-                      <a:solidFill>
-                        <a:srgbClr val="DDDDDD"/>
-                      </a:solidFill>
-                      <a:prstDash val="solid"/>
-                      <a:round/>
-                      <a:headEnd type="none" w="med" len="med"/>
-                      <a:tailEnd type="none" w="med" len="med"/>
-                    </a:lnT>
-                    <a:lnB w="3810" cap="flat" cmpd="sng" algn="ctr">
-                      <a:solidFill>
-                        <a:srgbClr val="DDDDDD"/>
-                      </a:solidFill>
-                      <a:prstDash val="solid"/>
-                      <a:round/>
-                      <a:headEnd type="none" w="med" len="med"/>
-                      <a:tailEnd type="none" w="med" len="med"/>
-                    </a:lnB>
-                    <a:solidFill>
-                      <a:srgbClr val="F5F5F5"/>
-                    </a:solidFill>
-                  </a:tcPr>
-                </a:tc>
-                <a:tc>
-                  <a:txBody>
-                    <a:bodyPr/>
-                    <a:lstStyle/>
-                    <a:p>
-                      <a:pPr marL="0" indent="0">
-                        <a:buNone/>
-                      </a:pPr>
-                      <a:r>
-                        <a:rPr lang="en-US" sz="1100" b="1" dirty="0">
-                          <a:solidFill>
-                            <a:srgbClr val="030A18"/>
-                          </a:solidFill>
-                        </a:rPr>
-                        <a:t>Value (V)</a:t>
-                      </a:r>
-                      <a:endParaRPr lang="en-US" sz="1100" dirty="0"/>
-                    </a:p>
-                  </a:txBody>
-                  <a:tcPr marL="121920" marR="121920" marT="60960" marB="60960" anchor="ctr">
-                    <a:lnL w="3810" cap="flat" cmpd="sng" algn="ctr">
-                      <a:solidFill>
-                        <a:srgbClr val="DDDDDD"/>
-                      </a:solidFill>
-                      <a:prstDash val="solid"/>
-                      <a:round/>
-                      <a:headEnd type="none" w="med" len="med"/>
-                      <a:tailEnd type="none" w="med" len="med"/>
-                    </a:lnL>
-                    <a:lnR w="3810" cap="flat" cmpd="sng" algn="ctr">
-                      <a:solidFill>
-                        <a:srgbClr val="DDDDDD"/>
-                      </a:solidFill>
-                      <a:prstDash val="solid"/>
-                      <a:round/>
-                      <a:headEnd type="none" w="med" len="med"/>
-                      <a:tailEnd type="none" w="med" len="med"/>
-                    </a:lnR>
-                    <a:lnT w="3810" cap="flat" cmpd="sng" algn="ctr">
-                      <a:solidFill>
-                        <a:srgbClr val="DDDDDD"/>
-                      </a:solidFill>
-                      <a:prstDash val="solid"/>
-                      <a:round/>
-                      <a:headEnd type="none" w="med" len="med"/>
-                      <a:tailEnd type="none" w="med" len="med"/>
-                    </a:lnT>
-                    <a:lnB w="3810" cap="flat" cmpd="sng" algn="ctr">
-                      <a:solidFill>
-                        <a:srgbClr val="DDDDDD"/>
-                      </a:solidFill>
-                      <a:prstDash val="solid"/>
-                      <a:round/>
-                      <a:headEnd type="none" w="med" len="med"/>
-                      <a:tailEnd type="none" w="med" len="med"/>
-                    </a:lnB>
-                    <a:solidFill>
-                      <a:srgbClr val="F5F5F5"/>
-                    </a:solidFill>
-                  </a:tcPr>
-                </a:tc>
+      <mc:AlternateContent xmlns:mc="http://schemas.openxmlformats.org/markup-compatibility/2006">
+        <mc:Choice xmlns:a14="http://schemas.microsoft.com/office/drawing/2010/main" Requires="a14">
+          <p:sp>
+            <p:nvSpPr>
+              <p:cNvPr id="3" name="Content Placeholder 2">
                 <a:extLst>
-                  <a:ext uri="{0D108BD9-81ED-4DB2-BD59-A6C34878D82A}">
-                    <a16:rowId xmlns:a16="http://schemas.microsoft.com/office/drawing/2014/main" val="10000"/>
+                  <a:ext uri="{FF2B5EF4-FFF2-40B4-BE49-F238E27FC236}">
+                    <a16:creationId xmlns:a16="http://schemas.microsoft.com/office/drawing/2014/main" id="{78A6867B-894A-3347-3FBF-C8C7487DF44E}"/>
                   </a:ext>
                 </a:extLst>
-              </a:tr>
-              <a:tr h="609600">
-                <a:tc>
-                  <a:txBody>
-                    <a:bodyPr/>
-                    <a:lstStyle/>
-                    <a:p>
-                      <a:pPr marL="0" indent="0">
-                        <a:buNone/>
-                      </a:pPr>
-                      <a:r>
-                        <a:rPr lang="en-US" sz="1100" dirty="0">
-                          <a:solidFill>
-                            <a:srgbClr val="030A18"/>
-                          </a:solidFill>
-                        </a:rPr>
-                        <a:t>t1</a:t>
-                      </a:r>
-                      <a:endParaRPr lang="en-US" sz="1100" dirty="0"/>
-                    </a:p>
-                  </a:txBody>
-                  <a:tcPr marL="121920" marR="121920" marT="60960" marB="60960" anchor="ctr">
-                    <a:lnL w="3810" cap="flat" cmpd="sng" algn="ctr">
-                      <a:solidFill>
-                        <a:srgbClr val="DDDDDD"/>
-                      </a:solidFill>
-                      <a:prstDash val="solid"/>
-                      <a:round/>
-                      <a:headEnd type="none" w="med" len="med"/>
-                      <a:tailEnd type="none" w="med" len="med"/>
-                    </a:lnL>
-                    <a:lnR w="3810" cap="flat" cmpd="sng" algn="ctr">
-                      <a:solidFill>
-                        <a:srgbClr val="DDDDDD"/>
-                      </a:solidFill>
-                      <a:prstDash val="solid"/>
-                      <a:round/>
-                      <a:headEnd type="none" w="med" len="med"/>
-                      <a:tailEnd type="none" w="med" len="med"/>
-                    </a:lnR>
-                    <a:lnT w="3810" cap="flat" cmpd="sng" algn="ctr">
-                      <a:solidFill>
-                        <a:srgbClr val="DDDDDD"/>
-                      </a:solidFill>
-                      <a:prstDash val="solid"/>
-                      <a:round/>
-                      <a:headEnd type="none" w="med" len="med"/>
-                      <a:tailEnd type="none" w="med" len="med"/>
-                    </a:lnT>
-                    <a:lnB w="3810" cap="flat" cmpd="sng" algn="ctr">
-                      <a:solidFill>
-                        <a:srgbClr val="DDDDDD"/>
-                      </a:solidFill>
-                      <a:prstDash val="solid"/>
-                      <a:round/>
-                      <a:headEnd type="none" w="med" len="med"/>
-                      <a:tailEnd type="none" w="med" len="med"/>
-                    </a:lnB>
-                    <a:solidFill>
-                      <a:srgbClr val="FFFFFF"/>
-                    </a:solidFill>
-                  </a:tcPr>
-                </a:tc>
-                <a:tc>
-                  <a:txBody>
-                    <a:bodyPr/>
-                    <a:lstStyle/>
-                    <a:p>
-                      <a:pPr marL="0" indent="0">
-                        <a:buNone/>
-                      </a:pPr>
-                      <a:r>
-                        <a:rPr lang="en-US" sz="1100" dirty="0">
-                          <a:solidFill>
-                            <a:srgbClr val="030A18"/>
-                          </a:solidFill>
-                        </a:rPr>
-                        <a:t>[1.00, 0.50]</a:t>
-                      </a:r>
-                      <a:endParaRPr lang="en-US" sz="1100" dirty="0"/>
-                    </a:p>
-                  </a:txBody>
-                  <a:tcPr marL="121920" marR="121920" marT="60960" marB="60960" anchor="ctr">
-                    <a:lnL w="3810" cap="flat" cmpd="sng" algn="ctr">
-                      <a:solidFill>
-                        <a:srgbClr val="DDDDDD"/>
-                      </a:solidFill>
-                      <a:prstDash val="solid"/>
-                      <a:round/>
-                      <a:headEnd type="none" w="med" len="med"/>
-                      <a:tailEnd type="none" w="med" len="med"/>
-                    </a:lnL>
-                    <a:lnR w="3810" cap="flat" cmpd="sng" algn="ctr">
-                      <a:solidFill>
-                        <a:srgbClr val="DDDDDD"/>
-                      </a:solidFill>
-                      <a:prstDash val="solid"/>
-                      <a:round/>
-                      <a:headEnd type="none" w="med" len="med"/>
-                      <a:tailEnd type="none" w="med" len="med"/>
-                    </a:lnR>
-                    <a:lnT w="3810" cap="flat" cmpd="sng" algn="ctr">
-                      <a:solidFill>
-                        <a:srgbClr val="DDDDDD"/>
-                      </a:solidFill>
-                      <a:prstDash val="solid"/>
-                      <a:round/>
-                      <a:headEnd type="none" w="med" len="med"/>
-                      <a:tailEnd type="none" w="med" len="med"/>
-                    </a:lnT>
-                    <a:lnB w="3810" cap="flat" cmpd="sng" algn="ctr">
-                      <a:solidFill>
-                        <a:srgbClr val="DDDDDD"/>
-                      </a:solidFill>
-                      <a:prstDash val="solid"/>
-                      <a:round/>
-                      <a:headEnd type="none" w="med" len="med"/>
-                      <a:tailEnd type="none" w="med" len="med"/>
-                    </a:lnB>
-                    <a:solidFill>
-                      <a:srgbClr val="FFFFFF"/>
-                    </a:solidFill>
-                  </a:tcPr>
-                </a:tc>
-                <a:tc>
-                  <a:txBody>
-                    <a:bodyPr/>
-                    <a:lstStyle/>
-                    <a:p>
-                      <a:pPr marL="0" indent="0">
-                        <a:buNone/>
-                      </a:pPr>
-                      <a:r>
-                        <a:rPr lang="en-US" sz="1100" dirty="0">
-                          <a:solidFill>
-                            <a:srgbClr val="030A18"/>
-                          </a:solidFill>
-                        </a:rPr>
-                        <a:t>[1.00, 0.00]</a:t>
-                      </a:r>
-                      <a:endParaRPr lang="en-US" sz="1100" dirty="0"/>
-                    </a:p>
-                  </a:txBody>
-                  <a:tcPr marL="121920" marR="121920" marT="60960" marB="60960" anchor="ctr">
-                    <a:lnL w="3810" cap="flat" cmpd="sng" algn="ctr">
-                      <a:solidFill>
-                        <a:srgbClr val="DDDDDD"/>
-                      </a:solidFill>
-                      <a:prstDash val="solid"/>
-                      <a:round/>
-                      <a:headEnd type="none" w="med" len="med"/>
-                      <a:tailEnd type="none" w="med" len="med"/>
-                    </a:lnL>
-                    <a:lnR w="3810" cap="flat" cmpd="sng" algn="ctr">
-                      <a:solidFill>
-                        <a:srgbClr val="DDDDDD"/>
-                      </a:solidFill>
-                      <a:prstDash val="solid"/>
-                      <a:round/>
-                      <a:headEnd type="none" w="med" len="med"/>
-                      <a:tailEnd type="none" w="med" len="med"/>
-                    </a:lnR>
-                    <a:lnT w="3810" cap="flat" cmpd="sng" algn="ctr">
-                      <a:solidFill>
-                        <a:srgbClr val="DDDDDD"/>
-                      </a:solidFill>
-                      <a:prstDash val="solid"/>
-                      <a:round/>
-                      <a:headEnd type="none" w="med" len="med"/>
-                      <a:tailEnd type="none" w="med" len="med"/>
-                    </a:lnT>
-                    <a:lnB w="3810" cap="flat" cmpd="sng" algn="ctr">
-                      <a:solidFill>
-                        <a:srgbClr val="DDDDDD"/>
-                      </a:solidFill>
-                      <a:prstDash val="solid"/>
-                      <a:round/>
-                      <a:headEnd type="none" w="med" len="med"/>
-                      <a:tailEnd type="none" w="med" len="med"/>
-                    </a:lnB>
-                    <a:solidFill>
-                      <a:srgbClr val="FFFFFF"/>
-                    </a:solidFill>
-                  </a:tcPr>
-                </a:tc>
-                <a:tc>
-                  <a:txBody>
-                    <a:bodyPr/>
-                    <a:lstStyle/>
-                    <a:p>
-                      <a:pPr marL="0" indent="0">
-                        <a:buNone/>
-                      </a:pPr>
-                      <a:r>
-                        <a:rPr lang="en-US" sz="1100" dirty="0">
-                          <a:solidFill>
-                            <a:srgbClr val="030A18"/>
-                          </a:solidFill>
-                        </a:rPr>
-                        <a:t>[0.80, 0.20]</a:t>
-                      </a:r>
-                      <a:endParaRPr lang="en-US" sz="1100" dirty="0"/>
-                    </a:p>
-                  </a:txBody>
-                  <a:tcPr marL="121920" marR="121920" marT="60960" marB="60960" anchor="ctr">
-                    <a:lnL w="3810" cap="flat" cmpd="sng" algn="ctr">
-                      <a:solidFill>
-                        <a:srgbClr val="DDDDDD"/>
-                      </a:solidFill>
-                      <a:prstDash val="solid"/>
-                      <a:round/>
-                      <a:headEnd type="none" w="med" len="med"/>
-                      <a:tailEnd type="none" w="med" len="med"/>
-                    </a:lnL>
-                    <a:lnR w="3810" cap="flat" cmpd="sng" algn="ctr">
-                      <a:solidFill>
-                        <a:srgbClr val="DDDDDD"/>
-                      </a:solidFill>
-                      <a:prstDash val="solid"/>
-                      <a:round/>
-                      <a:headEnd type="none" w="med" len="med"/>
-                      <a:tailEnd type="none" w="med" len="med"/>
-                    </a:lnR>
-                    <a:lnT w="3810" cap="flat" cmpd="sng" algn="ctr">
-                      <a:solidFill>
-                        <a:srgbClr val="DDDDDD"/>
-                      </a:solidFill>
-                      <a:prstDash val="solid"/>
-                      <a:round/>
-                      <a:headEnd type="none" w="med" len="med"/>
-                      <a:tailEnd type="none" w="med" len="med"/>
-                    </a:lnT>
-                    <a:lnB w="3810" cap="flat" cmpd="sng" algn="ctr">
-                      <a:solidFill>
-                        <a:srgbClr val="DDDDDD"/>
-                      </a:solidFill>
-                      <a:prstDash val="solid"/>
-                      <a:round/>
-                      <a:headEnd type="none" w="med" len="med"/>
-                      <a:tailEnd type="none" w="med" len="med"/>
-                    </a:lnB>
-                    <a:solidFill>
-                      <a:srgbClr val="FFFFFF"/>
-                    </a:solidFill>
-                  </a:tcPr>
-                </a:tc>
+              </p:cNvPr>
+              <p:cNvSpPr>
+                <a:spLocks noGrp="1"/>
+              </p:cNvSpPr>
+              <p:nvPr>
+                <p:ph idx="1"/>
+              </p:nvPr>
+            </p:nvSpPr>
+            <p:spPr/>
+            <p:txBody>
+              <a:bodyPr/>
+              <a:lstStyle/>
+              <a:p>
+                <a:pPr marL="514350" indent="-514350">
+                  <a:buFont typeface="+mj-lt"/>
+                  <a:buAutoNum type="arabicPeriod"/>
+                </a:pPr>
+                <a:r>
+                  <a:rPr lang="en-US" dirty="0"/>
+                  <a:t>Create Query values </a:t>
+                </a:r>
+                <a14:m>
+                  <m:oMath xmlns:m="http://schemas.openxmlformats.org/officeDocument/2006/math">
+                    <m:r>
+                      <a:rPr lang="en-US" i="1" dirty="0" smtClean="0">
+                        <a:latin typeface="Cambria Math" panose="02040503050406030204" pitchFamily="18" charset="0"/>
+                      </a:rPr>
+                      <m:t>𝑄</m:t>
+                    </m:r>
+                  </m:oMath>
+                </a14:m>
+                <a:endParaRPr lang="en-US" dirty="0"/>
+              </a:p>
+              <a:p>
+                <a:pPr marL="514350" indent="-514350">
+                  <a:buFont typeface="+mj-lt"/>
+                  <a:buAutoNum type="arabicPeriod"/>
+                </a:pPr>
+                <a:r>
+                  <a:rPr lang="en-US" dirty="0"/>
+                  <a:t>Create Keys </a:t>
+                </a:r>
+                <a14:m>
+                  <m:oMath xmlns:m="http://schemas.openxmlformats.org/officeDocument/2006/math">
+                    <m:r>
+                      <a:rPr lang="en-US" i="1" dirty="0" smtClean="0">
+                        <a:latin typeface="Cambria Math" panose="02040503050406030204" pitchFamily="18" charset="0"/>
+                      </a:rPr>
+                      <m:t>𝐾</m:t>
+                    </m:r>
+                  </m:oMath>
+                </a14:m>
+                <a:endParaRPr lang="en-US" dirty="0"/>
+              </a:p>
+              <a:p>
+                <a:pPr marL="514350" indent="-514350">
+                  <a:buFont typeface="+mj-lt"/>
+                  <a:buAutoNum type="arabicPeriod"/>
+                </a:pPr>
+                <a:r>
+                  <a:rPr lang="en-US" dirty="0"/>
+                  <a:t>Compute dot products and scale them</a:t>
+                </a:r>
+              </a:p>
+              <a:p>
+                <a:pPr marL="514350" indent="-514350">
+                  <a:buFont typeface="+mj-lt"/>
+                  <a:buAutoNum type="arabicPeriod"/>
+                </a:pPr>
+                <a:r>
+                  <a:rPr lang="en-US" dirty="0"/>
+                  <a:t>Use </a:t>
+                </a:r>
+                <a:r>
+                  <a:rPr lang="en-US" dirty="0" err="1"/>
+                  <a:t>softmax</a:t>
+                </a:r>
+                <a:r>
+                  <a:rPr lang="en-US" dirty="0"/>
+                  <a:t> to determine attention weights </a:t>
+                </a:r>
+                <a14:m>
+                  <m:oMath xmlns:m="http://schemas.openxmlformats.org/officeDocument/2006/math">
+                    <m:r>
+                      <a:rPr lang="en-US" i="1" dirty="0" smtClean="0">
+                        <a:latin typeface="Cambria Math" panose="02040503050406030204" pitchFamily="18" charset="0"/>
+                      </a:rPr>
+                      <m:t>𝐴</m:t>
+                    </m:r>
+                  </m:oMath>
+                </a14:m>
+                <a:endParaRPr lang="en-US" dirty="0"/>
+              </a:p>
+              <a:p>
+                <a:pPr marL="514350" indent="-514350">
+                  <a:buFont typeface="+mj-lt"/>
+                  <a:buAutoNum type="arabicPeriod"/>
+                </a:pPr>
+                <a:r>
+                  <a:rPr lang="en-US" dirty="0"/>
+                  <a:t>Create Values </a:t>
+                </a:r>
+                <a14:m>
+                  <m:oMath xmlns:m="http://schemas.openxmlformats.org/officeDocument/2006/math">
+                    <m:r>
+                      <a:rPr lang="en-US" i="1" dirty="0" smtClean="0">
+                        <a:latin typeface="Cambria Math" panose="02040503050406030204" pitchFamily="18" charset="0"/>
+                      </a:rPr>
+                      <m:t>𝑉</m:t>
+                    </m:r>
+                  </m:oMath>
+                </a14:m>
+                <a:endParaRPr lang="en-US" dirty="0"/>
+              </a:p>
+              <a:p>
+                <a:pPr marL="514350" indent="-514350">
+                  <a:buFont typeface="+mj-lt"/>
+                  <a:buAutoNum type="arabicPeriod"/>
+                </a:pPr>
+                <a:r>
+                  <a:rPr lang="en-US" dirty="0"/>
+                  <a:t>Create Outputs </a:t>
+                </a:r>
+                <a14:m>
+                  <m:oMath xmlns:m="http://schemas.openxmlformats.org/officeDocument/2006/math">
+                    <m:r>
+                      <a:rPr lang="en-US" i="1" dirty="0" smtClean="0">
+                        <a:latin typeface="Cambria Math" panose="02040503050406030204" pitchFamily="18" charset="0"/>
+                      </a:rPr>
+                      <m:t>𝑂</m:t>
+                    </m:r>
+                  </m:oMath>
+                </a14:m>
+                <a:r>
+                  <a:rPr lang="en-US" dirty="0"/>
+                  <a:t> by multiplying A and </a:t>
+                </a:r>
+                <a14:m>
+                  <m:oMath xmlns:m="http://schemas.openxmlformats.org/officeDocument/2006/math">
+                    <m:r>
+                      <a:rPr lang="en-US" i="1" dirty="0" smtClean="0">
+                        <a:latin typeface="Cambria Math" panose="02040503050406030204" pitchFamily="18" charset="0"/>
+                      </a:rPr>
+                      <m:t>𝑉</m:t>
+                    </m:r>
+                  </m:oMath>
+                </a14:m>
+                <a:r>
+                  <a:rPr lang="en-US" dirty="0"/>
+                  <a:t> together</a:t>
+                </a:r>
+              </a:p>
+              <a:p>
+                <a:r>
+                  <a:rPr lang="en-US" dirty="0"/>
+                  <a:t>Then decide how you want to fit that in with your current forecasting model</a:t>
+                </a:r>
+              </a:p>
+              <a:p>
+                <a:endParaRPr lang="en-US" dirty="0"/>
+              </a:p>
+            </p:txBody>
+          </p:sp>
+        </mc:Choice>
+        <mc:Fallback>
+          <p:sp>
+            <p:nvSpPr>
+              <p:cNvPr id="3" name="Content Placeholder 2">
                 <a:extLst>
-                  <a:ext uri="{0D108BD9-81ED-4DB2-BD59-A6C34878D82A}">
-                    <a16:rowId xmlns:a16="http://schemas.microsoft.com/office/drawing/2014/main" val="10001"/>
+                  <a:ext uri="{FF2B5EF4-FFF2-40B4-BE49-F238E27FC236}">
+                    <a16:creationId xmlns:a16="http://schemas.microsoft.com/office/drawing/2014/main" id="{78A6867B-894A-3347-3FBF-C8C7487DF44E}"/>
                   </a:ext>
                 </a:extLst>
-              </a:tr>
-              <a:tr h="609600">
-                <a:tc>
-                  <a:txBody>
-                    <a:bodyPr/>
-                    <a:lstStyle/>
-                    <a:p>
-                      <a:pPr marL="0" indent="0">
-                        <a:buNone/>
-                      </a:pPr>
-                      <a:r>
-                        <a:rPr lang="en-US" sz="1100" dirty="0">
-                          <a:solidFill>
-                            <a:srgbClr val="030A18"/>
-                          </a:solidFill>
-                        </a:rPr>
-                        <a:t>t2</a:t>
-                      </a:r>
-                      <a:endParaRPr lang="en-US" sz="1100" dirty="0"/>
-                    </a:p>
-                  </a:txBody>
-                  <a:tcPr marL="121920" marR="121920" marT="60960" marB="60960" anchor="ctr">
-                    <a:lnL w="3810" cap="flat" cmpd="sng" algn="ctr">
-                      <a:solidFill>
-                        <a:srgbClr val="DDDDDD"/>
-                      </a:solidFill>
-                      <a:prstDash val="solid"/>
-                      <a:round/>
-                      <a:headEnd type="none" w="med" len="med"/>
-                      <a:tailEnd type="none" w="med" len="med"/>
-                    </a:lnL>
-                    <a:lnR w="3810" cap="flat" cmpd="sng" algn="ctr">
-                      <a:solidFill>
-                        <a:srgbClr val="DDDDDD"/>
-                      </a:solidFill>
-                      <a:prstDash val="solid"/>
-                      <a:round/>
-                      <a:headEnd type="none" w="med" len="med"/>
-                      <a:tailEnd type="none" w="med" len="med"/>
-                    </a:lnR>
-                    <a:lnT w="3810" cap="flat" cmpd="sng" algn="ctr">
-                      <a:solidFill>
-                        <a:srgbClr val="DDDDDD"/>
-                      </a:solidFill>
-                      <a:prstDash val="solid"/>
-                      <a:round/>
-                      <a:headEnd type="none" w="med" len="med"/>
-                      <a:tailEnd type="none" w="med" len="med"/>
-                    </a:lnT>
-                    <a:lnB w="3810" cap="flat" cmpd="sng" algn="ctr">
-                      <a:solidFill>
-                        <a:srgbClr val="DDDDDD"/>
-                      </a:solidFill>
-                      <a:prstDash val="solid"/>
-                      <a:round/>
-                      <a:headEnd type="none" w="med" len="med"/>
-                      <a:tailEnd type="none" w="med" len="med"/>
-                    </a:lnB>
-                    <a:solidFill>
-                      <a:srgbClr val="F7F9FC"/>
-                    </a:solidFill>
-                  </a:tcPr>
-                </a:tc>
-                <a:tc>
-                  <a:txBody>
-                    <a:bodyPr/>
-                    <a:lstStyle/>
-                    <a:p>
-                      <a:pPr marL="0" indent="0">
-                        <a:buNone/>
-                      </a:pPr>
-                      <a:r>
-                        <a:rPr lang="en-US" sz="1100" dirty="0">
-                          <a:solidFill>
-                            <a:srgbClr val="030A18"/>
-                          </a:solidFill>
-                        </a:rPr>
-                        <a:t>[0.50, 1.00]</a:t>
-                      </a:r>
-                      <a:endParaRPr lang="en-US" sz="1100" dirty="0"/>
-                    </a:p>
-                  </a:txBody>
-                  <a:tcPr marL="121920" marR="121920" marT="60960" marB="60960" anchor="ctr">
-                    <a:lnL w="3810" cap="flat" cmpd="sng" algn="ctr">
-                      <a:solidFill>
-                        <a:srgbClr val="DDDDDD"/>
-                      </a:solidFill>
-                      <a:prstDash val="solid"/>
-                      <a:round/>
-                      <a:headEnd type="none" w="med" len="med"/>
-                      <a:tailEnd type="none" w="med" len="med"/>
-                    </a:lnL>
-                    <a:lnR w="3810" cap="flat" cmpd="sng" algn="ctr">
-                      <a:solidFill>
-                        <a:srgbClr val="DDDDDD"/>
-                      </a:solidFill>
-                      <a:prstDash val="solid"/>
-                      <a:round/>
-                      <a:headEnd type="none" w="med" len="med"/>
-                      <a:tailEnd type="none" w="med" len="med"/>
-                    </a:lnR>
-                    <a:lnT w="3810" cap="flat" cmpd="sng" algn="ctr">
-                      <a:solidFill>
-                        <a:srgbClr val="DDDDDD"/>
-                      </a:solidFill>
-                      <a:prstDash val="solid"/>
-                      <a:round/>
-                      <a:headEnd type="none" w="med" len="med"/>
-                      <a:tailEnd type="none" w="med" len="med"/>
-                    </a:lnT>
-                    <a:lnB w="3810" cap="flat" cmpd="sng" algn="ctr">
-                      <a:solidFill>
-                        <a:srgbClr val="DDDDDD"/>
-                      </a:solidFill>
-                      <a:prstDash val="solid"/>
-                      <a:round/>
-                      <a:headEnd type="none" w="med" len="med"/>
-                      <a:tailEnd type="none" w="med" len="med"/>
-                    </a:lnB>
-                    <a:solidFill>
-                      <a:srgbClr val="F7F9FC"/>
-                    </a:solidFill>
-                  </a:tcPr>
-                </a:tc>
-                <a:tc>
-                  <a:txBody>
-                    <a:bodyPr/>
-                    <a:lstStyle/>
-                    <a:p>
-                      <a:pPr marL="0" indent="0">
-                        <a:buNone/>
-                      </a:pPr>
-                      <a:r>
-                        <a:rPr lang="en-US" sz="1100" dirty="0">
-                          <a:solidFill>
-                            <a:srgbClr val="030A18"/>
-                          </a:solidFill>
-                        </a:rPr>
-                        <a:t>[0.00, 1.00]</a:t>
-                      </a:r>
-                      <a:endParaRPr lang="en-US" sz="1100" dirty="0"/>
-                    </a:p>
-                  </a:txBody>
-                  <a:tcPr marL="121920" marR="121920" marT="60960" marB="60960" anchor="ctr">
-                    <a:lnL w="3810" cap="flat" cmpd="sng" algn="ctr">
-                      <a:solidFill>
-                        <a:srgbClr val="DDDDDD"/>
-                      </a:solidFill>
-                      <a:prstDash val="solid"/>
-                      <a:round/>
-                      <a:headEnd type="none" w="med" len="med"/>
-                      <a:tailEnd type="none" w="med" len="med"/>
-                    </a:lnL>
-                    <a:lnR w="3810" cap="flat" cmpd="sng" algn="ctr">
-                      <a:solidFill>
-                        <a:srgbClr val="DDDDDD"/>
-                      </a:solidFill>
-                      <a:prstDash val="solid"/>
-                      <a:round/>
-                      <a:headEnd type="none" w="med" len="med"/>
-                      <a:tailEnd type="none" w="med" len="med"/>
-                    </a:lnR>
-                    <a:lnT w="3810" cap="flat" cmpd="sng" algn="ctr">
-                      <a:solidFill>
-                        <a:srgbClr val="DDDDDD"/>
-                      </a:solidFill>
-                      <a:prstDash val="solid"/>
-                      <a:round/>
-                      <a:headEnd type="none" w="med" len="med"/>
-                      <a:tailEnd type="none" w="med" len="med"/>
-                    </a:lnT>
-                    <a:lnB w="3810" cap="flat" cmpd="sng" algn="ctr">
-                      <a:solidFill>
-                        <a:srgbClr val="DDDDDD"/>
-                      </a:solidFill>
-                      <a:prstDash val="solid"/>
-                      <a:round/>
-                      <a:headEnd type="none" w="med" len="med"/>
-                      <a:tailEnd type="none" w="med" len="med"/>
-                    </a:lnB>
-                    <a:solidFill>
-                      <a:srgbClr val="F7F9FC"/>
-                    </a:solidFill>
-                  </a:tcPr>
-                </a:tc>
-                <a:tc>
-                  <a:txBody>
-                    <a:bodyPr/>
-                    <a:lstStyle/>
-                    <a:p>
-                      <a:pPr marL="0" indent="0">
-                        <a:buNone/>
-                      </a:pPr>
-                      <a:r>
-                        <a:rPr lang="en-US" sz="1100" dirty="0">
-                          <a:solidFill>
-                            <a:srgbClr val="030A18"/>
-                          </a:solidFill>
-                        </a:rPr>
-                        <a:t>[0.50, 0.60]</a:t>
-                      </a:r>
-                      <a:endParaRPr lang="en-US" sz="1100" dirty="0"/>
-                    </a:p>
-                  </a:txBody>
-                  <a:tcPr marL="121920" marR="121920" marT="60960" marB="60960" anchor="ctr">
-                    <a:lnL w="3810" cap="flat" cmpd="sng" algn="ctr">
-                      <a:solidFill>
-                        <a:srgbClr val="DDDDDD"/>
-                      </a:solidFill>
-                      <a:prstDash val="solid"/>
-                      <a:round/>
-                      <a:headEnd type="none" w="med" len="med"/>
-                      <a:tailEnd type="none" w="med" len="med"/>
-                    </a:lnL>
-                    <a:lnR w="3810" cap="flat" cmpd="sng" algn="ctr">
-                      <a:solidFill>
-                        <a:srgbClr val="DDDDDD"/>
-                      </a:solidFill>
-                      <a:prstDash val="solid"/>
-                      <a:round/>
-                      <a:headEnd type="none" w="med" len="med"/>
-                      <a:tailEnd type="none" w="med" len="med"/>
-                    </a:lnR>
-                    <a:lnT w="3810" cap="flat" cmpd="sng" algn="ctr">
-                      <a:solidFill>
-                        <a:srgbClr val="DDDDDD"/>
-                      </a:solidFill>
-                      <a:prstDash val="solid"/>
-                      <a:round/>
-                      <a:headEnd type="none" w="med" len="med"/>
-                      <a:tailEnd type="none" w="med" len="med"/>
-                    </a:lnT>
-                    <a:lnB w="3810" cap="flat" cmpd="sng" algn="ctr">
-                      <a:solidFill>
-                        <a:srgbClr val="DDDDDD"/>
-                      </a:solidFill>
-                      <a:prstDash val="solid"/>
-                      <a:round/>
-                      <a:headEnd type="none" w="med" len="med"/>
-                      <a:tailEnd type="none" w="med" len="med"/>
-                    </a:lnB>
-                    <a:solidFill>
-                      <a:srgbClr val="F7F9FC"/>
-                    </a:solidFill>
-                  </a:tcPr>
-                </a:tc>
-                <a:extLst>
-                  <a:ext uri="{0D108BD9-81ED-4DB2-BD59-A6C34878D82A}">
-                    <a16:rowId xmlns:a16="http://schemas.microsoft.com/office/drawing/2014/main" val="10002"/>
-                  </a:ext>
-                </a:extLst>
-              </a:tr>
-            </a:tbl>
-          </a:graphicData>
-        </a:graphic>
-      </p:graphicFrame>
+              </p:cNvPr>
+              <p:cNvSpPr>
+                <a:spLocks noGrp="1" noRot="1" noChangeAspect="1" noMove="1" noResize="1" noEditPoints="1" noAdjustHandles="1" noChangeArrowheads="1" noChangeShapeType="1" noTextEdit="1"/>
+              </p:cNvSpPr>
+              <p:nvPr>
+                <p:ph idx="1"/>
+              </p:nvPr>
+            </p:nvSpPr>
+            <p:spPr>
+              <a:blipFill>
+                <a:blip r:embed="rId2"/>
+                <a:stretch>
+                  <a:fillRect l="-1520" t="-2744"/>
+                </a:stretch>
+              </a:blipFill>
+            </p:spPr>
+            <p:txBody>
+              <a:bodyPr/>
+              <a:lstStyle/>
+              <a:p>
+                <a:r>
+                  <a:rPr lang="en-US">
+                    <a:noFill/>
+                  </a:rPr>
+                  <a:t> </a:t>
+                </a:r>
+              </a:p>
+            </p:txBody>
+          </p:sp>
+        </mc:Fallback>
+      </mc:AlternateContent>
     </p:spTree>
     <p:extLst>
       <p:ext uri="{BB962C8B-B14F-4D97-AF65-F5344CB8AC3E}">
-        <p14:creationId xmlns:p14="http://schemas.microsoft.com/office/powerpoint/2010/main" val="136742962"/>
+        <p14:creationId xmlns:p14="http://schemas.microsoft.com/office/powerpoint/2010/main" val="3381148165"/>
       </p:ext>
     </p:extLst>
   </p:cSld>
@@ -14325,7 +11056,7 @@
           <p:cNvPr id="2" name="Title 1">
             <a:extLst>
               <a:ext uri="{FF2B5EF4-FFF2-40B4-BE49-F238E27FC236}">
-                <a16:creationId xmlns:a16="http://schemas.microsoft.com/office/drawing/2014/main" id="{E016E075-9DA8-0A7A-04D5-D3BE264368AE}"/>
+                <a16:creationId xmlns:a16="http://schemas.microsoft.com/office/drawing/2014/main" id="{C4D3F3A6-C3A5-2D14-DD3E-C79FBECE360E}"/>
               </a:ext>
             </a:extLst>
           </p:cNvPr>
@@ -14338,14 +11069,12 @@
         </p:nvSpPr>
         <p:spPr/>
         <p:txBody>
-          <a:bodyPr>
-            <a:normAutofit/>
-          </a:bodyPr>
+          <a:bodyPr/>
           <a:lstStyle/>
           <a:p>
             <a:r>
               <a:rPr lang="en-US" dirty="0"/>
-              <a:t>Numeric Example: Scores &amp; Context</a:t>
+              <a:t>Numerical example</a:t>
             </a:r>
           </a:p>
         </p:txBody>
@@ -14355,7 +11084,7 @@
           <p:cNvPr id="3" name="Content Placeholder 2">
             <a:extLst>
               <a:ext uri="{FF2B5EF4-FFF2-40B4-BE49-F238E27FC236}">
-                <a16:creationId xmlns:a16="http://schemas.microsoft.com/office/drawing/2014/main" id="{BF4F7ED8-EA7B-6F85-D155-B1492CD04D35}"/>
+                <a16:creationId xmlns:a16="http://schemas.microsoft.com/office/drawing/2014/main" id="{A2AE49EC-9704-7641-0E1A-EE58D182A9B3}"/>
               </a:ext>
             </a:extLst>
           </p:cNvPr>
@@ -14372,1051 +11101,20 @@
           <a:lstStyle/>
           <a:p>
             <a:r>
-              <a:rPr lang="en-US" dirty="0"/>
-              <a:t>After scaling and </a:t>
-            </a:r>
-            <a:r>
-              <a:rPr lang="en-US" dirty="0" err="1"/>
-              <a:t>softmax</a:t>
-            </a:r>
-            <a:r>
-              <a:rPr lang="en-US" dirty="0"/>
-              <a:t>, token 1 </a:t>
-            </a:r>
-            <a:r>
-              <a:rPr lang="en-US" dirty="0" err="1"/>
-              <a:t>emphasises</a:t>
-            </a:r>
-            <a:r>
-              <a:rPr lang="en-US" dirty="0"/>
-              <a:t> value 1 and token 2 </a:t>
-            </a:r>
-            <a:r>
-              <a:rPr lang="en-US" dirty="0" err="1"/>
-              <a:t>emphasises</a:t>
-            </a:r>
-            <a:r>
-              <a:rPr lang="en-US" dirty="0"/>
-              <a:t> value 2.</a:t>
-            </a:r>
-          </a:p>
-          <a:p>
-            <a:r>
-              <a:rPr lang="en-US" dirty="0"/>
-              <a:t>Context vectors combine values according to attention weights.</a:t>
+              <a:rPr lang="en-US" dirty="0">
+                <a:solidFill>
+                  <a:srgbClr val="009749"/>
+                </a:solidFill>
+              </a:rPr>
+              <a:t>Go through on board</a:t>
             </a:r>
           </a:p>
         </p:txBody>
       </p:sp>
-      <p:graphicFrame>
-        <p:nvGraphicFramePr>
-          <p:cNvPr id="4" name="Table 0">
-            <a:extLst>
-              <a:ext uri="{FF2B5EF4-FFF2-40B4-BE49-F238E27FC236}">
-                <a16:creationId xmlns:a16="http://schemas.microsoft.com/office/drawing/2014/main" id="{B848C966-989C-81EB-9443-89DECB7DB0BA}"/>
-              </a:ext>
-            </a:extLst>
-          </p:cNvPr>
-          <p:cNvGraphicFramePr>
-            <a:graphicFrameLocks noGrp="1"/>
-          </p:cNvGraphicFramePr>
-          <p:nvPr>
-            <p:extLst>
-              <p:ext uri="{D42A27DB-BD31-4B8C-83A1-F6EECF244321}">
-                <p14:modId xmlns:p14="http://schemas.microsoft.com/office/powerpoint/2010/main" val="515109002"/>
-              </p:ext>
-            </p:extLst>
-          </p:nvPr>
-        </p:nvGraphicFramePr>
-        <p:xfrm>
-          <a:off x="1524000" y="4159132"/>
-          <a:ext cx="7315200" cy="1950720"/>
-        </p:xfrm>
-        <a:graphic>
-          <a:graphicData uri="http://schemas.openxmlformats.org/drawingml/2006/table">
-            <a:tbl>
-              <a:tblPr/>
-              <a:tblGrid>
-                <a:gridCol w="1463040">
-                  <a:extLst>
-                    <a:ext uri="{9D8B030D-6E8A-4147-A177-3AD203B41FA5}">
-                      <a16:colId xmlns:a16="http://schemas.microsoft.com/office/drawing/2014/main" val="20000"/>
-                    </a:ext>
-                  </a:extLst>
-                </a:gridCol>
-                <a:gridCol w="1463040">
-                  <a:extLst>
-                    <a:ext uri="{9D8B030D-6E8A-4147-A177-3AD203B41FA5}">
-                      <a16:colId xmlns:a16="http://schemas.microsoft.com/office/drawing/2014/main" val="20001"/>
-                    </a:ext>
-                  </a:extLst>
-                </a:gridCol>
-                <a:gridCol w="1463040">
-                  <a:extLst>
-                    <a:ext uri="{9D8B030D-6E8A-4147-A177-3AD203B41FA5}">
-                      <a16:colId xmlns:a16="http://schemas.microsoft.com/office/drawing/2014/main" val="20002"/>
-                    </a:ext>
-                  </a:extLst>
-                </a:gridCol>
-                <a:gridCol w="1463040">
-                  <a:extLst>
-                    <a:ext uri="{9D8B030D-6E8A-4147-A177-3AD203B41FA5}">
-                      <a16:colId xmlns:a16="http://schemas.microsoft.com/office/drawing/2014/main" val="20003"/>
-                    </a:ext>
-                  </a:extLst>
-                </a:gridCol>
-                <a:gridCol w="1463040">
-                  <a:extLst>
-                    <a:ext uri="{9D8B030D-6E8A-4147-A177-3AD203B41FA5}">
-                      <a16:colId xmlns:a16="http://schemas.microsoft.com/office/drawing/2014/main" val="20004"/>
-                    </a:ext>
-                  </a:extLst>
-                </a:gridCol>
-              </a:tblGrid>
-              <a:tr h="650240">
-                <a:tc>
-                  <a:txBody>
-                    <a:bodyPr/>
-                    <a:lstStyle/>
-                    <a:p>
-                      <a:pPr marL="0" indent="0">
-                        <a:buNone/>
-                      </a:pPr>
-                      <a:r>
-                        <a:rPr lang="en-US" sz="1100" b="1" dirty="0">
-                          <a:solidFill>
-                            <a:srgbClr val="030A18"/>
-                          </a:solidFill>
-                        </a:rPr>
-                        <a:t>Query</a:t>
-                      </a:r>
-                      <a:endParaRPr lang="en-US" sz="1100" dirty="0"/>
-                    </a:p>
-                  </a:txBody>
-                  <a:tcPr marL="121920" marR="121920" marT="60960" marB="60960" anchor="ctr">
-                    <a:lnL w="3810" cap="flat" cmpd="sng" algn="ctr">
-                      <a:solidFill>
-                        <a:srgbClr val="DDDDDD"/>
-                      </a:solidFill>
-                      <a:prstDash val="solid"/>
-                      <a:round/>
-                      <a:headEnd type="none" w="med" len="med"/>
-                      <a:tailEnd type="none" w="med" len="med"/>
-                    </a:lnL>
-                    <a:lnR w="3810" cap="flat" cmpd="sng" algn="ctr">
-                      <a:solidFill>
-                        <a:srgbClr val="DDDDDD"/>
-                      </a:solidFill>
-                      <a:prstDash val="solid"/>
-                      <a:round/>
-                      <a:headEnd type="none" w="med" len="med"/>
-                      <a:tailEnd type="none" w="med" len="med"/>
-                    </a:lnR>
-                    <a:lnT w="3810" cap="flat" cmpd="sng" algn="ctr">
-                      <a:solidFill>
-                        <a:srgbClr val="DDDDDD"/>
-                      </a:solidFill>
-                      <a:prstDash val="solid"/>
-                      <a:round/>
-                      <a:headEnd type="none" w="med" len="med"/>
-                      <a:tailEnd type="none" w="med" len="med"/>
-                    </a:lnT>
-                    <a:lnB w="3810" cap="flat" cmpd="sng" algn="ctr">
-                      <a:solidFill>
-                        <a:srgbClr val="DDDDDD"/>
-                      </a:solidFill>
-                      <a:prstDash val="solid"/>
-                      <a:round/>
-                      <a:headEnd type="none" w="med" len="med"/>
-                      <a:tailEnd type="none" w="med" len="med"/>
-                    </a:lnB>
-                    <a:solidFill>
-                      <a:srgbClr val="F5F5F5"/>
-                    </a:solidFill>
-                  </a:tcPr>
-                </a:tc>
-                <a:tc>
-                  <a:txBody>
-                    <a:bodyPr/>
-                    <a:lstStyle/>
-                    <a:p>
-                      <a:pPr marL="0" indent="0">
-                        <a:buNone/>
-                      </a:pPr>
-                      <a:r>
-                        <a:rPr lang="en-US" sz="1100" b="1" dirty="0">
-                          <a:solidFill>
-                            <a:srgbClr val="030A18"/>
-                          </a:solidFill>
-                        </a:rPr>
-                        <a:t>Scores: s₁</a:t>
-                      </a:r>
-                      <a:endParaRPr lang="en-US" sz="1100" dirty="0"/>
-                    </a:p>
-                  </a:txBody>
-                  <a:tcPr marL="121920" marR="121920" marT="60960" marB="60960" anchor="ctr">
-                    <a:lnL w="3810" cap="flat" cmpd="sng" algn="ctr">
-                      <a:solidFill>
-                        <a:srgbClr val="DDDDDD"/>
-                      </a:solidFill>
-                      <a:prstDash val="solid"/>
-                      <a:round/>
-                      <a:headEnd type="none" w="med" len="med"/>
-                      <a:tailEnd type="none" w="med" len="med"/>
-                    </a:lnL>
-                    <a:lnR w="3810" cap="flat" cmpd="sng" algn="ctr">
-                      <a:solidFill>
-                        <a:srgbClr val="DDDDDD"/>
-                      </a:solidFill>
-                      <a:prstDash val="solid"/>
-                      <a:round/>
-                      <a:headEnd type="none" w="med" len="med"/>
-                      <a:tailEnd type="none" w="med" len="med"/>
-                    </a:lnR>
-                    <a:lnT w="3810" cap="flat" cmpd="sng" algn="ctr">
-                      <a:solidFill>
-                        <a:srgbClr val="DDDDDD"/>
-                      </a:solidFill>
-                      <a:prstDash val="solid"/>
-                      <a:round/>
-                      <a:headEnd type="none" w="med" len="med"/>
-                      <a:tailEnd type="none" w="med" len="med"/>
-                    </a:lnT>
-                    <a:lnB w="3810" cap="flat" cmpd="sng" algn="ctr">
-                      <a:solidFill>
-                        <a:srgbClr val="DDDDDD"/>
-                      </a:solidFill>
-                      <a:prstDash val="solid"/>
-                      <a:round/>
-                      <a:headEnd type="none" w="med" len="med"/>
-                      <a:tailEnd type="none" w="med" len="med"/>
-                    </a:lnB>
-                    <a:solidFill>
-                      <a:srgbClr val="F5F5F5"/>
-                    </a:solidFill>
-                  </a:tcPr>
-                </a:tc>
-                <a:tc>
-                  <a:txBody>
-                    <a:bodyPr/>
-                    <a:lstStyle/>
-                    <a:p>
-                      <a:pPr marL="0" indent="0">
-                        <a:buNone/>
-                      </a:pPr>
-                      <a:r>
-                        <a:rPr lang="en-US" sz="1100" b="1" dirty="0">
-                          <a:solidFill>
-                            <a:srgbClr val="030A18"/>
-                          </a:solidFill>
-                        </a:rPr>
-                        <a:t>Scores: s₂</a:t>
-                      </a:r>
-                      <a:endParaRPr lang="en-US" sz="1100" dirty="0"/>
-                    </a:p>
-                  </a:txBody>
-                  <a:tcPr marL="121920" marR="121920" marT="60960" marB="60960" anchor="ctr">
-                    <a:lnL w="3810" cap="flat" cmpd="sng" algn="ctr">
-                      <a:solidFill>
-                        <a:srgbClr val="DDDDDD"/>
-                      </a:solidFill>
-                      <a:prstDash val="solid"/>
-                      <a:round/>
-                      <a:headEnd type="none" w="med" len="med"/>
-                      <a:tailEnd type="none" w="med" len="med"/>
-                    </a:lnL>
-                    <a:lnR w="3810" cap="flat" cmpd="sng" algn="ctr">
-                      <a:solidFill>
-                        <a:srgbClr val="DDDDDD"/>
-                      </a:solidFill>
-                      <a:prstDash val="solid"/>
-                      <a:round/>
-                      <a:headEnd type="none" w="med" len="med"/>
-                      <a:tailEnd type="none" w="med" len="med"/>
-                    </a:lnR>
-                    <a:lnT w="3810" cap="flat" cmpd="sng" algn="ctr">
-                      <a:solidFill>
-                        <a:srgbClr val="DDDDDD"/>
-                      </a:solidFill>
-                      <a:prstDash val="solid"/>
-                      <a:round/>
-                      <a:headEnd type="none" w="med" len="med"/>
-                      <a:tailEnd type="none" w="med" len="med"/>
-                    </a:lnT>
-                    <a:lnB w="3810" cap="flat" cmpd="sng" algn="ctr">
-                      <a:solidFill>
-                        <a:srgbClr val="DDDDDD"/>
-                      </a:solidFill>
-                      <a:prstDash val="solid"/>
-                      <a:round/>
-                      <a:headEnd type="none" w="med" len="med"/>
-                      <a:tailEnd type="none" w="med" len="med"/>
-                    </a:lnB>
-                    <a:solidFill>
-                      <a:srgbClr val="F5F5F5"/>
-                    </a:solidFill>
-                  </a:tcPr>
-                </a:tc>
-                <a:tc>
-                  <a:txBody>
-                    <a:bodyPr/>
-                    <a:lstStyle/>
-                    <a:p>
-                      <a:pPr marL="0" indent="0">
-                        <a:buNone/>
-                      </a:pPr>
-                      <a:r>
-                        <a:rPr lang="en-US" sz="1100" b="1" dirty="0">
-                          <a:solidFill>
-                            <a:srgbClr val="030A18"/>
-                          </a:solidFill>
-                        </a:rPr>
-                        <a:t>Weights (softmax)</a:t>
-                      </a:r>
-                      <a:endParaRPr lang="en-US" sz="1100" dirty="0"/>
-                    </a:p>
-                  </a:txBody>
-                  <a:tcPr marL="121920" marR="121920" marT="60960" marB="60960" anchor="ctr">
-                    <a:lnL w="3810" cap="flat" cmpd="sng" algn="ctr">
-                      <a:solidFill>
-                        <a:srgbClr val="DDDDDD"/>
-                      </a:solidFill>
-                      <a:prstDash val="solid"/>
-                      <a:round/>
-                      <a:headEnd type="none" w="med" len="med"/>
-                      <a:tailEnd type="none" w="med" len="med"/>
-                    </a:lnL>
-                    <a:lnR w="3810" cap="flat" cmpd="sng" algn="ctr">
-                      <a:solidFill>
-                        <a:srgbClr val="DDDDDD"/>
-                      </a:solidFill>
-                      <a:prstDash val="solid"/>
-                      <a:round/>
-                      <a:headEnd type="none" w="med" len="med"/>
-                      <a:tailEnd type="none" w="med" len="med"/>
-                    </a:lnR>
-                    <a:lnT w="3810" cap="flat" cmpd="sng" algn="ctr">
-                      <a:solidFill>
-                        <a:srgbClr val="DDDDDD"/>
-                      </a:solidFill>
-                      <a:prstDash val="solid"/>
-                      <a:round/>
-                      <a:headEnd type="none" w="med" len="med"/>
-                      <a:tailEnd type="none" w="med" len="med"/>
-                    </a:lnT>
-                    <a:lnB w="3810" cap="flat" cmpd="sng" algn="ctr">
-                      <a:solidFill>
-                        <a:srgbClr val="DDDDDD"/>
-                      </a:solidFill>
-                      <a:prstDash val="solid"/>
-                      <a:round/>
-                      <a:headEnd type="none" w="med" len="med"/>
-                      <a:tailEnd type="none" w="med" len="med"/>
-                    </a:lnB>
-                    <a:solidFill>
-                      <a:srgbClr val="F5F5F5"/>
-                    </a:solidFill>
-                  </a:tcPr>
-                </a:tc>
-                <a:tc>
-                  <a:txBody>
-                    <a:bodyPr/>
-                    <a:lstStyle/>
-                    <a:p>
-                      <a:pPr marL="0" indent="0">
-                        <a:buNone/>
-                      </a:pPr>
-                      <a:r>
-                        <a:rPr lang="en-US" sz="1100" b="1" dirty="0">
-                          <a:solidFill>
-                            <a:srgbClr val="030A18"/>
-                          </a:solidFill>
-                        </a:rPr>
-                        <a:t>Context</a:t>
-                      </a:r>
-                      <a:endParaRPr lang="en-US" sz="1100" dirty="0"/>
-                    </a:p>
-                  </a:txBody>
-                  <a:tcPr marL="121920" marR="121920" marT="60960" marB="60960" anchor="ctr">
-                    <a:lnL w="3810" cap="flat" cmpd="sng" algn="ctr">
-                      <a:solidFill>
-                        <a:srgbClr val="DDDDDD"/>
-                      </a:solidFill>
-                      <a:prstDash val="solid"/>
-                      <a:round/>
-                      <a:headEnd type="none" w="med" len="med"/>
-                      <a:tailEnd type="none" w="med" len="med"/>
-                    </a:lnL>
-                    <a:lnR w="3810" cap="flat" cmpd="sng" algn="ctr">
-                      <a:solidFill>
-                        <a:srgbClr val="DDDDDD"/>
-                      </a:solidFill>
-                      <a:prstDash val="solid"/>
-                      <a:round/>
-                      <a:headEnd type="none" w="med" len="med"/>
-                      <a:tailEnd type="none" w="med" len="med"/>
-                    </a:lnR>
-                    <a:lnT w="3810" cap="flat" cmpd="sng" algn="ctr">
-                      <a:solidFill>
-                        <a:srgbClr val="DDDDDD"/>
-                      </a:solidFill>
-                      <a:prstDash val="solid"/>
-                      <a:round/>
-                      <a:headEnd type="none" w="med" len="med"/>
-                      <a:tailEnd type="none" w="med" len="med"/>
-                    </a:lnT>
-                    <a:lnB w="3810" cap="flat" cmpd="sng" algn="ctr">
-                      <a:solidFill>
-                        <a:srgbClr val="DDDDDD"/>
-                      </a:solidFill>
-                      <a:prstDash val="solid"/>
-                      <a:round/>
-                      <a:headEnd type="none" w="med" len="med"/>
-                      <a:tailEnd type="none" w="med" len="med"/>
-                    </a:lnB>
-                    <a:solidFill>
-                      <a:srgbClr val="F5F5F5"/>
-                    </a:solidFill>
-                  </a:tcPr>
-                </a:tc>
-                <a:extLst>
-                  <a:ext uri="{0D108BD9-81ED-4DB2-BD59-A6C34878D82A}">
-                    <a16:rowId xmlns:a16="http://schemas.microsoft.com/office/drawing/2014/main" val="10000"/>
-                  </a:ext>
-                </a:extLst>
-              </a:tr>
-              <a:tr h="650240">
-                <a:tc>
-                  <a:txBody>
-                    <a:bodyPr/>
-                    <a:lstStyle/>
-                    <a:p>
-                      <a:pPr marL="0" indent="0">
-                        <a:buNone/>
-                      </a:pPr>
-                      <a:r>
-                        <a:rPr lang="en-US" sz="1100" dirty="0">
-                          <a:solidFill>
-                            <a:srgbClr val="030A18"/>
-                          </a:solidFill>
-                        </a:rPr>
-                        <a:t>t1</a:t>
-                      </a:r>
-                      <a:endParaRPr lang="en-US" sz="1100" dirty="0"/>
-                    </a:p>
-                  </a:txBody>
-                  <a:tcPr marL="121920" marR="121920" marT="60960" marB="60960" anchor="ctr">
-                    <a:lnL w="3810" cap="flat" cmpd="sng" algn="ctr">
-                      <a:solidFill>
-                        <a:srgbClr val="DDDDDD"/>
-                      </a:solidFill>
-                      <a:prstDash val="solid"/>
-                      <a:round/>
-                      <a:headEnd type="none" w="med" len="med"/>
-                      <a:tailEnd type="none" w="med" len="med"/>
-                    </a:lnL>
-                    <a:lnR w="3810" cap="flat" cmpd="sng" algn="ctr">
-                      <a:solidFill>
-                        <a:srgbClr val="DDDDDD"/>
-                      </a:solidFill>
-                      <a:prstDash val="solid"/>
-                      <a:round/>
-                      <a:headEnd type="none" w="med" len="med"/>
-                      <a:tailEnd type="none" w="med" len="med"/>
-                    </a:lnR>
-                    <a:lnT w="3810" cap="flat" cmpd="sng" algn="ctr">
-                      <a:solidFill>
-                        <a:srgbClr val="DDDDDD"/>
-                      </a:solidFill>
-                      <a:prstDash val="solid"/>
-                      <a:round/>
-                      <a:headEnd type="none" w="med" len="med"/>
-                      <a:tailEnd type="none" w="med" len="med"/>
-                    </a:lnT>
-                    <a:lnB w="3810" cap="flat" cmpd="sng" algn="ctr">
-                      <a:solidFill>
-                        <a:srgbClr val="DDDDDD"/>
-                      </a:solidFill>
-                      <a:prstDash val="solid"/>
-                      <a:round/>
-                      <a:headEnd type="none" w="med" len="med"/>
-                      <a:tailEnd type="none" w="med" len="med"/>
-                    </a:lnB>
-                    <a:solidFill>
-                      <a:srgbClr val="FFFFFF"/>
-                    </a:solidFill>
-                  </a:tcPr>
-                </a:tc>
-                <a:tc>
-                  <a:txBody>
-                    <a:bodyPr/>
-                    <a:lstStyle/>
-                    <a:p>
-                      <a:pPr marL="0" indent="0">
-                        <a:buNone/>
-                      </a:pPr>
-                      <a:r>
-                        <a:rPr lang="en-US" sz="1100" dirty="0">
-                          <a:solidFill>
-                            <a:srgbClr val="030A18"/>
-                          </a:solidFill>
-                        </a:rPr>
-                        <a:t>0.71</a:t>
-                      </a:r>
-                      <a:endParaRPr lang="en-US" sz="1100" dirty="0"/>
-                    </a:p>
-                  </a:txBody>
-                  <a:tcPr marL="121920" marR="121920" marT="60960" marB="60960" anchor="ctr">
-                    <a:lnL w="3810" cap="flat" cmpd="sng" algn="ctr">
-                      <a:solidFill>
-                        <a:srgbClr val="DDDDDD"/>
-                      </a:solidFill>
-                      <a:prstDash val="solid"/>
-                      <a:round/>
-                      <a:headEnd type="none" w="med" len="med"/>
-                      <a:tailEnd type="none" w="med" len="med"/>
-                    </a:lnL>
-                    <a:lnR w="3810" cap="flat" cmpd="sng" algn="ctr">
-                      <a:solidFill>
-                        <a:srgbClr val="DDDDDD"/>
-                      </a:solidFill>
-                      <a:prstDash val="solid"/>
-                      <a:round/>
-                      <a:headEnd type="none" w="med" len="med"/>
-                      <a:tailEnd type="none" w="med" len="med"/>
-                    </a:lnR>
-                    <a:lnT w="3810" cap="flat" cmpd="sng" algn="ctr">
-                      <a:solidFill>
-                        <a:srgbClr val="DDDDDD"/>
-                      </a:solidFill>
-                      <a:prstDash val="solid"/>
-                      <a:round/>
-                      <a:headEnd type="none" w="med" len="med"/>
-                      <a:tailEnd type="none" w="med" len="med"/>
-                    </a:lnT>
-                    <a:lnB w="3810" cap="flat" cmpd="sng" algn="ctr">
-                      <a:solidFill>
-                        <a:srgbClr val="DDDDDD"/>
-                      </a:solidFill>
-                      <a:prstDash val="solid"/>
-                      <a:round/>
-                      <a:headEnd type="none" w="med" len="med"/>
-                      <a:tailEnd type="none" w="med" len="med"/>
-                    </a:lnB>
-                    <a:solidFill>
-                      <a:srgbClr val="FFFFFF"/>
-                    </a:solidFill>
-                  </a:tcPr>
-                </a:tc>
-                <a:tc>
-                  <a:txBody>
-                    <a:bodyPr/>
-                    <a:lstStyle/>
-                    <a:p>
-                      <a:pPr marL="0" indent="0">
-                        <a:buNone/>
-                      </a:pPr>
-                      <a:r>
-                        <a:rPr lang="en-US" sz="1100" dirty="0">
-                          <a:solidFill>
-                            <a:srgbClr val="030A18"/>
-                          </a:solidFill>
-                        </a:rPr>
-                        <a:t>0.35</a:t>
-                      </a:r>
-                      <a:endParaRPr lang="en-US" sz="1100" dirty="0"/>
-                    </a:p>
-                  </a:txBody>
-                  <a:tcPr marL="121920" marR="121920" marT="60960" marB="60960" anchor="ctr">
-                    <a:lnL w="3810" cap="flat" cmpd="sng" algn="ctr">
-                      <a:solidFill>
-                        <a:srgbClr val="DDDDDD"/>
-                      </a:solidFill>
-                      <a:prstDash val="solid"/>
-                      <a:round/>
-                      <a:headEnd type="none" w="med" len="med"/>
-                      <a:tailEnd type="none" w="med" len="med"/>
-                    </a:lnL>
-                    <a:lnR w="3810" cap="flat" cmpd="sng" algn="ctr">
-                      <a:solidFill>
-                        <a:srgbClr val="DDDDDD"/>
-                      </a:solidFill>
-                      <a:prstDash val="solid"/>
-                      <a:round/>
-                      <a:headEnd type="none" w="med" len="med"/>
-                      <a:tailEnd type="none" w="med" len="med"/>
-                    </a:lnR>
-                    <a:lnT w="3810" cap="flat" cmpd="sng" algn="ctr">
-                      <a:solidFill>
-                        <a:srgbClr val="DDDDDD"/>
-                      </a:solidFill>
-                      <a:prstDash val="solid"/>
-                      <a:round/>
-                      <a:headEnd type="none" w="med" len="med"/>
-                      <a:tailEnd type="none" w="med" len="med"/>
-                    </a:lnT>
-                    <a:lnB w="3810" cap="flat" cmpd="sng" algn="ctr">
-                      <a:solidFill>
-                        <a:srgbClr val="DDDDDD"/>
-                      </a:solidFill>
-                      <a:prstDash val="solid"/>
-                      <a:round/>
-                      <a:headEnd type="none" w="med" len="med"/>
-                      <a:tailEnd type="none" w="med" len="med"/>
-                    </a:lnB>
-                    <a:solidFill>
-                      <a:srgbClr val="FFFFFF"/>
-                    </a:solidFill>
-                  </a:tcPr>
-                </a:tc>
-                <a:tc>
-                  <a:txBody>
-                    <a:bodyPr/>
-                    <a:lstStyle/>
-                    <a:p>
-                      <a:pPr marL="0" indent="0">
-                        <a:buNone/>
-                      </a:pPr>
-                      <a:r>
-                        <a:rPr lang="en-US" sz="1100" dirty="0">
-                          <a:solidFill>
-                            <a:srgbClr val="030A18"/>
-                          </a:solidFill>
-                        </a:rPr>
-                        <a:t>0.59, 0.41</a:t>
-                      </a:r>
-                      <a:endParaRPr lang="en-US" sz="1100" dirty="0"/>
-                    </a:p>
-                  </a:txBody>
-                  <a:tcPr marL="121920" marR="121920" marT="60960" marB="60960" anchor="ctr">
-                    <a:lnL w="3810" cap="flat" cmpd="sng" algn="ctr">
-                      <a:solidFill>
-                        <a:srgbClr val="DDDDDD"/>
-                      </a:solidFill>
-                      <a:prstDash val="solid"/>
-                      <a:round/>
-                      <a:headEnd type="none" w="med" len="med"/>
-                      <a:tailEnd type="none" w="med" len="med"/>
-                    </a:lnL>
-                    <a:lnR w="3810" cap="flat" cmpd="sng" algn="ctr">
-                      <a:solidFill>
-                        <a:srgbClr val="DDDDDD"/>
-                      </a:solidFill>
-                      <a:prstDash val="solid"/>
-                      <a:round/>
-                      <a:headEnd type="none" w="med" len="med"/>
-                      <a:tailEnd type="none" w="med" len="med"/>
-                    </a:lnR>
-                    <a:lnT w="3810" cap="flat" cmpd="sng" algn="ctr">
-                      <a:solidFill>
-                        <a:srgbClr val="DDDDDD"/>
-                      </a:solidFill>
-                      <a:prstDash val="solid"/>
-                      <a:round/>
-                      <a:headEnd type="none" w="med" len="med"/>
-                      <a:tailEnd type="none" w="med" len="med"/>
-                    </a:lnT>
-                    <a:lnB w="3810" cap="flat" cmpd="sng" algn="ctr">
-                      <a:solidFill>
-                        <a:srgbClr val="DDDDDD"/>
-                      </a:solidFill>
-                      <a:prstDash val="solid"/>
-                      <a:round/>
-                      <a:headEnd type="none" w="med" len="med"/>
-                      <a:tailEnd type="none" w="med" len="med"/>
-                    </a:lnB>
-                    <a:solidFill>
-                      <a:srgbClr val="FFFFFF"/>
-                    </a:solidFill>
-                  </a:tcPr>
-                </a:tc>
-                <a:tc>
-                  <a:txBody>
-                    <a:bodyPr/>
-                    <a:lstStyle/>
-                    <a:p>
-                      <a:pPr marL="0" indent="0">
-                        <a:buNone/>
-                      </a:pPr>
-                      <a:r>
-                        <a:rPr lang="en-US" sz="1100" dirty="0">
-                          <a:solidFill>
-                            <a:srgbClr val="030A18"/>
-                          </a:solidFill>
-                        </a:rPr>
-                        <a:t>[0.68, 0.37]</a:t>
-                      </a:r>
-                      <a:endParaRPr lang="en-US" sz="1100" dirty="0"/>
-                    </a:p>
-                  </a:txBody>
-                  <a:tcPr marL="121920" marR="121920" marT="60960" marB="60960" anchor="ctr">
-                    <a:lnL w="3810" cap="flat" cmpd="sng" algn="ctr">
-                      <a:solidFill>
-                        <a:srgbClr val="DDDDDD"/>
-                      </a:solidFill>
-                      <a:prstDash val="solid"/>
-                      <a:round/>
-                      <a:headEnd type="none" w="med" len="med"/>
-                      <a:tailEnd type="none" w="med" len="med"/>
-                    </a:lnL>
-                    <a:lnR w="3810" cap="flat" cmpd="sng" algn="ctr">
-                      <a:solidFill>
-                        <a:srgbClr val="DDDDDD"/>
-                      </a:solidFill>
-                      <a:prstDash val="solid"/>
-                      <a:round/>
-                      <a:headEnd type="none" w="med" len="med"/>
-                      <a:tailEnd type="none" w="med" len="med"/>
-                    </a:lnR>
-                    <a:lnT w="3810" cap="flat" cmpd="sng" algn="ctr">
-                      <a:solidFill>
-                        <a:srgbClr val="DDDDDD"/>
-                      </a:solidFill>
-                      <a:prstDash val="solid"/>
-                      <a:round/>
-                      <a:headEnd type="none" w="med" len="med"/>
-                      <a:tailEnd type="none" w="med" len="med"/>
-                    </a:lnT>
-                    <a:lnB w="3810" cap="flat" cmpd="sng" algn="ctr">
-                      <a:solidFill>
-                        <a:srgbClr val="DDDDDD"/>
-                      </a:solidFill>
-                      <a:prstDash val="solid"/>
-                      <a:round/>
-                      <a:headEnd type="none" w="med" len="med"/>
-                      <a:tailEnd type="none" w="med" len="med"/>
-                    </a:lnB>
-                    <a:solidFill>
-                      <a:srgbClr val="FFFFFF"/>
-                    </a:solidFill>
-                  </a:tcPr>
-                </a:tc>
-                <a:extLst>
-                  <a:ext uri="{0D108BD9-81ED-4DB2-BD59-A6C34878D82A}">
-                    <a16:rowId xmlns:a16="http://schemas.microsoft.com/office/drawing/2014/main" val="10001"/>
-                  </a:ext>
-                </a:extLst>
-              </a:tr>
-              <a:tr h="650240">
-                <a:tc>
-                  <a:txBody>
-                    <a:bodyPr/>
-                    <a:lstStyle/>
-                    <a:p>
-                      <a:pPr marL="0" indent="0">
-                        <a:buNone/>
-                      </a:pPr>
-                      <a:r>
-                        <a:rPr lang="en-US" sz="1100" dirty="0">
-                          <a:solidFill>
-                            <a:srgbClr val="030A18"/>
-                          </a:solidFill>
-                        </a:rPr>
-                        <a:t>t2</a:t>
-                      </a:r>
-                      <a:endParaRPr lang="en-US" sz="1100" dirty="0"/>
-                    </a:p>
-                  </a:txBody>
-                  <a:tcPr marL="121920" marR="121920" marT="60960" marB="60960" anchor="ctr">
-                    <a:lnL w="3810" cap="flat" cmpd="sng" algn="ctr">
-                      <a:solidFill>
-                        <a:srgbClr val="DDDDDD"/>
-                      </a:solidFill>
-                      <a:prstDash val="solid"/>
-                      <a:round/>
-                      <a:headEnd type="none" w="med" len="med"/>
-                      <a:tailEnd type="none" w="med" len="med"/>
-                    </a:lnL>
-                    <a:lnR w="3810" cap="flat" cmpd="sng" algn="ctr">
-                      <a:solidFill>
-                        <a:srgbClr val="DDDDDD"/>
-                      </a:solidFill>
-                      <a:prstDash val="solid"/>
-                      <a:round/>
-                      <a:headEnd type="none" w="med" len="med"/>
-                      <a:tailEnd type="none" w="med" len="med"/>
-                    </a:lnR>
-                    <a:lnT w="3810" cap="flat" cmpd="sng" algn="ctr">
-                      <a:solidFill>
-                        <a:srgbClr val="DDDDDD"/>
-                      </a:solidFill>
-                      <a:prstDash val="solid"/>
-                      <a:round/>
-                      <a:headEnd type="none" w="med" len="med"/>
-                      <a:tailEnd type="none" w="med" len="med"/>
-                    </a:lnT>
-                    <a:lnB w="3810" cap="flat" cmpd="sng" algn="ctr">
-                      <a:solidFill>
-                        <a:srgbClr val="DDDDDD"/>
-                      </a:solidFill>
-                      <a:prstDash val="solid"/>
-                      <a:round/>
-                      <a:headEnd type="none" w="med" len="med"/>
-                      <a:tailEnd type="none" w="med" len="med"/>
-                    </a:lnB>
-                    <a:solidFill>
-                      <a:srgbClr val="F7F9FC"/>
-                    </a:solidFill>
-                  </a:tcPr>
-                </a:tc>
-                <a:tc>
-                  <a:txBody>
-                    <a:bodyPr/>
-                    <a:lstStyle/>
-                    <a:p>
-                      <a:pPr marL="0" indent="0">
-                        <a:buNone/>
-                      </a:pPr>
-                      <a:r>
-                        <a:rPr lang="en-US" sz="1100" dirty="0">
-                          <a:solidFill>
-                            <a:srgbClr val="030A18"/>
-                          </a:solidFill>
-                        </a:rPr>
-                        <a:t>0.35</a:t>
-                      </a:r>
-                      <a:endParaRPr lang="en-US" sz="1100" dirty="0"/>
-                    </a:p>
-                  </a:txBody>
-                  <a:tcPr marL="121920" marR="121920" marT="60960" marB="60960" anchor="ctr">
-                    <a:lnL w="3810" cap="flat" cmpd="sng" algn="ctr">
-                      <a:solidFill>
-                        <a:srgbClr val="DDDDDD"/>
-                      </a:solidFill>
-                      <a:prstDash val="solid"/>
-                      <a:round/>
-                      <a:headEnd type="none" w="med" len="med"/>
-                      <a:tailEnd type="none" w="med" len="med"/>
-                    </a:lnL>
-                    <a:lnR w="3810" cap="flat" cmpd="sng" algn="ctr">
-                      <a:solidFill>
-                        <a:srgbClr val="DDDDDD"/>
-                      </a:solidFill>
-                      <a:prstDash val="solid"/>
-                      <a:round/>
-                      <a:headEnd type="none" w="med" len="med"/>
-                      <a:tailEnd type="none" w="med" len="med"/>
-                    </a:lnR>
-                    <a:lnT w="3810" cap="flat" cmpd="sng" algn="ctr">
-                      <a:solidFill>
-                        <a:srgbClr val="DDDDDD"/>
-                      </a:solidFill>
-                      <a:prstDash val="solid"/>
-                      <a:round/>
-                      <a:headEnd type="none" w="med" len="med"/>
-                      <a:tailEnd type="none" w="med" len="med"/>
-                    </a:lnT>
-                    <a:lnB w="3810" cap="flat" cmpd="sng" algn="ctr">
-                      <a:solidFill>
-                        <a:srgbClr val="DDDDDD"/>
-                      </a:solidFill>
-                      <a:prstDash val="solid"/>
-                      <a:round/>
-                      <a:headEnd type="none" w="med" len="med"/>
-                      <a:tailEnd type="none" w="med" len="med"/>
-                    </a:lnB>
-                    <a:solidFill>
-                      <a:srgbClr val="F7F9FC"/>
-                    </a:solidFill>
-                  </a:tcPr>
-                </a:tc>
-                <a:tc>
-                  <a:txBody>
-                    <a:bodyPr/>
-                    <a:lstStyle/>
-                    <a:p>
-                      <a:pPr marL="0" indent="0">
-                        <a:buNone/>
-                      </a:pPr>
-                      <a:r>
-                        <a:rPr lang="en-US" sz="1100" dirty="0">
-                          <a:solidFill>
-                            <a:srgbClr val="030A18"/>
-                          </a:solidFill>
-                        </a:rPr>
-                        <a:t>0.71</a:t>
-                      </a:r>
-                      <a:endParaRPr lang="en-US" sz="1100" dirty="0"/>
-                    </a:p>
-                  </a:txBody>
-                  <a:tcPr marL="121920" marR="121920" marT="60960" marB="60960" anchor="ctr">
-                    <a:lnL w="3810" cap="flat" cmpd="sng" algn="ctr">
-                      <a:solidFill>
-                        <a:srgbClr val="DDDDDD"/>
-                      </a:solidFill>
-                      <a:prstDash val="solid"/>
-                      <a:round/>
-                      <a:headEnd type="none" w="med" len="med"/>
-                      <a:tailEnd type="none" w="med" len="med"/>
-                    </a:lnL>
-                    <a:lnR w="3810" cap="flat" cmpd="sng" algn="ctr">
-                      <a:solidFill>
-                        <a:srgbClr val="DDDDDD"/>
-                      </a:solidFill>
-                      <a:prstDash val="solid"/>
-                      <a:round/>
-                      <a:headEnd type="none" w="med" len="med"/>
-                      <a:tailEnd type="none" w="med" len="med"/>
-                    </a:lnR>
-                    <a:lnT w="3810" cap="flat" cmpd="sng" algn="ctr">
-                      <a:solidFill>
-                        <a:srgbClr val="DDDDDD"/>
-                      </a:solidFill>
-                      <a:prstDash val="solid"/>
-                      <a:round/>
-                      <a:headEnd type="none" w="med" len="med"/>
-                      <a:tailEnd type="none" w="med" len="med"/>
-                    </a:lnT>
-                    <a:lnB w="3810" cap="flat" cmpd="sng" algn="ctr">
-                      <a:solidFill>
-                        <a:srgbClr val="DDDDDD"/>
-                      </a:solidFill>
-                      <a:prstDash val="solid"/>
-                      <a:round/>
-                      <a:headEnd type="none" w="med" len="med"/>
-                      <a:tailEnd type="none" w="med" len="med"/>
-                    </a:lnB>
-                    <a:solidFill>
-                      <a:srgbClr val="F7F9FC"/>
-                    </a:solidFill>
-                  </a:tcPr>
-                </a:tc>
-                <a:tc>
-                  <a:txBody>
-                    <a:bodyPr/>
-                    <a:lstStyle/>
-                    <a:p>
-                      <a:pPr marL="0" indent="0">
-                        <a:buNone/>
-                      </a:pPr>
-                      <a:r>
-                        <a:rPr lang="en-US" sz="1100" dirty="0">
-                          <a:solidFill>
-                            <a:srgbClr val="030A18"/>
-                          </a:solidFill>
-                        </a:rPr>
-                        <a:t>0.41, 0.59</a:t>
-                      </a:r>
-                      <a:endParaRPr lang="en-US" sz="1100" dirty="0"/>
-                    </a:p>
-                  </a:txBody>
-                  <a:tcPr marL="121920" marR="121920" marT="60960" marB="60960" anchor="ctr">
-                    <a:lnL w="3810" cap="flat" cmpd="sng" algn="ctr">
-                      <a:solidFill>
-                        <a:srgbClr val="DDDDDD"/>
-                      </a:solidFill>
-                      <a:prstDash val="solid"/>
-                      <a:round/>
-                      <a:headEnd type="none" w="med" len="med"/>
-                      <a:tailEnd type="none" w="med" len="med"/>
-                    </a:lnL>
-                    <a:lnR w="3810" cap="flat" cmpd="sng" algn="ctr">
-                      <a:solidFill>
-                        <a:srgbClr val="DDDDDD"/>
-                      </a:solidFill>
-                      <a:prstDash val="solid"/>
-                      <a:round/>
-                      <a:headEnd type="none" w="med" len="med"/>
-                      <a:tailEnd type="none" w="med" len="med"/>
-                    </a:lnR>
-                    <a:lnT w="3810" cap="flat" cmpd="sng" algn="ctr">
-                      <a:solidFill>
-                        <a:srgbClr val="DDDDDD"/>
-                      </a:solidFill>
-                      <a:prstDash val="solid"/>
-                      <a:round/>
-                      <a:headEnd type="none" w="med" len="med"/>
-                      <a:tailEnd type="none" w="med" len="med"/>
-                    </a:lnT>
-                    <a:lnB w="3810" cap="flat" cmpd="sng" algn="ctr">
-                      <a:solidFill>
-                        <a:srgbClr val="DDDDDD"/>
-                      </a:solidFill>
-                      <a:prstDash val="solid"/>
-                      <a:round/>
-                      <a:headEnd type="none" w="med" len="med"/>
-                      <a:tailEnd type="none" w="med" len="med"/>
-                    </a:lnB>
-                    <a:solidFill>
-                      <a:srgbClr val="F7F9FC"/>
-                    </a:solidFill>
-                  </a:tcPr>
-                </a:tc>
-                <a:tc>
-                  <a:txBody>
-                    <a:bodyPr/>
-                    <a:lstStyle/>
-                    <a:p>
-                      <a:pPr marL="0" indent="0">
-                        <a:buNone/>
-                      </a:pPr>
-                      <a:r>
-                        <a:rPr lang="en-US" sz="1100" dirty="0">
-                          <a:solidFill>
-                            <a:srgbClr val="030A18"/>
-                          </a:solidFill>
-                        </a:rPr>
-                        <a:t>[0.62, 0.43]</a:t>
-                      </a:r>
-                      <a:endParaRPr lang="en-US" sz="1100" dirty="0"/>
-                    </a:p>
-                  </a:txBody>
-                  <a:tcPr marL="121920" marR="121920" marT="60960" marB="60960" anchor="ctr">
-                    <a:lnL w="3810" cap="flat" cmpd="sng" algn="ctr">
-                      <a:solidFill>
-                        <a:srgbClr val="DDDDDD"/>
-                      </a:solidFill>
-                      <a:prstDash val="solid"/>
-                      <a:round/>
-                      <a:headEnd type="none" w="med" len="med"/>
-                      <a:tailEnd type="none" w="med" len="med"/>
-                    </a:lnL>
-                    <a:lnR w="3810" cap="flat" cmpd="sng" algn="ctr">
-                      <a:solidFill>
-                        <a:srgbClr val="DDDDDD"/>
-                      </a:solidFill>
-                      <a:prstDash val="solid"/>
-                      <a:round/>
-                      <a:headEnd type="none" w="med" len="med"/>
-                      <a:tailEnd type="none" w="med" len="med"/>
-                    </a:lnR>
-                    <a:lnT w="3810" cap="flat" cmpd="sng" algn="ctr">
-                      <a:solidFill>
-                        <a:srgbClr val="DDDDDD"/>
-                      </a:solidFill>
-                      <a:prstDash val="solid"/>
-                      <a:round/>
-                      <a:headEnd type="none" w="med" len="med"/>
-                      <a:tailEnd type="none" w="med" len="med"/>
-                    </a:lnT>
-                    <a:lnB w="3810" cap="flat" cmpd="sng" algn="ctr">
-                      <a:solidFill>
-                        <a:srgbClr val="DDDDDD"/>
-                      </a:solidFill>
-                      <a:prstDash val="solid"/>
-                      <a:round/>
-                      <a:headEnd type="none" w="med" len="med"/>
-                      <a:tailEnd type="none" w="med" len="med"/>
-                    </a:lnB>
-                    <a:solidFill>
-                      <a:srgbClr val="F7F9FC"/>
-                    </a:solidFill>
-                  </a:tcPr>
-                </a:tc>
-                <a:extLst>
-                  <a:ext uri="{0D108BD9-81ED-4DB2-BD59-A6C34878D82A}">
-                    <a16:rowId xmlns:a16="http://schemas.microsoft.com/office/drawing/2014/main" val="10002"/>
-                  </a:ext>
-                </a:extLst>
-              </a:tr>
-            </a:tbl>
-          </a:graphicData>
-        </a:graphic>
-      </p:graphicFrame>
     </p:spTree>
     <p:extLst>
       <p:ext uri="{BB962C8B-B14F-4D97-AF65-F5344CB8AC3E}">
-        <p14:creationId xmlns:p14="http://schemas.microsoft.com/office/powerpoint/2010/main" val="2994320869"/>
+        <p14:creationId xmlns:p14="http://schemas.microsoft.com/office/powerpoint/2010/main" val="136742962"/>
       </p:ext>
     </p:extLst>
   </p:cSld>
@@ -15496,19 +11194,41 @@
           <a:p>
             <a:r>
               <a:rPr lang="en-US" dirty="0"/>
-              <a:t>Perform h independent attentions in parallel on projected Q, K, V.</a:t>
+              <a:t>We have simplified everything. </a:t>
             </a:r>
           </a:p>
           <a:p>
             <a:r>
               <a:rPr lang="en-US" dirty="0"/>
-              <a:t>Each head learns to focus on different relationships or patterns.</a:t>
-            </a:r>
-          </a:p>
-          <a:p>
+              <a:t>We could have:</a:t>
+            </a:r>
+          </a:p>
+          <a:p>
+            <a:pPr lvl="1"/>
             <a:r>
               <a:rPr lang="en-US" dirty="0"/>
-              <a:t>Outputs of all heads are concatenated and projected to the final dimension.</a:t>
+              <a:t>Used more latent dimensions (and potentially changed them through the keys).</a:t>
+            </a:r>
+          </a:p>
+          <a:p>
+            <a:pPr lvl="1"/>
+            <a:r>
+              <a:rPr lang="en-US" dirty="0"/>
+              <a:t>Replaced the creation of queries keys and values with full NNs.</a:t>
+            </a:r>
+          </a:p>
+          <a:p>
+            <a:pPr lvl="1"/>
+            <a:r>
+              <a:rPr lang="en-US" dirty="0"/>
+              <a:t>Performed independent attentions to create a multi-head attention blocks.</a:t>
+            </a:r>
+          </a:p>
+          <a:p>
+            <a:pPr lvl="1"/>
+            <a:r>
+              <a:rPr lang="en-US" dirty="0"/>
+              <a:t>Added in a decoder. </a:t>
             </a:r>
           </a:p>
         </p:txBody>
@@ -15548,7 +11268,7 @@
           <p:cNvPr id="2" name="Title 1">
             <a:extLst>
               <a:ext uri="{FF2B5EF4-FFF2-40B4-BE49-F238E27FC236}">
-                <a16:creationId xmlns:a16="http://schemas.microsoft.com/office/drawing/2014/main" id="{9233B423-CE0B-EF89-44BA-50C71B60869B}"/>
+                <a16:creationId xmlns:a16="http://schemas.microsoft.com/office/drawing/2014/main" id="{4645E103-B361-D200-E8BC-40EB2CF989DD}"/>
               </a:ext>
             </a:extLst>
           </p:cNvPr>
@@ -15566,19 +11286,19 @@
           <a:p>
             <a:r>
               <a:rPr lang="en-US" dirty="0"/>
-              <a:t>Positional encoding</a:t>
+              <a:t>The huge benefit of transformers</a:t>
             </a:r>
           </a:p>
         </p:txBody>
       </p:sp>
-      <mc:AlternateContent xmlns:mc="http://schemas.openxmlformats.org/markup-compatibility/2006" xmlns:a14="http://schemas.microsoft.com/office/drawing/2010/main">
-        <mc:Choice Requires="a14">
+      <mc:AlternateContent xmlns:mc="http://schemas.openxmlformats.org/markup-compatibility/2006">
+        <mc:Choice xmlns:a14="http://schemas.microsoft.com/office/drawing/2010/main" Requires="a14">
           <p:sp>
             <p:nvSpPr>
               <p:cNvPr id="3" name="Content Placeholder 2">
                 <a:extLst>
                   <a:ext uri="{FF2B5EF4-FFF2-40B4-BE49-F238E27FC236}">
-                    <a16:creationId xmlns:a16="http://schemas.microsoft.com/office/drawing/2014/main" id="{0C70065F-3950-9AEF-8B91-481E7B745519}"/>
+                    <a16:creationId xmlns:a16="http://schemas.microsoft.com/office/drawing/2014/main" id="{56F74B6F-91B8-A162-0F83-C72595E55533}"/>
                   </a:ext>
                 </a:extLst>
               </p:cNvPr>
@@ -15589,57 +11309,79 @@
                 <p:ph idx="1"/>
               </p:nvPr>
             </p:nvSpPr>
-            <p:spPr>
-              <a:xfrm>
-                <a:off x="838200" y="1825625"/>
-                <a:ext cx="6248400" cy="4149290"/>
-              </a:xfrm>
-            </p:spPr>
+            <p:spPr/>
             <p:txBody>
-              <a:bodyPr>
-                <a:normAutofit/>
-              </a:bodyPr>
+              <a:bodyPr/>
               <a:lstStyle/>
               <a:p>
                 <a:r>
                   <a:rPr lang="en-US" dirty="0"/>
-                  <a:t>Self‑attention lacks inherent order; we need to inject position information.</a:t>
+                  <a:t>Fully parallel – sequence length defines complexity </a:t>
+                </a:r>
+                <a14:m>
+                  <m:oMath xmlns:m="http://schemas.openxmlformats.org/officeDocument/2006/math">
+                    <m:r>
+                      <a:rPr lang="en-US" i="1" dirty="0" smtClean="0">
+                        <a:latin typeface="Cambria Math" panose="02040503050406030204" pitchFamily="18" charset="0"/>
+                      </a:rPr>
+                      <m:t>𝑂</m:t>
+                    </m:r>
+                    <m:r>
+                      <a:rPr lang="en-US" i="1" dirty="0" smtClean="0">
+                        <a:latin typeface="Cambria Math" panose="02040503050406030204" pitchFamily="18" charset="0"/>
+                      </a:rPr>
+                      <m:t>(</m:t>
+                    </m:r>
+                    <m:r>
+                      <a:rPr lang="en-US" i="1" dirty="0" smtClean="0">
+                        <a:latin typeface="Cambria Math" panose="02040503050406030204" pitchFamily="18" charset="0"/>
+                      </a:rPr>
+                      <m:t>𝑛</m:t>
+                    </m:r>
+                    <m:r>
+                      <a:rPr lang="en-US" i="1" dirty="0" smtClean="0">
+                        <a:latin typeface="Cambria Math" panose="02040503050406030204" pitchFamily="18" charset="0"/>
+                      </a:rPr>
+                      <m:t>²)</m:t>
+                    </m:r>
+                  </m:oMath>
+                </a14:m>
+                <a:r>
+                  <a:rPr lang="en-US" dirty="0"/>
+                  <a:t>.</a:t>
                 </a:r>
               </a:p>
               <a:p>
                 <a:r>
                   <a:rPr lang="en-US" dirty="0"/>
-                  <a:t>Use deterministic sine and cosine functions for each dimension:</a:t>
+                  <a:t>We re-use all the weights behind the transformer components.</a:t>
                 </a:r>
-              </a:p>
-              <a:p>
-                <a:pPr marL="0" indent="0">
-                  <a:buNone/>
-                </a:pPr>
-                <a:endParaRPr lang="en-US" dirty="0"/>
-              </a:p>
-              <a:p>
-                <a:pPr marL="0" indent="0">
-                  <a:buNone/>
-                </a:pPr>
-                <a:endParaRPr lang="en-US" dirty="0"/>
               </a:p>
               <a:p>
                 <a:r>
                   <a:rPr lang="en-US" dirty="0"/>
-                  <a:t>Allows the model to learn relative and absolute positions.</a:t>
+                  <a:t>Also adding in the positional encoding (instead of multiplying or concatenating) and the residual / skip connections means we don’t need extra parameters</a:t>
                 </a:r>
+              </a:p>
+              <a:p>
+                <a:r>
+                  <a:rPr lang="en-US" dirty="0"/>
+                  <a:t>Massively reduces the number of parameters needed to estimate.</a:t>
+                </a:r>
+              </a:p>
+              <a:p>
+                <a:endParaRPr lang="en-US" dirty="0"/>
               </a:p>
             </p:txBody>
           </p:sp>
         </mc:Choice>
-        <mc:Fallback xmlns="">
+        <mc:Fallback>
           <p:sp>
             <p:nvSpPr>
               <p:cNvPr id="3" name="Content Placeholder 2">
                 <a:extLst>
                   <a:ext uri="{FF2B5EF4-FFF2-40B4-BE49-F238E27FC236}">
-                    <a16:creationId xmlns:a16="http://schemas.microsoft.com/office/drawing/2014/main" id="{0C70065F-3950-9AEF-8B91-481E7B745519}"/>
+                    <a16:creationId xmlns:a16="http://schemas.microsoft.com/office/drawing/2014/main" id="{56F74B6F-91B8-A162-0F83-C72595E55533}"/>
                   </a:ext>
                 </a:extLst>
               </p:cNvPr>
@@ -15651,14 +11393,10 @@
               </p:nvPr>
             </p:nvSpPr>
             <p:spPr>
-              <a:xfrm>
-                <a:off x="838200" y="1825625"/>
-                <a:ext cx="6248400" cy="4149290"/>
-              </a:xfrm>
               <a:blipFill>
                 <a:blip r:embed="rId2"/>
                 <a:stretch>
-                  <a:fillRect l="-1826" t="-2439"/>
+                  <a:fillRect l="-1368" t="-2439"/>
                 </a:stretch>
               </a:blipFill>
             </p:spPr>
@@ -15677,1321 +11415,10 @@
           </p:sp>
         </mc:Fallback>
       </mc:AlternateContent>
-      <p:graphicFrame>
-        <p:nvGraphicFramePr>
-          <p:cNvPr id="4" name="Table 0">
-            <a:extLst>
-              <a:ext uri="{FF2B5EF4-FFF2-40B4-BE49-F238E27FC236}">
-                <a16:creationId xmlns:a16="http://schemas.microsoft.com/office/drawing/2014/main" id="{12CF838B-90EC-A1FC-C78D-635887BBCD36}"/>
-              </a:ext>
-            </a:extLst>
-          </p:cNvPr>
-          <p:cNvGraphicFramePr>
-            <a:graphicFrameLocks noGrp="1"/>
-          </p:cNvGraphicFramePr>
-          <p:nvPr/>
-        </p:nvGraphicFramePr>
-        <p:xfrm>
-          <a:off x="7559040" y="2194560"/>
-          <a:ext cx="4389120" cy="1950720"/>
-        </p:xfrm>
-        <a:graphic>
-          <a:graphicData uri="http://schemas.openxmlformats.org/drawingml/2006/table">
-            <a:tbl>
-              <a:tblPr/>
-              <a:tblGrid>
-                <a:gridCol w="877824">
-                  <a:extLst>
-                    <a:ext uri="{9D8B030D-6E8A-4147-A177-3AD203B41FA5}">
-                      <a16:colId xmlns:a16="http://schemas.microsoft.com/office/drawing/2014/main" val="20000"/>
-                    </a:ext>
-                  </a:extLst>
-                </a:gridCol>
-                <a:gridCol w="877824">
-                  <a:extLst>
-                    <a:ext uri="{9D8B030D-6E8A-4147-A177-3AD203B41FA5}">
-                      <a16:colId xmlns:a16="http://schemas.microsoft.com/office/drawing/2014/main" val="20001"/>
-                    </a:ext>
-                  </a:extLst>
-                </a:gridCol>
-                <a:gridCol w="877824">
-                  <a:extLst>
-                    <a:ext uri="{9D8B030D-6E8A-4147-A177-3AD203B41FA5}">
-                      <a16:colId xmlns:a16="http://schemas.microsoft.com/office/drawing/2014/main" val="20002"/>
-                    </a:ext>
-                  </a:extLst>
-                </a:gridCol>
-                <a:gridCol w="877824">
-                  <a:extLst>
-                    <a:ext uri="{9D8B030D-6E8A-4147-A177-3AD203B41FA5}">
-                      <a16:colId xmlns:a16="http://schemas.microsoft.com/office/drawing/2014/main" val="20003"/>
-                    </a:ext>
-                  </a:extLst>
-                </a:gridCol>
-                <a:gridCol w="877824">
-                  <a:extLst>
-                    <a:ext uri="{9D8B030D-6E8A-4147-A177-3AD203B41FA5}">
-                      <a16:colId xmlns:a16="http://schemas.microsoft.com/office/drawing/2014/main" val="20004"/>
-                    </a:ext>
-                  </a:extLst>
-                </a:gridCol>
-              </a:tblGrid>
-              <a:tr h="487680">
-                <a:tc>
-                  <a:txBody>
-                    <a:bodyPr/>
-                    <a:lstStyle/>
-                    <a:p>
-                      <a:pPr marL="0" indent="0">
-                        <a:buNone/>
-                      </a:pPr>
-                      <a:r>
-                        <a:rPr lang="en-US" sz="1100" b="1" dirty="0">
-                          <a:solidFill>
-                            <a:srgbClr val="030A18"/>
-                          </a:solidFill>
-                        </a:rPr>
-                        <a:t>p</a:t>
-                      </a:r>
-                      <a:endParaRPr lang="en-US" sz="1100" dirty="0"/>
-                    </a:p>
-                  </a:txBody>
-                  <a:tcPr marL="121920" marR="121920" marT="60960" marB="60960" anchor="ctr">
-                    <a:lnL w="3810" cap="flat" cmpd="sng" algn="ctr">
-                      <a:solidFill>
-                        <a:srgbClr val="DDDDDD"/>
-                      </a:solidFill>
-                      <a:prstDash val="solid"/>
-                      <a:round/>
-                      <a:headEnd type="none" w="med" len="med"/>
-                      <a:tailEnd type="none" w="med" len="med"/>
-                    </a:lnL>
-                    <a:lnR w="3810" cap="flat" cmpd="sng" algn="ctr">
-                      <a:solidFill>
-                        <a:srgbClr val="DDDDDD"/>
-                      </a:solidFill>
-                      <a:prstDash val="solid"/>
-                      <a:round/>
-                      <a:headEnd type="none" w="med" len="med"/>
-                      <a:tailEnd type="none" w="med" len="med"/>
-                    </a:lnR>
-                    <a:lnT w="3810" cap="flat" cmpd="sng" algn="ctr">
-                      <a:solidFill>
-                        <a:srgbClr val="DDDDDD"/>
-                      </a:solidFill>
-                      <a:prstDash val="solid"/>
-                      <a:round/>
-                      <a:headEnd type="none" w="med" len="med"/>
-                      <a:tailEnd type="none" w="med" len="med"/>
-                    </a:lnT>
-                    <a:lnB w="3810" cap="flat" cmpd="sng" algn="ctr">
-                      <a:solidFill>
-                        <a:srgbClr val="DDDDDD"/>
-                      </a:solidFill>
-                      <a:prstDash val="solid"/>
-                      <a:round/>
-                      <a:headEnd type="none" w="med" len="med"/>
-                      <a:tailEnd type="none" w="med" len="med"/>
-                    </a:lnB>
-                    <a:solidFill>
-                      <a:srgbClr val="F5F5F5"/>
-                    </a:solidFill>
-                  </a:tcPr>
-                </a:tc>
-                <a:tc>
-                  <a:txBody>
-                    <a:bodyPr/>
-                    <a:lstStyle/>
-                    <a:p>
-                      <a:pPr marL="0" indent="0">
-                        <a:buNone/>
-                      </a:pPr>
-                      <a:r>
-                        <a:rPr lang="en-US" sz="1100" b="1" dirty="0">
-                          <a:solidFill>
-                            <a:srgbClr val="030A18"/>
-                          </a:solidFill>
-                        </a:rPr>
-                        <a:t>PE(p,0)</a:t>
-                      </a:r>
-                      <a:endParaRPr lang="en-US" sz="1100" dirty="0"/>
-                    </a:p>
-                  </a:txBody>
-                  <a:tcPr marL="121920" marR="121920" marT="60960" marB="60960" anchor="ctr">
-                    <a:lnL w="3810" cap="flat" cmpd="sng" algn="ctr">
-                      <a:solidFill>
-                        <a:srgbClr val="DDDDDD"/>
-                      </a:solidFill>
-                      <a:prstDash val="solid"/>
-                      <a:round/>
-                      <a:headEnd type="none" w="med" len="med"/>
-                      <a:tailEnd type="none" w="med" len="med"/>
-                    </a:lnL>
-                    <a:lnR w="3810" cap="flat" cmpd="sng" algn="ctr">
-                      <a:solidFill>
-                        <a:srgbClr val="DDDDDD"/>
-                      </a:solidFill>
-                      <a:prstDash val="solid"/>
-                      <a:round/>
-                      <a:headEnd type="none" w="med" len="med"/>
-                      <a:tailEnd type="none" w="med" len="med"/>
-                    </a:lnR>
-                    <a:lnT w="3810" cap="flat" cmpd="sng" algn="ctr">
-                      <a:solidFill>
-                        <a:srgbClr val="DDDDDD"/>
-                      </a:solidFill>
-                      <a:prstDash val="solid"/>
-                      <a:round/>
-                      <a:headEnd type="none" w="med" len="med"/>
-                      <a:tailEnd type="none" w="med" len="med"/>
-                    </a:lnT>
-                    <a:lnB w="3810" cap="flat" cmpd="sng" algn="ctr">
-                      <a:solidFill>
-                        <a:srgbClr val="DDDDDD"/>
-                      </a:solidFill>
-                      <a:prstDash val="solid"/>
-                      <a:round/>
-                      <a:headEnd type="none" w="med" len="med"/>
-                      <a:tailEnd type="none" w="med" len="med"/>
-                    </a:lnB>
-                    <a:solidFill>
-                      <a:srgbClr val="F5F5F5"/>
-                    </a:solidFill>
-                  </a:tcPr>
-                </a:tc>
-                <a:tc>
-                  <a:txBody>
-                    <a:bodyPr/>
-                    <a:lstStyle/>
-                    <a:p>
-                      <a:pPr marL="0" indent="0">
-                        <a:buNone/>
-                      </a:pPr>
-                      <a:r>
-                        <a:rPr lang="en-US" sz="1100" b="1" dirty="0">
-                          <a:solidFill>
-                            <a:srgbClr val="030A18"/>
-                          </a:solidFill>
-                        </a:rPr>
-                        <a:t>PE(p,1)</a:t>
-                      </a:r>
-                      <a:endParaRPr lang="en-US" sz="1100" dirty="0"/>
-                    </a:p>
-                  </a:txBody>
-                  <a:tcPr marL="121920" marR="121920" marT="60960" marB="60960" anchor="ctr">
-                    <a:lnL w="3810" cap="flat" cmpd="sng" algn="ctr">
-                      <a:solidFill>
-                        <a:srgbClr val="DDDDDD"/>
-                      </a:solidFill>
-                      <a:prstDash val="solid"/>
-                      <a:round/>
-                      <a:headEnd type="none" w="med" len="med"/>
-                      <a:tailEnd type="none" w="med" len="med"/>
-                    </a:lnL>
-                    <a:lnR w="3810" cap="flat" cmpd="sng" algn="ctr">
-                      <a:solidFill>
-                        <a:srgbClr val="DDDDDD"/>
-                      </a:solidFill>
-                      <a:prstDash val="solid"/>
-                      <a:round/>
-                      <a:headEnd type="none" w="med" len="med"/>
-                      <a:tailEnd type="none" w="med" len="med"/>
-                    </a:lnR>
-                    <a:lnT w="3810" cap="flat" cmpd="sng" algn="ctr">
-                      <a:solidFill>
-                        <a:srgbClr val="DDDDDD"/>
-                      </a:solidFill>
-                      <a:prstDash val="solid"/>
-                      <a:round/>
-                      <a:headEnd type="none" w="med" len="med"/>
-                      <a:tailEnd type="none" w="med" len="med"/>
-                    </a:lnT>
-                    <a:lnB w="3810" cap="flat" cmpd="sng" algn="ctr">
-                      <a:solidFill>
-                        <a:srgbClr val="DDDDDD"/>
-                      </a:solidFill>
-                      <a:prstDash val="solid"/>
-                      <a:round/>
-                      <a:headEnd type="none" w="med" len="med"/>
-                      <a:tailEnd type="none" w="med" len="med"/>
-                    </a:lnB>
-                    <a:solidFill>
-                      <a:srgbClr val="F5F5F5"/>
-                    </a:solidFill>
-                  </a:tcPr>
-                </a:tc>
-                <a:tc>
-                  <a:txBody>
-                    <a:bodyPr/>
-                    <a:lstStyle/>
-                    <a:p>
-                      <a:pPr marL="0" indent="0">
-                        <a:buNone/>
-                      </a:pPr>
-                      <a:r>
-                        <a:rPr lang="en-US" sz="1100" b="1" dirty="0">
-                          <a:solidFill>
-                            <a:srgbClr val="030A18"/>
-                          </a:solidFill>
-                        </a:rPr>
-                        <a:t>PE(p,2)</a:t>
-                      </a:r>
-                      <a:endParaRPr lang="en-US" sz="1100" dirty="0"/>
-                    </a:p>
-                  </a:txBody>
-                  <a:tcPr marL="121920" marR="121920" marT="60960" marB="60960" anchor="ctr">
-                    <a:lnL w="3810" cap="flat" cmpd="sng" algn="ctr">
-                      <a:solidFill>
-                        <a:srgbClr val="DDDDDD"/>
-                      </a:solidFill>
-                      <a:prstDash val="solid"/>
-                      <a:round/>
-                      <a:headEnd type="none" w="med" len="med"/>
-                      <a:tailEnd type="none" w="med" len="med"/>
-                    </a:lnL>
-                    <a:lnR w="3810" cap="flat" cmpd="sng" algn="ctr">
-                      <a:solidFill>
-                        <a:srgbClr val="DDDDDD"/>
-                      </a:solidFill>
-                      <a:prstDash val="solid"/>
-                      <a:round/>
-                      <a:headEnd type="none" w="med" len="med"/>
-                      <a:tailEnd type="none" w="med" len="med"/>
-                    </a:lnR>
-                    <a:lnT w="3810" cap="flat" cmpd="sng" algn="ctr">
-                      <a:solidFill>
-                        <a:srgbClr val="DDDDDD"/>
-                      </a:solidFill>
-                      <a:prstDash val="solid"/>
-                      <a:round/>
-                      <a:headEnd type="none" w="med" len="med"/>
-                      <a:tailEnd type="none" w="med" len="med"/>
-                    </a:lnT>
-                    <a:lnB w="3810" cap="flat" cmpd="sng" algn="ctr">
-                      <a:solidFill>
-                        <a:srgbClr val="DDDDDD"/>
-                      </a:solidFill>
-                      <a:prstDash val="solid"/>
-                      <a:round/>
-                      <a:headEnd type="none" w="med" len="med"/>
-                      <a:tailEnd type="none" w="med" len="med"/>
-                    </a:lnB>
-                    <a:solidFill>
-                      <a:srgbClr val="F5F5F5"/>
-                    </a:solidFill>
-                  </a:tcPr>
-                </a:tc>
-                <a:tc>
-                  <a:txBody>
-                    <a:bodyPr/>
-                    <a:lstStyle/>
-                    <a:p>
-                      <a:pPr marL="0" indent="0">
-                        <a:buNone/>
-                      </a:pPr>
-                      <a:r>
-                        <a:rPr lang="en-US" sz="1100" b="1" dirty="0">
-                          <a:solidFill>
-                            <a:srgbClr val="030A18"/>
-                          </a:solidFill>
-                        </a:rPr>
-                        <a:t>PE(p,3)</a:t>
-                      </a:r>
-                      <a:endParaRPr lang="en-US" sz="1100" dirty="0"/>
-                    </a:p>
-                  </a:txBody>
-                  <a:tcPr marL="121920" marR="121920" marT="60960" marB="60960" anchor="ctr">
-                    <a:lnL w="3810" cap="flat" cmpd="sng" algn="ctr">
-                      <a:solidFill>
-                        <a:srgbClr val="DDDDDD"/>
-                      </a:solidFill>
-                      <a:prstDash val="solid"/>
-                      <a:round/>
-                      <a:headEnd type="none" w="med" len="med"/>
-                      <a:tailEnd type="none" w="med" len="med"/>
-                    </a:lnL>
-                    <a:lnR w="3810" cap="flat" cmpd="sng" algn="ctr">
-                      <a:solidFill>
-                        <a:srgbClr val="DDDDDD"/>
-                      </a:solidFill>
-                      <a:prstDash val="solid"/>
-                      <a:round/>
-                      <a:headEnd type="none" w="med" len="med"/>
-                      <a:tailEnd type="none" w="med" len="med"/>
-                    </a:lnR>
-                    <a:lnT w="3810" cap="flat" cmpd="sng" algn="ctr">
-                      <a:solidFill>
-                        <a:srgbClr val="DDDDDD"/>
-                      </a:solidFill>
-                      <a:prstDash val="solid"/>
-                      <a:round/>
-                      <a:headEnd type="none" w="med" len="med"/>
-                      <a:tailEnd type="none" w="med" len="med"/>
-                    </a:lnT>
-                    <a:lnB w="3810" cap="flat" cmpd="sng" algn="ctr">
-                      <a:solidFill>
-                        <a:srgbClr val="DDDDDD"/>
-                      </a:solidFill>
-                      <a:prstDash val="solid"/>
-                      <a:round/>
-                      <a:headEnd type="none" w="med" len="med"/>
-                      <a:tailEnd type="none" w="med" len="med"/>
-                    </a:lnB>
-                    <a:solidFill>
-                      <a:srgbClr val="F5F5F5"/>
-                    </a:solidFill>
-                  </a:tcPr>
-                </a:tc>
-                <a:extLst>
-                  <a:ext uri="{0D108BD9-81ED-4DB2-BD59-A6C34878D82A}">
-                    <a16:rowId xmlns:a16="http://schemas.microsoft.com/office/drawing/2014/main" val="10000"/>
-                  </a:ext>
-                </a:extLst>
-              </a:tr>
-              <a:tr h="487680">
-                <a:tc>
-                  <a:txBody>
-                    <a:bodyPr/>
-                    <a:lstStyle/>
-                    <a:p>
-                      <a:pPr marL="0" indent="0">
-                        <a:buNone/>
-                      </a:pPr>
-                      <a:r>
-                        <a:rPr lang="en-US" sz="1100" dirty="0">
-                          <a:solidFill>
-                            <a:srgbClr val="030A18"/>
-                          </a:solidFill>
-                        </a:rPr>
-                        <a:t>1</a:t>
-                      </a:r>
-                      <a:endParaRPr lang="en-US" sz="1100" dirty="0"/>
-                    </a:p>
-                  </a:txBody>
-                  <a:tcPr marL="121920" marR="121920" marT="60960" marB="60960" anchor="ctr">
-                    <a:lnL w="3810" cap="flat" cmpd="sng" algn="ctr">
-                      <a:solidFill>
-                        <a:srgbClr val="DDDDDD"/>
-                      </a:solidFill>
-                      <a:prstDash val="solid"/>
-                      <a:round/>
-                      <a:headEnd type="none" w="med" len="med"/>
-                      <a:tailEnd type="none" w="med" len="med"/>
-                    </a:lnL>
-                    <a:lnR w="3810" cap="flat" cmpd="sng" algn="ctr">
-                      <a:solidFill>
-                        <a:srgbClr val="DDDDDD"/>
-                      </a:solidFill>
-                      <a:prstDash val="solid"/>
-                      <a:round/>
-                      <a:headEnd type="none" w="med" len="med"/>
-                      <a:tailEnd type="none" w="med" len="med"/>
-                    </a:lnR>
-                    <a:lnT w="3810" cap="flat" cmpd="sng" algn="ctr">
-                      <a:solidFill>
-                        <a:srgbClr val="DDDDDD"/>
-                      </a:solidFill>
-                      <a:prstDash val="solid"/>
-                      <a:round/>
-                      <a:headEnd type="none" w="med" len="med"/>
-                      <a:tailEnd type="none" w="med" len="med"/>
-                    </a:lnT>
-                    <a:lnB w="3810" cap="flat" cmpd="sng" algn="ctr">
-                      <a:solidFill>
-                        <a:srgbClr val="DDDDDD"/>
-                      </a:solidFill>
-                      <a:prstDash val="solid"/>
-                      <a:round/>
-                      <a:headEnd type="none" w="med" len="med"/>
-                      <a:tailEnd type="none" w="med" len="med"/>
-                    </a:lnB>
-                    <a:solidFill>
-                      <a:srgbClr val="FFFFFF"/>
-                    </a:solidFill>
-                  </a:tcPr>
-                </a:tc>
-                <a:tc>
-                  <a:txBody>
-                    <a:bodyPr/>
-                    <a:lstStyle/>
-                    <a:p>
-                      <a:pPr marL="0" indent="0">
-                        <a:buNone/>
-                      </a:pPr>
-                      <a:r>
-                        <a:rPr lang="en-US" sz="1100" dirty="0">
-                          <a:solidFill>
-                            <a:srgbClr val="030A18"/>
-                          </a:solidFill>
-                        </a:rPr>
-                        <a:t>0.8415</a:t>
-                      </a:r>
-                      <a:endParaRPr lang="en-US" sz="1100" dirty="0"/>
-                    </a:p>
-                  </a:txBody>
-                  <a:tcPr marL="121920" marR="121920" marT="60960" marB="60960" anchor="ctr">
-                    <a:lnL w="3810" cap="flat" cmpd="sng" algn="ctr">
-                      <a:solidFill>
-                        <a:srgbClr val="DDDDDD"/>
-                      </a:solidFill>
-                      <a:prstDash val="solid"/>
-                      <a:round/>
-                      <a:headEnd type="none" w="med" len="med"/>
-                      <a:tailEnd type="none" w="med" len="med"/>
-                    </a:lnL>
-                    <a:lnR w="3810" cap="flat" cmpd="sng" algn="ctr">
-                      <a:solidFill>
-                        <a:srgbClr val="DDDDDD"/>
-                      </a:solidFill>
-                      <a:prstDash val="solid"/>
-                      <a:round/>
-                      <a:headEnd type="none" w="med" len="med"/>
-                      <a:tailEnd type="none" w="med" len="med"/>
-                    </a:lnR>
-                    <a:lnT w="3810" cap="flat" cmpd="sng" algn="ctr">
-                      <a:solidFill>
-                        <a:srgbClr val="DDDDDD"/>
-                      </a:solidFill>
-                      <a:prstDash val="solid"/>
-                      <a:round/>
-                      <a:headEnd type="none" w="med" len="med"/>
-                      <a:tailEnd type="none" w="med" len="med"/>
-                    </a:lnT>
-                    <a:lnB w="3810" cap="flat" cmpd="sng" algn="ctr">
-                      <a:solidFill>
-                        <a:srgbClr val="DDDDDD"/>
-                      </a:solidFill>
-                      <a:prstDash val="solid"/>
-                      <a:round/>
-                      <a:headEnd type="none" w="med" len="med"/>
-                      <a:tailEnd type="none" w="med" len="med"/>
-                    </a:lnB>
-                    <a:solidFill>
-                      <a:srgbClr val="FFFFFF"/>
-                    </a:solidFill>
-                  </a:tcPr>
-                </a:tc>
-                <a:tc>
-                  <a:txBody>
-                    <a:bodyPr/>
-                    <a:lstStyle/>
-                    <a:p>
-                      <a:pPr marL="0" indent="0">
-                        <a:buNone/>
-                      </a:pPr>
-                      <a:r>
-                        <a:rPr lang="en-US" sz="1100" dirty="0">
-                          <a:solidFill>
-                            <a:srgbClr val="030A18"/>
-                          </a:solidFill>
-                        </a:rPr>
-                        <a:t>0.5403</a:t>
-                      </a:r>
-                      <a:endParaRPr lang="en-US" sz="1100" dirty="0"/>
-                    </a:p>
-                  </a:txBody>
-                  <a:tcPr marL="121920" marR="121920" marT="60960" marB="60960" anchor="ctr">
-                    <a:lnL w="3810" cap="flat" cmpd="sng" algn="ctr">
-                      <a:solidFill>
-                        <a:srgbClr val="DDDDDD"/>
-                      </a:solidFill>
-                      <a:prstDash val="solid"/>
-                      <a:round/>
-                      <a:headEnd type="none" w="med" len="med"/>
-                      <a:tailEnd type="none" w="med" len="med"/>
-                    </a:lnL>
-                    <a:lnR w="3810" cap="flat" cmpd="sng" algn="ctr">
-                      <a:solidFill>
-                        <a:srgbClr val="DDDDDD"/>
-                      </a:solidFill>
-                      <a:prstDash val="solid"/>
-                      <a:round/>
-                      <a:headEnd type="none" w="med" len="med"/>
-                      <a:tailEnd type="none" w="med" len="med"/>
-                    </a:lnR>
-                    <a:lnT w="3810" cap="flat" cmpd="sng" algn="ctr">
-                      <a:solidFill>
-                        <a:srgbClr val="DDDDDD"/>
-                      </a:solidFill>
-                      <a:prstDash val="solid"/>
-                      <a:round/>
-                      <a:headEnd type="none" w="med" len="med"/>
-                      <a:tailEnd type="none" w="med" len="med"/>
-                    </a:lnT>
-                    <a:lnB w="3810" cap="flat" cmpd="sng" algn="ctr">
-                      <a:solidFill>
-                        <a:srgbClr val="DDDDDD"/>
-                      </a:solidFill>
-                      <a:prstDash val="solid"/>
-                      <a:round/>
-                      <a:headEnd type="none" w="med" len="med"/>
-                      <a:tailEnd type="none" w="med" len="med"/>
-                    </a:lnB>
-                    <a:solidFill>
-                      <a:srgbClr val="FFFFFF"/>
-                    </a:solidFill>
-                  </a:tcPr>
-                </a:tc>
-                <a:tc>
-                  <a:txBody>
-                    <a:bodyPr/>
-                    <a:lstStyle/>
-                    <a:p>
-                      <a:pPr marL="0" indent="0">
-                        <a:buNone/>
-                      </a:pPr>
-                      <a:r>
-                        <a:rPr lang="en-US" sz="1100" dirty="0">
-                          <a:solidFill>
-                            <a:srgbClr val="030A18"/>
-                          </a:solidFill>
-                        </a:rPr>
-                        <a:t>0.0100</a:t>
-                      </a:r>
-                      <a:endParaRPr lang="en-US" sz="1100" dirty="0"/>
-                    </a:p>
-                  </a:txBody>
-                  <a:tcPr marL="121920" marR="121920" marT="60960" marB="60960" anchor="ctr">
-                    <a:lnL w="3810" cap="flat" cmpd="sng" algn="ctr">
-                      <a:solidFill>
-                        <a:srgbClr val="DDDDDD"/>
-                      </a:solidFill>
-                      <a:prstDash val="solid"/>
-                      <a:round/>
-                      <a:headEnd type="none" w="med" len="med"/>
-                      <a:tailEnd type="none" w="med" len="med"/>
-                    </a:lnL>
-                    <a:lnR w="3810" cap="flat" cmpd="sng" algn="ctr">
-                      <a:solidFill>
-                        <a:srgbClr val="DDDDDD"/>
-                      </a:solidFill>
-                      <a:prstDash val="solid"/>
-                      <a:round/>
-                      <a:headEnd type="none" w="med" len="med"/>
-                      <a:tailEnd type="none" w="med" len="med"/>
-                    </a:lnR>
-                    <a:lnT w="3810" cap="flat" cmpd="sng" algn="ctr">
-                      <a:solidFill>
-                        <a:srgbClr val="DDDDDD"/>
-                      </a:solidFill>
-                      <a:prstDash val="solid"/>
-                      <a:round/>
-                      <a:headEnd type="none" w="med" len="med"/>
-                      <a:tailEnd type="none" w="med" len="med"/>
-                    </a:lnT>
-                    <a:lnB w="3810" cap="flat" cmpd="sng" algn="ctr">
-                      <a:solidFill>
-                        <a:srgbClr val="DDDDDD"/>
-                      </a:solidFill>
-                      <a:prstDash val="solid"/>
-                      <a:round/>
-                      <a:headEnd type="none" w="med" len="med"/>
-                      <a:tailEnd type="none" w="med" len="med"/>
-                    </a:lnB>
-                    <a:solidFill>
-                      <a:srgbClr val="FFFFFF"/>
-                    </a:solidFill>
-                  </a:tcPr>
-                </a:tc>
-                <a:tc>
-                  <a:txBody>
-                    <a:bodyPr/>
-                    <a:lstStyle/>
-                    <a:p>
-                      <a:pPr marL="0" indent="0">
-                        <a:buNone/>
-                      </a:pPr>
-                      <a:r>
-                        <a:rPr lang="en-US" sz="1100" dirty="0">
-                          <a:solidFill>
-                            <a:srgbClr val="030A18"/>
-                          </a:solidFill>
-                        </a:rPr>
-                        <a:t>1.0000</a:t>
-                      </a:r>
-                      <a:endParaRPr lang="en-US" sz="1100" dirty="0"/>
-                    </a:p>
-                  </a:txBody>
-                  <a:tcPr marL="121920" marR="121920" marT="60960" marB="60960" anchor="ctr">
-                    <a:lnL w="3810" cap="flat" cmpd="sng" algn="ctr">
-                      <a:solidFill>
-                        <a:srgbClr val="DDDDDD"/>
-                      </a:solidFill>
-                      <a:prstDash val="solid"/>
-                      <a:round/>
-                      <a:headEnd type="none" w="med" len="med"/>
-                      <a:tailEnd type="none" w="med" len="med"/>
-                    </a:lnL>
-                    <a:lnR w="3810" cap="flat" cmpd="sng" algn="ctr">
-                      <a:solidFill>
-                        <a:srgbClr val="DDDDDD"/>
-                      </a:solidFill>
-                      <a:prstDash val="solid"/>
-                      <a:round/>
-                      <a:headEnd type="none" w="med" len="med"/>
-                      <a:tailEnd type="none" w="med" len="med"/>
-                    </a:lnR>
-                    <a:lnT w="3810" cap="flat" cmpd="sng" algn="ctr">
-                      <a:solidFill>
-                        <a:srgbClr val="DDDDDD"/>
-                      </a:solidFill>
-                      <a:prstDash val="solid"/>
-                      <a:round/>
-                      <a:headEnd type="none" w="med" len="med"/>
-                      <a:tailEnd type="none" w="med" len="med"/>
-                    </a:lnT>
-                    <a:lnB w="3810" cap="flat" cmpd="sng" algn="ctr">
-                      <a:solidFill>
-                        <a:srgbClr val="DDDDDD"/>
-                      </a:solidFill>
-                      <a:prstDash val="solid"/>
-                      <a:round/>
-                      <a:headEnd type="none" w="med" len="med"/>
-                      <a:tailEnd type="none" w="med" len="med"/>
-                    </a:lnB>
-                    <a:solidFill>
-                      <a:srgbClr val="FFFFFF"/>
-                    </a:solidFill>
-                  </a:tcPr>
-                </a:tc>
-                <a:extLst>
-                  <a:ext uri="{0D108BD9-81ED-4DB2-BD59-A6C34878D82A}">
-                    <a16:rowId xmlns:a16="http://schemas.microsoft.com/office/drawing/2014/main" val="10001"/>
-                  </a:ext>
-                </a:extLst>
-              </a:tr>
-              <a:tr h="487680">
-                <a:tc>
-                  <a:txBody>
-                    <a:bodyPr/>
-                    <a:lstStyle/>
-                    <a:p>
-                      <a:pPr marL="0" indent="0">
-                        <a:buNone/>
-                      </a:pPr>
-                      <a:r>
-                        <a:rPr lang="en-US" sz="1100" dirty="0">
-                          <a:solidFill>
-                            <a:srgbClr val="030A18"/>
-                          </a:solidFill>
-                        </a:rPr>
-                        <a:t>2</a:t>
-                      </a:r>
-                      <a:endParaRPr lang="en-US" sz="1100" dirty="0"/>
-                    </a:p>
-                  </a:txBody>
-                  <a:tcPr marL="121920" marR="121920" marT="60960" marB="60960" anchor="ctr">
-                    <a:lnL w="3810" cap="flat" cmpd="sng" algn="ctr">
-                      <a:solidFill>
-                        <a:srgbClr val="DDDDDD"/>
-                      </a:solidFill>
-                      <a:prstDash val="solid"/>
-                      <a:round/>
-                      <a:headEnd type="none" w="med" len="med"/>
-                      <a:tailEnd type="none" w="med" len="med"/>
-                    </a:lnL>
-                    <a:lnR w="3810" cap="flat" cmpd="sng" algn="ctr">
-                      <a:solidFill>
-                        <a:srgbClr val="DDDDDD"/>
-                      </a:solidFill>
-                      <a:prstDash val="solid"/>
-                      <a:round/>
-                      <a:headEnd type="none" w="med" len="med"/>
-                      <a:tailEnd type="none" w="med" len="med"/>
-                    </a:lnR>
-                    <a:lnT w="3810" cap="flat" cmpd="sng" algn="ctr">
-                      <a:solidFill>
-                        <a:srgbClr val="DDDDDD"/>
-                      </a:solidFill>
-                      <a:prstDash val="solid"/>
-                      <a:round/>
-                      <a:headEnd type="none" w="med" len="med"/>
-                      <a:tailEnd type="none" w="med" len="med"/>
-                    </a:lnT>
-                    <a:lnB w="3810" cap="flat" cmpd="sng" algn="ctr">
-                      <a:solidFill>
-                        <a:srgbClr val="DDDDDD"/>
-                      </a:solidFill>
-                      <a:prstDash val="solid"/>
-                      <a:round/>
-                      <a:headEnd type="none" w="med" len="med"/>
-                      <a:tailEnd type="none" w="med" len="med"/>
-                    </a:lnB>
-                    <a:solidFill>
-                      <a:srgbClr val="F7F9FC"/>
-                    </a:solidFill>
-                  </a:tcPr>
-                </a:tc>
-                <a:tc>
-                  <a:txBody>
-                    <a:bodyPr/>
-                    <a:lstStyle/>
-                    <a:p>
-                      <a:pPr marL="0" indent="0">
-                        <a:buNone/>
-                      </a:pPr>
-                      <a:r>
-                        <a:rPr lang="en-US" sz="1100" dirty="0">
-                          <a:solidFill>
-                            <a:srgbClr val="030A18"/>
-                          </a:solidFill>
-                        </a:rPr>
-                        <a:t>0.9093</a:t>
-                      </a:r>
-                      <a:endParaRPr lang="en-US" sz="1100" dirty="0"/>
-                    </a:p>
-                  </a:txBody>
-                  <a:tcPr marL="121920" marR="121920" marT="60960" marB="60960" anchor="ctr">
-                    <a:lnL w="3810" cap="flat" cmpd="sng" algn="ctr">
-                      <a:solidFill>
-                        <a:srgbClr val="DDDDDD"/>
-                      </a:solidFill>
-                      <a:prstDash val="solid"/>
-                      <a:round/>
-                      <a:headEnd type="none" w="med" len="med"/>
-                      <a:tailEnd type="none" w="med" len="med"/>
-                    </a:lnL>
-                    <a:lnR w="3810" cap="flat" cmpd="sng" algn="ctr">
-                      <a:solidFill>
-                        <a:srgbClr val="DDDDDD"/>
-                      </a:solidFill>
-                      <a:prstDash val="solid"/>
-                      <a:round/>
-                      <a:headEnd type="none" w="med" len="med"/>
-                      <a:tailEnd type="none" w="med" len="med"/>
-                    </a:lnR>
-                    <a:lnT w="3810" cap="flat" cmpd="sng" algn="ctr">
-                      <a:solidFill>
-                        <a:srgbClr val="DDDDDD"/>
-                      </a:solidFill>
-                      <a:prstDash val="solid"/>
-                      <a:round/>
-                      <a:headEnd type="none" w="med" len="med"/>
-                      <a:tailEnd type="none" w="med" len="med"/>
-                    </a:lnT>
-                    <a:lnB w="3810" cap="flat" cmpd="sng" algn="ctr">
-                      <a:solidFill>
-                        <a:srgbClr val="DDDDDD"/>
-                      </a:solidFill>
-                      <a:prstDash val="solid"/>
-                      <a:round/>
-                      <a:headEnd type="none" w="med" len="med"/>
-                      <a:tailEnd type="none" w="med" len="med"/>
-                    </a:lnB>
-                    <a:solidFill>
-                      <a:srgbClr val="F7F9FC"/>
-                    </a:solidFill>
-                  </a:tcPr>
-                </a:tc>
-                <a:tc>
-                  <a:txBody>
-                    <a:bodyPr/>
-                    <a:lstStyle/>
-                    <a:p>
-                      <a:pPr marL="0" indent="0">
-                        <a:buNone/>
-                      </a:pPr>
-                      <a:r>
-                        <a:rPr lang="en-US" sz="1100" dirty="0">
-                          <a:solidFill>
-                            <a:srgbClr val="030A18"/>
-                          </a:solidFill>
-                        </a:rPr>
-                        <a:t>-0.4161</a:t>
-                      </a:r>
-                      <a:endParaRPr lang="en-US" sz="1100" dirty="0"/>
-                    </a:p>
-                  </a:txBody>
-                  <a:tcPr marL="121920" marR="121920" marT="60960" marB="60960" anchor="ctr">
-                    <a:lnL w="3810" cap="flat" cmpd="sng" algn="ctr">
-                      <a:solidFill>
-                        <a:srgbClr val="DDDDDD"/>
-                      </a:solidFill>
-                      <a:prstDash val="solid"/>
-                      <a:round/>
-                      <a:headEnd type="none" w="med" len="med"/>
-                      <a:tailEnd type="none" w="med" len="med"/>
-                    </a:lnL>
-                    <a:lnR w="3810" cap="flat" cmpd="sng" algn="ctr">
-                      <a:solidFill>
-                        <a:srgbClr val="DDDDDD"/>
-                      </a:solidFill>
-                      <a:prstDash val="solid"/>
-                      <a:round/>
-                      <a:headEnd type="none" w="med" len="med"/>
-                      <a:tailEnd type="none" w="med" len="med"/>
-                    </a:lnR>
-                    <a:lnT w="3810" cap="flat" cmpd="sng" algn="ctr">
-                      <a:solidFill>
-                        <a:srgbClr val="DDDDDD"/>
-                      </a:solidFill>
-                      <a:prstDash val="solid"/>
-                      <a:round/>
-                      <a:headEnd type="none" w="med" len="med"/>
-                      <a:tailEnd type="none" w="med" len="med"/>
-                    </a:lnT>
-                    <a:lnB w="3810" cap="flat" cmpd="sng" algn="ctr">
-                      <a:solidFill>
-                        <a:srgbClr val="DDDDDD"/>
-                      </a:solidFill>
-                      <a:prstDash val="solid"/>
-                      <a:round/>
-                      <a:headEnd type="none" w="med" len="med"/>
-                      <a:tailEnd type="none" w="med" len="med"/>
-                    </a:lnB>
-                    <a:solidFill>
-                      <a:srgbClr val="F7F9FC"/>
-                    </a:solidFill>
-                  </a:tcPr>
-                </a:tc>
-                <a:tc>
-                  <a:txBody>
-                    <a:bodyPr/>
-                    <a:lstStyle/>
-                    <a:p>
-                      <a:pPr marL="0" indent="0">
-                        <a:buNone/>
-                      </a:pPr>
-                      <a:r>
-                        <a:rPr lang="en-US" sz="1100" dirty="0">
-                          <a:solidFill>
-                            <a:srgbClr val="030A18"/>
-                          </a:solidFill>
-                        </a:rPr>
-                        <a:t>0.0200</a:t>
-                      </a:r>
-                      <a:endParaRPr lang="en-US" sz="1100" dirty="0"/>
-                    </a:p>
-                  </a:txBody>
-                  <a:tcPr marL="121920" marR="121920" marT="60960" marB="60960" anchor="ctr">
-                    <a:lnL w="3810" cap="flat" cmpd="sng" algn="ctr">
-                      <a:solidFill>
-                        <a:srgbClr val="DDDDDD"/>
-                      </a:solidFill>
-                      <a:prstDash val="solid"/>
-                      <a:round/>
-                      <a:headEnd type="none" w="med" len="med"/>
-                      <a:tailEnd type="none" w="med" len="med"/>
-                    </a:lnL>
-                    <a:lnR w="3810" cap="flat" cmpd="sng" algn="ctr">
-                      <a:solidFill>
-                        <a:srgbClr val="DDDDDD"/>
-                      </a:solidFill>
-                      <a:prstDash val="solid"/>
-                      <a:round/>
-                      <a:headEnd type="none" w="med" len="med"/>
-                      <a:tailEnd type="none" w="med" len="med"/>
-                    </a:lnR>
-                    <a:lnT w="3810" cap="flat" cmpd="sng" algn="ctr">
-                      <a:solidFill>
-                        <a:srgbClr val="DDDDDD"/>
-                      </a:solidFill>
-                      <a:prstDash val="solid"/>
-                      <a:round/>
-                      <a:headEnd type="none" w="med" len="med"/>
-                      <a:tailEnd type="none" w="med" len="med"/>
-                    </a:lnT>
-                    <a:lnB w="3810" cap="flat" cmpd="sng" algn="ctr">
-                      <a:solidFill>
-                        <a:srgbClr val="DDDDDD"/>
-                      </a:solidFill>
-                      <a:prstDash val="solid"/>
-                      <a:round/>
-                      <a:headEnd type="none" w="med" len="med"/>
-                      <a:tailEnd type="none" w="med" len="med"/>
-                    </a:lnB>
-                    <a:solidFill>
-                      <a:srgbClr val="F7F9FC"/>
-                    </a:solidFill>
-                  </a:tcPr>
-                </a:tc>
-                <a:tc>
-                  <a:txBody>
-                    <a:bodyPr/>
-                    <a:lstStyle/>
-                    <a:p>
-                      <a:pPr marL="0" indent="0">
-                        <a:buNone/>
-                      </a:pPr>
-                      <a:r>
-                        <a:rPr lang="en-US" sz="1100" dirty="0">
-                          <a:solidFill>
-                            <a:srgbClr val="030A18"/>
-                          </a:solidFill>
-                        </a:rPr>
-                        <a:t>0.9998</a:t>
-                      </a:r>
-                      <a:endParaRPr lang="en-US" sz="1100" dirty="0"/>
-                    </a:p>
-                  </a:txBody>
-                  <a:tcPr marL="121920" marR="121920" marT="60960" marB="60960" anchor="ctr">
-                    <a:lnL w="3810" cap="flat" cmpd="sng" algn="ctr">
-                      <a:solidFill>
-                        <a:srgbClr val="DDDDDD"/>
-                      </a:solidFill>
-                      <a:prstDash val="solid"/>
-                      <a:round/>
-                      <a:headEnd type="none" w="med" len="med"/>
-                      <a:tailEnd type="none" w="med" len="med"/>
-                    </a:lnL>
-                    <a:lnR w="3810" cap="flat" cmpd="sng" algn="ctr">
-                      <a:solidFill>
-                        <a:srgbClr val="DDDDDD"/>
-                      </a:solidFill>
-                      <a:prstDash val="solid"/>
-                      <a:round/>
-                      <a:headEnd type="none" w="med" len="med"/>
-                      <a:tailEnd type="none" w="med" len="med"/>
-                    </a:lnR>
-                    <a:lnT w="3810" cap="flat" cmpd="sng" algn="ctr">
-                      <a:solidFill>
-                        <a:srgbClr val="DDDDDD"/>
-                      </a:solidFill>
-                      <a:prstDash val="solid"/>
-                      <a:round/>
-                      <a:headEnd type="none" w="med" len="med"/>
-                      <a:tailEnd type="none" w="med" len="med"/>
-                    </a:lnT>
-                    <a:lnB w="3810" cap="flat" cmpd="sng" algn="ctr">
-                      <a:solidFill>
-                        <a:srgbClr val="DDDDDD"/>
-                      </a:solidFill>
-                      <a:prstDash val="solid"/>
-                      <a:round/>
-                      <a:headEnd type="none" w="med" len="med"/>
-                      <a:tailEnd type="none" w="med" len="med"/>
-                    </a:lnB>
-                    <a:solidFill>
-                      <a:srgbClr val="F7F9FC"/>
-                    </a:solidFill>
-                  </a:tcPr>
-                </a:tc>
-                <a:extLst>
-                  <a:ext uri="{0D108BD9-81ED-4DB2-BD59-A6C34878D82A}">
-                    <a16:rowId xmlns:a16="http://schemas.microsoft.com/office/drawing/2014/main" val="10002"/>
-                  </a:ext>
-                </a:extLst>
-              </a:tr>
-              <a:tr h="487680">
-                <a:tc>
-                  <a:txBody>
-                    <a:bodyPr/>
-                    <a:lstStyle/>
-                    <a:p>
-                      <a:pPr marL="0" indent="0">
-                        <a:buNone/>
-                      </a:pPr>
-                      <a:r>
-                        <a:rPr lang="en-US" sz="1100" dirty="0">
-                          <a:solidFill>
-                            <a:srgbClr val="030A18"/>
-                          </a:solidFill>
-                        </a:rPr>
-                        <a:t>3</a:t>
-                      </a:r>
-                      <a:endParaRPr lang="en-US" sz="1100" dirty="0"/>
-                    </a:p>
-                  </a:txBody>
-                  <a:tcPr marL="121920" marR="121920" marT="60960" marB="60960" anchor="ctr">
-                    <a:lnL w="3810" cap="flat" cmpd="sng" algn="ctr">
-                      <a:solidFill>
-                        <a:srgbClr val="DDDDDD"/>
-                      </a:solidFill>
-                      <a:prstDash val="solid"/>
-                      <a:round/>
-                      <a:headEnd type="none" w="med" len="med"/>
-                      <a:tailEnd type="none" w="med" len="med"/>
-                    </a:lnL>
-                    <a:lnR w="3810" cap="flat" cmpd="sng" algn="ctr">
-                      <a:solidFill>
-                        <a:srgbClr val="DDDDDD"/>
-                      </a:solidFill>
-                      <a:prstDash val="solid"/>
-                      <a:round/>
-                      <a:headEnd type="none" w="med" len="med"/>
-                      <a:tailEnd type="none" w="med" len="med"/>
-                    </a:lnR>
-                    <a:lnT w="3810" cap="flat" cmpd="sng" algn="ctr">
-                      <a:solidFill>
-                        <a:srgbClr val="DDDDDD"/>
-                      </a:solidFill>
-                      <a:prstDash val="solid"/>
-                      <a:round/>
-                      <a:headEnd type="none" w="med" len="med"/>
-                      <a:tailEnd type="none" w="med" len="med"/>
-                    </a:lnT>
-                    <a:lnB w="3810" cap="flat" cmpd="sng" algn="ctr">
-                      <a:solidFill>
-                        <a:srgbClr val="DDDDDD"/>
-                      </a:solidFill>
-                      <a:prstDash val="solid"/>
-                      <a:round/>
-                      <a:headEnd type="none" w="med" len="med"/>
-                      <a:tailEnd type="none" w="med" len="med"/>
-                    </a:lnB>
-                    <a:solidFill>
-                      <a:srgbClr val="FFFFFF"/>
-                    </a:solidFill>
-                  </a:tcPr>
-                </a:tc>
-                <a:tc>
-                  <a:txBody>
-                    <a:bodyPr/>
-                    <a:lstStyle/>
-                    <a:p>
-                      <a:pPr marL="0" indent="0">
-                        <a:buNone/>
-                      </a:pPr>
-                      <a:r>
-                        <a:rPr lang="en-US" sz="1100" dirty="0">
-                          <a:solidFill>
-                            <a:srgbClr val="030A18"/>
-                          </a:solidFill>
-                        </a:rPr>
-                        <a:t>0.1411</a:t>
-                      </a:r>
-                      <a:endParaRPr lang="en-US" sz="1100" dirty="0"/>
-                    </a:p>
-                  </a:txBody>
-                  <a:tcPr marL="121920" marR="121920" marT="60960" marB="60960" anchor="ctr">
-                    <a:lnL w="3810" cap="flat" cmpd="sng" algn="ctr">
-                      <a:solidFill>
-                        <a:srgbClr val="DDDDDD"/>
-                      </a:solidFill>
-                      <a:prstDash val="solid"/>
-                      <a:round/>
-                      <a:headEnd type="none" w="med" len="med"/>
-                      <a:tailEnd type="none" w="med" len="med"/>
-                    </a:lnL>
-                    <a:lnR w="3810" cap="flat" cmpd="sng" algn="ctr">
-                      <a:solidFill>
-                        <a:srgbClr val="DDDDDD"/>
-                      </a:solidFill>
-                      <a:prstDash val="solid"/>
-                      <a:round/>
-                      <a:headEnd type="none" w="med" len="med"/>
-                      <a:tailEnd type="none" w="med" len="med"/>
-                    </a:lnR>
-                    <a:lnT w="3810" cap="flat" cmpd="sng" algn="ctr">
-                      <a:solidFill>
-                        <a:srgbClr val="DDDDDD"/>
-                      </a:solidFill>
-                      <a:prstDash val="solid"/>
-                      <a:round/>
-                      <a:headEnd type="none" w="med" len="med"/>
-                      <a:tailEnd type="none" w="med" len="med"/>
-                    </a:lnT>
-                    <a:lnB w="3810" cap="flat" cmpd="sng" algn="ctr">
-                      <a:solidFill>
-                        <a:srgbClr val="DDDDDD"/>
-                      </a:solidFill>
-                      <a:prstDash val="solid"/>
-                      <a:round/>
-                      <a:headEnd type="none" w="med" len="med"/>
-                      <a:tailEnd type="none" w="med" len="med"/>
-                    </a:lnB>
-                    <a:solidFill>
-                      <a:srgbClr val="FFFFFF"/>
-                    </a:solidFill>
-                  </a:tcPr>
-                </a:tc>
-                <a:tc>
-                  <a:txBody>
-                    <a:bodyPr/>
-                    <a:lstStyle/>
-                    <a:p>
-                      <a:pPr marL="0" indent="0">
-                        <a:buNone/>
-                      </a:pPr>
-                      <a:r>
-                        <a:rPr lang="en-US" sz="1100" dirty="0">
-                          <a:solidFill>
-                            <a:srgbClr val="030A18"/>
-                          </a:solidFill>
-                        </a:rPr>
-                        <a:t>-0.9900</a:t>
-                      </a:r>
-                      <a:endParaRPr lang="en-US" sz="1100" dirty="0"/>
-                    </a:p>
-                  </a:txBody>
-                  <a:tcPr marL="121920" marR="121920" marT="60960" marB="60960" anchor="ctr">
-                    <a:lnL w="3810" cap="flat" cmpd="sng" algn="ctr">
-                      <a:solidFill>
-                        <a:srgbClr val="DDDDDD"/>
-                      </a:solidFill>
-                      <a:prstDash val="solid"/>
-                      <a:round/>
-                      <a:headEnd type="none" w="med" len="med"/>
-                      <a:tailEnd type="none" w="med" len="med"/>
-                    </a:lnL>
-                    <a:lnR w="3810" cap="flat" cmpd="sng" algn="ctr">
-                      <a:solidFill>
-                        <a:srgbClr val="DDDDDD"/>
-                      </a:solidFill>
-                      <a:prstDash val="solid"/>
-                      <a:round/>
-                      <a:headEnd type="none" w="med" len="med"/>
-                      <a:tailEnd type="none" w="med" len="med"/>
-                    </a:lnR>
-                    <a:lnT w="3810" cap="flat" cmpd="sng" algn="ctr">
-                      <a:solidFill>
-                        <a:srgbClr val="DDDDDD"/>
-                      </a:solidFill>
-                      <a:prstDash val="solid"/>
-                      <a:round/>
-                      <a:headEnd type="none" w="med" len="med"/>
-                      <a:tailEnd type="none" w="med" len="med"/>
-                    </a:lnT>
-                    <a:lnB w="3810" cap="flat" cmpd="sng" algn="ctr">
-                      <a:solidFill>
-                        <a:srgbClr val="DDDDDD"/>
-                      </a:solidFill>
-                      <a:prstDash val="solid"/>
-                      <a:round/>
-                      <a:headEnd type="none" w="med" len="med"/>
-                      <a:tailEnd type="none" w="med" len="med"/>
-                    </a:lnB>
-                    <a:solidFill>
-                      <a:srgbClr val="FFFFFF"/>
-                    </a:solidFill>
-                  </a:tcPr>
-                </a:tc>
-                <a:tc>
-                  <a:txBody>
-                    <a:bodyPr/>
-                    <a:lstStyle/>
-                    <a:p>
-                      <a:pPr marL="0" indent="0">
-                        <a:buNone/>
-                      </a:pPr>
-                      <a:r>
-                        <a:rPr lang="en-US" sz="1100" dirty="0">
-                          <a:solidFill>
-                            <a:srgbClr val="030A18"/>
-                          </a:solidFill>
-                        </a:rPr>
-                        <a:t>0.0300</a:t>
-                      </a:r>
-                      <a:endParaRPr lang="en-US" sz="1100" dirty="0"/>
-                    </a:p>
-                  </a:txBody>
-                  <a:tcPr marL="121920" marR="121920" marT="60960" marB="60960" anchor="ctr">
-                    <a:lnL w="3810" cap="flat" cmpd="sng" algn="ctr">
-                      <a:solidFill>
-                        <a:srgbClr val="DDDDDD"/>
-                      </a:solidFill>
-                      <a:prstDash val="solid"/>
-                      <a:round/>
-                      <a:headEnd type="none" w="med" len="med"/>
-                      <a:tailEnd type="none" w="med" len="med"/>
-                    </a:lnL>
-                    <a:lnR w="3810" cap="flat" cmpd="sng" algn="ctr">
-                      <a:solidFill>
-                        <a:srgbClr val="DDDDDD"/>
-                      </a:solidFill>
-                      <a:prstDash val="solid"/>
-                      <a:round/>
-                      <a:headEnd type="none" w="med" len="med"/>
-                      <a:tailEnd type="none" w="med" len="med"/>
-                    </a:lnR>
-                    <a:lnT w="3810" cap="flat" cmpd="sng" algn="ctr">
-                      <a:solidFill>
-                        <a:srgbClr val="DDDDDD"/>
-                      </a:solidFill>
-                      <a:prstDash val="solid"/>
-                      <a:round/>
-                      <a:headEnd type="none" w="med" len="med"/>
-                      <a:tailEnd type="none" w="med" len="med"/>
-                    </a:lnT>
-                    <a:lnB w="3810" cap="flat" cmpd="sng" algn="ctr">
-                      <a:solidFill>
-                        <a:srgbClr val="DDDDDD"/>
-                      </a:solidFill>
-                      <a:prstDash val="solid"/>
-                      <a:round/>
-                      <a:headEnd type="none" w="med" len="med"/>
-                      <a:tailEnd type="none" w="med" len="med"/>
-                    </a:lnB>
-                    <a:solidFill>
-                      <a:srgbClr val="FFFFFF"/>
-                    </a:solidFill>
-                  </a:tcPr>
-                </a:tc>
-                <a:tc>
-                  <a:txBody>
-                    <a:bodyPr/>
-                    <a:lstStyle/>
-                    <a:p>
-                      <a:pPr marL="0" indent="0">
-                        <a:buNone/>
-                      </a:pPr>
-                      <a:r>
-                        <a:rPr lang="en-US" sz="1100" dirty="0">
-                          <a:solidFill>
-                            <a:srgbClr val="030A18"/>
-                          </a:solidFill>
-                        </a:rPr>
-                        <a:t>0.9996</a:t>
-                      </a:r>
-                      <a:endParaRPr lang="en-US" sz="1100" dirty="0"/>
-                    </a:p>
-                  </a:txBody>
-                  <a:tcPr marL="121920" marR="121920" marT="60960" marB="60960" anchor="ctr">
-                    <a:lnL w="3810" cap="flat" cmpd="sng" algn="ctr">
-                      <a:solidFill>
-                        <a:srgbClr val="DDDDDD"/>
-                      </a:solidFill>
-                      <a:prstDash val="solid"/>
-                      <a:round/>
-                      <a:headEnd type="none" w="med" len="med"/>
-                      <a:tailEnd type="none" w="med" len="med"/>
-                    </a:lnL>
-                    <a:lnR w="3810" cap="flat" cmpd="sng" algn="ctr">
-                      <a:solidFill>
-                        <a:srgbClr val="DDDDDD"/>
-                      </a:solidFill>
-                      <a:prstDash val="solid"/>
-                      <a:round/>
-                      <a:headEnd type="none" w="med" len="med"/>
-                      <a:tailEnd type="none" w="med" len="med"/>
-                    </a:lnR>
-                    <a:lnT w="3810" cap="flat" cmpd="sng" algn="ctr">
-                      <a:solidFill>
-                        <a:srgbClr val="DDDDDD"/>
-                      </a:solidFill>
-                      <a:prstDash val="solid"/>
-                      <a:round/>
-                      <a:headEnd type="none" w="med" len="med"/>
-                      <a:tailEnd type="none" w="med" len="med"/>
-                    </a:lnT>
-                    <a:lnB w="3810" cap="flat" cmpd="sng" algn="ctr">
-                      <a:solidFill>
-                        <a:srgbClr val="DDDDDD"/>
-                      </a:solidFill>
-                      <a:prstDash val="solid"/>
-                      <a:round/>
-                      <a:headEnd type="none" w="med" len="med"/>
-                      <a:tailEnd type="none" w="med" len="med"/>
-                    </a:lnB>
-                    <a:solidFill>
-                      <a:srgbClr val="FFFFFF"/>
-                    </a:solidFill>
-                  </a:tcPr>
-                </a:tc>
-                <a:extLst>
-                  <a:ext uri="{0D108BD9-81ED-4DB2-BD59-A6C34878D82A}">
-                    <a16:rowId xmlns:a16="http://schemas.microsoft.com/office/drawing/2014/main" val="10003"/>
-                  </a:ext>
-                </a:extLst>
-              </a:tr>
-            </a:tbl>
-          </a:graphicData>
-        </a:graphic>
-      </p:graphicFrame>
     </p:spTree>
     <p:extLst>
       <p:ext uri="{BB962C8B-B14F-4D97-AF65-F5344CB8AC3E}">
-        <p14:creationId xmlns:p14="http://schemas.microsoft.com/office/powerpoint/2010/main" val="3879273140"/>
+        <p14:creationId xmlns:p14="http://schemas.microsoft.com/office/powerpoint/2010/main" val="2395455846"/>
       </p:ext>
     </p:extLst>
   </p:cSld>

--- a/slides/day 3/D3C2_Transformers.pptx
+++ b/slides/day 3/D3C2_Transformers.pptx
@@ -138,7 +138,7 @@
 <file path=ppt/charts/chart1.xml><?xml version="1.0" encoding="utf-8"?>
 <c:chartSpace xmlns:c="http://schemas.openxmlformats.org/drawingml/2006/chart" xmlns:a="http://schemas.openxmlformats.org/drawingml/2006/main" xmlns:r="http://schemas.openxmlformats.org/officeDocument/2006/relationships" xmlns:c16r2="http://schemas.microsoft.com/office/drawing/2015/06/chart">
   <c:date1904 val="0"/>
-  <c:lang val="en-GB"/>
+  <c:lang val="en-US"/>
   <c:roundedCorners val="1"/>
   <mc:AlternateContent xmlns:mc="http://schemas.openxmlformats.org/markup-compatibility/2006">
     <mc:Choice xmlns:c14="http://schemas.microsoft.com/office/drawing/2007/8/2/chart" Requires="c14">
@@ -847,7 +847,7 @@
 <file path=ppt/charts/chart2.xml><?xml version="1.0" encoding="utf-8"?>
 <c:chartSpace xmlns:c="http://schemas.openxmlformats.org/drawingml/2006/chart" xmlns:a="http://schemas.openxmlformats.org/drawingml/2006/main" xmlns:r="http://schemas.openxmlformats.org/officeDocument/2006/relationships" xmlns:c16r2="http://schemas.microsoft.com/office/drawing/2015/06/chart">
   <c:date1904 val="0"/>
-  <c:lang val="en-GB"/>
+  <c:lang val="en-US"/>
   <c:roundedCorners val="1"/>
   <c:style val="2"/>
   <c:chart>
@@ -1195,7 +1195,7 @@
           <a:p>
             <a:fld id="{FF5685EE-3D40-0A4E-BB88-46887330FC0A}" type="datetimeFigureOut">
               <a:rPr lang="en-US" smtClean="0"/>
-              <a:t>10/3/25</a:t>
+              <a:t>10/4/2025</a:t>
             </a:fld>
             <a:endParaRPr lang="en-US"/>
           </a:p>
@@ -1755,7 +1755,7 @@
             <a:fld id="{16F2FB5F-D553-C945-B874-A642CC0C851F}" type="datetime3">
               <a:rPr lang="en-IE" smtClean="0"/>
               <a:pPr/>
-              <a:t>3 October 2025</a:t>
+              <a:t>4 October 2025</a:t>
             </a:fld>
             <a:endParaRPr lang="en-US" dirty="0"/>
           </a:p>
@@ -2648,7 +2648,7 @@
             <a:fld id="{16F2FB5F-D553-C945-B874-A642CC0C851F}" type="datetime3">
               <a:rPr lang="en-IE" smtClean="0"/>
               <a:pPr/>
-              <a:t>3 October 2025</a:t>
+              <a:t>4 October 2025</a:t>
             </a:fld>
             <a:endParaRPr lang="en-US" dirty="0"/>
           </a:p>
@@ -2926,7 +2926,7 @@
             <a:fld id="{16F2FB5F-D553-C945-B874-A642CC0C851F}" type="datetime3">
               <a:rPr lang="en-IE" smtClean="0"/>
               <a:pPr/>
-              <a:t>3 October 2025</a:t>
+              <a:t>4 October 2025</a:t>
             </a:fld>
             <a:endParaRPr lang="en-US" dirty="0"/>
           </a:p>
@@ -10482,8 +10482,8 @@
           </a:p>
         </p:txBody>
       </p:sp>
-      <mc:AlternateContent xmlns:mc="http://schemas.openxmlformats.org/markup-compatibility/2006">
-        <mc:Choice xmlns:a14="http://schemas.microsoft.com/office/drawing/2010/main" Requires="a14">
+      <mc:AlternateContent xmlns:mc="http://schemas.openxmlformats.org/markup-compatibility/2006" xmlns:a14="http://schemas.microsoft.com/office/drawing/2010/main">
+        <mc:Choice Requires="a14">
           <p:sp>
             <p:nvSpPr>
               <p:cNvPr id="3" name="Content Placeholder 2">
@@ -10709,7 +10709,7 @@
             </p:txBody>
           </p:sp>
         </mc:Choice>
-        <mc:Fallback>
+        <mc:Fallback xmlns="">
           <p:sp>
             <p:nvSpPr>
               <p:cNvPr id="3" name="Content Placeholder 2">
@@ -10807,8 +10807,8 @@
           </a:p>
         </p:txBody>
       </p:sp>
-      <mc:AlternateContent xmlns:mc="http://schemas.openxmlformats.org/markup-compatibility/2006">
-        <mc:Choice xmlns:a14="http://schemas.microsoft.com/office/drawing/2010/main" Requires="a14">
+      <mc:AlternateContent xmlns:mc="http://schemas.openxmlformats.org/markup-compatibility/2006" xmlns:a14="http://schemas.microsoft.com/office/drawing/2010/main">
+        <mc:Choice Requires="a14">
           <p:sp>
             <p:nvSpPr>
               <p:cNvPr id="3" name="Content Placeholder 2">
@@ -10981,7 +10981,7 @@
             </p:txBody>
           </p:sp>
         </mc:Choice>
-        <mc:Fallback>
+        <mc:Fallback xmlns="">
           <p:sp>
             <p:nvSpPr>
               <p:cNvPr id="3" name="Content Placeholder 2">
@@ -11291,8 +11291,8 @@
           </a:p>
         </p:txBody>
       </p:sp>
-      <mc:AlternateContent xmlns:mc="http://schemas.openxmlformats.org/markup-compatibility/2006">
-        <mc:Choice xmlns:a14="http://schemas.microsoft.com/office/drawing/2010/main" Requires="a14">
+      <mc:AlternateContent xmlns:mc="http://schemas.openxmlformats.org/markup-compatibility/2006" xmlns:a14="http://schemas.microsoft.com/office/drawing/2010/main">
+        <mc:Choice Requires="a14">
           <p:sp>
             <p:nvSpPr>
               <p:cNvPr id="3" name="Content Placeholder 2">
@@ -11375,7 +11375,7 @@
             </p:txBody>
           </p:sp>
         </mc:Choice>
-        <mc:Fallback>
+        <mc:Fallback xmlns="">
           <p:sp>
             <p:nvSpPr>
               <p:cNvPr id="3" name="Content Placeholder 2">

--- a/slides/day 3/D3C2_Transformers.pptx
+++ b/slides/day 3/D3C2_Transformers.pptx
@@ -1,11 +1,11 @@
 
 <file path=ppt/presentation.xml><?xml version="1.0" encoding="utf-8"?>
-<p:presentation xmlns:a="http://schemas.openxmlformats.org/drawingml/2006/main" xmlns:r="http://schemas.openxmlformats.org/officeDocument/2006/relationships" xmlns:p="http://schemas.openxmlformats.org/presentationml/2006/main" saveSubsetFonts="1" autoCompressPictures="0">
+<p:presentation xmlns:a="http://schemas.openxmlformats.org/drawingml/2006/main" xmlns:r="http://schemas.openxmlformats.org/officeDocument/2006/relationships" xmlns:p="http://schemas.openxmlformats.org/presentationml/2006/main" showSpecialPlsOnTitleSld="0" saveSubsetFonts="1" autoCompressPictures="0">
   <p:sldMasterIdLst>
     <p:sldMasterId id="2147483648" r:id="rId1"/>
   </p:sldMasterIdLst>
   <p:notesMasterIdLst>
-    <p:notesMasterId r:id="rId23"/>
+    <p:notesMasterId r:id="rId24"/>
   </p:notesMasterIdLst>
   <p:sldIdLst>
     <p:sldId id="256" r:id="rId2"/>
@@ -23,12 +23,13 @@
     <p:sldId id="324" r:id="rId14"/>
     <p:sldId id="276" r:id="rId15"/>
     <p:sldId id="303" r:id="rId16"/>
-    <p:sldId id="304" r:id="rId17"/>
-    <p:sldId id="305" r:id="rId18"/>
-    <p:sldId id="325" r:id="rId19"/>
-    <p:sldId id="285" r:id="rId20"/>
-    <p:sldId id="321" r:id="rId21"/>
-    <p:sldId id="322" r:id="rId22"/>
+    <p:sldId id="326" r:id="rId17"/>
+    <p:sldId id="304" r:id="rId18"/>
+    <p:sldId id="305" r:id="rId19"/>
+    <p:sldId id="325" r:id="rId20"/>
+    <p:sldId id="285" r:id="rId21"/>
+    <p:sldId id="321" r:id="rId22"/>
+    <p:sldId id="322" r:id="rId23"/>
   </p:sldIdLst>
   <p:sldSz cx="12192000" cy="6858000"/>
   <p:notesSz cx="6858000" cy="9144000"/>
@@ -1752,11 +1753,6 @@
             </a:lvl1pPr>
           </a:lstStyle>
           <a:p>
-            <a:fld id="{16F2FB5F-D553-C945-B874-A642CC0C851F}" type="datetime3">
-              <a:rPr lang="en-IE" smtClean="0"/>
-              <a:pPr/>
-              <a:t>4 October 2025</a:t>
-            </a:fld>
             <a:endParaRPr lang="en-US" dirty="0"/>
           </a:p>
         </p:txBody>
@@ -2645,11 +2641,6 @@
             </a:lvl1pPr>
           </a:lstStyle>
           <a:p>
-            <a:fld id="{16F2FB5F-D553-C945-B874-A642CC0C851F}" type="datetime3">
-              <a:rPr lang="en-IE" smtClean="0"/>
-              <a:pPr/>
-              <a:t>4 October 2025</a:t>
-            </a:fld>
             <a:endParaRPr lang="en-US" dirty="0"/>
           </a:p>
         </p:txBody>
@@ -2923,11 +2914,6 @@
             </a:lvl1pPr>
           </a:lstStyle>
           <a:p>
-            <a:fld id="{16F2FB5F-D553-C945-B874-A642CC0C851F}" type="datetime3">
-              <a:rPr lang="en-IE" smtClean="0"/>
-              <a:pPr/>
-              <a:t>4 October 2025</a:t>
-            </a:fld>
             <a:endParaRPr lang="en-US" dirty="0"/>
           </a:p>
         </p:txBody>
@@ -4164,10 +4150,7 @@
             </a:lvl1pPr>
           </a:lstStyle>
           <a:p>
-            <a:r>
-              <a:rPr lang="en-US" dirty="0"/>
-              <a:t>Andrew Parnell</a:t>
-            </a:r>
+            <a:endParaRPr lang="en-US" dirty="0"/>
           </a:p>
         </p:txBody>
       </p:sp>
@@ -4241,7 +4224,7 @@
     <p:sldLayoutId id="2147483666" r:id="rId12"/>
     <p:sldLayoutId id="2147483667" r:id="rId13"/>
   </p:sldLayoutIdLst>
-  <p:hf sldNum="0" hdr="0" ftr="0"/>
+  <p:hf hdr="0" ftr="0" dt="0"/>
   <p:txStyles>
     <p:titleStyle>
       <a:lvl1pPr algn="l" defTabSz="914400" rtl="0" eaLnBrk="1" latinLnBrk="0" hangingPunct="1">
@@ -4715,6 +4698,35 @@
           </a:graphicData>
         </a:graphic>
       </p:graphicFrame>
+      <p:sp>
+        <p:nvSpPr>
+          <p:cNvPr id="5" name="Slide Number Placeholder 4">
+            <a:extLst>
+              <a:ext uri="{FF2B5EF4-FFF2-40B4-BE49-F238E27FC236}">
+                <a16:creationId xmlns:a16="http://schemas.microsoft.com/office/drawing/2014/main" id="{9DCA06C8-650E-CF64-50C9-6F9B4C4595EE}"/>
+              </a:ext>
+            </a:extLst>
+          </p:cNvPr>
+          <p:cNvSpPr>
+            <a:spLocks noGrp="1"/>
+          </p:cNvSpPr>
+          <p:nvPr>
+            <p:ph type="sldNum" sz="quarter" idx="12"/>
+          </p:nvPr>
+        </p:nvSpPr>
+        <p:spPr/>
+        <p:txBody>
+          <a:bodyPr/>
+          <a:lstStyle/>
+          <a:p>
+            <a:fld id="{5A064C77-022D-3743-A04E-645624933D1D}" type="slidenum">
+              <a:rPr lang="en-US" smtClean="0"/>
+              <a:t>10</a:t>
+            </a:fld>
+            <a:endParaRPr lang="en-US"/>
+          </a:p>
+        </p:txBody>
+      </p:sp>
     </p:spTree>
     <p:extLst>
       <p:ext uri="{BB962C8B-B14F-4D97-AF65-F5344CB8AC3E}">
@@ -5624,6 +5636,35 @@
           </a:p>
         </p:txBody>
       </p:sp>
+      <p:sp>
+        <p:nvSpPr>
+          <p:cNvPr id="24" name="Slide Number Placeholder 23">
+            <a:extLst>
+              <a:ext uri="{FF2B5EF4-FFF2-40B4-BE49-F238E27FC236}">
+                <a16:creationId xmlns:a16="http://schemas.microsoft.com/office/drawing/2014/main" id="{82D61CB7-D58D-537A-30E4-F020D0DD7AA5}"/>
+              </a:ext>
+            </a:extLst>
+          </p:cNvPr>
+          <p:cNvSpPr>
+            <a:spLocks noGrp="1"/>
+          </p:cNvSpPr>
+          <p:nvPr>
+            <p:ph type="sldNum" sz="quarter" idx="12"/>
+          </p:nvPr>
+        </p:nvSpPr>
+        <p:spPr/>
+        <p:txBody>
+          <a:bodyPr/>
+          <a:lstStyle/>
+          <a:p>
+            <a:fld id="{5A064C77-022D-3743-A04E-645624933D1D}" type="slidenum">
+              <a:rPr lang="en-US" smtClean="0"/>
+              <a:t>11</a:t>
+            </a:fld>
+            <a:endParaRPr lang="en-US"/>
+          </a:p>
+        </p:txBody>
+      </p:sp>
     </p:spTree>
     <p:extLst>
       <p:ext uri="{BB962C8B-B14F-4D97-AF65-F5344CB8AC3E}">
@@ -6136,6 +6177,35 @@
           </a:p>
         </p:txBody>
       </p:sp>
+      <p:sp>
+        <p:nvSpPr>
+          <p:cNvPr id="4" name="Slide Number Placeholder 3">
+            <a:extLst>
+              <a:ext uri="{FF2B5EF4-FFF2-40B4-BE49-F238E27FC236}">
+                <a16:creationId xmlns:a16="http://schemas.microsoft.com/office/drawing/2014/main" id="{AB2906B3-0628-32AC-B1F4-B7DDEDB58951}"/>
+              </a:ext>
+            </a:extLst>
+          </p:cNvPr>
+          <p:cNvSpPr>
+            <a:spLocks noGrp="1"/>
+          </p:cNvSpPr>
+          <p:nvPr>
+            <p:ph type="sldNum" sz="quarter" idx="12"/>
+          </p:nvPr>
+        </p:nvSpPr>
+        <p:spPr/>
+        <p:txBody>
+          <a:bodyPr/>
+          <a:lstStyle/>
+          <a:p>
+            <a:fld id="{5A064C77-022D-3743-A04E-645624933D1D}" type="slidenum">
+              <a:rPr lang="en-US" smtClean="0"/>
+              <a:t>12</a:t>
+            </a:fld>
+            <a:endParaRPr lang="en-US"/>
+          </a:p>
+        </p:txBody>
+      </p:sp>
     </p:spTree>
     <p:extLst>
       <p:ext uri="{BB962C8B-B14F-4D97-AF65-F5344CB8AC3E}">
@@ -6873,6 +6943,35 @@
           </a:p>
         </p:txBody>
       </p:sp>
+      <p:sp>
+        <p:nvSpPr>
+          <p:cNvPr id="4" name="Slide Number Placeholder 3">
+            <a:extLst>
+              <a:ext uri="{FF2B5EF4-FFF2-40B4-BE49-F238E27FC236}">
+                <a16:creationId xmlns:a16="http://schemas.microsoft.com/office/drawing/2014/main" id="{FB8F9489-39E1-2E60-D8FA-D5D1ABB8A3B1}"/>
+              </a:ext>
+            </a:extLst>
+          </p:cNvPr>
+          <p:cNvSpPr>
+            <a:spLocks noGrp="1"/>
+          </p:cNvSpPr>
+          <p:nvPr>
+            <p:ph type="sldNum" sz="quarter" idx="12"/>
+          </p:nvPr>
+        </p:nvSpPr>
+        <p:spPr/>
+        <p:txBody>
+          <a:bodyPr/>
+          <a:lstStyle/>
+          <a:p>
+            <a:fld id="{5A064C77-022D-3743-A04E-645624933D1D}" type="slidenum">
+              <a:rPr lang="en-US" smtClean="0"/>
+              <a:t>13</a:t>
+            </a:fld>
+            <a:endParaRPr lang="en-US"/>
+          </a:p>
+        </p:txBody>
+      </p:sp>
     </p:spTree>
     <p:extLst>
       <p:ext uri="{BB962C8B-B14F-4D97-AF65-F5344CB8AC3E}">
@@ -7105,6 +7204,35 @@
               <a:t>etc</a:t>
             </a:r>
             <a:endParaRPr lang="en-US" dirty="0"/>
+          </a:p>
+        </p:txBody>
+      </p:sp>
+      <p:sp>
+        <p:nvSpPr>
+          <p:cNvPr id="2" name="Slide Number Placeholder 1">
+            <a:extLst>
+              <a:ext uri="{FF2B5EF4-FFF2-40B4-BE49-F238E27FC236}">
+                <a16:creationId xmlns:a16="http://schemas.microsoft.com/office/drawing/2014/main" id="{25CCBEC4-BB91-E87B-EEC0-29277B047A03}"/>
+              </a:ext>
+            </a:extLst>
+          </p:cNvPr>
+          <p:cNvSpPr>
+            <a:spLocks noGrp="1"/>
+          </p:cNvSpPr>
+          <p:nvPr>
+            <p:ph type="sldNum" sz="quarter" idx="12"/>
+          </p:nvPr>
+        </p:nvSpPr>
+        <p:spPr/>
+        <p:txBody>
+          <a:bodyPr/>
+          <a:lstStyle/>
+          <a:p>
+            <a:fld id="{5A064C77-022D-3743-A04E-645624933D1D}" type="slidenum">
+              <a:rPr lang="en-US" smtClean="0"/>
+              <a:t>14</a:t>
+            </a:fld>
+            <a:endParaRPr lang="en-US"/>
           </a:p>
         </p:txBody>
       </p:sp>
@@ -8389,6 +8517,35 @@
           </a:graphicData>
         </a:graphic>
       </p:graphicFrame>
+      <p:sp>
+        <p:nvSpPr>
+          <p:cNvPr id="4" name="Slide Number Placeholder 3">
+            <a:extLst>
+              <a:ext uri="{FF2B5EF4-FFF2-40B4-BE49-F238E27FC236}">
+                <a16:creationId xmlns:a16="http://schemas.microsoft.com/office/drawing/2014/main" id="{5CC6B4FB-FD34-177D-BAE1-05D1DDC6F3FA}"/>
+              </a:ext>
+            </a:extLst>
+          </p:cNvPr>
+          <p:cNvSpPr>
+            <a:spLocks noGrp="1"/>
+          </p:cNvSpPr>
+          <p:nvPr>
+            <p:ph type="sldNum" sz="quarter" idx="12"/>
+          </p:nvPr>
+        </p:nvSpPr>
+        <p:spPr/>
+        <p:txBody>
+          <a:bodyPr/>
+          <a:lstStyle/>
+          <a:p>
+            <a:fld id="{5A064C77-022D-3743-A04E-645624933D1D}" type="slidenum">
+              <a:rPr lang="en-US" smtClean="0"/>
+              <a:t>15</a:t>
+            </a:fld>
+            <a:endParaRPr lang="en-US"/>
+          </a:p>
+        </p:txBody>
+      </p:sp>
     </p:spTree>
     <p:extLst>
       <p:ext uri="{BB962C8B-B14F-4D97-AF65-F5344CB8AC3E}">
@@ -8424,7 +8581,7 @@
           <p:cNvPr id="2" name="Title 1">
             <a:extLst>
               <a:ext uri="{FF2B5EF4-FFF2-40B4-BE49-F238E27FC236}">
-                <a16:creationId xmlns:a16="http://schemas.microsoft.com/office/drawing/2014/main" id="{7430C11C-1AF0-5222-43C3-8B227297B6E3}"/>
+                <a16:creationId xmlns:a16="http://schemas.microsoft.com/office/drawing/2014/main" id="{3CB0384E-963F-048E-956A-8A65F8A612B3}"/>
               </a:ext>
             </a:extLst>
           </p:cNvPr>
@@ -8441,8 +8598,8 @@
           <a:lstStyle/>
           <a:p>
             <a:r>
-              <a:rPr lang="en-US" dirty="0"/>
-              <a:t>Other variants</a:t>
+              <a:rPr lang="en-IE" dirty="0"/>
+              <a:t>Pre-training	</a:t>
             </a:r>
           </a:p>
         </p:txBody>
@@ -8452,7 +8609,7 @@
           <p:cNvPr id="3" name="Content Placeholder 2">
             <a:extLst>
               <a:ext uri="{FF2B5EF4-FFF2-40B4-BE49-F238E27FC236}">
-                <a16:creationId xmlns:a16="http://schemas.microsoft.com/office/drawing/2014/main" id="{8E86EC3B-829A-552E-7B12-68B68FBD3EEA}"/>
+                <a16:creationId xmlns:a16="http://schemas.microsoft.com/office/drawing/2014/main" id="{EE0DFEA6-BDAB-9E9C-AE26-2B860DDD1665}"/>
               </a:ext>
             </a:extLst>
           </p:cNvPr>
@@ -8466,6 +8623,147 @@
         <p:spPr/>
         <p:txBody>
           <a:bodyPr>
+            <a:normAutofit lnSpcReduction="10000"/>
+          </a:bodyPr>
+          <a:lstStyle/>
+          <a:p>
+            <a:r>
+              <a:rPr lang="en-IE" dirty="0"/>
+              <a:t>Use, for example, before full model fitting to obtain better values of embeddings or other aspects of the model.</a:t>
+            </a:r>
+          </a:p>
+          <a:p>
+            <a:r>
+              <a:rPr lang="en-IE" dirty="0"/>
+              <a:t>Take a large data set and try to learn something simple from it before you run it on your specific task.</a:t>
+            </a:r>
+          </a:p>
+          <a:p>
+            <a:r>
+              <a:rPr lang="en-IE" dirty="0"/>
+              <a:t>E.g. predict next item in a sequence, mask out some part of the values and predict them.</a:t>
+            </a:r>
+          </a:p>
+          <a:p>
+            <a:r>
+              <a:rPr lang="en-IE" dirty="0"/>
+              <a:t>Makes the later fitting of the model much easier.</a:t>
+            </a:r>
+          </a:p>
+          <a:p>
+            <a:r>
+              <a:rPr lang="en-IE" dirty="0"/>
+              <a:t>Does add computational cost and sometimes worsens bias on training data.</a:t>
+            </a:r>
+          </a:p>
+        </p:txBody>
+      </p:sp>
+      <p:sp>
+        <p:nvSpPr>
+          <p:cNvPr id="4" name="Slide Number Placeholder 3">
+            <a:extLst>
+              <a:ext uri="{FF2B5EF4-FFF2-40B4-BE49-F238E27FC236}">
+                <a16:creationId xmlns:a16="http://schemas.microsoft.com/office/drawing/2014/main" id="{F31883C3-8925-E75E-3D30-E1F5E0170F65}"/>
+              </a:ext>
+            </a:extLst>
+          </p:cNvPr>
+          <p:cNvSpPr>
+            <a:spLocks noGrp="1"/>
+          </p:cNvSpPr>
+          <p:nvPr>
+            <p:ph type="sldNum" sz="quarter" idx="12"/>
+          </p:nvPr>
+        </p:nvSpPr>
+        <p:spPr/>
+        <p:txBody>
+          <a:bodyPr/>
+          <a:lstStyle/>
+          <a:p>
+            <a:fld id="{5A064C77-022D-3743-A04E-645624933D1D}" type="slidenum">
+              <a:rPr lang="en-US" smtClean="0"/>
+              <a:t>16</a:t>
+            </a:fld>
+            <a:endParaRPr lang="en-US"/>
+          </a:p>
+        </p:txBody>
+      </p:sp>
+    </p:spTree>
+    <p:extLst>
+      <p:ext uri="{BB962C8B-B14F-4D97-AF65-F5344CB8AC3E}">
+        <p14:creationId xmlns:p14="http://schemas.microsoft.com/office/powerpoint/2010/main" val="1433505763"/>
+      </p:ext>
+    </p:extLst>
+  </p:cSld>
+  <p:clrMapOvr>
+    <a:masterClrMapping/>
+  </p:clrMapOvr>
+</p:sld>
+</file>
+
+<file path=ppt/slides/slide17.xml><?xml version="1.0" encoding="utf-8"?>
+<p:sld xmlns:a="http://schemas.openxmlformats.org/drawingml/2006/main" xmlns:r="http://schemas.openxmlformats.org/officeDocument/2006/relationships" xmlns:p="http://schemas.openxmlformats.org/presentationml/2006/main">
+  <p:cSld>
+    <p:spTree>
+      <p:nvGrpSpPr>
+        <p:cNvPr id="1" name=""/>
+        <p:cNvGrpSpPr/>
+        <p:nvPr/>
+      </p:nvGrpSpPr>
+      <p:grpSpPr>
+        <a:xfrm>
+          <a:off x="0" y="0"/>
+          <a:ext cx="0" cy="0"/>
+          <a:chOff x="0" y="0"/>
+          <a:chExt cx="0" cy="0"/>
+        </a:xfrm>
+      </p:grpSpPr>
+      <p:sp>
+        <p:nvSpPr>
+          <p:cNvPr id="2" name="Title 1">
+            <a:extLst>
+              <a:ext uri="{FF2B5EF4-FFF2-40B4-BE49-F238E27FC236}">
+                <a16:creationId xmlns:a16="http://schemas.microsoft.com/office/drawing/2014/main" id="{7430C11C-1AF0-5222-43C3-8B227297B6E3}"/>
+              </a:ext>
+            </a:extLst>
+          </p:cNvPr>
+          <p:cNvSpPr>
+            <a:spLocks noGrp="1"/>
+          </p:cNvSpPr>
+          <p:nvPr>
+            <p:ph type="title"/>
+          </p:nvPr>
+        </p:nvSpPr>
+        <p:spPr/>
+        <p:txBody>
+          <a:bodyPr/>
+          <a:lstStyle/>
+          <a:p>
+            <a:r>
+              <a:rPr lang="en-US" dirty="0"/>
+              <a:t>Other variants</a:t>
+            </a:r>
+          </a:p>
+        </p:txBody>
+      </p:sp>
+      <p:sp>
+        <p:nvSpPr>
+          <p:cNvPr id="3" name="Content Placeholder 2">
+            <a:extLst>
+              <a:ext uri="{FF2B5EF4-FFF2-40B4-BE49-F238E27FC236}">
+                <a16:creationId xmlns:a16="http://schemas.microsoft.com/office/drawing/2014/main" id="{8E86EC3B-829A-552E-7B12-68B68FBD3EEA}"/>
+              </a:ext>
+            </a:extLst>
+          </p:cNvPr>
+          <p:cNvSpPr>
+            <a:spLocks noGrp="1"/>
+          </p:cNvSpPr>
+          <p:nvPr>
+            <p:ph idx="1"/>
+          </p:nvPr>
+        </p:nvSpPr>
+        <p:spPr/>
+        <p:txBody>
+          <a:bodyPr>
             <a:normAutofit/>
           </a:bodyPr>
           <a:lstStyle/>
@@ -8516,6 +8814,35 @@
               <a:rPr lang="en-US" dirty="0"/>
               <a:t>.</a:t>
             </a:r>
+          </a:p>
+        </p:txBody>
+      </p:sp>
+      <p:sp>
+        <p:nvSpPr>
+          <p:cNvPr id="4" name="Slide Number Placeholder 3">
+            <a:extLst>
+              <a:ext uri="{FF2B5EF4-FFF2-40B4-BE49-F238E27FC236}">
+                <a16:creationId xmlns:a16="http://schemas.microsoft.com/office/drawing/2014/main" id="{46740391-670B-A3A5-DC0C-7A1A36B08786}"/>
+              </a:ext>
+            </a:extLst>
+          </p:cNvPr>
+          <p:cNvSpPr>
+            <a:spLocks noGrp="1"/>
+          </p:cNvSpPr>
+          <p:nvPr>
+            <p:ph type="sldNum" sz="quarter" idx="12"/>
+          </p:nvPr>
+        </p:nvSpPr>
+        <p:spPr/>
+        <p:txBody>
+          <a:bodyPr/>
+          <a:lstStyle/>
+          <a:p>
+            <a:fld id="{5A064C77-022D-3743-A04E-645624933D1D}" type="slidenum">
+              <a:rPr lang="en-US" smtClean="0"/>
+              <a:t>17</a:t>
+            </a:fld>
+            <a:endParaRPr lang="en-US"/>
           </a:p>
         </p:txBody>
       </p:sp>
@@ -8532,7 +8859,7 @@
 </p:sld>
 </file>
 
-<file path=ppt/slides/slide17.xml><?xml version="1.0" encoding="utf-8"?>
+<file path=ppt/slides/slide18.xml><?xml version="1.0" encoding="utf-8"?>
 <p:sld xmlns:a="http://schemas.openxmlformats.org/drawingml/2006/main" xmlns:r="http://schemas.openxmlformats.org/officeDocument/2006/relationships" xmlns:p="http://schemas.openxmlformats.org/presentationml/2006/main">
   <p:cSld>
     <p:spTree>
@@ -8706,145 +9033,39 @@
           </p:sp>
         </mc:Fallback>
       </mc:AlternateContent>
+      <p:sp>
+        <p:nvSpPr>
+          <p:cNvPr id="4" name="Slide Number Placeholder 3">
+            <a:extLst>
+              <a:ext uri="{FF2B5EF4-FFF2-40B4-BE49-F238E27FC236}">
+                <a16:creationId xmlns:a16="http://schemas.microsoft.com/office/drawing/2014/main" id="{7862494B-BFFA-01A4-EF36-07B008D03294}"/>
+              </a:ext>
+            </a:extLst>
+          </p:cNvPr>
+          <p:cNvSpPr>
+            <a:spLocks noGrp="1"/>
+          </p:cNvSpPr>
+          <p:nvPr>
+            <p:ph type="sldNum" sz="quarter" idx="12"/>
+          </p:nvPr>
+        </p:nvSpPr>
+        <p:spPr/>
+        <p:txBody>
+          <a:bodyPr/>
+          <a:lstStyle/>
+          <a:p>
+            <a:fld id="{5A064C77-022D-3743-A04E-645624933D1D}" type="slidenum">
+              <a:rPr lang="en-US" smtClean="0"/>
+              <a:t>18</a:t>
+            </a:fld>
+            <a:endParaRPr lang="en-US"/>
+          </a:p>
+        </p:txBody>
+      </p:sp>
     </p:spTree>
     <p:extLst>
       <p:ext uri="{BB962C8B-B14F-4D97-AF65-F5344CB8AC3E}">
         <p14:creationId xmlns:p14="http://schemas.microsoft.com/office/powerpoint/2010/main" val="1417039880"/>
-      </p:ext>
-    </p:extLst>
-  </p:cSld>
-  <p:clrMapOvr>
-    <a:masterClrMapping/>
-  </p:clrMapOvr>
-</p:sld>
-</file>
-
-<file path=ppt/slides/slide18.xml><?xml version="1.0" encoding="utf-8"?>
-<p:sld xmlns:a="http://schemas.openxmlformats.org/drawingml/2006/main" xmlns:r="http://schemas.openxmlformats.org/officeDocument/2006/relationships" xmlns:p="http://schemas.openxmlformats.org/presentationml/2006/main">
-  <p:cSld>
-    <p:spTree>
-      <p:nvGrpSpPr>
-        <p:cNvPr id="1" name=""/>
-        <p:cNvGrpSpPr/>
-        <p:nvPr/>
-      </p:nvGrpSpPr>
-      <p:grpSpPr>
-        <a:xfrm>
-          <a:off x="0" y="0"/>
-          <a:ext cx="0" cy="0"/>
-          <a:chOff x="0" y="0"/>
-          <a:chExt cx="0" cy="0"/>
-        </a:xfrm>
-      </p:grpSpPr>
-      <p:sp>
-        <p:nvSpPr>
-          <p:cNvPr id="2" name="Title 1">
-            <a:extLst>
-              <a:ext uri="{FF2B5EF4-FFF2-40B4-BE49-F238E27FC236}">
-                <a16:creationId xmlns:a16="http://schemas.microsoft.com/office/drawing/2014/main" id="{B5399CAB-C059-A355-C946-789034171161}"/>
-              </a:ext>
-            </a:extLst>
-          </p:cNvPr>
-          <p:cNvSpPr>
-            <a:spLocks noGrp="1"/>
-          </p:cNvSpPr>
-          <p:nvPr>
-            <p:ph type="title"/>
-          </p:nvPr>
-        </p:nvSpPr>
-        <p:spPr/>
-        <p:txBody>
-          <a:bodyPr/>
-          <a:lstStyle/>
-          <a:p>
-            <a:r>
-              <a:rPr lang="en-US" dirty="0"/>
-              <a:t>Link with AIFS</a:t>
-            </a:r>
-          </a:p>
-        </p:txBody>
-      </p:sp>
-      <p:sp>
-        <p:nvSpPr>
-          <p:cNvPr id="3" name="Content Placeholder 2">
-            <a:extLst>
-              <a:ext uri="{FF2B5EF4-FFF2-40B4-BE49-F238E27FC236}">
-                <a16:creationId xmlns:a16="http://schemas.microsoft.com/office/drawing/2014/main" id="{7AE92B9F-687F-9243-3AFC-A4AD6840D2EB}"/>
-              </a:ext>
-            </a:extLst>
-          </p:cNvPr>
-          <p:cNvSpPr>
-            <a:spLocks noGrp="1"/>
-          </p:cNvSpPr>
-          <p:nvPr>
-            <p:ph idx="1"/>
-          </p:nvPr>
-        </p:nvSpPr>
-        <p:spPr>
-          <a:xfrm>
-            <a:off x="838200" y="1825625"/>
-            <a:ext cx="4161020" cy="4149290"/>
-          </a:xfrm>
-        </p:spPr>
-        <p:txBody>
-          <a:bodyPr>
-            <a:normAutofit lnSpcReduction="10000"/>
-          </a:bodyPr>
-          <a:lstStyle/>
-          <a:p>
-            <a:r>
-              <a:rPr lang="en-US" dirty="0"/>
-              <a:t>Apart from the graph structure (next class) this is exactly the background in ECMWF’s AIFS forecasting system</a:t>
-            </a:r>
-          </a:p>
-          <a:p>
-            <a:r>
-              <a:rPr lang="en-US" dirty="0"/>
-              <a:t>They predict multiple variables 6 hours ahead</a:t>
-            </a:r>
-          </a:p>
-          <a:p>
-            <a:r>
-              <a:rPr lang="en-US" dirty="0"/>
-              <a:t>Takes a week to run with 64 A100 GPUs (we only have 100)</a:t>
-            </a:r>
-          </a:p>
-        </p:txBody>
-      </p:sp>
-      <p:pic>
-        <p:nvPicPr>
-          <p:cNvPr id="4" name="Picture 3">
-            <a:extLst>
-              <a:ext uri="{FF2B5EF4-FFF2-40B4-BE49-F238E27FC236}">
-                <a16:creationId xmlns:a16="http://schemas.microsoft.com/office/drawing/2014/main" id="{0722553E-3E4C-09FE-CB8B-113FDBAA7117}"/>
-              </a:ext>
-            </a:extLst>
-          </p:cNvPr>
-          <p:cNvPicPr>
-            <a:picLocks noChangeAspect="1"/>
-          </p:cNvPicPr>
-          <p:nvPr/>
-        </p:nvPicPr>
-        <p:blipFill>
-          <a:blip r:embed="rId2"/>
-          <a:stretch>
-            <a:fillRect/>
-          </a:stretch>
-        </p:blipFill>
-        <p:spPr>
-          <a:xfrm>
-            <a:off x="5651274" y="1527097"/>
-            <a:ext cx="6054795" cy="3923726"/>
-          </a:xfrm>
-          <a:prstGeom prst="rect">
-            <a:avLst/>
-          </a:prstGeom>
-        </p:spPr>
-      </p:pic>
-    </p:spTree>
-    <p:extLst>
-      <p:ext uri="{BB962C8B-B14F-4D97-AF65-F5344CB8AC3E}">
-        <p14:creationId xmlns:p14="http://schemas.microsoft.com/office/powerpoint/2010/main" val="2916108506"/>
       </p:ext>
     </p:extLst>
   </p:cSld>
@@ -8876,7 +9097,7 @@
           <p:cNvPr id="2" name="Title 1">
             <a:extLst>
               <a:ext uri="{FF2B5EF4-FFF2-40B4-BE49-F238E27FC236}">
-                <a16:creationId xmlns:a16="http://schemas.microsoft.com/office/drawing/2014/main" id="{5052E3C7-E02A-F443-93FF-99B0D12844EC}"/>
+                <a16:creationId xmlns:a16="http://schemas.microsoft.com/office/drawing/2014/main" id="{B5399CAB-C059-A355-C946-789034171161}"/>
               </a:ext>
             </a:extLst>
           </p:cNvPr>
@@ -8894,7 +9115,7 @@
           <a:p>
             <a:r>
               <a:rPr lang="en-US" dirty="0"/>
-              <a:t>Summary</a:t>
+              <a:t>Link with AIFS</a:t>
             </a:r>
           </a:p>
         </p:txBody>
@@ -8904,7 +9125,7 @@
           <p:cNvPr id="3" name="Content Placeholder 2">
             <a:extLst>
               <a:ext uri="{FF2B5EF4-FFF2-40B4-BE49-F238E27FC236}">
-                <a16:creationId xmlns:a16="http://schemas.microsoft.com/office/drawing/2014/main" id="{92B1495C-38DD-F9F0-478E-D16C6E4C61EA}"/>
+                <a16:creationId xmlns:a16="http://schemas.microsoft.com/office/drawing/2014/main" id="{7AE92B9F-687F-9243-3AFC-A4AD6840D2EB}"/>
               </a:ext>
             </a:extLst>
           </p:cNvPr>
@@ -8915,80 +9136,100 @@
             <p:ph idx="1"/>
           </p:nvPr>
         </p:nvSpPr>
-        <p:spPr/>
+        <p:spPr>
+          <a:xfrm>
+            <a:off x="838200" y="1825625"/>
+            <a:ext cx="4161020" cy="4149290"/>
+          </a:xfrm>
+        </p:spPr>
         <p:txBody>
           <a:bodyPr>
-            <a:normAutofit fontScale="92500" lnSpcReduction="20000"/>
+            <a:normAutofit lnSpcReduction="10000"/>
           </a:bodyPr>
           <a:lstStyle/>
           <a:p>
-            <a:pPr marL="457200" indent="-457200">
-              <a:buFont typeface="Arial" panose="020B0604020202020204" pitchFamily="34" charset="0"/>
-              <a:buChar char="•"/>
-            </a:pPr>
             <a:r>
               <a:rPr lang="en-US" dirty="0"/>
-              <a:t>Transformers replace recurrence with attention, enabling </a:t>
-            </a:r>
-            <a:r>
-              <a:rPr lang="en-US" dirty="0" err="1"/>
-              <a:t>parallelisation</a:t>
-            </a:r>
+              <a:t>Apart from the graph structure (next class) this is exactly the background in ECMWF’s AIFS forecasting system</a:t>
+            </a:r>
+          </a:p>
+          <a:p>
             <a:r>
               <a:rPr lang="en-US" dirty="0"/>
-              <a:t> and capturing long‑range dependencies.</a:t>
-            </a:r>
-          </a:p>
-          <a:p>
-            <a:pPr marL="457200" indent="-457200">
-              <a:buFont typeface="Arial" panose="020B0604020202020204" pitchFamily="34" charset="0"/>
-              <a:buChar char="•"/>
-            </a:pPr>
+              <a:t>They predict multiple variables 6 hours ahead</a:t>
+            </a:r>
+          </a:p>
+          <a:p>
             <a:r>
               <a:rPr lang="en-US" dirty="0"/>
-              <a:t>Scaled dot‑product and multi‑head attention are core building blocks.</a:t>
-            </a:r>
-          </a:p>
-          <a:p>
-            <a:pPr marL="457200" indent="-457200">
-              <a:buFont typeface="Arial" panose="020B0604020202020204" pitchFamily="34" charset="0"/>
-              <a:buChar char="•"/>
-            </a:pPr>
-            <a:r>
-              <a:rPr lang="en-US" dirty="0"/>
-              <a:t>Positional encoding injects order information into the model.</a:t>
-            </a:r>
-          </a:p>
-          <a:p>
-            <a:pPr marL="457200" indent="-457200">
-              <a:buFont typeface="Arial" panose="020B0604020202020204" pitchFamily="34" charset="0"/>
-              <a:buChar char="•"/>
-            </a:pPr>
-            <a:r>
-              <a:rPr lang="en-US" dirty="0"/>
-              <a:t>On weather forecasting, transformers handle multivariate sequences effectively when sequence length is moderate.</a:t>
-            </a:r>
-          </a:p>
-          <a:p>
-            <a:pPr marL="457200" indent="-457200">
-              <a:buFont typeface="Arial" panose="020B0604020202020204" pitchFamily="34" charset="0"/>
-              <a:buChar char="•"/>
-            </a:pPr>
-            <a:r>
-              <a:rPr lang="en-US" dirty="0" err="1"/>
-              <a:t>PyTorch</a:t>
-            </a:r>
-            <a:r>
-              <a:rPr lang="en-US" dirty="0"/>
-              <a:t> makes fitting these kinds of models relatively easy.</a:t>
-            </a:r>
+              <a:t>Takes a week to run with 64 A100 GPUs (we only have 100)</a:t>
+            </a:r>
+          </a:p>
+        </p:txBody>
+      </p:sp>
+      <p:pic>
+        <p:nvPicPr>
+          <p:cNvPr id="4" name="Picture 3">
+            <a:extLst>
+              <a:ext uri="{FF2B5EF4-FFF2-40B4-BE49-F238E27FC236}">
+                <a16:creationId xmlns:a16="http://schemas.microsoft.com/office/drawing/2014/main" id="{0722553E-3E4C-09FE-CB8B-113FDBAA7117}"/>
+              </a:ext>
+            </a:extLst>
+          </p:cNvPr>
+          <p:cNvPicPr>
+            <a:picLocks noChangeAspect="1"/>
+          </p:cNvPicPr>
+          <p:nvPr/>
+        </p:nvPicPr>
+        <p:blipFill>
+          <a:blip r:embed="rId2"/>
+          <a:stretch>
+            <a:fillRect/>
+          </a:stretch>
+        </p:blipFill>
+        <p:spPr>
+          <a:xfrm>
+            <a:off x="5651274" y="1527097"/>
+            <a:ext cx="6054795" cy="3923726"/>
+          </a:xfrm>
+          <a:prstGeom prst="rect">
+            <a:avLst/>
+          </a:prstGeom>
+        </p:spPr>
+      </p:pic>
+      <p:sp>
+        <p:nvSpPr>
+          <p:cNvPr id="5" name="Slide Number Placeholder 4">
+            <a:extLst>
+              <a:ext uri="{FF2B5EF4-FFF2-40B4-BE49-F238E27FC236}">
+                <a16:creationId xmlns:a16="http://schemas.microsoft.com/office/drawing/2014/main" id="{EB06E4CD-68DB-F90A-4D01-AA3227626585}"/>
+              </a:ext>
+            </a:extLst>
+          </p:cNvPr>
+          <p:cNvSpPr>
+            <a:spLocks noGrp="1"/>
+          </p:cNvSpPr>
+          <p:nvPr>
+            <p:ph type="sldNum" sz="quarter" idx="12"/>
+          </p:nvPr>
+        </p:nvSpPr>
+        <p:spPr/>
+        <p:txBody>
+          <a:bodyPr/>
+          <a:lstStyle/>
+          <a:p>
+            <a:fld id="{5A064C77-022D-3743-A04E-645624933D1D}" type="slidenum">
+              <a:rPr lang="en-US" smtClean="0"/>
+              <a:t>19</a:t>
+            </a:fld>
+            <a:endParaRPr lang="en-US"/>
           </a:p>
         </p:txBody>
       </p:sp>
     </p:spTree>
     <p:extLst>
       <p:ext uri="{BB962C8B-B14F-4D97-AF65-F5344CB8AC3E}">
-        <p14:creationId xmlns:p14="http://schemas.microsoft.com/office/powerpoint/2010/main" val="2902375257"/>
+        <p14:creationId xmlns:p14="http://schemas.microsoft.com/office/powerpoint/2010/main" val="2916108506"/>
       </p:ext>
     </p:extLst>
   </p:cSld>
@@ -9118,6 +9359,35 @@
               <a:rPr lang="en-US" dirty="0"/>
               <a:t>Summary &amp; Reading</a:t>
             </a:r>
+          </a:p>
+        </p:txBody>
+      </p:sp>
+      <p:sp>
+        <p:nvSpPr>
+          <p:cNvPr id="4" name="Slide Number Placeholder 3">
+            <a:extLst>
+              <a:ext uri="{FF2B5EF4-FFF2-40B4-BE49-F238E27FC236}">
+                <a16:creationId xmlns:a16="http://schemas.microsoft.com/office/drawing/2014/main" id="{444B997E-3A83-9889-6828-1FFDC690F749}"/>
+              </a:ext>
+            </a:extLst>
+          </p:cNvPr>
+          <p:cNvSpPr>
+            <a:spLocks noGrp="1"/>
+          </p:cNvSpPr>
+          <p:nvPr>
+            <p:ph type="sldNum" sz="quarter" idx="12"/>
+          </p:nvPr>
+        </p:nvSpPr>
+        <p:spPr/>
+        <p:txBody>
+          <a:bodyPr/>
+          <a:lstStyle/>
+          <a:p>
+            <a:fld id="{5A064C77-022D-3743-A04E-645624933D1D}" type="slidenum">
+              <a:rPr lang="en-US" smtClean="0"/>
+              <a:t>2</a:t>
+            </a:fld>
+            <a:endParaRPr lang="en-US"/>
           </a:p>
         </p:txBody>
       </p:sp>
@@ -9156,6 +9426,150 @@
           <p:cNvPr id="2" name="Title 1">
             <a:extLst>
               <a:ext uri="{FF2B5EF4-FFF2-40B4-BE49-F238E27FC236}">
+                <a16:creationId xmlns:a16="http://schemas.microsoft.com/office/drawing/2014/main" id="{5052E3C7-E02A-F443-93FF-99B0D12844EC}"/>
+              </a:ext>
+            </a:extLst>
+          </p:cNvPr>
+          <p:cNvSpPr>
+            <a:spLocks noGrp="1"/>
+          </p:cNvSpPr>
+          <p:nvPr>
+            <p:ph type="title"/>
+          </p:nvPr>
+        </p:nvSpPr>
+        <p:spPr/>
+        <p:txBody>
+          <a:bodyPr/>
+          <a:lstStyle/>
+          <a:p>
+            <a:r>
+              <a:rPr lang="en-US" dirty="0"/>
+              <a:t>Summary</a:t>
+            </a:r>
+          </a:p>
+        </p:txBody>
+      </p:sp>
+      <p:sp>
+        <p:nvSpPr>
+          <p:cNvPr id="3" name="Content Placeholder 2">
+            <a:extLst>
+              <a:ext uri="{FF2B5EF4-FFF2-40B4-BE49-F238E27FC236}">
+                <a16:creationId xmlns:a16="http://schemas.microsoft.com/office/drawing/2014/main" id="{92B1495C-38DD-F9F0-478E-D16C6E4C61EA}"/>
+              </a:ext>
+            </a:extLst>
+          </p:cNvPr>
+          <p:cNvSpPr>
+            <a:spLocks noGrp="1"/>
+          </p:cNvSpPr>
+          <p:nvPr>
+            <p:ph idx="1"/>
+          </p:nvPr>
+        </p:nvSpPr>
+        <p:spPr/>
+        <p:txBody>
+          <a:bodyPr>
+            <a:normAutofit fontScale="92500" lnSpcReduction="20000"/>
+          </a:bodyPr>
+          <a:lstStyle/>
+          <a:p>
+            <a:pPr marL="457200" indent="-457200">
+              <a:buFont typeface="Arial" panose="020B0604020202020204" pitchFamily="34" charset="0"/>
+              <a:buChar char="•"/>
+            </a:pPr>
+            <a:r>
+              <a:rPr lang="en-US" dirty="0"/>
+              <a:t>Transformers replace recurrence with attention, enabling </a:t>
+            </a:r>
+            <a:r>
+              <a:rPr lang="en-US" dirty="0" err="1"/>
+              <a:t>parallelisation</a:t>
+            </a:r>
+            <a:r>
+              <a:rPr lang="en-US" dirty="0"/>
+              <a:t> and capturing long‑range dependencies.</a:t>
+            </a:r>
+          </a:p>
+          <a:p>
+            <a:pPr marL="457200" indent="-457200">
+              <a:buFont typeface="Arial" panose="020B0604020202020204" pitchFamily="34" charset="0"/>
+              <a:buChar char="•"/>
+            </a:pPr>
+            <a:r>
+              <a:rPr lang="en-US" dirty="0"/>
+              <a:t>Scaled dot‑product and multi‑head attention are core building blocks.</a:t>
+            </a:r>
+          </a:p>
+          <a:p>
+            <a:pPr marL="457200" indent="-457200">
+              <a:buFont typeface="Arial" panose="020B0604020202020204" pitchFamily="34" charset="0"/>
+              <a:buChar char="•"/>
+            </a:pPr>
+            <a:r>
+              <a:rPr lang="en-US" dirty="0"/>
+              <a:t>Positional encoding injects order information into the model.</a:t>
+            </a:r>
+          </a:p>
+          <a:p>
+            <a:pPr marL="457200" indent="-457200">
+              <a:buFont typeface="Arial" panose="020B0604020202020204" pitchFamily="34" charset="0"/>
+              <a:buChar char="•"/>
+            </a:pPr>
+            <a:r>
+              <a:rPr lang="en-US" dirty="0"/>
+              <a:t>On weather forecasting, transformers handle multivariate sequences effectively when sequence length is moderate.</a:t>
+            </a:r>
+          </a:p>
+          <a:p>
+            <a:pPr marL="457200" indent="-457200">
+              <a:buFont typeface="Arial" panose="020B0604020202020204" pitchFamily="34" charset="0"/>
+              <a:buChar char="•"/>
+            </a:pPr>
+            <a:r>
+              <a:rPr lang="en-US" dirty="0" err="1"/>
+              <a:t>PyTorch</a:t>
+            </a:r>
+            <a:r>
+              <a:rPr lang="en-US" dirty="0"/>
+              <a:t> makes fitting these kinds of models relatively easy.</a:t>
+            </a:r>
+          </a:p>
+        </p:txBody>
+      </p:sp>
+    </p:spTree>
+    <p:extLst>
+      <p:ext uri="{BB962C8B-B14F-4D97-AF65-F5344CB8AC3E}">
+        <p14:creationId xmlns:p14="http://schemas.microsoft.com/office/powerpoint/2010/main" val="2902375257"/>
+      </p:ext>
+    </p:extLst>
+  </p:cSld>
+  <p:clrMapOvr>
+    <a:masterClrMapping/>
+  </p:clrMapOvr>
+</p:sld>
+</file>
+
+<file path=ppt/slides/slide21.xml><?xml version="1.0" encoding="utf-8"?>
+<p:sld xmlns:a="http://schemas.openxmlformats.org/drawingml/2006/main" xmlns:r="http://schemas.openxmlformats.org/officeDocument/2006/relationships" xmlns:p="http://schemas.openxmlformats.org/presentationml/2006/main">
+  <p:cSld>
+    <p:spTree>
+      <p:nvGrpSpPr>
+        <p:cNvPr id="1" name=""/>
+        <p:cNvGrpSpPr/>
+        <p:nvPr/>
+      </p:nvGrpSpPr>
+      <p:grpSpPr>
+        <a:xfrm>
+          <a:off x="0" y="0"/>
+          <a:ext cx="0" cy="0"/>
+          <a:chOff x="0" y="0"/>
+          <a:chExt cx="0" cy="0"/>
+        </a:xfrm>
+      </p:grpSpPr>
+      <p:sp>
+        <p:nvSpPr>
+          <p:cNvPr id="2" name="Title 1">
+            <a:extLst>
+              <a:ext uri="{FF2B5EF4-FFF2-40B4-BE49-F238E27FC236}">
                 <a16:creationId xmlns:a16="http://schemas.microsoft.com/office/drawing/2014/main" id="{5272E10E-525F-42F7-F943-C6C1FF1B7CC1}"/>
               </a:ext>
             </a:extLst>
@@ -9227,7 +9641,7 @@
 </p:sld>
 </file>
 
-<file path=ppt/slides/slide21.xml><?xml version="1.0" encoding="utf-8"?>
+<file path=ppt/slides/slide22.xml><?xml version="1.0" encoding="utf-8"?>
 <p:sld xmlns:a="http://schemas.openxmlformats.org/drawingml/2006/main" xmlns:r="http://schemas.openxmlformats.org/officeDocument/2006/relationships" xmlns:p="http://schemas.openxmlformats.org/presentationml/2006/main">
   <p:cSld>
     <p:spTree>
@@ -10286,6 +10700,35 @@
           </a:graphicData>
         </a:graphic>
       </p:graphicFrame>
+      <p:sp>
+        <p:nvSpPr>
+          <p:cNvPr id="5" name="Slide Number Placeholder 4">
+            <a:extLst>
+              <a:ext uri="{FF2B5EF4-FFF2-40B4-BE49-F238E27FC236}">
+                <a16:creationId xmlns:a16="http://schemas.microsoft.com/office/drawing/2014/main" id="{EE6E007D-944F-89D9-0A95-FB6FDFC98574}"/>
+              </a:ext>
+            </a:extLst>
+          </p:cNvPr>
+          <p:cNvSpPr>
+            <a:spLocks noGrp="1"/>
+          </p:cNvSpPr>
+          <p:nvPr>
+            <p:ph type="sldNum" sz="quarter" idx="12"/>
+          </p:nvPr>
+        </p:nvSpPr>
+        <p:spPr/>
+        <p:txBody>
+          <a:bodyPr/>
+          <a:lstStyle/>
+          <a:p>
+            <a:fld id="{5A064C77-022D-3743-A04E-645624933D1D}" type="slidenum">
+              <a:rPr lang="en-US" smtClean="0"/>
+              <a:t>3</a:t>
+            </a:fld>
+            <a:endParaRPr lang="en-US"/>
+          </a:p>
+        </p:txBody>
+      </p:sp>
     </p:spTree>
     <p:extLst>
       <p:ext uri="{BB962C8B-B14F-4D97-AF65-F5344CB8AC3E}">
@@ -10421,6 +10864,35 @@
               <a:rPr lang="en-US" dirty="0"/>
               <a:t>to make sure the order of the sequence matters</a:t>
             </a:r>
+          </a:p>
+        </p:txBody>
+      </p:sp>
+      <p:sp>
+        <p:nvSpPr>
+          <p:cNvPr id="4" name="Slide Number Placeholder 3">
+            <a:extLst>
+              <a:ext uri="{FF2B5EF4-FFF2-40B4-BE49-F238E27FC236}">
+                <a16:creationId xmlns:a16="http://schemas.microsoft.com/office/drawing/2014/main" id="{D9181F8C-573D-EB0F-1314-68E747641B2C}"/>
+              </a:ext>
+            </a:extLst>
+          </p:cNvPr>
+          <p:cNvSpPr>
+            <a:spLocks noGrp="1"/>
+          </p:cNvSpPr>
+          <p:nvPr>
+            <p:ph type="sldNum" sz="quarter" idx="12"/>
+          </p:nvPr>
+        </p:nvSpPr>
+        <p:spPr/>
+        <p:txBody>
+          <a:bodyPr/>
+          <a:lstStyle/>
+          <a:p>
+            <a:fld id="{5A064C77-022D-3743-A04E-645624933D1D}" type="slidenum">
+              <a:rPr lang="en-US" smtClean="0"/>
+              <a:t>4</a:t>
+            </a:fld>
+            <a:endParaRPr lang="en-US"/>
           </a:p>
         </p:txBody>
       </p:sp>
@@ -10749,6 +11221,35 @@
           </p:sp>
         </mc:Fallback>
       </mc:AlternateContent>
+      <p:sp>
+        <p:nvSpPr>
+          <p:cNvPr id="4" name="Slide Number Placeholder 3">
+            <a:extLst>
+              <a:ext uri="{FF2B5EF4-FFF2-40B4-BE49-F238E27FC236}">
+                <a16:creationId xmlns:a16="http://schemas.microsoft.com/office/drawing/2014/main" id="{FE44AF93-1933-E9EB-5621-A44BBEDE9A63}"/>
+              </a:ext>
+            </a:extLst>
+          </p:cNvPr>
+          <p:cNvSpPr>
+            <a:spLocks noGrp="1"/>
+          </p:cNvSpPr>
+          <p:nvPr>
+            <p:ph type="sldNum" sz="quarter" idx="12"/>
+          </p:nvPr>
+        </p:nvSpPr>
+        <p:spPr/>
+        <p:txBody>
+          <a:bodyPr/>
+          <a:lstStyle/>
+          <a:p>
+            <a:fld id="{5A064C77-022D-3743-A04E-645624933D1D}" type="slidenum">
+              <a:rPr lang="en-US" smtClean="0"/>
+              <a:t>5</a:t>
+            </a:fld>
+            <a:endParaRPr lang="en-US"/>
+          </a:p>
+        </p:txBody>
+      </p:sp>
     </p:spTree>
     <p:extLst>
       <p:ext uri="{BB962C8B-B14F-4D97-AF65-F5344CB8AC3E}">
@@ -11021,6 +11522,35 @@
           </p:sp>
         </mc:Fallback>
       </mc:AlternateContent>
+      <p:sp>
+        <p:nvSpPr>
+          <p:cNvPr id="4" name="Slide Number Placeholder 3">
+            <a:extLst>
+              <a:ext uri="{FF2B5EF4-FFF2-40B4-BE49-F238E27FC236}">
+                <a16:creationId xmlns:a16="http://schemas.microsoft.com/office/drawing/2014/main" id="{02288244-9FA1-01CF-D9F8-D8F9754B2186}"/>
+              </a:ext>
+            </a:extLst>
+          </p:cNvPr>
+          <p:cNvSpPr>
+            <a:spLocks noGrp="1"/>
+          </p:cNvSpPr>
+          <p:nvPr>
+            <p:ph type="sldNum" sz="quarter" idx="12"/>
+          </p:nvPr>
+        </p:nvSpPr>
+        <p:spPr/>
+        <p:txBody>
+          <a:bodyPr/>
+          <a:lstStyle/>
+          <a:p>
+            <a:fld id="{5A064C77-022D-3743-A04E-645624933D1D}" type="slidenum">
+              <a:rPr lang="en-US" smtClean="0"/>
+              <a:t>6</a:t>
+            </a:fld>
+            <a:endParaRPr lang="en-US"/>
+          </a:p>
+        </p:txBody>
+      </p:sp>
     </p:spTree>
     <p:extLst>
       <p:ext uri="{BB962C8B-B14F-4D97-AF65-F5344CB8AC3E}">
@@ -11111,6 +11641,35 @@
           </a:p>
         </p:txBody>
       </p:sp>
+      <p:sp>
+        <p:nvSpPr>
+          <p:cNvPr id="4" name="Slide Number Placeholder 3">
+            <a:extLst>
+              <a:ext uri="{FF2B5EF4-FFF2-40B4-BE49-F238E27FC236}">
+                <a16:creationId xmlns:a16="http://schemas.microsoft.com/office/drawing/2014/main" id="{656A6AA0-274F-5AA0-9414-EC9BD4407DA1}"/>
+              </a:ext>
+            </a:extLst>
+          </p:cNvPr>
+          <p:cNvSpPr>
+            <a:spLocks noGrp="1"/>
+          </p:cNvSpPr>
+          <p:nvPr>
+            <p:ph type="sldNum" sz="quarter" idx="12"/>
+          </p:nvPr>
+        </p:nvSpPr>
+        <p:spPr/>
+        <p:txBody>
+          <a:bodyPr/>
+          <a:lstStyle/>
+          <a:p>
+            <a:fld id="{5A064C77-022D-3743-A04E-645624933D1D}" type="slidenum">
+              <a:rPr lang="en-US" smtClean="0"/>
+              <a:t>7</a:t>
+            </a:fld>
+            <a:endParaRPr lang="en-US"/>
+          </a:p>
+        </p:txBody>
+      </p:sp>
     </p:spTree>
     <p:extLst>
       <p:ext uri="{BB962C8B-B14F-4D97-AF65-F5344CB8AC3E}">
@@ -11230,6 +11789,35 @@
               <a:rPr lang="en-US" dirty="0"/>
               <a:t>Added in a decoder. </a:t>
             </a:r>
+          </a:p>
+        </p:txBody>
+      </p:sp>
+      <p:sp>
+        <p:nvSpPr>
+          <p:cNvPr id="4" name="Slide Number Placeholder 3">
+            <a:extLst>
+              <a:ext uri="{FF2B5EF4-FFF2-40B4-BE49-F238E27FC236}">
+                <a16:creationId xmlns:a16="http://schemas.microsoft.com/office/drawing/2014/main" id="{C4269D74-36E6-E096-6637-E7213AF7470B}"/>
+              </a:ext>
+            </a:extLst>
+          </p:cNvPr>
+          <p:cNvSpPr>
+            <a:spLocks noGrp="1"/>
+          </p:cNvSpPr>
+          <p:nvPr>
+            <p:ph type="sldNum" sz="quarter" idx="12"/>
+          </p:nvPr>
+        </p:nvSpPr>
+        <p:spPr/>
+        <p:txBody>
+          <a:bodyPr/>
+          <a:lstStyle/>
+          <a:p>
+            <a:fld id="{5A064C77-022D-3743-A04E-645624933D1D}" type="slidenum">
+              <a:rPr lang="en-US" smtClean="0"/>
+              <a:t>8</a:t>
+            </a:fld>
+            <a:endParaRPr lang="en-US"/>
           </a:p>
         </p:txBody>
       </p:sp>
@@ -11415,6 +12003,35 @@
           </p:sp>
         </mc:Fallback>
       </mc:AlternateContent>
+      <p:sp>
+        <p:nvSpPr>
+          <p:cNvPr id="4" name="Slide Number Placeholder 3">
+            <a:extLst>
+              <a:ext uri="{FF2B5EF4-FFF2-40B4-BE49-F238E27FC236}">
+                <a16:creationId xmlns:a16="http://schemas.microsoft.com/office/drawing/2014/main" id="{41B43947-B4F4-73BE-620B-86C1DC828C7D}"/>
+              </a:ext>
+            </a:extLst>
+          </p:cNvPr>
+          <p:cNvSpPr>
+            <a:spLocks noGrp="1"/>
+          </p:cNvSpPr>
+          <p:nvPr>
+            <p:ph type="sldNum" sz="quarter" idx="12"/>
+          </p:nvPr>
+        </p:nvSpPr>
+        <p:spPr/>
+        <p:txBody>
+          <a:bodyPr/>
+          <a:lstStyle/>
+          <a:p>
+            <a:fld id="{5A064C77-022D-3743-A04E-645624933D1D}" type="slidenum">
+              <a:rPr lang="en-US" smtClean="0"/>
+              <a:t>9</a:t>
+            </a:fld>
+            <a:endParaRPr lang="en-US"/>
+          </a:p>
+        </p:txBody>
+      </p:sp>
     </p:spTree>
     <p:extLst>
       <p:ext uri="{BB962C8B-B14F-4D97-AF65-F5344CB8AC3E}">

--- a/slides/day 3/D3C2_Transformers.pptx
+++ b/slides/day 3/D3C2_Transformers.pptx
@@ -139,7 +139,7 @@
 <file path=ppt/charts/chart1.xml><?xml version="1.0" encoding="utf-8"?>
 <c:chartSpace xmlns:c="http://schemas.openxmlformats.org/drawingml/2006/chart" xmlns:a="http://schemas.openxmlformats.org/drawingml/2006/main" xmlns:r="http://schemas.openxmlformats.org/officeDocument/2006/relationships" xmlns:c16r2="http://schemas.microsoft.com/office/drawing/2015/06/chart">
   <c:date1904 val="0"/>
-  <c:lang val="en-US"/>
+  <c:lang val="en-GB"/>
   <c:roundedCorners val="1"/>
   <mc:AlternateContent xmlns:mc="http://schemas.openxmlformats.org/markup-compatibility/2006">
     <mc:Choice xmlns:c14="http://schemas.microsoft.com/office/drawing/2007/8/2/chart" Requires="c14">
@@ -848,7 +848,7 @@
 <file path=ppt/charts/chart2.xml><?xml version="1.0" encoding="utf-8"?>
 <c:chartSpace xmlns:c="http://schemas.openxmlformats.org/drawingml/2006/chart" xmlns:a="http://schemas.openxmlformats.org/drawingml/2006/main" xmlns:r="http://schemas.openxmlformats.org/officeDocument/2006/relationships" xmlns:c16r2="http://schemas.microsoft.com/office/drawing/2015/06/chart">
   <c:date1904 val="0"/>
-  <c:lang val="en-US"/>
+  <c:lang val="en-GB"/>
   <c:roundedCorners val="1"/>
   <c:style val="2"/>
   <c:chart>
@@ -1196,7 +1196,7 @@
           <a:p>
             <a:fld id="{FF5685EE-3D40-0A4E-BB88-46887330FC0A}" type="datetimeFigureOut">
               <a:rPr lang="en-US" smtClean="0"/>
-              <a:t>10/4/2025</a:t>
+              <a:t>10/7/25</a:t>
             </a:fld>
             <a:endParaRPr lang="en-US"/>
           </a:p>
@@ -9162,7 +9162,7 @@
           <a:p>
             <a:r>
               <a:rPr lang="en-US" dirty="0"/>
-              <a:t>Takes a week to run with 64 A100 GPUs (we only have 100)</a:t>
+              <a:t>Takes a week to run with 64 A100 GPUs (we only have 16!)</a:t>
             </a:r>
           </a:p>
         </p:txBody>

--- a/slides/day 3/D3C2_Transformers.pptx
+++ b/slides/day 3/D3C2_Transformers.pptx
@@ -1196,7 +1196,7 @@
           <a:p>
             <a:fld id="{FF5685EE-3D40-0A4E-BB88-46887330FC0A}" type="datetimeFigureOut">
               <a:rPr lang="en-US" smtClean="0"/>
-              <a:t>10/7/25</a:t>
+              <a:t>10/8/2025</a:t>
             </a:fld>
             <a:endParaRPr lang="en-US"/>
           </a:p>
@@ -9710,13 +9710,13 @@
         </p:nvSpPr>
         <p:spPr>
           <a:xfrm>
-            <a:off x="838200" y="2306351"/>
-            <a:ext cx="5257800" cy="3668564"/>
+            <a:off x="838200" y="2306350"/>
+            <a:ext cx="4866249" cy="4171821"/>
           </a:xfrm>
         </p:spPr>
         <p:txBody>
           <a:bodyPr>
-            <a:normAutofit lnSpcReduction="10000"/>
+            <a:normAutofit fontScale="92500" lnSpcReduction="20000"/>
           </a:bodyPr>
           <a:lstStyle/>
           <a:p>
@@ -9755,7 +9755,7 @@
             </a:r>
             <a:r>
               <a:rPr lang="en-US" dirty="0"/>
-              <a:t> code for a transformer model which predicts multiple variables *at a single site*</a:t>
+              <a:t> code for that compares an LSTM with a Transformer model</a:t>
             </a:r>
           </a:p>
           <a:p>
@@ -9775,6 +9775,28 @@
               <a:rPr lang="en-US" dirty="0"/>
               <a:t> file in 5 minutes</a:t>
             </a:r>
+          </a:p>
+          <a:p>
+            <a:endParaRPr lang="en-US" b="1" dirty="0">
+              <a:solidFill>
+                <a:srgbClr val="FF0000"/>
+              </a:solidFill>
+            </a:endParaRPr>
+          </a:p>
+          <a:p>
+            <a:r>
+              <a:rPr lang="en-US" b="1" dirty="0">
+                <a:solidFill>
+                  <a:srgbClr val="FF0000"/>
+                </a:solidFill>
+              </a:rPr>
+              <a:t>Presentations: Quinn School of Business Room 115 at 3pm</a:t>
+            </a:r>
+            <a:endParaRPr lang="en-US" dirty="0">
+              <a:solidFill>
+                <a:srgbClr val="FF0000"/>
+              </a:solidFill>
+            </a:endParaRPr>
           </a:p>
         </p:txBody>
       </p:sp>
